--- a/documentation/sisyphe/convergence_sed.pptx
+++ b/documentation/sisyphe/convergence_sed.pptx
@@ -315,7 +315,7 @@
           <a:p>
             <a:fld id="{AA309A6D-C09C-4548-B29A-6CF363A7E532}" type="datetimeFigureOut">
               <a:rPr lang="fr-FR" smtClean="0"/>
-              <a:t>17/10/2017</a:t>
+              <a:t>13/11/2017</a:t>
             </a:fld>
             <a:endParaRPr lang="fr-BE"/>
           </a:p>
@@ -480,7 +480,7 @@
           <a:p>
             <a:fld id="{AA309A6D-C09C-4548-B29A-6CF363A7E532}" type="datetimeFigureOut">
               <a:rPr lang="fr-FR" smtClean="0"/>
-              <a:t>17/10/2017</a:t>
+              <a:t>13/11/2017</a:t>
             </a:fld>
             <a:endParaRPr lang="fr-BE"/>
           </a:p>
@@ -655,7 +655,7 @@
           <a:p>
             <a:fld id="{AA309A6D-C09C-4548-B29A-6CF363A7E532}" type="datetimeFigureOut">
               <a:rPr lang="fr-FR" smtClean="0"/>
-              <a:t>17/10/2017</a:t>
+              <a:t>13/11/2017</a:t>
             </a:fld>
             <a:endParaRPr lang="fr-BE"/>
           </a:p>
@@ -820,7 +820,7 @@
           <a:p>
             <a:fld id="{AA309A6D-C09C-4548-B29A-6CF363A7E532}" type="datetimeFigureOut">
               <a:rPr lang="fr-FR" smtClean="0"/>
-              <a:t>17/10/2017</a:t>
+              <a:t>13/11/2017</a:t>
             </a:fld>
             <a:endParaRPr lang="fr-BE"/>
           </a:p>
@@ -1061,7 +1061,7 @@
           <a:p>
             <a:fld id="{AA309A6D-C09C-4548-B29A-6CF363A7E532}" type="datetimeFigureOut">
               <a:rPr lang="fr-FR" smtClean="0"/>
-              <a:t>17/10/2017</a:t>
+              <a:t>13/11/2017</a:t>
             </a:fld>
             <a:endParaRPr lang="fr-BE"/>
           </a:p>
@@ -1344,7 +1344,7 @@
           <a:p>
             <a:fld id="{AA309A6D-C09C-4548-B29A-6CF363A7E532}" type="datetimeFigureOut">
               <a:rPr lang="fr-FR" smtClean="0"/>
-              <a:t>17/10/2017</a:t>
+              <a:t>13/11/2017</a:t>
             </a:fld>
             <a:endParaRPr lang="fr-BE"/>
           </a:p>
@@ -1761,7 +1761,7 @@
           <a:p>
             <a:fld id="{AA309A6D-C09C-4548-B29A-6CF363A7E532}" type="datetimeFigureOut">
               <a:rPr lang="fr-FR" smtClean="0"/>
-              <a:t>17/10/2017</a:t>
+              <a:t>13/11/2017</a:t>
             </a:fld>
             <a:endParaRPr lang="fr-BE"/>
           </a:p>
@@ -1874,7 +1874,7 @@
           <a:p>
             <a:fld id="{AA309A6D-C09C-4548-B29A-6CF363A7E532}" type="datetimeFigureOut">
               <a:rPr lang="fr-FR" smtClean="0"/>
-              <a:t>17/10/2017</a:t>
+              <a:t>13/11/2017</a:t>
             </a:fld>
             <a:endParaRPr lang="fr-BE"/>
           </a:p>
@@ -1964,7 +1964,7 @@
           <a:p>
             <a:fld id="{AA309A6D-C09C-4548-B29A-6CF363A7E532}" type="datetimeFigureOut">
               <a:rPr lang="fr-FR" smtClean="0"/>
-              <a:t>17/10/2017</a:t>
+              <a:t>13/11/2017</a:t>
             </a:fld>
             <a:endParaRPr lang="fr-BE"/>
           </a:p>
@@ -2236,7 +2236,7 @@
           <a:p>
             <a:fld id="{AA309A6D-C09C-4548-B29A-6CF363A7E532}" type="datetimeFigureOut">
               <a:rPr lang="fr-FR" smtClean="0"/>
-              <a:t>17/10/2017</a:t>
+              <a:t>13/11/2017</a:t>
             </a:fld>
             <a:endParaRPr lang="fr-BE"/>
           </a:p>
@@ -2484,7 +2484,7 @@
           <a:p>
             <a:fld id="{AA309A6D-C09C-4548-B29A-6CF363A7E532}" type="datetimeFigureOut">
               <a:rPr lang="fr-FR" smtClean="0"/>
-              <a:t>17/10/2017</a:t>
+              <a:t>13/11/2017</a:t>
             </a:fld>
             <a:endParaRPr lang="fr-BE"/>
           </a:p>
@@ -2692,7 +2692,7 @@
           <a:p>
             <a:fld id="{AA309A6D-C09C-4548-B29A-6CF363A7E532}" type="datetimeFigureOut">
               <a:rPr lang="fr-FR" smtClean="0"/>
-              <a:t>17/10/2017</a:t>
+              <a:t>13/11/2017</a:t>
             </a:fld>
             <a:endParaRPr lang="fr-BE"/>
           </a:p>
@@ -3490,7 +3490,39 @@
                   <a:schemeClr val="tx1"/>
                 </a:solidFill>
               </a:rPr>
-              <a:t>    </a:t>
+              <a:t>    (</a:t>
+            </a:r>
+            <a:r>
+              <a:rPr lang="fr-FR" sz="1300" b="1" dirty="0" smtClean="0">
+                <a:solidFill>
+                  <a:schemeClr val="accent1"/>
+                </a:solidFill>
+              </a:rPr>
+              <a:t>pas </a:t>
+            </a:r>
+            <a:r>
+              <a:rPr lang="fr-FR" sz="1300" b="1" dirty="0">
+                <a:solidFill>
+                  <a:schemeClr val="accent1"/>
+                </a:solidFill>
+              </a:rPr>
+              <a:t>de </a:t>
+            </a:r>
+            <a:r>
+              <a:rPr lang="fr-FR" sz="1300" b="1" dirty="0" smtClean="0">
+                <a:solidFill>
+                  <a:schemeClr val="accent1"/>
+                </a:solidFill>
+              </a:rPr>
+              <a:t>choix : </a:t>
+            </a:r>
+            <a:r>
+              <a:rPr lang="fr-FR" sz="1300" dirty="0" err="1" smtClean="0">
+                <a:solidFill>
+                  <a:schemeClr val="tx1"/>
+                </a:solidFill>
+              </a:rPr>
+              <a:t>Krone</a:t>
             </a:r>
             <a:r>
               <a:rPr lang="fr-FR" sz="1300" dirty="0" smtClean="0">
@@ -3498,63 +3530,7 @@
                   <a:schemeClr val="tx1"/>
                 </a:solidFill>
               </a:rPr>
-              <a:t>(</a:t>
-            </a:r>
-            <a:r>
-              <a:rPr lang="fr-FR" sz="1300" b="1" dirty="0" smtClean="0">
-                <a:solidFill>
-                  <a:schemeClr val="accent1"/>
-                </a:solidFill>
-              </a:rPr>
-              <a:t>pas </a:t>
-            </a:r>
-            <a:r>
-              <a:rPr lang="fr-FR" sz="1300" b="1" dirty="0">
-                <a:solidFill>
-                  <a:schemeClr val="accent1"/>
-                </a:solidFill>
-              </a:rPr>
-              <a:t>de </a:t>
-            </a:r>
-            <a:r>
-              <a:rPr lang="fr-FR" sz="1300" b="1" dirty="0" smtClean="0">
-                <a:solidFill>
-                  <a:schemeClr val="accent1"/>
-                </a:solidFill>
-              </a:rPr>
-              <a:t>choix : </a:t>
-            </a:r>
-            <a:r>
-              <a:rPr lang="fr-FR" sz="1300" dirty="0" err="1" smtClean="0">
-                <a:solidFill>
-                  <a:schemeClr val="tx1"/>
-                </a:solidFill>
-              </a:rPr>
-              <a:t>Krone</a:t>
-            </a:r>
-            <a:r>
-              <a:rPr lang="fr-FR" sz="1300" dirty="0" smtClean="0">
-                <a:solidFill>
-                  <a:schemeClr val="tx1"/>
-                </a:solidFill>
-              </a:rPr>
-              <a:t> </a:t>
-            </a:r>
-            <a:r>
-              <a:rPr lang="fr-FR" sz="1300" dirty="0" smtClean="0">
-                <a:solidFill>
-                  <a:schemeClr val="tx1"/>
-                </a:solidFill>
-              </a:rPr>
-              <a:t>et Part en automatique pour les </a:t>
-            </a:r>
-            <a:r>
-              <a:rPr lang="fr-FR" sz="1300" dirty="0" smtClean="0">
-                <a:solidFill>
-                  <a:schemeClr val="tx1"/>
-                </a:solidFill>
-              </a:rPr>
-              <a:t>vases)</a:t>
+              <a:t> et Part en automatique pour les vases)</a:t>
             </a:r>
             <a:endParaRPr lang="fr-FR" sz="1300" dirty="0">
               <a:solidFill>
@@ -6433,7 +6409,7 @@
         <p:spPr>
           <a:xfrm>
             <a:off x="4207720" y="18490"/>
-            <a:ext cx="2524520" cy="6678751"/>
+            <a:ext cx="2524520" cy="6617196"/>
           </a:xfrm>
           <a:prstGeom prst="rect">
             <a:avLst/>
@@ -6532,25 +6508,18 @@
                   </a:schemeClr>
                 </a:solidFill>
               </a:rPr>
-              <a:t>  SEND TO TELEMAC3D (FLUER)</a:t>
-            </a:r>
-          </a:p>
-          <a:p>
-            <a:r>
-              <a:rPr lang="fr-FR" sz="800" dirty="0"/>
-              <a:t>(?+?)</a:t>
-            </a:r>
-          </a:p>
-          <a:p>
-            <a:endParaRPr lang="fr-FR" sz="1200" dirty="0" smtClean="0"/>
-          </a:p>
-          <a:p>
-            <a:r>
-              <a:rPr lang="fr-FR" sz="1200" dirty="0" smtClean="0"/>
-              <a:t>ELSE</a:t>
-            </a:r>
-          </a:p>
-          <a:p>
+              <a:t>  SEND TO TELEMAC3D (</a:t>
+            </a:r>
+            <a:r>
+              <a:rPr lang="fr-FR" sz="1200" dirty="0" smtClean="0">
+                <a:solidFill>
+                  <a:schemeClr val="accent3">
+                    <a:lumMod val="75000"/>
+                  </a:schemeClr>
+                </a:solidFill>
+              </a:rPr>
+              <a:t>FLUER + FLUDPT)</a:t>
+            </a:r>
             <a:endParaRPr lang="fr-FR" sz="1200" dirty="0" smtClean="0">
               <a:solidFill>
                 <a:schemeClr val="accent3">
@@ -6561,25 +6530,57 @@
           </a:p>
           <a:p>
             <a:r>
-              <a:rPr lang="fr-FR" sz="1200" dirty="0" smtClean="0">
+              <a:rPr lang="fr-FR" sz="800" dirty="0" smtClean="0"/>
+              <a:t>   </a:t>
+            </a:r>
+            <a:r>
+              <a:rPr lang="fr-FR" sz="1000" dirty="0" smtClean="0">
                 <a:solidFill>
                   <a:schemeClr val="accent3">
                     <a:lumMod val="75000"/>
                   </a:schemeClr>
                 </a:solidFill>
               </a:rPr>
-              <a:t>  SEND </a:t>
-            </a:r>
-            <a:r>
-              <a:rPr lang="fr-FR" sz="1200" dirty="0">
+              <a:t>**FLUDPT: </a:t>
+            </a:r>
+            <a:r>
+              <a:rPr lang="fr-FR" sz="1000" u="sng" dirty="0" smtClean="0">
                 <a:solidFill>
                   <a:schemeClr val="accent3">
                     <a:lumMod val="75000"/>
                   </a:schemeClr>
                 </a:solidFill>
               </a:rPr>
-              <a:t>TO </a:t>
-            </a:r>
+              <a:t>CONDITIONS LIMITES</a:t>
+            </a:r>
+            <a:endParaRPr lang="fr-FR" sz="1000" u="sng" dirty="0" smtClean="0"/>
+          </a:p>
+          <a:p>
+            <a:r>
+              <a:rPr lang="fr-FR" sz="800" dirty="0" smtClean="0"/>
+              <a:t>(?+?)</a:t>
+            </a:r>
+            <a:endParaRPr lang="fr-FR" sz="800" dirty="0"/>
+          </a:p>
+          <a:p>
+            <a:endParaRPr lang="fr-FR" sz="1200" dirty="0" smtClean="0"/>
+          </a:p>
+          <a:p>
+            <a:r>
+              <a:rPr lang="fr-FR" sz="1200" dirty="0" smtClean="0"/>
+              <a:t>ELSE</a:t>
+            </a:r>
+          </a:p>
+          <a:p>
+            <a:endParaRPr lang="fr-FR" sz="1200" dirty="0" smtClean="0">
+              <a:solidFill>
+                <a:schemeClr val="accent3">
+                  <a:lumMod val="75000"/>
+                </a:schemeClr>
+              </a:solidFill>
+            </a:endParaRPr>
+          </a:p>
+          <a:p>
             <a:r>
               <a:rPr lang="fr-FR" sz="1200" dirty="0" smtClean="0">
                 <a:solidFill>
@@ -6588,7 +6589,7 @@
                   </a:schemeClr>
                 </a:solidFill>
               </a:rPr>
-              <a:t>TELEMAC2D </a:t>
+              <a:t>  SEND </a:t>
             </a:r>
             <a:r>
               <a:rPr lang="fr-FR" sz="1200" dirty="0">
@@ -6598,8 +6599,77 @@
                   </a:schemeClr>
                 </a:solidFill>
               </a:rPr>
-              <a:t>(FLUER)</a:t>
-            </a:r>
+              <a:t>TO </a:t>
+            </a:r>
+            <a:r>
+              <a:rPr lang="fr-FR" sz="1200" dirty="0" smtClean="0">
+                <a:solidFill>
+                  <a:schemeClr val="accent3">
+                    <a:lumMod val="75000"/>
+                  </a:schemeClr>
+                </a:solidFill>
+              </a:rPr>
+              <a:t>TELEMAC2D </a:t>
+            </a:r>
+            <a:r>
+              <a:rPr lang="fr-FR" sz="1200" dirty="0">
+                <a:solidFill>
+                  <a:schemeClr val="accent3">
+                    <a:lumMod val="75000"/>
+                  </a:schemeClr>
+                </a:solidFill>
+              </a:rPr>
+              <a:t>(</a:t>
+            </a:r>
+            <a:r>
+              <a:rPr lang="fr-FR" sz="1200" dirty="0" smtClean="0">
+                <a:solidFill>
+                  <a:schemeClr val="accent3">
+                    <a:lumMod val="75000"/>
+                  </a:schemeClr>
+                </a:solidFill>
+              </a:rPr>
+              <a:t>FLUER + FLUDPT)</a:t>
+            </a:r>
+          </a:p>
+          <a:p>
+            <a:r>
+              <a:rPr lang="fr-FR" sz="1000" smtClean="0">
+                <a:solidFill>
+                  <a:schemeClr val="accent3">
+                    <a:lumMod val="75000"/>
+                  </a:schemeClr>
+                </a:solidFill>
+              </a:rPr>
+              <a:t>  **FLUDPT</a:t>
+            </a:r>
+            <a:r>
+              <a:rPr lang="fr-FR" sz="1000" dirty="0">
+                <a:solidFill>
+                  <a:schemeClr val="accent3">
+                    <a:lumMod val="75000"/>
+                  </a:schemeClr>
+                </a:solidFill>
+              </a:rPr>
+              <a:t>: </a:t>
+            </a:r>
+            <a:r>
+              <a:rPr lang="fr-FR" sz="1000" u="sng" dirty="0" smtClean="0">
+                <a:solidFill>
+                  <a:schemeClr val="accent3">
+                    <a:lumMod val="75000"/>
+                  </a:schemeClr>
+                </a:solidFill>
+              </a:rPr>
+              <a:t>TERMES SOURCES</a:t>
+            </a:r>
+            <a:endParaRPr lang="fr-FR" sz="1000" u="sng" dirty="0">
+              <a:solidFill>
+                <a:schemeClr val="accent3">
+                  <a:lumMod val="75000"/>
+                </a:schemeClr>
+              </a:solidFill>
+            </a:endParaRPr>
           </a:p>
           <a:p>
             <a:r>
@@ -6664,18 +6734,6 @@
           </a:p>
           <a:p>
             <a:endParaRPr lang="fr-FR" sz="1200" dirty="0" smtClean="0"/>
-          </a:p>
-          <a:p>
-            <a:endParaRPr lang="fr-FR" sz="1200" dirty="0" smtClean="0"/>
-          </a:p>
-          <a:p>
-            <a:endParaRPr lang="fr-FR" sz="1200" dirty="0"/>
-          </a:p>
-          <a:p>
-            <a:endParaRPr lang="fr-FR" sz="1200" dirty="0" smtClean="0"/>
-          </a:p>
-          <a:p>
-            <a:endParaRPr lang="fr-FR" sz="1200" dirty="0"/>
           </a:p>
           <a:p>
             <a:endParaRPr lang="fr-FR" sz="1200" dirty="0"/>
@@ -6927,8 +6985,8 @@
         </p:nvCxnSpPr>
         <p:spPr>
           <a:xfrm>
-            <a:off x="6285628" y="2276872"/>
-            <a:ext cx="446612" cy="0"/>
+            <a:off x="6444208" y="2276872"/>
+            <a:ext cx="288032" cy="0"/>
           </a:xfrm>
           <a:prstGeom prst="straightConnector1">
             <a:avLst/>

--- a/documentation/sisyphe/convergence_sed.pptx
+++ b/documentation/sisyphe/convergence_sed.pptx
@@ -17,6 +17,7 @@
     <p:sldId id="257" r:id="rId11"/>
     <p:sldId id="256" r:id="rId12"/>
     <p:sldId id="258" r:id="rId13"/>
+    <p:sldId id="269" r:id="rId14"/>
   </p:sldIdLst>
   <p:sldSz cx="9144000" cy="6858000" type="screen4x3"/>
   <p:notesSz cx="6858000" cy="9144000"/>
@@ -315,7 +316,7 @@
           <a:p>
             <a:fld id="{AA309A6D-C09C-4548-B29A-6CF363A7E532}" type="datetimeFigureOut">
               <a:rPr lang="fr-FR" smtClean="0"/>
-              <a:t>13/11/2017</a:t>
+              <a:t>22/11/2017</a:t>
             </a:fld>
             <a:endParaRPr lang="fr-BE"/>
           </a:p>
@@ -480,7 +481,7 @@
           <a:p>
             <a:fld id="{AA309A6D-C09C-4548-B29A-6CF363A7E532}" type="datetimeFigureOut">
               <a:rPr lang="fr-FR" smtClean="0"/>
-              <a:t>13/11/2017</a:t>
+              <a:t>22/11/2017</a:t>
             </a:fld>
             <a:endParaRPr lang="fr-BE"/>
           </a:p>
@@ -655,7 +656,7 @@
           <a:p>
             <a:fld id="{AA309A6D-C09C-4548-B29A-6CF363A7E532}" type="datetimeFigureOut">
               <a:rPr lang="fr-FR" smtClean="0"/>
-              <a:t>13/11/2017</a:t>
+              <a:t>22/11/2017</a:t>
             </a:fld>
             <a:endParaRPr lang="fr-BE"/>
           </a:p>
@@ -820,7 +821,7 @@
           <a:p>
             <a:fld id="{AA309A6D-C09C-4548-B29A-6CF363A7E532}" type="datetimeFigureOut">
               <a:rPr lang="fr-FR" smtClean="0"/>
-              <a:t>13/11/2017</a:t>
+              <a:t>22/11/2017</a:t>
             </a:fld>
             <a:endParaRPr lang="fr-BE"/>
           </a:p>
@@ -1061,7 +1062,7 @@
           <a:p>
             <a:fld id="{AA309A6D-C09C-4548-B29A-6CF363A7E532}" type="datetimeFigureOut">
               <a:rPr lang="fr-FR" smtClean="0"/>
-              <a:t>13/11/2017</a:t>
+              <a:t>22/11/2017</a:t>
             </a:fld>
             <a:endParaRPr lang="fr-BE"/>
           </a:p>
@@ -1344,7 +1345,7 @@
           <a:p>
             <a:fld id="{AA309A6D-C09C-4548-B29A-6CF363A7E532}" type="datetimeFigureOut">
               <a:rPr lang="fr-FR" smtClean="0"/>
-              <a:t>13/11/2017</a:t>
+              <a:t>22/11/2017</a:t>
             </a:fld>
             <a:endParaRPr lang="fr-BE"/>
           </a:p>
@@ -1761,7 +1762,7 @@
           <a:p>
             <a:fld id="{AA309A6D-C09C-4548-B29A-6CF363A7E532}" type="datetimeFigureOut">
               <a:rPr lang="fr-FR" smtClean="0"/>
-              <a:t>13/11/2017</a:t>
+              <a:t>22/11/2017</a:t>
             </a:fld>
             <a:endParaRPr lang="fr-BE"/>
           </a:p>
@@ -1874,7 +1875,7 @@
           <a:p>
             <a:fld id="{AA309A6D-C09C-4548-B29A-6CF363A7E532}" type="datetimeFigureOut">
               <a:rPr lang="fr-FR" smtClean="0"/>
-              <a:t>13/11/2017</a:t>
+              <a:t>22/11/2017</a:t>
             </a:fld>
             <a:endParaRPr lang="fr-BE"/>
           </a:p>
@@ -1964,7 +1965,7 @@
           <a:p>
             <a:fld id="{AA309A6D-C09C-4548-B29A-6CF363A7E532}" type="datetimeFigureOut">
               <a:rPr lang="fr-FR" smtClean="0"/>
-              <a:t>13/11/2017</a:t>
+              <a:t>22/11/2017</a:t>
             </a:fld>
             <a:endParaRPr lang="fr-BE"/>
           </a:p>
@@ -2236,7 +2237,7 @@
           <a:p>
             <a:fld id="{AA309A6D-C09C-4548-B29A-6CF363A7E532}" type="datetimeFigureOut">
               <a:rPr lang="fr-FR" smtClean="0"/>
-              <a:t>13/11/2017</a:t>
+              <a:t>22/11/2017</a:t>
             </a:fld>
             <a:endParaRPr lang="fr-BE"/>
           </a:p>
@@ -2484,7 +2485,7 @@
           <a:p>
             <a:fld id="{AA309A6D-C09C-4548-B29A-6CF363A7E532}" type="datetimeFigureOut">
               <a:rPr lang="fr-FR" smtClean="0"/>
-              <a:t>13/11/2017</a:t>
+              <a:t>22/11/2017</a:t>
             </a:fld>
             <a:endParaRPr lang="fr-BE"/>
           </a:p>
@@ -2692,7 +2693,7 @@
           <a:p>
             <a:fld id="{AA309A6D-C09C-4548-B29A-6CF363A7E532}" type="datetimeFigureOut">
               <a:rPr lang="fr-FR" smtClean="0"/>
-              <a:t>13/11/2017</a:t>
+              <a:t>22/11/2017</a:t>
             </a:fld>
             <a:endParaRPr lang="fr-BE"/>
           </a:p>
@@ -5375,7 +5376,7 @@
                   </a:schemeClr>
                 </a:solidFill>
               </a:rPr>
-              <a:t>BED_UPDATE_ACTIVE_LAYER_HIRANO.f</a:t>
+              <a:t>UPDATE_ACTIVE_LAYER_HIRANO.f</a:t>
             </a:r>
             <a:r>
               <a:rPr lang="fr-FR" sz="1200" dirty="0" smtClean="0">
@@ -6508,25 +6509,8 @@
                   </a:schemeClr>
                 </a:solidFill>
               </a:rPr>
-              <a:t>  SEND TO TELEMAC3D (</a:t>
-            </a:r>
-            <a:r>
-              <a:rPr lang="fr-FR" sz="1200" dirty="0" smtClean="0">
-                <a:solidFill>
-                  <a:schemeClr val="accent3">
-                    <a:lumMod val="75000"/>
-                  </a:schemeClr>
-                </a:solidFill>
-              </a:rPr>
-              <a:t>FLUER + FLUDPT)</a:t>
-            </a:r>
-            <a:endParaRPr lang="fr-FR" sz="1200" dirty="0" smtClean="0">
-              <a:solidFill>
-                <a:schemeClr val="accent3">
-                  <a:lumMod val="75000"/>
-                </a:schemeClr>
-              </a:solidFill>
-            </a:endParaRPr>
+              <a:t>  SEND TO TELEMAC3D (FLUER + FLUDPT)</a:t>
+            </a:r>
           </a:p>
           <a:p>
             <a:r>
@@ -7347,6 +7331,1689 @@
     <p:extLst>
       <p:ext uri="{BB962C8B-B14F-4D97-AF65-F5344CB8AC3E}">
         <p14:creationId xmlns:p14="http://schemas.microsoft.com/office/powerpoint/2010/main" val="89339560"/>
+      </p:ext>
+    </p:extLst>
+  </p:cSld>
+  <p:clrMapOvr>
+    <a:masterClrMapping/>
+  </p:clrMapOvr>
+  <p:timing>
+    <p:tnLst>
+      <p:par>
+        <p:cTn id="1" dur="indefinite" restart="never" nodeType="tmRoot"/>
+      </p:par>
+    </p:tnLst>
+  </p:timing>
+</p:sld>
+</file>
+
+<file path=ppt/slides/slide13.xml><?xml version="1.0" encoding="utf-8"?>
+<p:sld xmlns:a="http://schemas.openxmlformats.org/drawingml/2006/main" xmlns:r="http://schemas.openxmlformats.org/officeDocument/2006/relationships" xmlns:p="http://schemas.openxmlformats.org/presentationml/2006/main">
+  <p:cSld>
+    <p:spTree>
+      <p:nvGrpSpPr>
+        <p:cNvPr id="1" name=""/>
+        <p:cNvGrpSpPr/>
+        <p:nvPr/>
+      </p:nvGrpSpPr>
+      <p:grpSpPr>
+        <a:xfrm>
+          <a:off x="0" y="0"/>
+          <a:ext cx="0" cy="0"/>
+          <a:chOff x="0" y="0"/>
+          <a:chExt cx="0" cy="0"/>
+        </a:xfrm>
+      </p:grpSpPr>
+      <p:sp>
+        <p:nvSpPr>
+          <p:cNvPr id="4" name="Titre 1"/>
+          <p:cNvSpPr>
+            <a:spLocks noGrp="1"/>
+          </p:cNvSpPr>
+          <p:nvPr>
+            <p:ph type="title"/>
+          </p:nvPr>
+        </p:nvSpPr>
+        <p:spPr>
+          <a:xfrm>
+            <a:off x="2051720" y="192675"/>
+            <a:ext cx="4474840" cy="778098"/>
+          </a:xfrm>
+        </p:spPr>
+        <p:txBody>
+          <a:bodyPr/>
+          <a:lstStyle/>
+          <a:p>
+            <a:r>
+              <a:rPr lang="fr-FR" dirty="0" smtClean="0">
+                <a:solidFill>
+                  <a:schemeClr val="accent3"/>
+                </a:solidFill>
+              </a:rPr>
+              <a:t>INIT_</a:t>
+            </a:r>
+            <a:r>
+              <a:rPr lang="fr-FR" dirty="0">
+                <a:solidFill>
+                  <a:schemeClr val="accent3"/>
+                </a:solidFill>
+              </a:rPr>
+              <a:t>SEDIMENT</a:t>
+            </a:r>
+          </a:p>
+        </p:txBody>
+      </p:sp>
+      <p:sp>
+        <p:nvSpPr>
+          <p:cNvPr id="5" name="Espace réservé du contenu 2"/>
+          <p:cNvSpPr>
+            <a:spLocks noGrp="1"/>
+          </p:cNvSpPr>
+          <p:nvPr>
+            <p:ph idx="1"/>
+          </p:nvPr>
+        </p:nvSpPr>
+        <p:spPr>
+          <a:xfrm>
+            <a:off x="424156" y="970482"/>
+            <a:ext cx="8229600" cy="748680"/>
+          </a:xfrm>
+        </p:spPr>
+        <p:txBody>
+          <a:bodyPr>
+            <a:normAutofit/>
+          </a:bodyPr>
+          <a:lstStyle/>
+          <a:p>
+            <a:pPr marL="0" indent="0">
+              <a:buNone/>
+            </a:pPr>
+            <a:r>
+              <a:rPr lang="fr-FR" dirty="0" smtClean="0"/>
+              <a:t>Case A : 1 layer </a:t>
+            </a:r>
+            <a:r>
+              <a:rPr lang="fr-FR" dirty="0" err="1" smtClean="0"/>
+              <a:t>with</a:t>
+            </a:r>
+            <a:r>
+              <a:rPr lang="fr-FR" dirty="0" smtClean="0"/>
+              <a:t> 1 </a:t>
+            </a:r>
+            <a:r>
+              <a:rPr lang="fr-FR" dirty="0" err="1" smtClean="0"/>
+              <a:t>mud</a:t>
+            </a:r>
+            <a:r>
+              <a:rPr lang="fr-FR" dirty="0" smtClean="0"/>
+              <a:t> and 1 </a:t>
+            </a:r>
+            <a:r>
+              <a:rPr lang="fr-FR" dirty="0" err="1" smtClean="0"/>
+              <a:t>sand</a:t>
+            </a:r>
+            <a:endParaRPr lang="fr-FR" dirty="0"/>
+          </a:p>
+        </p:txBody>
+      </p:sp>
+      <mc:AlternateContent xmlns:mc="http://schemas.openxmlformats.org/markup-compatibility/2006" xmlns:a14="http://schemas.microsoft.com/office/drawing/2010/main">
+        <mc:Choice Requires="a14">
+          <p:sp>
+            <p:nvSpPr>
+              <p:cNvPr id="6" name="Espace réservé du contenu 2"/>
+              <p:cNvSpPr txBox="1">
+                <a:spLocks/>
+              </p:cNvSpPr>
+              <p:nvPr/>
+            </p:nvSpPr>
+            <p:spPr>
+              <a:xfrm>
+                <a:off x="424156" y="1579923"/>
+                <a:ext cx="8229600" cy="1933641"/>
+              </a:xfrm>
+              <a:prstGeom prst="rect">
+                <a:avLst/>
+              </a:prstGeom>
+            </p:spPr>
+            <p:txBody>
+              <a:bodyPr vert="horz" lIns="91440" tIns="45720" rIns="91440" bIns="45720" rtlCol="0">
+                <a:normAutofit fontScale="70000" lnSpcReduction="20000"/>
+              </a:bodyPr>
+              <a:lstStyle>
+                <a:lvl1pPr marL="342900" indent="-342900" algn="l" defTabSz="914400" rtl="0" eaLnBrk="1" latinLnBrk="0" hangingPunct="1">
+                  <a:spcBef>
+                    <a:spcPct val="20000"/>
+                  </a:spcBef>
+                  <a:buFont typeface="Arial" pitchFamily="34" charset="0"/>
+                  <a:buChar char="•"/>
+                  <a:defRPr sz="3200" kern="1200">
+                    <a:solidFill>
+                      <a:schemeClr val="tx1"/>
+                    </a:solidFill>
+                    <a:latin typeface="+mn-lt"/>
+                    <a:ea typeface="+mn-ea"/>
+                    <a:cs typeface="+mn-cs"/>
+                  </a:defRPr>
+                </a:lvl1pPr>
+                <a:lvl2pPr marL="742950" indent="-285750" algn="l" defTabSz="914400" rtl="0" eaLnBrk="1" latinLnBrk="0" hangingPunct="1">
+                  <a:spcBef>
+                    <a:spcPct val="20000"/>
+                  </a:spcBef>
+                  <a:buFont typeface="Arial" pitchFamily="34" charset="0"/>
+                  <a:buChar char="–"/>
+                  <a:defRPr sz="2800" kern="1200">
+                    <a:solidFill>
+                      <a:schemeClr val="tx1"/>
+                    </a:solidFill>
+                    <a:latin typeface="+mn-lt"/>
+                    <a:ea typeface="+mn-ea"/>
+                    <a:cs typeface="+mn-cs"/>
+                  </a:defRPr>
+                </a:lvl2pPr>
+                <a:lvl3pPr marL="1143000" indent="-228600" algn="l" defTabSz="914400" rtl="0" eaLnBrk="1" latinLnBrk="0" hangingPunct="1">
+                  <a:spcBef>
+                    <a:spcPct val="20000"/>
+                  </a:spcBef>
+                  <a:buFont typeface="Arial" pitchFamily="34" charset="0"/>
+                  <a:buChar char="•"/>
+                  <a:defRPr sz="2400" kern="1200">
+                    <a:solidFill>
+                      <a:schemeClr val="tx1"/>
+                    </a:solidFill>
+                    <a:latin typeface="+mn-lt"/>
+                    <a:ea typeface="+mn-ea"/>
+                    <a:cs typeface="+mn-cs"/>
+                  </a:defRPr>
+                </a:lvl3pPr>
+                <a:lvl4pPr marL="1600200" indent="-228600" algn="l" defTabSz="914400" rtl="0" eaLnBrk="1" latinLnBrk="0" hangingPunct="1">
+                  <a:spcBef>
+                    <a:spcPct val="20000"/>
+                  </a:spcBef>
+                  <a:buFont typeface="Arial" pitchFamily="34" charset="0"/>
+                  <a:buChar char="–"/>
+                  <a:defRPr sz="2000" kern="1200">
+                    <a:solidFill>
+                      <a:schemeClr val="tx1"/>
+                    </a:solidFill>
+                    <a:latin typeface="+mn-lt"/>
+                    <a:ea typeface="+mn-ea"/>
+                    <a:cs typeface="+mn-cs"/>
+                  </a:defRPr>
+                </a:lvl4pPr>
+                <a:lvl5pPr marL="2057400" indent="-228600" algn="l" defTabSz="914400" rtl="0" eaLnBrk="1" latinLnBrk="0" hangingPunct="1">
+                  <a:spcBef>
+                    <a:spcPct val="20000"/>
+                  </a:spcBef>
+                  <a:buFont typeface="Arial" pitchFamily="34" charset="0"/>
+                  <a:buChar char="»"/>
+                  <a:defRPr sz="2000" kern="1200">
+                    <a:solidFill>
+                      <a:schemeClr val="tx1"/>
+                    </a:solidFill>
+                    <a:latin typeface="+mn-lt"/>
+                    <a:ea typeface="+mn-ea"/>
+                    <a:cs typeface="+mn-cs"/>
+                  </a:defRPr>
+                </a:lvl5pPr>
+                <a:lvl6pPr marL="2514600" indent="-228600" algn="l" defTabSz="914400" rtl="0" eaLnBrk="1" latinLnBrk="0" hangingPunct="1">
+                  <a:spcBef>
+                    <a:spcPct val="20000"/>
+                  </a:spcBef>
+                  <a:buFont typeface="Arial" pitchFamily="34" charset="0"/>
+                  <a:buChar char="•"/>
+                  <a:defRPr sz="2000" kern="1200">
+                    <a:solidFill>
+                      <a:schemeClr val="tx1"/>
+                    </a:solidFill>
+                    <a:latin typeface="+mn-lt"/>
+                    <a:ea typeface="+mn-ea"/>
+                    <a:cs typeface="+mn-cs"/>
+                  </a:defRPr>
+                </a:lvl6pPr>
+                <a:lvl7pPr marL="2971800" indent="-228600" algn="l" defTabSz="914400" rtl="0" eaLnBrk="1" latinLnBrk="0" hangingPunct="1">
+                  <a:spcBef>
+                    <a:spcPct val="20000"/>
+                  </a:spcBef>
+                  <a:buFont typeface="Arial" pitchFamily="34" charset="0"/>
+                  <a:buChar char="•"/>
+                  <a:defRPr sz="2000" kern="1200">
+                    <a:solidFill>
+                      <a:schemeClr val="tx1"/>
+                    </a:solidFill>
+                    <a:latin typeface="+mn-lt"/>
+                    <a:ea typeface="+mn-ea"/>
+                    <a:cs typeface="+mn-cs"/>
+                  </a:defRPr>
+                </a:lvl7pPr>
+                <a:lvl8pPr marL="3429000" indent="-228600" algn="l" defTabSz="914400" rtl="0" eaLnBrk="1" latinLnBrk="0" hangingPunct="1">
+                  <a:spcBef>
+                    <a:spcPct val="20000"/>
+                  </a:spcBef>
+                  <a:buFont typeface="Arial" pitchFamily="34" charset="0"/>
+                  <a:buChar char="•"/>
+                  <a:defRPr sz="2000" kern="1200">
+                    <a:solidFill>
+                      <a:schemeClr val="tx1"/>
+                    </a:solidFill>
+                    <a:latin typeface="+mn-lt"/>
+                    <a:ea typeface="+mn-ea"/>
+                    <a:cs typeface="+mn-cs"/>
+                  </a:defRPr>
+                </a:lvl8pPr>
+                <a:lvl9pPr marL="3886200" indent="-228600" algn="l" defTabSz="914400" rtl="0" eaLnBrk="1" latinLnBrk="0" hangingPunct="1">
+                  <a:spcBef>
+                    <a:spcPct val="20000"/>
+                  </a:spcBef>
+                  <a:buFont typeface="Arial" pitchFamily="34" charset="0"/>
+                  <a:buChar char="•"/>
+                  <a:defRPr sz="2000" kern="1200">
+                    <a:solidFill>
+                      <a:schemeClr val="tx1"/>
+                    </a:solidFill>
+                    <a:latin typeface="+mn-lt"/>
+                    <a:ea typeface="+mn-ea"/>
+                    <a:cs typeface="+mn-cs"/>
+                  </a:defRPr>
+                </a:lvl9pPr>
+              </a:lstStyle>
+              <a:p>
+                <a:pPr marL="0" indent="0">
+                  <a:buFont typeface="Arial" pitchFamily="34" charset="0"/>
+                  <a:buNone/>
+                </a:pPr>
+                <a:r>
+                  <a:rPr lang="fr-FR" dirty="0" smtClean="0"/>
+                  <a:t>1) The user </a:t>
+                </a:r>
+                <a:r>
+                  <a:rPr lang="fr-FR" dirty="0" err="1" smtClean="0"/>
+                  <a:t>gives</a:t>
+                </a:r>
+                <a:r>
+                  <a:rPr lang="fr-FR" dirty="0" smtClean="0"/>
+                  <a:t> for </a:t>
+                </a:r>
+                <a:r>
+                  <a:rPr lang="fr-FR" dirty="0" err="1" smtClean="0"/>
+                  <a:t>every</a:t>
+                </a:r>
+                <a:r>
+                  <a:rPr lang="fr-FR" dirty="0" smtClean="0"/>
+                  <a:t> layer (</a:t>
+                </a:r>
+                <a:r>
+                  <a:rPr lang="fr-FR" dirty="0" err="1" smtClean="0"/>
+                  <a:t>here</a:t>
+                </a:r>
+                <a:r>
+                  <a:rPr lang="fr-FR" dirty="0" smtClean="0"/>
+                  <a:t> </a:t>
+                </a:r>
+                <a:r>
+                  <a:rPr lang="fr-FR" dirty="0" err="1" smtClean="0"/>
+                  <a:t>just</a:t>
+                </a:r>
+                <a:r>
+                  <a:rPr lang="fr-FR" dirty="0" smtClean="0"/>
+                  <a:t> 1 layer):</a:t>
+                </a:r>
+              </a:p>
+              <a:p>
+                <a:r>
+                  <a:rPr lang="fr-FR" dirty="0" smtClean="0"/>
+                  <a:t>The </a:t>
+                </a:r>
+                <a:r>
+                  <a:rPr lang="fr-FR" dirty="0" err="1" smtClean="0"/>
+                  <a:t>thickness</a:t>
+                </a:r>
+                <a:r>
+                  <a:rPr lang="fr-FR" dirty="0" smtClean="0"/>
+                  <a:t> : </a:t>
+                </a:r>
+                <a:r>
+                  <a:rPr lang="fr-FR" b="1" dirty="0" smtClean="0"/>
+                  <a:t>ES</a:t>
+                </a:r>
+                <a:r>
+                  <a:rPr lang="fr-FR" dirty="0" smtClean="0"/>
+                  <a:t>  in [m]</a:t>
+                </a:r>
+              </a:p>
+              <a:p>
+                <a:r>
+                  <a:rPr lang="fr-FR" dirty="0" smtClean="0"/>
+                  <a:t>The ratio of the </a:t>
+                </a:r>
+                <a:r>
+                  <a:rPr lang="fr-FR" dirty="0" err="1" smtClean="0"/>
+                  <a:t>mud</a:t>
+                </a:r>
+                <a:r>
+                  <a:rPr lang="fr-FR" dirty="0" smtClean="0"/>
+                  <a:t> over the </a:t>
+                </a:r>
+                <a:r>
+                  <a:rPr lang="fr-FR" dirty="0" err="1" smtClean="0"/>
+                  <a:t>sand</a:t>
+                </a:r>
+                <a:r>
+                  <a:rPr lang="fr-FR" dirty="0" smtClean="0"/>
+                  <a:t>: </a:t>
+                </a:r>
+                <a:r>
+                  <a:rPr lang="fr-FR" b="1" dirty="0" smtClean="0"/>
+                  <a:t>RATIO_MUD_SAND</a:t>
+                </a:r>
+                <a:r>
+                  <a:rPr lang="fr-FR" dirty="0" smtClean="0"/>
+                  <a:t> in [/]</a:t>
+                </a:r>
+              </a:p>
+              <a:p>
+                <a:pPr lvl="1"/>
+                <a:r>
+                  <a:rPr lang="fr-FR" dirty="0" smtClean="0"/>
+                  <a:t>It corresponds to the ratio </a:t>
+                </a:r>
+                <a14:m>
+                  <m:oMath xmlns:m="http://schemas.openxmlformats.org/officeDocument/2006/math">
+                    <m:sSub>
+                      <m:sSubPr>
+                        <m:ctrlPr>
+                          <a:rPr lang="fr-FR" b="0" i="1" smtClean="0">
+                            <a:latin typeface="Cambria Math" panose="02040503050406030204" pitchFamily="18" charset="0"/>
+                          </a:rPr>
+                        </m:ctrlPr>
+                      </m:sSubPr>
+                      <m:e>
+                        <m:r>
+                          <a:rPr lang="fr-FR" i="1" smtClean="0">
+                            <a:latin typeface="Cambria Math" panose="02040503050406030204" pitchFamily="18" charset="0"/>
+                          </a:rPr>
+                          <m:t>𝑅</m:t>
+                        </m:r>
+                      </m:e>
+                      <m:sub>
+                        <m:r>
+                          <a:rPr lang="fr-FR" b="0" i="1" smtClean="0">
+                            <a:latin typeface="Cambria Math" panose="02040503050406030204" pitchFamily="18" charset="0"/>
+                          </a:rPr>
+                          <m:t>𝑀</m:t>
+                        </m:r>
+                      </m:sub>
+                    </m:sSub>
+                    <m:r>
+                      <a:rPr lang="fr-FR" b="0" i="1" smtClean="0">
+                        <a:latin typeface="Cambria Math" panose="02040503050406030204" pitchFamily="18" charset="0"/>
+                      </a:rPr>
+                      <m:t>=</m:t>
+                    </m:r>
+                    <m:f>
+                      <m:fPr>
+                        <m:ctrlPr>
+                          <a:rPr lang="fr-FR" b="0" i="1" smtClean="0">
+                            <a:latin typeface="Cambria Math" panose="02040503050406030204" pitchFamily="18" charset="0"/>
+                          </a:rPr>
+                        </m:ctrlPr>
+                      </m:fPr>
+                      <m:num>
+                        <m:r>
+                          <a:rPr lang="fr-FR" b="0" i="1" smtClean="0">
+                            <a:latin typeface="Cambria Math" panose="02040503050406030204" pitchFamily="18" charset="0"/>
+                          </a:rPr>
+                          <m:t>𝑀𝑎𝑠𝑠</m:t>
+                        </m:r>
+                        <m:r>
+                          <a:rPr lang="fr-FR" b="0" i="1" smtClean="0">
+                            <a:latin typeface="Cambria Math" panose="02040503050406030204" pitchFamily="18" charset="0"/>
+                          </a:rPr>
+                          <m:t>_</m:t>
+                        </m:r>
+                        <m:r>
+                          <a:rPr lang="fr-FR" b="0" i="1" smtClean="0">
+                            <a:latin typeface="Cambria Math" panose="02040503050406030204" pitchFamily="18" charset="0"/>
+                          </a:rPr>
+                          <m:t>𝑀𝑈𝐷</m:t>
+                        </m:r>
+                      </m:num>
+                      <m:den>
+                        <m:r>
+                          <a:rPr lang="fr-FR" b="0" i="1" smtClean="0">
+                            <a:latin typeface="Cambria Math" panose="02040503050406030204" pitchFamily="18" charset="0"/>
+                          </a:rPr>
+                          <m:t>𝑀𝑎𝑠𝑠</m:t>
+                        </m:r>
+                        <m:r>
+                          <a:rPr lang="fr-FR" b="0" i="1" smtClean="0">
+                            <a:latin typeface="Cambria Math" panose="02040503050406030204" pitchFamily="18" charset="0"/>
+                          </a:rPr>
+                          <m:t>_</m:t>
+                        </m:r>
+                        <m:r>
+                          <a:rPr lang="fr-FR" b="0" i="1" smtClean="0">
+                            <a:latin typeface="Cambria Math" panose="02040503050406030204" pitchFamily="18" charset="0"/>
+                          </a:rPr>
+                          <m:t>𝑇𝑂𝑇</m:t>
+                        </m:r>
+                      </m:den>
+                    </m:f>
+                  </m:oMath>
+                </a14:m>
+                <a:r>
+                  <a:rPr lang="fr-FR" dirty="0" smtClean="0"/>
+                  <a:t> </a:t>
+                </a:r>
+              </a:p>
+              <a:p>
+                <a:pPr marL="457200" lvl="1" indent="0">
+                  <a:buNone/>
+                </a:pPr>
+                <a:endParaRPr lang="fr-FR" dirty="0"/>
+              </a:p>
+            </p:txBody>
+          </p:sp>
+        </mc:Choice>
+        <mc:Fallback xmlns="">
+          <p:sp>
+            <p:nvSpPr>
+              <p:cNvPr id="6" name="Espace réservé du contenu 2"/>
+              <p:cNvSpPr txBox="1">
+                <a:spLocks noRot="1" noChangeAspect="1" noMove="1" noResize="1" noEditPoints="1" noAdjustHandles="1" noChangeArrowheads="1" noChangeShapeType="1" noTextEdit="1"/>
+              </p:cNvSpPr>
+              <p:nvPr/>
+            </p:nvSpPr>
+            <p:spPr>
+              <a:xfrm>
+                <a:off x="424156" y="1579923"/>
+                <a:ext cx="8229600" cy="1933641"/>
+              </a:xfrm>
+              <a:prstGeom prst="rect">
+                <a:avLst/>
+              </a:prstGeom>
+              <a:blipFill rotWithShape="0">
+                <a:blip r:embed="rId2"/>
+                <a:stretch>
+                  <a:fillRect l="-963" t="-5363"/>
+                </a:stretch>
+              </a:blipFill>
+            </p:spPr>
+            <p:txBody>
+              <a:bodyPr/>
+              <a:lstStyle/>
+              <a:p>
+                <a:r>
+                  <a:rPr lang="fr-FR">
+                    <a:noFill/>
+                  </a:rPr>
+                  <a:t> </a:t>
+                </a:r>
+              </a:p>
+            </p:txBody>
+          </p:sp>
+        </mc:Fallback>
+      </mc:AlternateContent>
+      <mc:AlternateContent xmlns:mc="http://schemas.openxmlformats.org/markup-compatibility/2006" xmlns:a14="http://schemas.microsoft.com/office/drawing/2010/main">
+        <mc:Choice Requires="a14">
+          <p:sp>
+            <p:nvSpPr>
+              <p:cNvPr id="7" name="Espace réservé du contenu 2"/>
+              <p:cNvSpPr txBox="1">
+                <a:spLocks/>
+              </p:cNvSpPr>
+              <p:nvPr/>
+            </p:nvSpPr>
+            <p:spPr>
+              <a:xfrm>
+                <a:off x="381280" y="3068960"/>
+                <a:ext cx="8229600" cy="3672408"/>
+              </a:xfrm>
+              <a:prstGeom prst="rect">
+                <a:avLst/>
+              </a:prstGeom>
+            </p:spPr>
+            <p:txBody>
+              <a:bodyPr vert="horz" lIns="91440" tIns="45720" rIns="91440" bIns="45720" rtlCol="0">
+                <a:normAutofit fontScale="55000" lnSpcReduction="20000"/>
+              </a:bodyPr>
+              <a:lstStyle>
+                <a:lvl1pPr marL="342900" indent="-342900" algn="l" defTabSz="914400" rtl="0" eaLnBrk="1" latinLnBrk="0" hangingPunct="1">
+                  <a:spcBef>
+                    <a:spcPct val="20000"/>
+                  </a:spcBef>
+                  <a:buFont typeface="Arial" pitchFamily="34" charset="0"/>
+                  <a:buChar char="•"/>
+                  <a:defRPr sz="3200" kern="1200">
+                    <a:solidFill>
+                      <a:schemeClr val="tx1"/>
+                    </a:solidFill>
+                    <a:latin typeface="+mn-lt"/>
+                    <a:ea typeface="+mn-ea"/>
+                    <a:cs typeface="+mn-cs"/>
+                  </a:defRPr>
+                </a:lvl1pPr>
+                <a:lvl2pPr marL="742950" indent="-285750" algn="l" defTabSz="914400" rtl="0" eaLnBrk="1" latinLnBrk="0" hangingPunct="1">
+                  <a:spcBef>
+                    <a:spcPct val="20000"/>
+                  </a:spcBef>
+                  <a:buFont typeface="Arial" pitchFamily="34" charset="0"/>
+                  <a:buChar char="–"/>
+                  <a:defRPr sz="2800" kern="1200">
+                    <a:solidFill>
+                      <a:schemeClr val="tx1"/>
+                    </a:solidFill>
+                    <a:latin typeface="+mn-lt"/>
+                    <a:ea typeface="+mn-ea"/>
+                    <a:cs typeface="+mn-cs"/>
+                  </a:defRPr>
+                </a:lvl2pPr>
+                <a:lvl3pPr marL="1143000" indent="-228600" algn="l" defTabSz="914400" rtl="0" eaLnBrk="1" latinLnBrk="0" hangingPunct="1">
+                  <a:spcBef>
+                    <a:spcPct val="20000"/>
+                  </a:spcBef>
+                  <a:buFont typeface="Arial" pitchFamily="34" charset="0"/>
+                  <a:buChar char="•"/>
+                  <a:defRPr sz="2400" kern="1200">
+                    <a:solidFill>
+                      <a:schemeClr val="tx1"/>
+                    </a:solidFill>
+                    <a:latin typeface="+mn-lt"/>
+                    <a:ea typeface="+mn-ea"/>
+                    <a:cs typeface="+mn-cs"/>
+                  </a:defRPr>
+                </a:lvl3pPr>
+                <a:lvl4pPr marL="1600200" indent="-228600" algn="l" defTabSz="914400" rtl="0" eaLnBrk="1" latinLnBrk="0" hangingPunct="1">
+                  <a:spcBef>
+                    <a:spcPct val="20000"/>
+                  </a:spcBef>
+                  <a:buFont typeface="Arial" pitchFamily="34" charset="0"/>
+                  <a:buChar char="–"/>
+                  <a:defRPr sz="2000" kern="1200">
+                    <a:solidFill>
+                      <a:schemeClr val="tx1"/>
+                    </a:solidFill>
+                    <a:latin typeface="+mn-lt"/>
+                    <a:ea typeface="+mn-ea"/>
+                    <a:cs typeface="+mn-cs"/>
+                  </a:defRPr>
+                </a:lvl4pPr>
+                <a:lvl5pPr marL="2057400" indent="-228600" algn="l" defTabSz="914400" rtl="0" eaLnBrk="1" latinLnBrk="0" hangingPunct="1">
+                  <a:spcBef>
+                    <a:spcPct val="20000"/>
+                  </a:spcBef>
+                  <a:buFont typeface="Arial" pitchFamily="34" charset="0"/>
+                  <a:buChar char="»"/>
+                  <a:defRPr sz="2000" kern="1200">
+                    <a:solidFill>
+                      <a:schemeClr val="tx1"/>
+                    </a:solidFill>
+                    <a:latin typeface="+mn-lt"/>
+                    <a:ea typeface="+mn-ea"/>
+                    <a:cs typeface="+mn-cs"/>
+                  </a:defRPr>
+                </a:lvl5pPr>
+                <a:lvl6pPr marL="2514600" indent="-228600" algn="l" defTabSz="914400" rtl="0" eaLnBrk="1" latinLnBrk="0" hangingPunct="1">
+                  <a:spcBef>
+                    <a:spcPct val="20000"/>
+                  </a:spcBef>
+                  <a:buFont typeface="Arial" pitchFamily="34" charset="0"/>
+                  <a:buChar char="•"/>
+                  <a:defRPr sz="2000" kern="1200">
+                    <a:solidFill>
+                      <a:schemeClr val="tx1"/>
+                    </a:solidFill>
+                    <a:latin typeface="+mn-lt"/>
+                    <a:ea typeface="+mn-ea"/>
+                    <a:cs typeface="+mn-cs"/>
+                  </a:defRPr>
+                </a:lvl6pPr>
+                <a:lvl7pPr marL="2971800" indent="-228600" algn="l" defTabSz="914400" rtl="0" eaLnBrk="1" latinLnBrk="0" hangingPunct="1">
+                  <a:spcBef>
+                    <a:spcPct val="20000"/>
+                  </a:spcBef>
+                  <a:buFont typeface="Arial" pitchFamily="34" charset="0"/>
+                  <a:buChar char="•"/>
+                  <a:defRPr sz="2000" kern="1200">
+                    <a:solidFill>
+                      <a:schemeClr val="tx1"/>
+                    </a:solidFill>
+                    <a:latin typeface="+mn-lt"/>
+                    <a:ea typeface="+mn-ea"/>
+                    <a:cs typeface="+mn-cs"/>
+                  </a:defRPr>
+                </a:lvl7pPr>
+                <a:lvl8pPr marL="3429000" indent="-228600" algn="l" defTabSz="914400" rtl="0" eaLnBrk="1" latinLnBrk="0" hangingPunct="1">
+                  <a:spcBef>
+                    <a:spcPct val="20000"/>
+                  </a:spcBef>
+                  <a:buFont typeface="Arial" pitchFamily="34" charset="0"/>
+                  <a:buChar char="•"/>
+                  <a:defRPr sz="2000" kern="1200">
+                    <a:solidFill>
+                      <a:schemeClr val="tx1"/>
+                    </a:solidFill>
+                    <a:latin typeface="+mn-lt"/>
+                    <a:ea typeface="+mn-ea"/>
+                    <a:cs typeface="+mn-cs"/>
+                  </a:defRPr>
+                </a:lvl8pPr>
+                <a:lvl9pPr marL="3886200" indent="-228600" algn="l" defTabSz="914400" rtl="0" eaLnBrk="1" latinLnBrk="0" hangingPunct="1">
+                  <a:spcBef>
+                    <a:spcPct val="20000"/>
+                  </a:spcBef>
+                  <a:buFont typeface="Arial" pitchFamily="34" charset="0"/>
+                  <a:buChar char="•"/>
+                  <a:defRPr sz="2000" kern="1200">
+                    <a:solidFill>
+                      <a:schemeClr val="tx1"/>
+                    </a:solidFill>
+                    <a:latin typeface="+mn-lt"/>
+                    <a:ea typeface="+mn-ea"/>
+                    <a:cs typeface="+mn-cs"/>
+                  </a:defRPr>
+                </a:lvl9pPr>
+              </a:lstStyle>
+              <a:p>
+                <a:pPr marL="0" indent="0">
+                  <a:buFont typeface="Arial" pitchFamily="34" charset="0"/>
+                  <a:buNone/>
+                </a:pPr>
+                <a:r>
+                  <a:rPr lang="fr-FR" dirty="0" smtClean="0"/>
+                  <a:t>2) Sisyphe </a:t>
+                </a:r>
+                <a:r>
+                  <a:rPr lang="fr-FR" dirty="0" err="1" smtClean="0"/>
+                  <a:t>computes</a:t>
+                </a:r>
+                <a:r>
+                  <a:rPr lang="fr-FR" dirty="0" smtClean="0"/>
+                  <a:t> the masses, </a:t>
+                </a:r>
+                <a:r>
+                  <a:rPr lang="fr-FR" dirty="0" err="1" smtClean="0"/>
+                  <a:t>using</a:t>
+                </a:r>
+                <a:r>
+                  <a:rPr lang="fr-FR" dirty="0" smtClean="0"/>
+                  <a:t> </a:t>
+                </a:r>
+                <a:r>
+                  <a:rPr lang="fr-FR" dirty="0" err="1" smtClean="0"/>
+                  <a:t>other</a:t>
+                </a:r>
+                <a:r>
+                  <a:rPr lang="fr-FR" dirty="0" smtClean="0"/>
+                  <a:t> </a:t>
+                </a:r>
+                <a:r>
+                  <a:rPr lang="fr-FR" dirty="0" err="1" smtClean="0"/>
+                  <a:t>parameters</a:t>
+                </a:r>
+                <a:r>
+                  <a:rPr lang="fr-FR" dirty="0" smtClean="0"/>
+                  <a:t> </a:t>
+                </a:r>
+                <a:r>
+                  <a:rPr lang="fr-FR" dirty="0" err="1" smtClean="0"/>
+                  <a:t>given</a:t>
+                </a:r>
+                <a:r>
+                  <a:rPr lang="fr-FR" dirty="0" smtClean="0"/>
+                  <a:t> in the </a:t>
+                </a:r>
+                <a:r>
+                  <a:rPr lang="fr-FR" dirty="0" err="1" smtClean="0"/>
+                  <a:t>steering</a:t>
+                </a:r>
+                <a:r>
+                  <a:rPr lang="fr-FR" dirty="0" smtClean="0"/>
+                  <a:t> file : </a:t>
+                </a:r>
+              </a:p>
+              <a:p>
+                <a:r>
+                  <a:rPr lang="fr-FR" dirty="0" err="1" smtClean="0"/>
+                  <a:t>Sediment</a:t>
+                </a:r>
+                <a:r>
+                  <a:rPr lang="fr-FR" dirty="0" smtClean="0"/>
+                  <a:t> </a:t>
+                </a:r>
+                <a:r>
+                  <a:rPr lang="fr-FR" dirty="0" err="1" smtClean="0"/>
+                  <a:t>density</a:t>
+                </a:r>
+                <a:r>
+                  <a:rPr lang="fr-FR" dirty="0" smtClean="0"/>
+                  <a:t> </a:t>
+                </a:r>
+                <a:r>
+                  <a:rPr lang="fr-FR" b="1" dirty="0" smtClean="0"/>
+                  <a:t>XKVS</a:t>
+                </a:r>
+                <a:r>
+                  <a:rPr lang="fr-FR" dirty="0" smtClean="0"/>
+                  <a:t> :</a:t>
+                </a:r>
+                <a:r>
+                  <a:rPr lang="fr-FR" dirty="0">
+                    <a:ea typeface="Cambria Math" panose="02040503050406030204" pitchFamily="18" charset="0"/>
+                  </a:rPr>
+                  <a:t> </a:t>
+                </a:r>
+                <a14:m>
+                  <m:oMath xmlns:m="http://schemas.openxmlformats.org/officeDocument/2006/math">
+                    <m:sSub>
+                      <m:sSubPr>
+                        <m:ctrlPr>
+                          <a:rPr lang="fr-FR" i="1">
+                            <a:latin typeface="Cambria Math" panose="02040503050406030204" pitchFamily="18" charset="0"/>
+                            <a:ea typeface="Cambria Math" panose="02040503050406030204" pitchFamily="18" charset="0"/>
+                          </a:rPr>
+                        </m:ctrlPr>
+                      </m:sSubPr>
+                      <m:e>
+                        <m:r>
+                          <a:rPr lang="fr-FR" i="1">
+                            <a:latin typeface="Cambria Math" panose="02040503050406030204" pitchFamily="18" charset="0"/>
+                            <a:ea typeface="Cambria Math" panose="02040503050406030204" pitchFamily="18" charset="0"/>
+                          </a:rPr>
+                          <m:t>𝜌</m:t>
+                        </m:r>
+                      </m:e>
+                      <m:sub>
+                        <m:r>
+                          <a:rPr lang="fr-FR" b="0" i="1" smtClean="0">
+                            <a:latin typeface="Cambria Math" panose="02040503050406030204" pitchFamily="18" charset="0"/>
+                            <a:ea typeface="Cambria Math" panose="02040503050406030204" pitchFamily="18" charset="0"/>
+                          </a:rPr>
+                          <m:t>𝑆𝐴𝑁𝐷</m:t>
+                        </m:r>
+                      </m:sub>
+                    </m:sSub>
+                  </m:oMath>
+                </a14:m>
+                <a:r>
+                  <a:rPr lang="fr-FR" dirty="0" smtClean="0"/>
+                  <a:t>  in [kg/m^3] </a:t>
+                </a:r>
+                <a:r>
+                  <a:rPr lang="fr-FR" dirty="0" err="1" smtClean="0"/>
+                  <a:t>which</a:t>
+                </a:r>
+                <a:r>
+                  <a:rPr lang="fr-FR" dirty="0" smtClean="0"/>
+                  <a:t> </a:t>
+                </a:r>
+                <a:r>
+                  <a:rPr lang="fr-FR" dirty="0" err="1" smtClean="0"/>
+                  <a:t>is</a:t>
+                </a:r>
+                <a:r>
+                  <a:rPr lang="fr-FR" dirty="0" smtClean="0"/>
+                  <a:t> the </a:t>
+                </a:r>
+                <a:r>
+                  <a:rPr lang="fr-FR" dirty="0" err="1" smtClean="0"/>
+                  <a:t>sand</a:t>
+                </a:r>
+                <a:r>
+                  <a:rPr lang="fr-FR" dirty="0" smtClean="0"/>
+                  <a:t> </a:t>
+                </a:r>
+                <a:r>
+                  <a:rPr lang="fr-FR" dirty="0" err="1" smtClean="0"/>
+                  <a:t>density</a:t>
+                </a:r>
+                <a:endParaRPr lang="fr-FR" dirty="0" smtClean="0"/>
+              </a:p>
+              <a:p>
+                <a:r>
+                  <a:rPr lang="fr-FR" dirty="0" err="1" smtClean="0"/>
+                  <a:t>Mud</a:t>
+                </a:r>
+                <a:r>
+                  <a:rPr lang="fr-FR" dirty="0" smtClean="0"/>
+                  <a:t> </a:t>
+                </a:r>
+                <a:r>
+                  <a:rPr lang="fr-FR" dirty="0" err="1" smtClean="0"/>
+                  <a:t>density</a:t>
+                </a:r>
+                <a:r>
+                  <a:rPr lang="fr-FR" dirty="0" smtClean="0"/>
+                  <a:t> </a:t>
+                </a:r>
+                <a:r>
+                  <a:rPr lang="fr-FR" b="1" dirty="0" smtClean="0"/>
+                  <a:t>CONC_VASE</a:t>
+                </a:r>
+                <a:r>
+                  <a:rPr lang="fr-FR" dirty="0" smtClean="0"/>
+                  <a:t> : </a:t>
+                </a:r>
+                <a14:m>
+                  <m:oMath xmlns:m="http://schemas.openxmlformats.org/officeDocument/2006/math">
+                    <m:sSub>
+                      <m:sSubPr>
+                        <m:ctrlPr>
+                          <a:rPr lang="fr-FR" i="1">
+                            <a:latin typeface="Cambria Math" panose="02040503050406030204" pitchFamily="18" charset="0"/>
+                            <a:ea typeface="Cambria Math" panose="02040503050406030204" pitchFamily="18" charset="0"/>
+                          </a:rPr>
+                        </m:ctrlPr>
+                      </m:sSubPr>
+                      <m:e>
+                        <m:r>
+                          <a:rPr lang="fr-FR" i="1">
+                            <a:latin typeface="Cambria Math" panose="02040503050406030204" pitchFamily="18" charset="0"/>
+                            <a:ea typeface="Cambria Math" panose="02040503050406030204" pitchFamily="18" charset="0"/>
+                          </a:rPr>
+                          <m:t>𝜌</m:t>
+                        </m:r>
+                      </m:e>
+                      <m:sub>
+                        <m:r>
+                          <a:rPr lang="fr-FR" b="0" i="1" smtClean="0">
+                            <a:latin typeface="Cambria Math" panose="02040503050406030204" pitchFamily="18" charset="0"/>
+                            <a:ea typeface="Cambria Math" panose="02040503050406030204" pitchFamily="18" charset="0"/>
+                          </a:rPr>
+                          <m:t>𝑀𝑈𝐷</m:t>
+                        </m:r>
+                      </m:sub>
+                    </m:sSub>
+                  </m:oMath>
+                </a14:m>
+                <a:r>
+                  <a:rPr lang="fr-FR" dirty="0" smtClean="0"/>
+                  <a:t>in [kg/m^3]</a:t>
+                </a:r>
+              </a:p>
+              <a:p>
+                <a:r>
+                  <a:rPr lang="fr-FR" dirty="0" err="1" smtClean="0"/>
+                  <a:t>Bed</a:t>
+                </a:r>
+                <a:r>
+                  <a:rPr lang="fr-FR" dirty="0" smtClean="0"/>
+                  <a:t> </a:t>
+                </a:r>
+                <a:r>
+                  <a:rPr lang="fr-FR" dirty="0" err="1" smtClean="0"/>
+                  <a:t>porosity</a:t>
+                </a:r>
+                <a:r>
+                  <a:rPr lang="fr-FR" dirty="0" smtClean="0"/>
+                  <a:t> </a:t>
+                </a:r>
+                <a:r>
+                  <a:rPr lang="fr-FR" b="1" dirty="0" smtClean="0"/>
+                  <a:t>XKV</a:t>
+                </a:r>
+                <a:r>
+                  <a:rPr lang="fr-FR" dirty="0" smtClean="0"/>
+                  <a:t> in [/] </a:t>
+                </a:r>
+                <a:r>
+                  <a:rPr lang="fr-FR" dirty="0" err="1" smtClean="0"/>
+                  <a:t>which</a:t>
+                </a:r>
+                <a:r>
+                  <a:rPr lang="fr-FR" dirty="0" smtClean="0"/>
+                  <a:t> </a:t>
+                </a:r>
+                <a:r>
+                  <a:rPr lang="fr-FR" dirty="0" err="1" smtClean="0"/>
+                  <a:t>is</a:t>
+                </a:r>
+                <a:r>
+                  <a:rPr lang="fr-FR" dirty="0"/>
+                  <a:t> </a:t>
+                </a:r>
+                <a:r>
+                  <a:rPr lang="fr-FR" dirty="0" smtClean="0"/>
+                  <a:t>the ratio : </a:t>
+                </a:r>
+                <a14:m>
+                  <m:oMath xmlns:m="http://schemas.openxmlformats.org/officeDocument/2006/math">
+                    <m:r>
+                      <m:rPr>
+                        <m:sty m:val="p"/>
+                      </m:rPr>
+                      <a:rPr lang="fr-FR" b="0" i="0" smtClean="0">
+                        <a:latin typeface="Cambria Math" panose="02040503050406030204" pitchFamily="18" charset="0"/>
+                      </a:rPr>
+                      <m:t>n</m:t>
+                    </m:r>
+                    <m:r>
+                      <a:rPr lang="fr-FR" b="0" i="0" smtClean="0">
+                        <a:latin typeface="Cambria Math" panose="02040503050406030204" pitchFamily="18" charset="0"/>
+                      </a:rPr>
+                      <m:t>=</m:t>
+                    </m:r>
+                    <m:f>
+                      <m:fPr>
+                        <m:ctrlPr>
+                          <a:rPr lang="fr-FR" i="1">
+                            <a:latin typeface="Cambria Math" panose="02040503050406030204" pitchFamily="18" charset="0"/>
+                          </a:rPr>
+                        </m:ctrlPr>
+                      </m:fPr>
+                      <m:num>
+                        <m:r>
+                          <a:rPr lang="fr-FR" b="0" i="1" smtClean="0">
+                            <a:latin typeface="Cambria Math" panose="02040503050406030204" pitchFamily="18" charset="0"/>
+                          </a:rPr>
+                          <m:t>𝑉𝑜𝑙𝑢𝑚𝑒</m:t>
+                        </m:r>
+                        <m:r>
+                          <a:rPr lang="fr-FR" i="1">
+                            <a:latin typeface="Cambria Math" panose="02040503050406030204" pitchFamily="18" charset="0"/>
+                          </a:rPr>
+                          <m:t>_</m:t>
+                        </m:r>
+                        <m:r>
+                          <a:rPr lang="fr-FR" b="0" i="1" smtClean="0">
+                            <a:latin typeface="Cambria Math" panose="02040503050406030204" pitchFamily="18" charset="0"/>
+                          </a:rPr>
+                          <m:t>𝑒𝑚𝑝𝑡𝑦</m:t>
+                        </m:r>
+                      </m:num>
+                      <m:den>
+                        <m:r>
+                          <a:rPr lang="fr-FR" b="0" i="1" smtClean="0">
+                            <a:latin typeface="Cambria Math" panose="02040503050406030204" pitchFamily="18" charset="0"/>
+                          </a:rPr>
+                          <m:t>𝑉𝑜𝑙𝑢𝑚𝑒</m:t>
+                        </m:r>
+                        <m:r>
+                          <a:rPr lang="fr-FR" i="1">
+                            <a:latin typeface="Cambria Math" panose="02040503050406030204" pitchFamily="18" charset="0"/>
+                          </a:rPr>
+                          <m:t>_</m:t>
+                        </m:r>
+                        <m:r>
+                          <a:rPr lang="fr-FR" i="1">
+                            <a:latin typeface="Cambria Math" panose="02040503050406030204" pitchFamily="18" charset="0"/>
+                          </a:rPr>
+                          <m:t>𝑇𝑂𝑇</m:t>
+                        </m:r>
+                      </m:den>
+                    </m:f>
+                  </m:oMath>
+                </a14:m>
+                <a:r>
+                  <a:rPr lang="fr-FR" dirty="0" smtClean="0"/>
+                  <a:t>=</a:t>
+                </a:r>
+                <a14:m>
+                  <m:oMath xmlns:m="http://schemas.openxmlformats.org/officeDocument/2006/math">
+                    <m:f>
+                      <m:fPr>
+                        <m:ctrlPr>
+                          <a:rPr lang="fr-FR" i="1">
+                            <a:latin typeface="Cambria Math" panose="02040503050406030204" pitchFamily="18" charset="0"/>
+                          </a:rPr>
+                        </m:ctrlPr>
+                      </m:fPr>
+                      <m:num>
+                        <m:r>
+                          <a:rPr lang="fr-FR" i="1">
+                            <a:latin typeface="Cambria Math" panose="02040503050406030204" pitchFamily="18" charset="0"/>
+                          </a:rPr>
+                          <m:t>𝑉𝑜𝑙𝑢𝑚𝑒</m:t>
+                        </m:r>
+                        <m:r>
+                          <a:rPr lang="fr-FR" i="1">
+                            <a:latin typeface="Cambria Math" panose="02040503050406030204" pitchFamily="18" charset="0"/>
+                          </a:rPr>
+                          <m:t>_</m:t>
+                        </m:r>
+                        <m:r>
+                          <a:rPr lang="fr-FR" i="1">
+                            <a:latin typeface="Cambria Math" panose="02040503050406030204" pitchFamily="18" charset="0"/>
+                          </a:rPr>
+                          <m:t>𝑒𝑚𝑝𝑡𝑦</m:t>
+                        </m:r>
+                      </m:num>
+                      <m:den>
+                        <m:r>
+                          <a:rPr lang="fr-FR" b="0" i="1" smtClean="0">
+                            <a:latin typeface="Cambria Math" panose="02040503050406030204" pitchFamily="18" charset="0"/>
+                          </a:rPr>
+                          <m:t>𝐸𝑆</m:t>
+                        </m:r>
+                        <m:r>
+                          <a:rPr lang="fr-FR" b="0" i="1" smtClean="0">
+                            <a:latin typeface="Cambria Math" panose="02040503050406030204" pitchFamily="18" charset="0"/>
+                          </a:rPr>
+                          <m:t>∗</m:t>
+                        </m:r>
+                        <m:r>
+                          <a:rPr lang="fr-FR" b="0" i="1" smtClean="0">
+                            <a:latin typeface="Cambria Math" panose="02040503050406030204" pitchFamily="18" charset="0"/>
+                          </a:rPr>
+                          <m:t>𝑠𝑢𝑟𝑓𝑎𝑐</m:t>
+                        </m:r>
+                      </m:den>
+                    </m:f>
+                  </m:oMath>
+                </a14:m>
+                <a:endParaRPr lang="fr-FR" dirty="0" smtClean="0"/>
+              </a:p>
+              <a:p>
+                <a:r>
+                  <a:rPr lang="fr-FR" dirty="0" smtClean="0"/>
+                  <a:t>Formula for </a:t>
+                </a:r>
+                <a:r>
+                  <a:rPr lang="fr-FR" dirty="0" err="1" smtClean="0"/>
+                  <a:t>sand</a:t>
+                </a:r>
+                <a:r>
+                  <a:rPr lang="fr-FR" dirty="0" smtClean="0"/>
+                  <a:t> mass </a:t>
+                </a:r>
+                <a:r>
+                  <a:rPr lang="fr-FR" b="1" dirty="0" smtClean="0"/>
+                  <a:t>MASS_SAND</a:t>
+                </a:r>
+                <a:r>
+                  <a:rPr lang="fr-FR" dirty="0" smtClean="0"/>
+                  <a:t> :</a:t>
+                </a:r>
+              </a:p>
+              <a:p>
+                <a:pPr marL="0" lvl="1" indent="0">
+                  <a:buNone/>
+                </a:pPr>
+                <a:r>
+                  <a:rPr lang="fr-FR" dirty="0" smtClean="0"/>
+                  <a:t>            </a:t>
+                </a:r>
+                <a14:m>
+                  <m:oMath xmlns:m="http://schemas.openxmlformats.org/officeDocument/2006/math">
+                    <m:sSub>
+                      <m:sSubPr>
+                        <m:ctrlPr>
+                          <a:rPr lang="fr-FR" i="1">
+                            <a:latin typeface="Cambria Math" panose="02040503050406030204" pitchFamily="18" charset="0"/>
+                          </a:rPr>
+                        </m:ctrlPr>
+                      </m:sSubPr>
+                      <m:e>
+                        <m:r>
+                          <a:rPr lang="fr-FR" b="0" i="1" smtClean="0">
+                            <a:latin typeface="Cambria Math" panose="02040503050406030204" pitchFamily="18" charset="0"/>
+                          </a:rPr>
+                          <m:t>𝑀</m:t>
+                        </m:r>
+                      </m:e>
+                      <m:sub>
+                        <m:r>
+                          <a:rPr lang="fr-FR" b="0" i="1" smtClean="0">
+                            <a:latin typeface="Cambria Math" panose="02040503050406030204" pitchFamily="18" charset="0"/>
+                          </a:rPr>
+                          <m:t>𝑠𝑎𝑛𝑑</m:t>
+                        </m:r>
+                      </m:sub>
+                    </m:sSub>
+                    <m:r>
+                      <a:rPr lang="fr-FR" i="1">
+                        <a:latin typeface="Cambria Math" panose="02040503050406030204" pitchFamily="18" charset="0"/>
+                      </a:rPr>
+                      <m:t>=</m:t>
+                    </m:r>
+                    <m:r>
+                      <a:rPr lang="fr-FR" i="1">
+                        <a:latin typeface="Cambria Math" panose="02040503050406030204" pitchFamily="18" charset="0"/>
+                      </a:rPr>
+                      <m:t>𝐸𝑆</m:t>
+                    </m:r>
+                    <m:r>
+                      <a:rPr lang="fr-FR" b="0" i="1" smtClean="0">
+                        <a:latin typeface="Cambria Math" panose="02040503050406030204" pitchFamily="18" charset="0"/>
+                      </a:rPr>
+                      <m:t>∗</m:t>
+                    </m:r>
+                    <m:r>
+                      <a:rPr lang="fr-FR" b="0" i="1" smtClean="0">
+                        <a:latin typeface="Cambria Math" panose="02040503050406030204" pitchFamily="18" charset="0"/>
+                      </a:rPr>
+                      <m:t>𝑠𝑢𝑟𝑓𝑎𝑐</m:t>
+                    </m:r>
+                    <m:r>
+                      <a:rPr lang="fr-FR" i="1">
+                        <a:latin typeface="Cambria Math" panose="02040503050406030204" pitchFamily="18" charset="0"/>
+                      </a:rPr>
+                      <m:t>∗</m:t>
+                    </m:r>
+                    <m:r>
+                      <a:rPr lang="fr-FR" b="0" i="1" smtClean="0">
+                        <a:latin typeface="Cambria Math" panose="02040503050406030204" pitchFamily="18" charset="0"/>
+                      </a:rPr>
+                      <m:t>(1−</m:t>
+                    </m:r>
+                    <m:sSub>
+                      <m:sSubPr>
+                        <m:ctrlPr>
+                          <a:rPr lang="fr-FR" i="1">
+                            <a:latin typeface="Cambria Math" panose="02040503050406030204" pitchFamily="18" charset="0"/>
+                          </a:rPr>
+                        </m:ctrlPr>
+                      </m:sSubPr>
+                      <m:e>
+                        <m:r>
+                          <a:rPr lang="fr-FR" i="1">
+                            <a:latin typeface="Cambria Math" panose="02040503050406030204" pitchFamily="18" charset="0"/>
+                          </a:rPr>
+                          <m:t>𝑅</m:t>
+                        </m:r>
+                      </m:e>
+                      <m:sub>
+                        <m:r>
+                          <a:rPr lang="fr-FR" b="0" i="1" smtClean="0">
+                            <a:latin typeface="Cambria Math" panose="02040503050406030204" pitchFamily="18" charset="0"/>
+                          </a:rPr>
+                          <m:t>𝑀</m:t>
+                        </m:r>
+                      </m:sub>
+                    </m:sSub>
+                    <m:r>
+                      <a:rPr lang="fr-FR" b="0" i="1" smtClean="0">
+                        <a:latin typeface="Cambria Math" panose="02040503050406030204" pitchFamily="18" charset="0"/>
+                      </a:rPr>
+                      <m:t>)</m:t>
+                    </m:r>
+                    <m:r>
+                      <a:rPr lang="fr-FR" i="1">
+                        <a:latin typeface="Cambria Math" panose="02040503050406030204" pitchFamily="18" charset="0"/>
+                      </a:rPr>
+                      <m:t>∗</m:t>
+                    </m:r>
+                    <m:sSub>
+                      <m:sSubPr>
+                        <m:ctrlPr>
+                          <a:rPr lang="fr-FR" i="1">
+                            <a:latin typeface="Cambria Math" panose="02040503050406030204" pitchFamily="18" charset="0"/>
+                            <a:ea typeface="Cambria Math" panose="02040503050406030204" pitchFamily="18" charset="0"/>
+                          </a:rPr>
+                        </m:ctrlPr>
+                      </m:sSubPr>
+                      <m:e>
+                        <m:r>
+                          <a:rPr lang="fr-FR" i="1">
+                            <a:latin typeface="Cambria Math" panose="02040503050406030204" pitchFamily="18" charset="0"/>
+                            <a:ea typeface="Cambria Math" panose="02040503050406030204" pitchFamily="18" charset="0"/>
+                          </a:rPr>
+                          <m:t>𝜌</m:t>
+                        </m:r>
+                      </m:e>
+                      <m:sub>
+                        <m:r>
+                          <a:rPr lang="fr-FR" i="1">
+                            <a:latin typeface="Cambria Math" panose="02040503050406030204" pitchFamily="18" charset="0"/>
+                            <a:ea typeface="Cambria Math" panose="02040503050406030204" pitchFamily="18" charset="0"/>
+                          </a:rPr>
+                          <m:t>𝑆𝐴𝑁𝐷</m:t>
+                        </m:r>
+                      </m:sub>
+                    </m:sSub>
+                  </m:oMath>
+                </a14:m>
+                <a:endParaRPr lang="fr-FR" dirty="0" smtClean="0"/>
+              </a:p>
+              <a:p>
+                <a:r>
+                  <a:rPr lang="fr-FR" dirty="0" smtClean="0"/>
+                  <a:t>Formula for </a:t>
+                </a:r>
+                <a:r>
+                  <a:rPr lang="fr-FR" dirty="0" err="1" smtClean="0"/>
+                  <a:t>mud</a:t>
+                </a:r>
+                <a:r>
+                  <a:rPr lang="fr-FR" dirty="0" smtClean="0"/>
+                  <a:t> mass </a:t>
+                </a:r>
+                <a:r>
+                  <a:rPr lang="fr-FR" b="1" dirty="0" smtClean="0"/>
+                  <a:t>MASS_MUD</a:t>
+                </a:r>
+                <a:r>
+                  <a:rPr lang="fr-FR" dirty="0" smtClean="0"/>
+                  <a:t> :</a:t>
+                </a:r>
+              </a:p>
+              <a:p>
+                <a:pPr marL="400050" lvl="1" indent="0">
+                  <a:buNone/>
+                </a:pPr>
+                <a14:m>
+                  <m:oMath xmlns:m="http://schemas.openxmlformats.org/officeDocument/2006/math">
+                    <m:sSub>
+                      <m:sSubPr>
+                        <m:ctrlPr>
+                          <a:rPr lang="fr-FR" i="1">
+                            <a:latin typeface="Cambria Math" panose="02040503050406030204" pitchFamily="18" charset="0"/>
+                          </a:rPr>
+                        </m:ctrlPr>
+                      </m:sSubPr>
+                      <m:e>
+                        <m:r>
+                          <a:rPr lang="fr-FR" i="1">
+                            <a:latin typeface="Cambria Math" panose="02040503050406030204" pitchFamily="18" charset="0"/>
+                          </a:rPr>
+                          <m:t>𝑀</m:t>
+                        </m:r>
+                      </m:e>
+                      <m:sub>
+                        <m:r>
+                          <a:rPr lang="fr-FR" i="1">
+                            <a:latin typeface="Cambria Math" panose="02040503050406030204" pitchFamily="18" charset="0"/>
+                          </a:rPr>
+                          <m:t>𝑚𝑢𝑑</m:t>
+                        </m:r>
+                      </m:sub>
+                    </m:sSub>
+                    <m:r>
+                      <a:rPr lang="fr-FR" i="1">
+                        <a:latin typeface="Cambria Math" panose="02040503050406030204" pitchFamily="18" charset="0"/>
+                      </a:rPr>
+                      <m:t>=</m:t>
+                    </m:r>
+                    <m:r>
+                      <a:rPr lang="fr-FR" i="1">
+                        <a:latin typeface="Cambria Math" panose="02040503050406030204" pitchFamily="18" charset="0"/>
+                      </a:rPr>
+                      <m:t>𝐸𝑆</m:t>
+                    </m:r>
+                    <m:r>
+                      <a:rPr lang="fr-FR" b="0" i="1" smtClean="0">
+                        <a:latin typeface="Cambria Math" panose="02040503050406030204" pitchFamily="18" charset="0"/>
+                      </a:rPr>
+                      <m:t>∗</m:t>
+                    </m:r>
+                    <m:r>
+                      <a:rPr lang="fr-FR" b="0" i="1" smtClean="0">
+                        <a:latin typeface="Cambria Math" panose="02040503050406030204" pitchFamily="18" charset="0"/>
+                      </a:rPr>
+                      <m:t>𝑠𝑢𝑟𝑓𝑎𝑐</m:t>
+                    </m:r>
+                    <m:r>
+                      <a:rPr lang="fr-FR" i="1">
+                        <a:latin typeface="Cambria Math" panose="02040503050406030204" pitchFamily="18" charset="0"/>
+                      </a:rPr>
+                      <m:t>∗</m:t>
+                    </m:r>
+                    <m:sSub>
+                      <m:sSubPr>
+                        <m:ctrlPr>
+                          <a:rPr lang="fr-FR" i="1">
+                            <a:latin typeface="Cambria Math" panose="02040503050406030204" pitchFamily="18" charset="0"/>
+                          </a:rPr>
+                        </m:ctrlPr>
+                      </m:sSubPr>
+                      <m:e>
+                        <m:r>
+                          <a:rPr lang="fr-FR" i="1">
+                            <a:latin typeface="Cambria Math" panose="02040503050406030204" pitchFamily="18" charset="0"/>
+                          </a:rPr>
+                          <m:t>𝑅</m:t>
+                        </m:r>
+                      </m:e>
+                      <m:sub>
+                        <m:r>
+                          <a:rPr lang="fr-FR" i="1">
+                            <a:latin typeface="Cambria Math" panose="02040503050406030204" pitchFamily="18" charset="0"/>
+                          </a:rPr>
+                          <m:t>𝑀</m:t>
+                        </m:r>
+                      </m:sub>
+                    </m:sSub>
+                    <m:r>
+                      <a:rPr lang="fr-FR" i="1">
+                        <a:latin typeface="Cambria Math" panose="02040503050406030204" pitchFamily="18" charset="0"/>
+                      </a:rPr>
+                      <m:t>∗</m:t>
+                    </m:r>
+                  </m:oMath>
+                </a14:m>
+                <a:r>
+                  <a:rPr lang="fr-FR" dirty="0">
+                    <a:ea typeface="Cambria Math" panose="02040503050406030204" pitchFamily="18" charset="0"/>
+                  </a:rPr>
+                  <a:t> </a:t>
+                </a:r>
+                <a14:m>
+                  <m:oMath xmlns:m="http://schemas.openxmlformats.org/officeDocument/2006/math">
+                    <m:sSub>
+                      <m:sSubPr>
+                        <m:ctrlPr>
+                          <a:rPr lang="fr-FR" i="1">
+                            <a:latin typeface="Cambria Math" panose="02040503050406030204" pitchFamily="18" charset="0"/>
+                            <a:ea typeface="Cambria Math" panose="02040503050406030204" pitchFamily="18" charset="0"/>
+                          </a:rPr>
+                        </m:ctrlPr>
+                      </m:sSubPr>
+                      <m:e>
+                        <m:r>
+                          <a:rPr lang="fr-FR" i="1">
+                            <a:latin typeface="Cambria Math" panose="02040503050406030204" pitchFamily="18" charset="0"/>
+                            <a:ea typeface="Cambria Math" panose="02040503050406030204" pitchFamily="18" charset="0"/>
+                          </a:rPr>
+                          <m:t>𝜌</m:t>
+                        </m:r>
+                      </m:e>
+                      <m:sub>
+                        <m:r>
+                          <a:rPr lang="fr-FR" i="1">
+                            <a:latin typeface="Cambria Math" panose="02040503050406030204" pitchFamily="18" charset="0"/>
+                            <a:ea typeface="Cambria Math" panose="02040503050406030204" pitchFamily="18" charset="0"/>
+                          </a:rPr>
+                          <m:t>𝑀𝑈𝐷</m:t>
+                        </m:r>
+                      </m:sub>
+                    </m:sSub>
+                  </m:oMath>
+                </a14:m>
+                <a:endParaRPr lang="fr-FR" dirty="0" smtClean="0"/>
+              </a:p>
+              <a:p>
+                <a:r>
+                  <a:rPr lang="fr-FR" dirty="0" smtClean="0"/>
+                  <a:t>Formula for total mass </a:t>
+                </a:r>
+                <a:r>
+                  <a:rPr lang="fr-FR" b="1" dirty="0" smtClean="0"/>
+                  <a:t>MASS_TOT</a:t>
+                </a:r>
+                <a:r>
+                  <a:rPr lang="fr-FR" dirty="0" smtClean="0"/>
+                  <a:t> : </a:t>
+                </a:r>
+              </a:p>
+              <a:p>
+                <a:pPr marL="457200" lvl="1" indent="0">
+                  <a:buNone/>
+                </a:pPr>
+                <a14:m>
+                  <m:oMath xmlns:m="http://schemas.openxmlformats.org/officeDocument/2006/math">
+                    <m:sSub>
+                      <m:sSubPr>
+                        <m:ctrlPr>
+                          <a:rPr lang="fr-FR" b="0" i="1" smtClean="0">
+                            <a:latin typeface="Cambria Math" panose="02040503050406030204" pitchFamily="18" charset="0"/>
+                          </a:rPr>
+                        </m:ctrlPr>
+                      </m:sSubPr>
+                      <m:e>
+                        <m:r>
+                          <a:rPr lang="fr-FR" b="0" i="1" smtClean="0">
+                            <a:latin typeface="Cambria Math" panose="02040503050406030204" pitchFamily="18" charset="0"/>
+                          </a:rPr>
+                          <m:t>𝑀</m:t>
+                        </m:r>
+                      </m:e>
+                      <m:sub>
+                        <m:r>
+                          <a:rPr lang="fr-FR" b="0" i="1" smtClean="0">
+                            <a:latin typeface="Cambria Math" panose="02040503050406030204" pitchFamily="18" charset="0"/>
+                          </a:rPr>
+                          <m:t>𝑇𝑂𝑇</m:t>
+                        </m:r>
+                      </m:sub>
+                    </m:sSub>
+                    <m:r>
+                      <a:rPr lang="fr-FR" b="0" i="1" smtClean="0">
+                        <a:latin typeface="Cambria Math" panose="02040503050406030204" pitchFamily="18" charset="0"/>
+                      </a:rPr>
+                      <m:t>=</m:t>
+                    </m:r>
+                    <m:r>
+                      <a:rPr lang="fr-FR" b="0" i="1" smtClean="0">
+                        <a:latin typeface="Cambria Math" panose="02040503050406030204" pitchFamily="18" charset="0"/>
+                      </a:rPr>
+                      <m:t>𝐸𝑆</m:t>
+                    </m:r>
+                    <m:r>
+                      <a:rPr lang="fr-FR" b="0" i="1" smtClean="0">
+                        <a:latin typeface="Cambria Math" panose="02040503050406030204" pitchFamily="18" charset="0"/>
+                      </a:rPr>
+                      <m:t>∗</m:t>
+                    </m:r>
+                    <m:r>
+                      <a:rPr lang="fr-FR" b="0" i="1" smtClean="0">
+                        <a:latin typeface="Cambria Math" panose="02040503050406030204" pitchFamily="18" charset="0"/>
+                      </a:rPr>
+                      <m:t>𝑠𝑢𝑟𝑓𝑎𝑐</m:t>
+                    </m:r>
+                    <m:r>
+                      <a:rPr lang="fr-FR" b="0" i="1" smtClean="0">
+                        <a:latin typeface="Cambria Math" panose="02040503050406030204" pitchFamily="18" charset="0"/>
+                      </a:rPr>
+                      <m:t>∗</m:t>
+                    </m:r>
+                    <m:sSub>
+                      <m:sSubPr>
+                        <m:ctrlPr>
+                          <a:rPr lang="fr-FR" b="0" i="1" smtClean="0">
+                            <a:latin typeface="Cambria Math" panose="02040503050406030204" pitchFamily="18" charset="0"/>
+                          </a:rPr>
+                        </m:ctrlPr>
+                      </m:sSubPr>
+                      <m:e>
+                        <m:r>
+                          <a:rPr lang="fr-FR" b="0" i="1" smtClean="0">
+                            <a:latin typeface="Cambria Math" panose="02040503050406030204" pitchFamily="18" charset="0"/>
+                          </a:rPr>
+                          <m:t>(</m:t>
+                        </m:r>
+                        <m:r>
+                          <a:rPr lang="fr-FR" b="0" i="1" smtClean="0">
+                            <a:latin typeface="Cambria Math" panose="02040503050406030204" pitchFamily="18" charset="0"/>
+                          </a:rPr>
+                          <m:t>𝑅</m:t>
+                        </m:r>
+                      </m:e>
+                      <m:sub>
+                        <m:r>
+                          <a:rPr lang="fr-FR" b="0" i="1" smtClean="0">
+                            <a:latin typeface="Cambria Math" panose="02040503050406030204" pitchFamily="18" charset="0"/>
+                          </a:rPr>
+                          <m:t>𝑀</m:t>
+                        </m:r>
+                      </m:sub>
+                    </m:sSub>
+                    <m:r>
+                      <a:rPr lang="fr-FR" b="0" i="1" smtClean="0">
+                        <a:latin typeface="Cambria Math" panose="02040503050406030204" pitchFamily="18" charset="0"/>
+                      </a:rPr>
+                      <m:t>∗</m:t>
+                    </m:r>
+                  </m:oMath>
+                </a14:m>
+                <a:r>
+                  <a:rPr lang="fr-FR" dirty="0">
+                    <a:ea typeface="Cambria Math" panose="02040503050406030204" pitchFamily="18" charset="0"/>
+                  </a:rPr>
+                  <a:t> </a:t>
+                </a:r>
+                <a14:m>
+                  <m:oMath xmlns:m="http://schemas.openxmlformats.org/officeDocument/2006/math">
+                    <m:sSub>
+                      <m:sSubPr>
+                        <m:ctrlPr>
+                          <a:rPr lang="fr-FR" i="1">
+                            <a:latin typeface="Cambria Math" panose="02040503050406030204" pitchFamily="18" charset="0"/>
+                            <a:ea typeface="Cambria Math" panose="02040503050406030204" pitchFamily="18" charset="0"/>
+                          </a:rPr>
+                        </m:ctrlPr>
+                      </m:sSubPr>
+                      <m:e>
+                        <m:r>
+                          <a:rPr lang="fr-FR" i="1">
+                            <a:latin typeface="Cambria Math" panose="02040503050406030204" pitchFamily="18" charset="0"/>
+                            <a:ea typeface="Cambria Math" panose="02040503050406030204" pitchFamily="18" charset="0"/>
+                          </a:rPr>
+                          <m:t>𝜌</m:t>
+                        </m:r>
+                      </m:e>
+                      <m:sub>
+                        <m:r>
+                          <a:rPr lang="fr-FR" i="1">
+                            <a:latin typeface="Cambria Math" panose="02040503050406030204" pitchFamily="18" charset="0"/>
+                            <a:ea typeface="Cambria Math" panose="02040503050406030204" pitchFamily="18" charset="0"/>
+                          </a:rPr>
+                          <m:t>𝑀𝑈𝐷</m:t>
+                        </m:r>
+                      </m:sub>
+                    </m:sSub>
+                    <m:r>
+                      <a:rPr lang="fr-FR" b="0" i="1" smtClean="0">
+                        <a:latin typeface="Cambria Math" panose="02040503050406030204" pitchFamily="18" charset="0"/>
+                        <a:ea typeface="Cambria Math" panose="02040503050406030204" pitchFamily="18" charset="0"/>
+                      </a:rPr>
+                      <m:t>+</m:t>
+                    </m:r>
+                    <m:r>
+                      <a:rPr lang="fr-FR" i="1">
+                        <a:latin typeface="Cambria Math" panose="02040503050406030204" pitchFamily="18" charset="0"/>
+                      </a:rPr>
+                      <m:t>(1−</m:t>
+                    </m:r>
+                    <m:sSub>
+                      <m:sSubPr>
+                        <m:ctrlPr>
+                          <a:rPr lang="fr-FR" i="1">
+                            <a:latin typeface="Cambria Math" panose="02040503050406030204" pitchFamily="18" charset="0"/>
+                          </a:rPr>
+                        </m:ctrlPr>
+                      </m:sSubPr>
+                      <m:e>
+                        <m:r>
+                          <a:rPr lang="fr-FR" i="1">
+                            <a:latin typeface="Cambria Math" panose="02040503050406030204" pitchFamily="18" charset="0"/>
+                          </a:rPr>
+                          <m:t>𝑅</m:t>
+                        </m:r>
+                      </m:e>
+                      <m:sub>
+                        <m:r>
+                          <a:rPr lang="fr-FR" i="1">
+                            <a:latin typeface="Cambria Math" panose="02040503050406030204" pitchFamily="18" charset="0"/>
+                          </a:rPr>
+                          <m:t>𝑀</m:t>
+                        </m:r>
+                      </m:sub>
+                    </m:sSub>
+                    <m:r>
+                      <a:rPr lang="fr-FR" i="1">
+                        <a:latin typeface="Cambria Math" panose="02040503050406030204" pitchFamily="18" charset="0"/>
+                      </a:rPr>
+                      <m:t>)∗</m:t>
+                    </m:r>
+                    <m:sSub>
+                      <m:sSubPr>
+                        <m:ctrlPr>
+                          <a:rPr lang="fr-FR" i="1">
+                            <a:latin typeface="Cambria Math" panose="02040503050406030204" pitchFamily="18" charset="0"/>
+                            <a:ea typeface="Cambria Math" panose="02040503050406030204" pitchFamily="18" charset="0"/>
+                          </a:rPr>
+                        </m:ctrlPr>
+                      </m:sSubPr>
+                      <m:e>
+                        <m:r>
+                          <a:rPr lang="fr-FR" i="1">
+                            <a:latin typeface="Cambria Math" panose="02040503050406030204" pitchFamily="18" charset="0"/>
+                            <a:ea typeface="Cambria Math" panose="02040503050406030204" pitchFamily="18" charset="0"/>
+                          </a:rPr>
+                          <m:t>𝜌</m:t>
+                        </m:r>
+                      </m:e>
+                      <m:sub>
+                        <m:r>
+                          <a:rPr lang="fr-FR" i="1">
+                            <a:latin typeface="Cambria Math" panose="02040503050406030204" pitchFamily="18" charset="0"/>
+                            <a:ea typeface="Cambria Math" panose="02040503050406030204" pitchFamily="18" charset="0"/>
+                          </a:rPr>
+                          <m:t>𝑆𝐴𝑁𝐷</m:t>
+                        </m:r>
+                      </m:sub>
+                    </m:sSub>
+                  </m:oMath>
+                </a14:m>
+                <a:r>
+                  <a:rPr lang="fr-FR" dirty="0" smtClean="0">
+                    <a:ea typeface="Cambria Math" panose="02040503050406030204" pitchFamily="18" charset="0"/>
+                  </a:rPr>
+                  <a:t>)</a:t>
+                </a:r>
+              </a:p>
+              <a:p>
+                <a:pPr marL="57150" indent="0">
+                  <a:buNone/>
+                </a:pPr>
+                <a:r>
+                  <a:rPr lang="fr-FR" dirty="0" smtClean="0">
+                    <a:ea typeface="Cambria Math" panose="02040503050406030204" pitchFamily="18" charset="0"/>
+                  </a:rPr>
+                  <a:t> </a:t>
+                </a:r>
+              </a:p>
+              <a:p>
+                <a:pPr marL="457200" lvl="1" indent="0">
+                  <a:buNone/>
+                </a:pPr>
+                <a:endParaRPr lang="fr-FR" dirty="0" smtClean="0"/>
+              </a:p>
+            </p:txBody>
+          </p:sp>
+        </mc:Choice>
+        <mc:Fallback xmlns="">
+          <p:sp>
+            <p:nvSpPr>
+              <p:cNvPr id="7" name="Espace réservé du contenu 2"/>
+              <p:cNvSpPr txBox="1">
+                <a:spLocks noRot="1" noChangeAspect="1" noMove="1" noResize="1" noEditPoints="1" noAdjustHandles="1" noChangeArrowheads="1" noChangeShapeType="1" noTextEdit="1"/>
+              </p:cNvSpPr>
+              <p:nvPr/>
+            </p:nvSpPr>
+            <p:spPr>
+              <a:xfrm>
+                <a:off x="381280" y="3068960"/>
+                <a:ext cx="8229600" cy="3672408"/>
+              </a:xfrm>
+              <a:prstGeom prst="rect">
+                <a:avLst/>
+              </a:prstGeom>
+              <a:blipFill rotWithShape="0">
+                <a:blip r:embed="rId3"/>
+                <a:stretch>
+                  <a:fillRect l="-667" t="-2156"/>
+                </a:stretch>
+              </a:blipFill>
+            </p:spPr>
+            <p:txBody>
+              <a:bodyPr/>
+              <a:lstStyle/>
+              <a:p>
+                <a:r>
+                  <a:rPr lang="fr-FR">
+                    <a:noFill/>
+                  </a:rPr>
+                  <a:t> </a:t>
+                </a:r>
+              </a:p>
+            </p:txBody>
+          </p:sp>
+        </mc:Fallback>
+      </mc:AlternateContent>
+    </p:spTree>
+    <p:extLst>
+      <p:ext uri="{BB962C8B-B14F-4D97-AF65-F5344CB8AC3E}">
+        <p14:creationId xmlns:p14="http://schemas.microsoft.com/office/powerpoint/2010/main" val="1785874031"/>
       </p:ext>
     </p:extLst>
   </p:cSld>

--- a/documentation/sisyphe/convergence_sed.pptx
+++ b/documentation/sisyphe/convergence_sed.pptx
@@ -316,7 +316,7 @@
           <a:p>
             <a:fld id="{AA309A6D-C09C-4548-B29A-6CF363A7E532}" type="datetimeFigureOut">
               <a:rPr lang="fr-FR" smtClean="0"/>
-              <a:t>22/11/2017</a:t>
+              <a:t>24/11/2017</a:t>
             </a:fld>
             <a:endParaRPr lang="fr-BE"/>
           </a:p>
@@ -481,7 +481,7 @@
           <a:p>
             <a:fld id="{AA309A6D-C09C-4548-B29A-6CF363A7E532}" type="datetimeFigureOut">
               <a:rPr lang="fr-FR" smtClean="0"/>
-              <a:t>22/11/2017</a:t>
+              <a:t>24/11/2017</a:t>
             </a:fld>
             <a:endParaRPr lang="fr-BE"/>
           </a:p>
@@ -656,7 +656,7 @@
           <a:p>
             <a:fld id="{AA309A6D-C09C-4548-B29A-6CF363A7E532}" type="datetimeFigureOut">
               <a:rPr lang="fr-FR" smtClean="0"/>
-              <a:t>22/11/2017</a:t>
+              <a:t>24/11/2017</a:t>
             </a:fld>
             <a:endParaRPr lang="fr-BE"/>
           </a:p>
@@ -821,7 +821,7 @@
           <a:p>
             <a:fld id="{AA309A6D-C09C-4548-B29A-6CF363A7E532}" type="datetimeFigureOut">
               <a:rPr lang="fr-FR" smtClean="0"/>
-              <a:t>22/11/2017</a:t>
+              <a:t>24/11/2017</a:t>
             </a:fld>
             <a:endParaRPr lang="fr-BE"/>
           </a:p>
@@ -1062,7 +1062,7 @@
           <a:p>
             <a:fld id="{AA309A6D-C09C-4548-B29A-6CF363A7E532}" type="datetimeFigureOut">
               <a:rPr lang="fr-FR" smtClean="0"/>
-              <a:t>22/11/2017</a:t>
+              <a:t>24/11/2017</a:t>
             </a:fld>
             <a:endParaRPr lang="fr-BE"/>
           </a:p>
@@ -1345,7 +1345,7 @@
           <a:p>
             <a:fld id="{AA309A6D-C09C-4548-B29A-6CF363A7E532}" type="datetimeFigureOut">
               <a:rPr lang="fr-FR" smtClean="0"/>
-              <a:t>22/11/2017</a:t>
+              <a:t>24/11/2017</a:t>
             </a:fld>
             <a:endParaRPr lang="fr-BE"/>
           </a:p>
@@ -1762,7 +1762,7 @@
           <a:p>
             <a:fld id="{AA309A6D-C09C-4548-B29A-6CF363A7E532}" type="datetimeFigureOut">
               <a:rPr lang="fr-FR" smtClean="0"/>
-              <a:t>22/11/2017</a:t>
+              <a:t>24/11/2017</a:t>
             </a:fld>
             <a:endParaRPr lang="fr-BE"/>
           </a:p>
@@ -1875,7 +1875,7 @@
           <a:p>
             <a:fld id="{AA309A6D-C09C-4548-B29A-6CF363A7E532}" type="datetimeFigureOut">
               <a:rPr lang="fr-FR" smtClean="0"/>
-              <a:t>22/11/2017</a:t>
+              <a:t>24/11/2017</a:t>
             </a:fld>
             <a:endParaRPr lang="fr-BE"/>
           </a:p>
@@ -1965,7 +1965,7 @@
           <a:p>
             <a:fld id="{AA309A6D-C09C-4548-B29A-6CF363A7E532}" type="datetimeFigureOut">
               <a:rPr lang="fr-FR" smtClean="0"/>
-              <a:t>22/11/2017</a:t>
+              <a:t>24/11/2017</a:t>
             </a:fld>
             <a:endParaRPr lang="fr-BE"/>
           </a:p>
@@ -2237,7 +2237,7 @@
           <a:p>
             <a:fld id="{AA309A6D-C09C-4548-B29A-6CF363A7E532}" type="datetimeFigureOut">
               <a:rPr lang="fr-FR" smtClean="0"/>
-              <a:t>22/11/2017</a:t>
+              <a:t>24/11/2017</a:t>
             </a:fld>
             <a:endParaRPr lang="fr-BE"/>
           </a:p>
@@ -2485,7 +2485,7 @@
           <a:p>
             <a:fld id="{AA309A6D-C09C-4548-B29A-6CF363A7E532}" type="datetimeFigureOut">
               <a:rPr lang="fr-FR" smtClean="0"/>
-              <a:t>22/11/2017</a:t>
+              <a:t>24/11/2017</a:t>
             </a:fld>
             <a:endParaRPr lang="fr-BE"/>
           </a:p>
@@ -2693,7 +2693,7 @@
           <a:p>
             <a:fld id="{AA309A6D-C09C-4548-B29A-6CF363A7E532}" type="datetimeFigureOut">
               <a:rPr lang="fr-FR" smtClean="0"/>
-              <a:t>22/11/2017</a:t>
+              <a:t>24/11/2017</a:t>
             </a:fld>
             <a:endParaRPr lang="fr-BE"/>
           </a:p>
@@ -5376,7 +5376,7 @@
                   </a:schemeClr>
                 </a:solidFill>
               </a:rPr>
-              <a:t>UPDATE_ACTIVE_LAYER_HIRANO.f</a:t>
+              <a:t>UPDATE_ACTIVELAYER_HIRANO.f</a:t>
             </a:r>
             <a:r>
               <a:rPr lang="fr-FR" sz="1200" dirty="0" smtClean="0">

--- a/documentation/sisyphe/convergence_sed.pptx
+++ b/documentation/sisyphe/convergence_sed.pptx
@@ -316,7 +316,7 @@
           <a:p>
             <a:fld id="{AA309A6D-C09C-4548-B29A-6CF363A7E532}" type="datetimeFigureOut">
               <a:rPr lang="fr-FR" smtClean="0"/>
-              <a:t>24/11/2017</a:t>
+              <a:t>27/11/2017</a:t>
             </a:fld>
             <a:endParaRPr lang="fr-BE"/>
           </a:p>
@@ -481,7 +481,7 @@
           <a:p>
             <a:fld id="{AA309A6D-C09C-4548-B29A-6CF363A7E532}" type="datetimeFigureOut">
               <a:rPr lang="fr-FR" smtClean="0"/>
-              <a:t>24/11/2017</a:t>
+              <a:t>27/11/2017</a:t>
             </a:fld>
             <a:endParaRPr lang="fr-BE"/>
           </a:p>
@@ -656,7 +656,7 @@
           <a:p>
             <a:fld id="{AA309A6D-C09C-4548-B29A-6CF363A7E532}" type="datetimeFigureOut">
               <a:rPr lang="fr-FR" smtClean="0"/>
-              <a:t>24/11/2017</a:t>
+              <a:t>27/11/2017</a:t>
             </a:fld>
             <a:endParaRPr lang="fr-BE"/>
           </a:p>
@@ -821,7 +821,7 @@
           <a:p>
             <a:fld id="{AA309A6D-C09C-4548-B29A-6CF363A7E532}" type="datetimeFigureOut">
               <a:rPr lang="fr-FR" smtClean="0"/>
-              <a:t>24/11/2017</a:t>
+              <a:t>27/11/2017</a:t>
             </a:fld>
             <a:endParaRPr lang="fr-BE"/>
           </a:p>
@@ -1062,7 +1062,7 @@
           <a:p>
             <a:fld id="{AA309A6D-C09C-4548-B29A-6CF363A7E532}" type="datetimeFigureOut">
               <a:rPr lang="fr-FR" smtClean="0"/>
-              <a:t>24/11/2017</a:t>
+              <a:t>27/11/2017</a:t>
             </a:fld>
             <a:endParaRPr lang="fr-BE"/>
           </a:p>
@@ -1345,7 +1345,7 @@
           <a:p>
             <a:fld id="{AA309A6D-C09C-4548-B29A-6CF363A7E532}" type="datetimeFigureOut">
               <a:rPr lang="fr-FR" smtClean="0"/>
-              <a:t>24/11/2017</a:t>
+              <a:t>27/11/2017</a:t>
             </a:fld>
             <a:endParaRPr lang="fr-BE"/>
           </a:p>
@@ -1762,7 +1762,7 @@
           <a:p>
             <a:fld id="{AA309A6D-C09C-4548-B29A-6CF363A7E532}" type="datetimeFigureOut">
               <a:rPr lang="fr-FR" smtClean="0"/>
-              <a:t>24/11/2017</a:t>
+              <a:t>27/11/2017</a:t>
             </a:fld>
             <a:endParaRPr lang="fr-BE"/>
           </a:p>
@@ -1875,7 +1875,7 @@
           <a:p>
             <a:fld id="{AA309A6D-C09C-4548-B29A-6CF363A7E532}" type="datetimeFigureOut">
               <a:rPr lang="fr-FR" smtClean="0"/>
-              <a:t>24/11/2017</a:t>
+              <a:t>27/11/2017</a:t>
             </a:fld>
             <a:endParaRPr lang="fr-BE"/>
           </a:p>
@@ -1965,7 +1965,7 @@
           <a:p>
             <a:fld id="{AA309A6D-C09C-4548-B29A-6CF363A7E532}" type="datetimeFigureOut">
               <a:rPr lang="fr-FR" smtClean="0"/>
-              <a:t>24/11/2017</a:t>
+              <a:t>27/11/2017</a:t>
             </a:fld>
             <a:endParaRPr lang="fr-BE"/>
           </a:p>
@@ -2237,7 +2237,7 @@
           <a:p>
             <a:fld id="{AA309A6D-C09C-4548-B29A-6CF363A7E532}" type="datetimeFigureOut">
               <a:rPr lang="fr-FR" smtClean="0"/>
-              <a:t>24/11/2017</a:t>
+              <a:t>27/11/2017</a:t>
             </a:fld>
             <a:endParaRPr lang="fr-BE"/>
           </a:p>
@@ -2485,7 +2485,7 @@
           <a:p>
             <a:fld id="{AA309A6D-C09C-4548-B29A-6CF363A7E532}" type="datetimeFigureOut">
               <a:rPr lang="fr-FR" smtClean="0"/>
-              <a:t>24/11/2017</a:t>
+              <a:t>27/11/2017</a:t>
             </a:fld>
             <a:endParaRPr lang="fr-BE"/>
           </a:p>
@@ -2693,7 +2693,7 @@
           <a:p>
             <a:fld id="{AA309A6D-C09C-4548-B29A-6CF363A7E532}" type="datetimeFigureOut">
               <a:rPr lang="fr-FR" smtClean="0"/>
-              <a:t>24/11/2017</a:t>
+              <a:t>27/11/2017</a:t>
             </a:fld>
             <a:endParaRPr lang="fr-BE"/>
           </a:p>
@@ -5178,79 +5178,25 @@
                   </a:schemeClr>
                 </a:solidFill>
               </a:rPr>
-              <a:t>  If (CONSOLIDATION)THEN</a:t>
-            </a:r>
-          </a:p>
-          <a:p>
-            <a:r>
-              <a:rPr lang="fr-FR" sz="1200" dirty="0">
+              <a:t>  If (</a:t>
+            </a:r>
+            <a:r>
+              <a:rPr lang="fr-FR" sz="1200" dirty="0" smtClean="0">
                 <a:solidFill>
                   <a:schemeClr val="accent3">
                     <a:lumMod val="75000"/>
                   </a:schemeClr>
                 </a:solidFill>
               </a:rPr>
-              <a:t> </a:t>
+              <a:t>CONSOLIDATION)THEN </a:t>
             </a:r>
             <a:r>
               <a:rPr lang="fr-FR" sz="1200" dirty="0" smtClean="0">
                 <a:solidFill>
-                  <a:schemeClr val="accent3">
-                    <a:lumMod val="75000"/>
-                  </a:schemeClr>
-                </a:solidFill>
-              </a:rPr>
-              <a:t>   </a:t>
-            </a:r>
-            <a:r>
-              <a:rPr lang="fr-FR" sz="1200" dirty="0">
-                <a:solidFill>
-                  <a:schemeClr val="accent3">
-                    <a:lumMod val="75000"/>
-                  </a:schemeClr>
-                </a:solidFill>
-              </a:rPr>
-              <a:t>STOP ‘Not </a:t>
-            </a:r>
-            <a:r>
-              <a:rPr lang="fr-FR" sz="1200" dirty="0" err="1">
-                <a:solidFill>
-                  <a:schemeClr val="accent3">
-                    <a:lumMod val="75000"/>
-                  </a:schemeClr>
-                </a:solidFill>
-              </a:rPr>
-              <a:t>programmed</a:t>
-            </a:r>
-            <a:r>
-              <a:rPr lang="fr-FR" sz="1200" dirty="0">
-                <a:solidFill>
-                  <a:schemeClr val="accent3">
-                    <a:lumMod val="75000"/>
-                  </a:schemeClr>
-                </a:solidFill>
-              </a:rPr>
-              <a:t> </a:t>
-            </a:r>
-            <a:r>
-              <a:rPr lang="fr-FR" sz="1200" dirty="0" err="1">
-                <a:solidFill>
-                  <a:schemeClr val="accent3">
-                    <a:lumMod val="75000"/>
-                  </a:schemeClr>
-                </a:solidFill>
-              </a:rPr>
-              <a:t>yet</a:t>
-            </a:r>
-            <a:r>
-              <a:rPr lang="fr-FR" sz="1200" dirty="0">
-                <a:solidFill>
-                  <a:schemeClr val="accent3">
-                    <a:lumMod val="75000"/>
-                  </a:schemeClr>
-                </a:solidFill>
-              </a:rPr>
-              <a:t>’</a:t>
+                  <a:srgbClr val="7030A0"/>
+                </a:solidFill>
+              </a:rPr>
+              <a:t>-&gt; consolidation corresponds to TASS?</a:t>
             </a:r>
             <a:endParaRPr lang="fr-FR" sz="1200" dirty="0" smtClean="0">
               <a:solidFill>
@@ -5262,24 +5208,74 @@
           </a:p>
           <a:p>
             <a:r>
-              <a:rPr lang="fr-FR" sz="1200" dirty="0" smtClean="0">
+              <a:rPr lang="fr-FR" sz="1200" dirty="0">
                 <a:solidFill>
                   <a:schemeClr val="accent3">
                     <a:lumMod val="75000"/>
                   </a:schemeClr>
                 </a:solidFill>
               </a:rPr>
-              <a:t>  </a:t>
-            </a:r>
-            <a:r>
-              <a:rPr lang="fr-FR" sz="1200" dirty="0" err="1" smtClean="0">
+              <a:t> </a:t>
+            </a:r>
+            <a:r>
+              <a:rPr lang="fr-FR" sz="1200" dirty="0" smtClean="0">
                 <a:solidFill>
                   <a:schemeClr val="accent3">
                     <a:lumMod val="75000"/>
                   </a:schemeClr>
                 </a:solidFill>
               </a:rPr>
-              <a:t>Endif</a:t>
+              <a:t>   </a:t>
+            </a:r>
+            <a:r>
+              <a:rPr lang="fr-FR" sz="1200" dirty="0">
+                <a:solidFill>
+                  <a:schemeClr val="accent3">
+                    <a:lumMod val="75000"/>
+                  </a:schemeClr>
+                </a:solidFill>
+              </a:rPr>
+              <a:t>STOP ‘Not </a:t>
+            </a:r>
+            <a:r>
+              <a:rPr lang="fr-FR" sz="1200" dirty="0" err="1">
+                <a:solidFill>
+                  <a:schemeClr val="accent3">
+                    <a:lumMod val="75000"/>
+                  </a:schemeClr>
+                </a:solidFill>
+              </a:rPr>
+              <a:t>programmed</a:t>
+            </a:r>
+            <a:r>
+              <a:rPr lang="fr-FR" sz="1200" dirty="0">
+                <a:solidFill>
+                  <a:schemeClr val="accent3">
+                    <a:lumMod val="75000"/>
+                  </a:schemeClr>
+                </a:solidFill>
+              </a:rPr>
+              <a:t> </a:t>
+            </a:r>
+            <a:r>
+              <a:rPr lang="fr-FR" sz="1200" dirty="0" err="1">
+                <a:solidFill>
+                  <a:schemeClr val="accent3">
+                    <a:lumMod val="75000"/>
+                  </a:schemeClr>
+                </a:solidFill>
+              </a:rPr>
+              <a:t>yet</a:t>
+            </a:r>
+            <a:r>
+              <a:rPr lang="fr-FR" sz="1200" dirty="0">
+                <a:solidFill>
+                  <a:schemeClr val="accent3">
+                    <a:lumMod val="75000"/>
+                  </a:schemeClr>
+                </a:solidFill>
+              </a:rPr>
+              <a:t>’</a:t>
             </a:r>
             <a:endParaRPr lang="fr-FR" sz="1200" dirty="0" smtClean="0">
               <a:solidFill>
@@ -5290,6 +5286,26 @@
             </a:endParaRPr>
           </a:p>
           <a:p>
+            <a:r>
+              <a:rPr lang="fr-FR" sz="1200" dirty="0" smtClean="0">
+                <a:solidFill>
+                  <a:schemeClr val="accent3">
+                    <a:lumMod val="75000"/>
+                  </a:schemeClr>
+                </a:solidFill>
+              </a:rPr>
+              <a:t>  </a:t>
+            </a:r>
+            <a:r>
+              <a:rPr lang="fr-FR" sz="1200" dirty="0" err="1" smtClean="0">
+                <a:solidFill>
+                  <a:schemeClr val="accent3">
+                    <a:lumMod val="75000"/>
+                  </a:schemeClr>
+                </a:solidFill>
+              </a:rPr>
+              <a:t>Endif</a:t>
+            </a:r>
             <a:endParaRPr lang="fr-FR" sz="1200" dirty="0" smtClean="0">
               <a:solidFill>
                 <a:schemeClr val="accent3">
@@ -5299,6 +5315,15 @@
             </a:endParaRPr>
           </a:p>
           <a:p>
+            <a:endParaRPr lang="fr-FR" sz="1200" dirty="0" smtClean="0">
+              <a:solidFill>
+                <a:schemeClr val="accent3">
+                  <a:lumMod val="75000"/>
+                </a:schemeClr>
+              </a:solidFill>
+            </a:endParaRPr>
+          </a:p>
+          <a:p>
             <a:r>
               <a:rPr lang="fr-FR" sz="1200" dirty="0" smtClean="0">
                 <a:solidFill>
@@ -5310,7 +5335,7 @@
               <a:t>  if (</a:t>
             </a:r>
             <a:r>
-              <a:rPr lang="fr-FR" sz="1200" dirty="0">
+              <a:rPr lang="fr-FR" sz="1200" dirty="0" smtClean="0">
                 <a:solidFill>
                   <a:schemeClr val="accent3">
                     <a:lumMod val="75000"/>
@@ -5337,7 +5362,35 @@
                   </a:schemeClr>
                 </a:solidFill>
               </a:rPr>
-              <a:t>.GT.1) </a:t>
+              <a:t>.</a:t>
+            </a:r>
+            <a:r>
+              <a:rPr lang="fr-FR" sz="1200" dirty="0" smtClean="0">
+                <a:solidFill>
+                  <a:schemeClr val="accent3">
+                    <a:lumMod val="75000"/>
+                  </a:schemeClr>
+                </a:solidFill>
+              </a:rPr>
+              <a:t>GT.1</a:t>
+            </a:r>
+            <a:r>
+              <a:rPr lang="fr-FR" sz="1200" dirty="0" smtClean="0">
+                <a:solidFill>
+                  <a:srgbClr val="7030A0"/>
+                </a:solidFill>
+              </a:rPr>
+              <a:t>.AND.(.NOT. TASS</a:t>
+            </a:r>
+            <a:r>
+              <a:rPr lang="fr-FR" sz="1200" dirty="0" smtClean="0">
+                <a:solidFill>
+                  <a:schemeClr val="accent3">
+                    <a:lumMod val="75000"/>
+                  </a:schemeClr>
+                </a:solidFill>
+              </a:rPr>
+              <a:t>) </a:t>
             </a:r>
             <a:r>
               <a:rPr lang="fr-FR" sz="1200" dirty="0" err="1" smtClean="0">

--- a/documentation/sisyphe/convergence_sed.pptx
+++ b/documentation/sisyphe/convergence_sed.pptx
@@ -18,6 +18,9 @@
     <p:sldId id="256" r:id="rId12"/>
     <p:sldId id="258" r:id="rId13"/>
     <p:sldId id="269" r:id="rId14"/>
+    <p:sldId id="270" r:id="rId15"/>
+    <p:sldId id="271" r:id="rId16"/>
+    <p:sldId id="272" r:id="rId17"/>
   </p:sldIdLst>
   <p:sldSz cx="9144000" cy="6858000" type="screen4x3"/>
   <p:notesSz cx="6858000" cy="9144000"/>
@@ -316,7 +319,7 @@
           <a:p>
             <a:fld id="{AA309A6D-C09C-4548-B29A-6CF363A7E532}" type="datetimeFigureOut">
               <a:rPr lang="fr-FR" smtClean="0"/>
-              <a:t>27/11/2017</a:t>
+              <a:t>09/01/2018</a:t>
             </a:fld>
             <a:endParaRPr lang="fr-BE"/>
           </a:p>
@@ -481,7 +484,7 @@
           <a:p>
             <a:fld id="{AA309A6D-C09C-4548-B29A-6CF363A7E532}" type="datetimeFigureOut">
               <a:rPr lang="fr-FR" smtClean="0"/>
-              <a:t>27/11/2017</a:t>
+              <a:t>09/01/2018</a:t>
             </a:fld>
             <a:endParaRPr lang="fr-BE"/>
           </a:p>
@@ -656,7 +659,7 @@
           <a:p>
             <a:fld id="{AA309A6D-C09C-4548-B29A-6CF363A7E532}" type="datetimeFigureOut">
               <a:rPr lang="fr-FR" smtClean="0"/>
-              <a:t>27/11/2017</a:t>
+              <a:t>09/01/2018</a:t>
             </a:fld>
             <a:endParaRPr lang="fr-BE"/>
           </a:p>
@@ -821,7 +824,7 @@
           <a:p>
             <a:fld id="{AA309A6D-C09C-4548-B29A-6CF363A7E532}" type="datetimeFigureOut">
               <a:rPr lang="fr-FR" smtClean="0"/>
-              <a:t>27/11/2017</a:t>
+              <a:t>09/01/2018</a:t>
             </a:fld>
             <a:endParaRPr lang="fr-BE"/>
           </a:p>
@@ -1062,7 +1065,7 @@
           <a:p>
             <a:fld id="{AA309A6D-C09C-4548-B29A-6CF363A7E532}" type="datetimeFigureOut">
               <a:rPr lang="fr-FR" smtClean="0"/>
-              <a:t>27/11/2017</a:t>
+              <a:t>09/01/2018</a:t>
             </a:fld>
             <a:endParaRPr lang="fr-BE"/>
           </a:p>
@@ -1345,7 +1348,7 @@
           <a:p>
             <a:fld id="{AA309A6D-C09C-4548-B29A-6CF363A7E532}" type="datetimeFigureOut">
               <a:rPr lang="fr-FR" smtClean="0"/>
-              <a:t>27/11/2017</a:t>
+              <a:t>09/01/2018</a:t>
             </a:fld>
             <a:endParaRPr lang="fr-BE"/>
           </a:p>
@@ -1762,7 +1765,7 @@
           <a:p>
             <a:fld id="{AA309A6D-C09C-4548-B29A-6CF363A7E532}" type="datetimeFigureOut">
               <a:rPr lang="fr-FR" smtClean="0"/>
-              <a:t>27/11/2017</a:t>
+              <a:t>09/01/2018</a:t>
             </a:fld>
             <a:endParaRPr lang="fr-BE"/>
           </a:p>
@@ -1875,7 +1878,7 @@
           <a:p>
             <a:fld id="{AA309A6D-C09C-4548-B29A-6CF363A7E532}" type="datetimeFigureOut">
               <a:rPr lang="fr-FR" smtClean="0"/>
-              <a:t>27/11/2017</a:t>
+              <a:t>09/01/2018</a:t>
             </a:fld>
             <a:endParaRPr lang="fr-BE"/>
           </a:p>
@@ -1965,7 +1968,7 @@
           <a:p>
             <a:fld id="{AA309A6D-C09C-4548-B29A-6CF363A7E532}" type="datetimeFigureOut">
               <a:rPr lang="fr-FR" smtClean="0"/>
-              <a:t>27/11/2017</a:t>
+              <a:t>09/01/2018</a:t>
             </a:fld>
             <a:endParaRPr lang="fr-BE"/>
           </a:p>
@@ -2237,7 +2240,7 @@
           <a:p>
             <a:fld id="{AA309A6D-C09C-4548-B29A-6CF363A7E532}" type="datetimeFigureOut">
               <a:rPr lang="fr-FR" smtClean="0"/>
-              <a:t>27/11/2017</a:t>
+              <a:t>09/01/2018</a:t>
             </a:fld>
             <a:endParaRPr lang="fr-BE"/>
           </a:p>
@@ -2485,7 +2488,7 @@
           <a:p>
             <a:fld id="{AA309A6D-C09C-4548-B29A-6CF363A7E532}" type="datetimeFigureOut">
               <a:rPr lang="fr-FR" smtClean="0"/>
-              <a:t>27/11/2017</a:t>
+              <a:t>09/01/2018</a:t>
             </a:fld>
             <a:endParaRPr lang="fr-BE"/>
           </a:p>
@@ -2693,7 +2696,7 @@
           <a:p>
             <a:fld id="{AA309A6D-C09C-4548-B29A-6CF363A7E532}" type="datetimeFigureOut">
               <a:rPr lang="fr-FR" smtClean="0"/>
-              <a:t>27/11/2017</a:t>
+              <a:t>09/01/2018</a:t>
             </a:fld>
             <a:endParaRPr lang="fr-BE"/>
           </a:p>
@@ -4019,7 +4022,7 @@
                   <a:schemeClr val="accent1"/>
                 </a:solidFill>
               </a:rPr>
-              <a:t>IF (MEAN DIAMETER OF THE SEDIMENT) IN FICHIER CAS -&gt; REPLACE BY SEDIMENT DIAMETERS </a:t>
+              <a:t>IF (MEAN DIAMETER OF THE SEDIMENT) IN FICHIER CAS -&gt; REPLACED BY SEDIMENT DIAMETERS </a:t>
             </a:r>
           </a:p>
           <a:p>
@@ -4272,7 +4275,7 @@
         <p:spPr>
           <a:xfrm>
             <a:off x="467544" y="403"/>
-            <a:ext cx="3816424" cy="5847755"/>
+            <a:ext cx="3816424" cy="6093976"/>
           </a:xfrm>
           <a:prstGeom prst="rect">
             <a:avLst/>
@@ -4434,7 +4437,7 @@
           </a:p>
           <a:p>
             <a:r>
-              <a:rPr lang="fr-FR" sz="1200" dirty="0" err="1" smtClean="0">
+              <a:rPr lang="fr-FR" sz="1200" strike="sngStrike" dirty="0" err="1" smtClean="0">
                 <a:solidFill>
                   <a:schemeClr val="accent3">
                     <a:lumMod val="75000"/>
@@ -4444,7 +4447,7 @@
               <a:t>BED_UPDATE.f</a:t>
             </a:r>
             <a:r>
-              <a:rPr lang="fr-FR" sz="1200" dirty="0" smtClean="0">
+              <a:rPr lang="fr-FR" sz="1200" strike="sngStrike" dirty="0" smtClean="0">
                 <a:solidFill>
                   <a:schemeClr val="accent3">
                     <a:lumMod val="75000"/>
@@ -4454,18 +4457,48 @@
               <a:t>  </a:t>
             </a:r>
             <a:r>
-              <a:rPr lang="fr-FR" sz="800" i="1" dirty="0" smtClean="0">
+              <a:rPr lang="fr-FR" sz="800" i="1" strike="sngStrike" dirty="0" smtClean="0">
                 <a:solidFill>
                   <a:schemeClr val="accent3">
                     <a:lumMod val="75000"/>
                   </a:schemeClr>
                 </a:solidFill>
               </a:rPr>
-              <a:t>(R.WALTHER + J. FONTAINE)</a:t>
-            </a:r>
-          </a:p>
-          <a:p>
-            <a:endParaRPr lang="fr-FR" sz="1200" dirty="0" smtClean="0">
+              <a:t>(R.WALTHER + J. FONTAINE)  </a:t>
+            </a:r>
+            <a:r>
+              <a:rPr lang="fr-FR" sz="800" dirty="0" smtClean="0">
+                <a:solidFill>
+                  <a:schemeClr val="accent3">
+                    <a:lumMod val="75000"/>
+                  </a:schemeClr>
+                </a:solidFill>
+              </a:rPr>
+              <a:t>NOT NECESSARY AT THIS STAGE;</a:t>
+            </a:r>
+          </a:p>
+          <a:p>
+            <a:r>
+              <a:rPr lang="fr-FR" sz="800" dirty="0" smtClean="0">
+                <a:solidFill>
+                  <a:schemeClr val="accent3">
+                    <a:lumMod val="75000"/>
+                  </a:schemeClr>
+                </a:solidFill>
+              </a:rPr>
+              <a:t>ONLY CALLED AFTER BEDLOAD/SUSPENSION/…TO UPDATE MASS, RATIO, THICKNESS </a:t>
+            </a:r>
+            <a:r>
+              <a:rPr lang="fr-FR" sz="800" smtClean="0">
+                <a:solidFill>
+                  <a:schemeClr val="accent3">
+                    <a:lumMod val="75000"/>
+                  </a:schemeClr>
+                </a:solidFill>
+              </a:rPr>
+              <a:t>AND COTE DE FOND (ZF)</a:t>
+            </a:r>
+            <a:endParaRPr lang="fr-FR" sz="800" dirty="0" smtClean="0">
               <a:solidFill>
                 <a:schemeClr val="accent3">
                   <a:lumMod val="75000"/>
@@ -5167,37 +5200,6 @@
             </a:r>
           </a:p>
           <a:p>
-            <a:endParaRPr lang="fr-FR" sz="1200" b="1" dirty="0" smtClean="0"/>
-          </a:p>
-          <a:p>
-            <a:r>
-              <a:rPr lang="fr-FR" sz="1200" dirty="0" smtClean="0">
-                <a:solidFill>
-                  <a:schemeClr val="accent3">
-                    <a:lumMod val="75000"/>
-                  </a:schemeClr>
-                </a:solidFill>
-              </a:rPr>
-              <a:t>  If (</a:t>
-            </a:r>
-            <a:r>
-              <a:rPr lang="fr-FR" sz="1200" dirty="0" smtClean="0">
-                <a:solidFill>
-                  <a:schemeClr val="accent3">
-                    <a:lumMod val="75000"/>
-                  </a:schemeClr>
-                </a:solidFill>
-              </a:rPr>
-              <a:t>CONSOLIDATION)THEN </a:t>
-            </a:r>
-            <a:r>
-              <a:rPr lang="fr-FR" sz="1200" dirty="0" smtClean="0">
-                <a:solidFill>
-                  <a:srgbClr val="7030A0"/>
-                </a:solidFill>
-              </a:rPr>
-              <a:t>-&gt; consolidation corresponds to TASS?</a:t>
-            </a:r>
             <a:endParaRPr lang="fr-FR" sz="1200" dirty="0" smtClean="0">
               <a:solidFill>
                 <a:schemeClr val="accent3">
@@ -5208,6 +5210,51 @@
           </a:p>
           <a:p>
             <a:r>
+              <a:rPr lang="fr-FR" sz="1200" dirty="0" smtClean="0">
+                <a:solidFill>
+                  <a:srgbClr val="FF0000"/>
+                </a:solidFill>
+              </a:rPr>
+              <a:t>  BEDLOAD_MAIN.F</a:t>
+            </a:r>
+          </a:p>
+          <a:p>
+            <a:endParaRPr lang="fr-FR" sz="1200" dirty="0" smtClean="0">
+              <a:solidFill>
+                <a:srgbClr val="FF0000"/>
+              </a:solidFill>
+            </a:endParaRPr>
+          </a:p>
+          <a:p>
+            <a:r>
+              <a:rPr lang="fr-FR" sz="1200" dirty="0" smtClean="0"/>
+              <a:t>  </a:t>
+            </a:r>
+            <a:r>
+              <a:rPr lang="fr-FR" sz="1200" strike="sngStrike" dirty="0" smtClean="0"/>
+              <a:t>Up date the </a:t>
+            </a:r>
+            <a:r>
+              <a:rPr lang="fr-FR" sz="1200" strike="sngStrike" dirty="0" err="1" smtClean="0"/>
+              <a:t>bottom</a:t>
+            </a:r>
+            <a:endParaRPr lang="fr-FR" sz="1200" strike="sngStrike" dirty="0" smtClean="0"/>
+          </a:p>
+          <a:p>
+            <a:r>
+              <a:rPr lang="fr-FR" sz="1200" dirty="0" smtClean="0"/>
+              <a:t>  </a:t>
+            </a:r>
+            <a:r>
+              <a:rPr lang="fr-FR" sz="1200" strike="sngStrike" dirty="0" smtClean="0"/>
+              <a:t>LAYER.F or CVSP_MAIN.F</a:t>
+            </a:r>
+          </a:p>
+          <a:p>
+            <a:endParaRPr lang="fr-FR" sz="1200" strike="sngStrike" dirty="0" smtClean="0"/>
+          </a:p>
+          <a:p>
+            <a:r>
               <a:rPr lang="fr-FR" sz="1200" dirty="0">
                 <a:solidFill>
                   <a:schemeClr val="accent3">
@@ -5215,58 +5262,77 @@
                   </a:schemeClr>
                 </a:solidFill>
               </a:rPr>
-              <a:t> </a:t>
-            </a:r>
-            <a:r>
-              <a:rPr lang="fr-FR" sz="1200" dirty="0" smtClean="0">
+              <a:t> If (CONSOLIDATION)THEN </a:t>
+            </a:r>
+            <a:r>
+              <a:rPr lang="fr-FR" sz="1200" dirty="0">
+                <a:solidFill>
+                  <a:srgbClr val="7030A0"/>
+                </a:solidFill>
+              </a:rPr>
+              <a:t>-&gt; consolidation corresponds to TASS?</a:t>
+            </a:r>
+            <a:endParaRPr lang="fr-FR" sz="1200" dirty="0">
+              <a:solidFill>
+                <a:schemeClr val="accent3">
+                  <a:lumMod val="75000"/>
+                </a:schemeClr>
+              </a:solidFill>
+            </a:endParaRPr>
+          </a:p>
+          <a:p>
+            <a:r>
+              <a:rPr lang="fr-FR" sz="1200" dirty="0">
                 <a:solidFill>
                   <a:schemeClr val="accent3">
                     <a:lumMod val="75000"/>
                   </a:schemeClr>
                 </a:solidFill>
               </a:rPr>
-              <a:t>   </a:t>
-            </a:r>
-            <a:r>
-              <a:rPr lang="fr-FR" sz="1200" dirty="0">
+              <a:t>    STOP ‘Not </a:t>
+            </a:r>
+            <a:r>
+              <a:rPr lang="fr-FR" sz="1200" dirty="0" err="1">
                 <a:solidFill>
                   <a:schemeClr val="accent3">
                     <a:lumMod val="75000"/>
                   </a:schemeClr>
                 </a:solidFill>
               </a:rPr>
-              <a:t>STOP ‘Not </a:t>
-            </a:r>
-            <a:r>
-              <a:rPr lang="fr-FR" sz="1200" dirty="0" err="1">
+              <a:t>programmed</a:t>
+            </a:r>
+            <a:r>
+              <a:rPr lang="fr-FR" sz="1200" dirty="0">
                 <a:solidFill>
                   <a:schemeClr val="accent3">
                     <a:lumMod val="75000"/>
                   </a:schemeClr>
                 </a:solidFill>
               </a:rPr>
-              <a:t>programmed</a:t>
-            </a:r>
-            <a:r>
-              <a:rPr lang="fr-FR" sz="1200" dirty="0">
+              <a:t> </a:t>
+            </a:r>
+            <a:r>
+              <a:rPr lang="fr-FR" sz="1200" dirty="0" err="1">
                 <a:solidFill>
                   <a:schemeClr val="accent3">
                     <a:lumMod val="75000"/>
                   </a:schemeClr>
                 </a:solidFill>
               </a:rPr>
-              <a:t> </a:t>
-            </a:r>
-            <a:r>
-              <a:rPr lang="fr-FR" sz="1200" dirty="0" err="1">
+              <a:t>yet</a:t>
+            </a:r>
+            <a:r>
+              <a:rPr lang="fr-FR" sz="1200" dirty="0">
                 <a:solidFill>
                   <a:schemeClr val="accent3">
                     <a:lumMod val="75000"/>
                   </a:schemeClr>
                 </a:solidFill>
               </a:rPr>
-              <a:t>yet</a:t>
-            </a:r>
+              <a:t>’</a:t>
+            </a:r>
+          </a:p>
+          <a:p>
             <a:r>
               <a:rPr lang="fr-FR" sz="1200" dirty="0">
                 <a:solidFill>
@@ -5275,8 +5341,162 @@
                   </a:schemeClr>
                 </a:solidFill>
               </a:rPr>
-              <a:t>’</a:t>
-            </a:r>
+              <a:t> </a:t>
+            </a:r>
+            <a:r>
+              <a:rPr lang="fr-FR" sz="1200" dirty="0" err="1" smtClean="0">
+                <a:solidFill>
+                  <a:schemeClr val="accent3">
+                    <a:lumMod val="75000"/>
+                  </a:schemeClr>
+                </a:solidFill>
+              </a:rPr>
+              <a:t>Endif</a:t>
+            </a:r>
+            <a:endParaRPr lang="fr-FR" sz="1200" dirty="0">
+              <a:solidFill>
+                <a:schemeClr val="accent3">
+                  <a:lumMod val="75000"/>
+                </a:schemeClr>
+              </a:solidFill>
+            </a:endParaRPr>
+          </a:p>
+          <a:p>
+            <a:endParaRPr lang="fr-FR" sz="1200" dirty="0">
+              <a:solidFill>
+                <a:schemeClr val="accent3">
+                  <a:lumMod val="75000"/>
+                </a:schemeClr>
+              </a:solidFill>
+            </a:endParaRPr>
+          </a:p>
+          <a:p>
+            <a:r>
+              <a:rPr lang="fr-FR" sz="1200" dirty="0">
+                <a:solidFill>
+                  <a:schemeClr val="accent3">
+                    <a:lumMod val="75000"/>
+                  </a:schemeClr>
+                </a:solidFill>
+              </a:rPr>
+              <a:t> </a:t>
+            </a:r>
+            <a:r>
+              <a:rPr lang="fr-FR" sz="1200" dirty="0" smtClean="0">
+                <a:solidFill>
+                  <a:schemeClr val="accent3">
+                    <a:lumMod val="75000"/>
+                  </a:schemeClr>
+                </a:solidFill>
+              </a:rPr>
+              <a:t>if </a:t>
+            </a:r>
+            <a:r>
+              <a:rPr lang="fr-FR" sz="1200" dirty="0">
+                <a:solidFill>
+                  <a:schemeClr val="accent3">
+                    <a:lumMod val="75000"/>
+                  </a:schemeClr>
+                </a:solidFill>
+              </a:rPr>
+              <a:t>(NLAYER&gt;1 .AND.NSICLA .GT.1</a:t>
+            </a:r>
+            <a:r>
+              <a:rPr lang="fr-FR" sz="1200" dirty="0">
+                <a:solidFill>
+                  <a:srgbClr val="7030A0"/>
+                </a:solidFill>
+              </a:rPr>
+              <a:t>.AND.(.NOT. TASS</a:t>
+            </a:r>
+            <a:r>
+              <a:rPr lang="fr-FR" sz="1200" dirty="0">
+                <a:solidFill>
+                  <a:schemeClr val="accent3">
+                    <a:lumMod val="75000"/>
+                  </a:schemeClr>
+                </a:solidFill>
+              </a:rPr>
+              <a:t>) </a:t>
+            </a:r>
+            <a:r>
+              <a:rPr lang="fr-FR" sz="1200" dirty="0" err="1">
+                <a:solidFill>
+                  <a:schemeClr val="accent3">
+                    <a:lumMod val="75000"/>
+                  </a:schemeClr>
+                </a:solidFill>
+              </a:rPr>
+              <a:t>then</a:t>
+            </a:r>
+            <a:endParaRPr lang="fr-FR" sz="1200" dirty="0">
+              <a:solidFill>
+                <a:schemeClr val="accent3">
+                  <a:lumMod val="75000"/>
+                </a:schemeClr>
+              </a:solidFill>
+            </a:endParaRPr>
+          </a:p>
+          <a:p>
+            <a:r>
+              <a:rPr lang="fr-FR" sz="1200" dirty="0">
+                <a:solidFill>
+                  <a:schemeClr val="accent3">
+                    <a:lumMod val="75000"/>
+                  </a:schemeClr>
+                </a:solidFill>
+              </a:rPr>
+              <a:t>    </a:t>
+            </a:r>
+            <a:r>
+              <a:rPr lang="fr-FR" sz="1200" dirty="0" err="1">
+                <a:solidFill>
+                  <a:schemeClr val="accent3">
+                    <a:lumMod val="75000"/>
+                  </a:schemeClr>
+                </a:solidFill>
+              </a:rPr>
+              <a:t>UPDATE_ACTIVELAYER_HIRANO.f</a:t>
+            </a:r>
+            <a:r>
+              <a:rPr lang="fr-FR" sz="1200" dirty="0">
+                <a:solidFill>
+                  <a:schemeClr val="accent3">
+                    <a:lumMod val="75000"/>
+                  </a:schemeClr>
+                </a:solidFill>
+              </a:rPr>
+              <a:t>      </a:t>
+            </a:r>
+            <a:r>
+              <a:rPr lang="fr-FR" sz="800" dirty="0"/>
+              <a:t>(M.DELINARES + P. TASSI)</a:t>
+            </a:r>
+          </a:p>
+          <a:p>
+            <a:r>
+              <a:rPr lang="fr-FR" sz="1200" dirty="0">
+                <a:solidFill>
+                  <a:schemeClr val="accent3">
+                    <a:lumMod val="75000"/>
+                  </a:schemeClr>
+                </a:solidFill>
+              </a:rPr>
+              <a:t> </a:t>
+            </a:r>
+            <a:r>
+              <a:rPr lang="fr-FR" sz="1200" dirty="0" err="1" smtClean="0">
+                <a:solidFill>
+                  <a:schemeClr val="accent3">
+                    <a:lumMod val="75000"/>
+                  </a:schemeClr>
+                </a:solidFill>
+              </a:rPr>
+              <a:t>endif</a:t>
+            </a:r>
+            <a:endParaRPr lang="fr-FR" sz="1200" strike="sngStrike" dirty="0" smtClean="0"/>
+          </a:p>
+          <a:p>
             <a:endParaRPr lang="fr-FR" sz="1200" dirty="0" smtClean="0">
               <a:solidFill>
                 <a:schemeClr val="accent3">
@@ -5287,278 +5507,24 @@
           </a:p>
           <a:p>
             <a:r>
-              <a:rPr lang="fr-FR" sz="1200" dirty="0" smtClean="0">
+              <a:rPr lang="fr-FR" sz="1200" dirty="0" err="1" smtClean="0">
                 <a:solidFill>
                   <a:schemeClr val="accent3">
                     <a:lumMod val="75000"/>
                   </a:schemeClr>
                 </a:solidFill>
               </a:rPr>
-              <a:t>  </a:t>
-            </a:r>
-            <a:r>
-              <a:rPr lang="fr-FR" sz="1200" dirty="0" err="1" smtClean="0">
+              <a:t>BED_UPDATE.f</a:t>
+            </a:r>
+            <a:r>
+              <a:rPr lang="fr-FR" sz="1200" dirty="0" smtClean="0">
                 <a:solidFill>
                   <a:schemeClr val="accent3">
                     <a:lumMod val="75000"/>
                   </a:schemeClr>
                 </a:solidFill>
               </a:rPr>
-              <a:t>Endif</a:t>
-            </a:r>
-            <a:endParaRPr lang="fr-FR" sz="1200" dirty="0" smtClean="0">
-              <a:solidFill>
-                <a:schemeClr val="accent3">
-                  <a:lumMod val="75000"/>
-                </a:schemeClr>
-              </a:solidFill>
-            </a:endParaRPr>
-          </a:p>
-          <a:p>
-            <a:endParaRPr lang="fr-FR" sz="1200" dirty="0" smtClean="0">
-              <a:solidFill>
-                <a:schemeClr val="accent3">
-                  <a:lumMod val="75000"/>
-                </a:schemeClr>
-              </a:solidFill>
-            </a:endParaRPr>
-          </a:p>
-          <a:p>
-            <a:r>
-              <a:rPr lang="fr-FR" sz="1200" dirty="0" smtClean="0">
-                <a:solidFill>
-                  <a:schemeClr val="accent3">
-                    <a:lumMod val="75000"/>
-                  </a:schemeClr>
-                </a:solidFill>
-              </a:rPr>
-              <a:t>  if (</a:t>
-            </a:r>
-            <a:r>
-              <a:rPr lang="fr-FR" sz="1200" dirty="0" smtClean="0">
-                <a:solidFill>
-                  <a:schemeClr val="accent3">
-                    <a:lumMod val="75000"/>
-                  </a:schemeClr>
-                </a:solidFill>
-              </a:rPr>
-              <a:t>NLAYER&gt;1 </a:t>
-            </a:r>
-            <a:r>
-              <a:rPr lang="fr-FR" sz="1200" dirty="0" smtClean="0">
-                <a:solidFill>
-                  <a:schemeClr val="accent3">
-                    <a:lumMod val="75000"/>
-                  </a:schemeClr>
-                </a:solidFill>
-              </a:rPr>
-              <a:t>.AND.NSICLA </a:t>
-            </a:r>
-            <a:r>
-              <a:rPr lang="fr-FR" sz="1200" dirty="0">
-                <a:solidFill>
-                  <a:schemeClr val="accent3">
-                    <a:lumMod val="75000"/>
-                  </a:schemeClr>
-                </a:solidFill>
-              </a:rPr>
-              <a:t>.</a:t>
-            </a:r>
-            <a:r>
-              <a:rPr lang="fr-FR" sz="1200" dirty="0" smtClean="0">
-                <a:solidFill>
-                  <a:schemeClr val="accent3">
-                    <a:lumMod val="75000"/>
-                  </a:schemeClr>
-                </a:solidFill>
-              </a:rPr>
-              <a:t>GT.1</a:t>
-            </a:r>
-            <a:r>
-              <a:rPr lang="fr-FR" sz="1200" dirty="0" smtClean="0">
-                <a:solidFill>
-                  <a:srgbClr val="7030A0"/>
-                </a:solidFill>
-              </a:rPr>
-              <a:t>.AND.(.NOT. TASS</a:t>
-            </a:r>
-            <a:r>
-              <a:rPr lang="fr-FR" sz="1200" dirty="0" smtClean="0">
-                <a:solidFill>
-                  <a:schemeClr val="accent3">
-                    <a:lumMod val="75000"/>
-                  </a:schemeClr>
-                </a:solidFill>
-              </a:rPr>
-              <a:t>) </a:t>
-            </a:r>
-            <a:r>
-              <a:rPr lang="fr-FR" sz="1200" dirty="0" err="1" smtClean="0">
-                <a:solidFill>
-                  <a:schemeClr val="accent3">
-                    <a:lumMod val="75000"/>
-                  </a:schemeClr>
-                </a:solidFill>
-              </a:rPr>
-              <a:t>then</a:t>
-            </a:r>
-            <a:endParaRPr lang="fr-FR" sz="1200" dirty="0" smtClean="0">
-              <a:solidFill>
-                <a:schemeClr val="accent3">
-                  <a:lumMod val="75000"/>
-                </a:schemeClr>
-              </a:solidFill>
-            </a:endParaRPr>
-          </a:p>
-          <a:p>
-            <a:r>
-              <a:rPr lang="fr-FR" sz="1200" dirty="0" smtClean="0">
-                <a:solidFill>
-                  <a:schemeClr val="accent3">
-                    <a:lumMod val="75000"/>
-                  </a:schemeClr>
-                </a:solidFill>
-              </a:rPr>
-              <a:t>    </a:t>
-            </a:r>
-            <a:r>
-              <a:rPr lang="fr-FR" sz="1200" dirty="0" err="1" smtClean="0">
-                <a:solidFill>
-                  <a:schemeClr val="accent3">
-                    <a:lumMod val="75000"/>
-                  </a:schemeClr>
-                </a:solidFill>
-              </a:rPr>
-              <a:t>UPDATE_ACTIVELAYER_HIRANO.f</a:t>
-            </a:r>
-            <a:r>
-              <a:rPr lang="fr-FR" sz="1200" dirty="0" smtClean="0">
-                <a:solidFill>
-                  <a:schemeClr val="accent3">
-                    <a:lumMod val="75000"/>
-                  </a:schemeClr>
-                </a:solidFill>
-              </a:rPr>
               <a:t>      </a:t>
-            </a:r>
-            <a:r>
-              <a:rPr lang="fr-FR" sz="800" dirty="0"/>
-              <a:t>(M.DELINARES + P. TASSI)</a:t>
-            </a:r>
-          </a:p>
-          <a:p>
-            <a:r>
-              <a:rPr lang="fr-FR" sz="1200" dirty="0" smtClean="0">
-                <a:solidFill>
-                  <a:schemeClr val="accent3">
-                    <a:lumMod val="75000"/>
-                  </a:schemeClr>
-                </a:solidFill>
-              </a:rPr>
-              <a:t>  </a:t>
-            </a:r>
-            <a:r>
-              <a:rPr lang="fr-FR" sz="1200" dirty="0" err="1" smtClean="0">
-                <a:solidFill>
-                  <a:schemeClr val="accent3">
-                    <a:lumMod val="75000"/>
-                  </a:schemeClr>
-                </a:solidFill>
-              </a:rPr>
-              <a:t>endif</a:t>
-            </a:r>
-            <a:endParaRPr lang="fr-FR" sz="1200" dirty="0" smtClean="0">
-              <a:solidFill>
-                <a:schemeClr val="accent3">
-                  <a:lumMod val="75000"/>
-                </a:schemeClr>
-              </a:solidFill>
-            </a:endParaRPr>
-          </a:p>
-          <a:p>
-            <a:endParaRPr lang="fr-FR" sz="1200" dirty="0" smtClean="0">
-              <a:solidFill>
-                <a:schemeClr val="accent3">
-                  <a:lumMod val="75000"/>
-                </a:schemeClr>
-              </a:solidFill>
-            </a:endParaRPr>
-          </a:p>
-          <a:p>
-            <a:r>
-              <a:rPr lang="fr-FR" sz="1200" dirty="0" smtClean="0">
-                <a:solidFill>
-                  <a:srgbClr val="FF0000"/>
-                </a:solidFill>
-              </a:rPr>
-              <a:t>  BEDLOAD_MAIN.F</a:t>
-            </a:r>
-          </a:p>
-          <a:p>
-            <a:endParaRPr lang="fr-FR" sz="1200" dirty="0" smtClean="0">
-              <a:solidFill>
-                <a:srgbClr val="FF0000"/>
-              </a:solidFill>
-            </a:endParaRPr>
-          </a:p>
-          <a:p>
-            <a:r>
-              <a:rPr lang="fr-FR" sz="1200" dirty="0" smtClean="0"/>
-              <a:t>  </a:t>
-            </a:r>
-            <a:r>
-              <a:rPr lang="fr-FR" sz="1200" strike="sngStrike" dirty="0" smtClean="0"/>
-              <a:t>Up date the </a:t>
-            </a:r>
-            <a:r>
-              <a:rPr lang="fr-FR" sz="1200" strike="sngStrike" dirty="0" err="1" smtClean="0"/>
-              <a:t>bottom</a:t>
-            </a:r>
-            <a:endParaRPr lang="fr-FR" sz="1200" strike="sngStrike" dirty="0" smtClean="0"/>
-          </a:p>
-          <a:p>
-            <a:r>
-              <a:rPr lang="fr-FR" sz="1200" dirty="0" smtClean="0"/>
-              <a:t>  </a:t>
-            </a:r>
-            <a:r>
-              <a:rPr lang="fr-FR" sz="1200" strike="sngStrike" dirty="0" smtClean="0"/>
-              <a:t>LAYER.F or CVSP_MAIN.F</a:t>
-            </a:r>
-          </a:p>
-          <a:p>
-            <a:endParaRPr lang="fr-FR" sz="1200" strike="sngStrike" dirty="0" smtClean="0"/>
-          </a:p>
-          <a:p>
-            <a:r>
-              <a:rPr lang="fr-FR" sz="1200" dirty="0" smtClean="0">
-                <a:solidFill>
-                  <a:schemeClr val="accent3">
-                    <a:lumMod val="75000"/>
-                  </a:schemeClr>
-                </a:solidFill>
-              </a:rPr>
-              <a:t>  </a:t>
-            </a:r>
-            <a:r>
-              <a:rPr lang="fr-FR" sz="1200" dirty="0" err="1" smtClean="0">
-                <a:solidFill>
-                  <a:schemeClr val="accent3">
-                    <a:lumMod val="75000"/>
-                  </a:schemeClr>
-                </a:solidFill>
-              </a:rPr>
-              <a:t>BED_UPDATE.f</a:t>
-            </a:r>
-            <a:r>
-              <a:rPr lang="fr-FR" sz="1200" dirty="0" smtClean="0">
-                <a:solidFill>
-                  <a:schemeClr val="accent3">
-                    <a:lumMod val="75000"/>
-                  </a:schemeClr>
-                </a:solidFill>
-              </a:rPr>
-              <a:t>       </a:t>
             </a:r>
             <a:r>
               <a:rPr lang="fr-FR" sz="800" i="1" dirty="0" smtClean="0"/>
@@ -5640,7 +5606,7 @@
         </p:nvSpPr>
         <p:spPr>
           <a:xfrm>
-            <a:off x="5928538" y="4107138"/>
+            <a:off x="5922911" y="2233607"/>
             <a:ext cx="2987824" cy="2246769"/>
           </a:xfrm>
           <a:prstGeom prst="rect">
@@ -5860,7 +5826,7 @@
         </p:nvCxnSpPr>
         <p:spPr>
           <a:xfrm>
-            <a:off x="1979712" y="4797152"/>
+            <a:off x="1853952" y="3356992"/>
             <a:ext cx="3888432" cy="0"/>
           </a:xfrm>
           <a:prstGeom prst="straightConnector1">
@@ -5933,8 +5899,8 @@
         </p:nvSpPr>
         <p:spPr>
           <a:xfrm>
-            <a:off x="467544" y="-1"/>
-            <a:ext cx="3312368" cy="6555641"/>
+            <a:off x="293360" y="-10404"/>
+            <a:ext cx="2932460" cy="7048083"/>
           </a:xfrm>
           <a:prstGeom prst="rect">
             <a:avLst/>
@@ -5952,6 +5918,54 @@
           </a:bodyPr>
           <a:lstStyle/>
           <a:p>
+            <a:r>
+              <a:rPr lang="fr-FR" sz="1200" b="1" dirty="0" smtClean="0"/>
+              <a:t>IF (SUSPENSION) </a:t>
+            </a:r>
+            <a:r>
+              <a:rPr lang="fr-FR" sz="1200" b="1" dirty="0"/>
+              <a:t>THEN</a:t>
+            </a:r>
+          </a:p>
+          <a:p>
+            <a:endParaRPr lang="fr-FR" sz="1200" dirty="0" smtClean="0">
+              <a:solidFill>
+                <a:srgbClr val="FF0000"/>
+              </a:solidFill>
+            </a:endParaRPr>
+          </a:p>
+          <a:p>
+            <a:r>
+              <a:rPr lang="fr-FR" sz="1200" dirty="0" smtClean="0">
+                <a:solidFill>
+                  <a:srgbClr val="FF0000"/>
+                </a:solidFill>
+              </a:rPr>
+              <a:t>  SUSPENSION_MAIN.F</a:t>
+            </a:r>
+          </a:p>
+          <a:p>
+            <a:endParaRPr lang="fr-FR" sz="1200" dirty="0" smtClean="0">
+              <a:solidFill>
+                <a:srgbClr val="FF0000"/>
+              </a:solidFill>
+            </a:endParaRPr>
+          </a:p>
+          <a:p>
+            <a:r>
+              <a:rPr lang="fr-FR" sz="1200" dirty="0" smtClean="0"/>
+              <a:t>  </a:t>
+            </a:r>
+            <a:r>
+              <a:rPr lang="fr-FR" sz="1200" strike="sngStrike" dirty="0" smtClean="0"/>
+              <a:t>LAYER.F </a:t>
+            </a:r>
+            <a:r>
+              <a:rPr lang="fr-FR" sz="1200" strike="sngStrike" dirty="0"/>
+              <a:t>or CVSP_MAIN.F</a:t>
+            </a:r>
+          </a:p>
+          <a:p>
             <a:endParaRPr lang="fr-FR" sz="1200" dirty="0" smtClean="0">
               <a:solidFill>
                 <a:schemeClr val="accent3">
@@ -5961,6 +5975,34 @@
             </a:endParaRPr>
           </a:p>
           <a:p>
+            <a:r>
+              <a:rPr lang="fr-FR" sz="1200" dirty="0" smtClean="0">
+                <a:solidFill>
+                  <a:schemeClr val="accent3">
+                    <a:lumMod val="75000"/>
+                  </a:schemeClr>
+                </a:solidFill>
+              </a:rPr>
+              <a:t> </a:t>
+            </a:r>
+            <a:r>
+              <a:rPr lang="fr-FR" sz="1200" dirty="0">
+                <a:solidFill>
+                  <a:schemeClr val="accent3">
+                    <a:lumMod val="75000"/>
+                  </a:schemeClr>
+                </a:solidFill>
+              </a:rPr>
+              <a:t>If (CONSOLIDATION)THEN </a:t>
+            </a:r>
+            <a:r>
+              <a:rPr lang="fr-FR" sz="1200" dirty="0">
+                <a:solidFill>
+                  <a:srgbClr val="7030A0"/>
+                </a:solidFill>
+              </a:rPr>
+              <a:t>-&gt; consolidation corresponds to TASS?</a:t>
+            </a:r>
             <a:endParaRPr lang="fr-FR" sz="1200" dirty="0">
               <a:solidFill>
                 <a:schemeClr val="accent3">
@@ -5971,51 +6013,206 @@
           </a:p>
           <a:p>
             <a:r>
-              <a:rPr lang="fr-FR" sz="1200" b="1" dirty="0" smtClean="0"/>
-              <a:t>IF (SUSPENSION) </a:t>
-            </a:r>
-            <a:r>
-              <a:rPr lang="fr-FR" sz="1200" b="1" dirty="0"/>
-              <a:t>THEN</a:t>
-            </a:r>
-          </a:p>
-          <a:p>
+              <a:rPr lang="fr-FR" sz="1200" dirty="0">
+                <a:solidFill>
+                  <a:schemeClr val="accent3">
+                    <a:lumMod val="75000"/>
+                  </a:schemeClr>
+                </a:solidFill>
+              </a:rPr>
+              <a:t>    STOP ‘Not </a:t>
+            </a:r>
+            <a:r>
+              <a:rPr lang="fr-FR" sz="1200" dirty="0" err="1">
+                <a:solidFill>
+                  <a:schemeClr val="accent3">
+                    <a:lumMod val="75000"/>
+                  </a:schemeClr>
+                </a:solidFill>
+              </a:rPr>
+              <a:t>programmed</a:t>
+            </a:r>
+            <a:r>
+              <a:rPr lang="fr-FR" sz="1200" dirty="0">
+                <a:solidFill>
+                  <a:schemeClr val="accent3">
+                    <a:lumMod val="75000"/>
+                  </a:schemeClr>
+                </a:solidFill>
+              </a:rPr>
+              <a:t> </a:t>
+            </a:r>
+            <a:r>
+              <a:rPr lang="fr-FR" sz="1200" dirty="0" err="1">
+                <a:solidFill>
+                  <a:schemeClr val="accent3">
+                    <a:lumMod val="75000"/>
+                  </a:schemeClr>
+                </a:solidFill>
+              </a:rPr>
+              <a:t>yet</a:t>
+            </a:r>
+            <a:r>
+              <a:rPr lang="fr-FR" sz="1200" dirty="0">
+                <a:solidFill>
+                  <a:schemeClr val="accent3">
+                    <a:lumMod val="75000"/>
+                  </a:schemeClr>
+                </a:solidFill>
+              </a:rPr>
+              <a:t>’</a:t>
+            </a:r>
+          </a:p>
+          <a:p>
+            <a:r>
+              <a:rPr lang="fr-FR" sz="1200" dirty="0">
+                <a:solidFill>
+                  <a:schemeClr val="accent3">
+                    <a:lumMod val="75000"/>
+                  </a:schemeClr>
+                </a:solidFill>
+              </a:rPr>
+              <a:t>  </a:t>
+            </a:r>
+            <a:r>
+              <a:rPr lang="fr-FR" sz="1200" dirty="0" err="1">
+                <a:solidFill>
+                  <a:schemeClr val="accent3">
+                    <a:lumMod val="75000"/>
+                  </a:schemeClr>
+                </a:solidFill>
+              </a:rPr>
+              <a:t>Endif</a:t>
+            </a:r>
+            <a:endParaRPr lang="fr-FR" sz="1200" dirty="0">
+              <a:solidFill>
+                <a:schemeClr val="accent3">
+                  <a:lumMod val="75000"/>
+                </a:schemeClr>
+              </a:solidFill>
+            </a:endParaRPr>
+          </a:p>
+          <a:p>
+            <a:r>
+              <a:rPr lang="fr-FR" sz="1200" dirty="0" smtClean="0">
+                <a:solidFill>
+                  <a:schemeClr val="accent3">
+                    <a:lumMod val="75000"/>
+                  </a:schemeClr>
+                </a:solidFill>
+              </a:rPr>
+              <a:t>  </a:t>
+            </a:r>
+            <a:r>
+              <a:rPr lang="fr-FR" sz="1200" dirty="0">
+                <a:solidFill>
+                  <a:schemeClr val="accent3">
+                    <a:lumMod val="75000"/>
+                  </a:schemeClr>
+                </a:solidFill>
+              </a:rPr>
+              <a:t>if (NLAYER&gt;1 .AND.NSICLA .GT.1</a:t>
+            </a:r>
+            <a:r>
+              <a:rPr lang="fr-FR" sz="1200" dirty="0">
+                <a:solidFill>
+                  <a:srgbClr val="7030A0"/>
+                </a:solidFill>
+              </a:rPr>
+              <a:t>.AND.(.NOT. TASS</a:t>
+            </a:r>
+            <a:r>
+              <a:rPr lang="fr-FR" sz="1200" dirty="0">
+                <a:solidFill>
+                  <a:schemeClr val="accent3">
+                    <a:lumMod val="75000"/>
+                  </a:schemeClr>
+                </a:solidFill>
+              </a:rPr>
+              <a:t>) </a:t>
+            </a:r>
+            <a:r>
+              <a:rPr lang="fr-FR" sz="1200" dirty="0" err="1">
+                <a:solidFill>
+                  <a:schemeClr val="accent3">
+                    <a:lumMod val="75000"/>
+                  </a:schemeClr>
+                </a:solidFill>
+              </a:rPr>
+              <a:t>then</a:t>
+            </a:r>
+            <a:endParaRPr lang="fr-FR" sz="1200" dirty="0">
+              <a:solidFill>
+                <a:schemeClr val="accent3">
+                  <a:lumMod val="75000"/>
+                </a:schemeClr>
+              </a:solidFill>
+            </a:endParaRPr>
+          </a:p>
+          <a:p>
+            <a:r>
+              <a:rPr lang="fr-FR" sz="1200" dirty="0">
+                <a:solidFill>
+                  <a:schemeClr val="accent3">
+                    <a:lumMod val="75000"/>
+                  </a:schemeClr>
+                </a:solidFill>
+              </a:rPr>
+              <a:t>    </a:t>
+            </a:r>
+            <a:r>
+              <a:rPr lang="fr-FR" sz="1200" dirty="0" err="1">
+                <a:solidFill>
+                  <a:schemeClr val="accent3">
+                    <a:lumMod val="75000"/>
+                  </a:schemeClr>
+                </a:solidFill>
+              </a:rPr>
+              <a:t>UPDATE_ACTIVELAYER_HIRANO.f</a:t>
+            </a:r>
+            <a:r>
+              <a:rPr lang="fr-FR" sz="1200" dirty="0">
+                <a:solidFill>
+                  <a:schemeClr val="accent3">
+                    <a:lumMod val="75000"/>
+                  </a:schemeClr>
+                </a:solidFill>
+              </a:rPr>
+              <a:t>      </a:t>
+            </a:r>
+            <a:r>
+              <a:rPr lang="fr-FR" sz="800" dirty="0"/>
+              <a:t>(M.DELINARES + P. TASSI)</a:t>
+            </a:r>
+          </a:p>
+          <a:p>
+            <a:r>
+              <a:rPr lang="fr-FR" sz="1200" dirty="0">
+                <a:solidFill>
+                  <a:schemeClr val="accent3">
+                    <a:lumMod val="75000"/>
+                  </a:schemeClr>
+                </a:solidFill>
+              </a:rPr>
+              <a:t>  </a:t>
+            </a:r>
+            <a:r>
+              <a:rPr lang="fr-FR" sz="1200" dirty="0" err="1" smtClean="0">
+                <a:solidFill>
+                  <a:schemeClr val="accent3">
+                    <a:lumMod val="75000"/>
+                  </a:schemeClr>
+                </a:solidFill>
+              </a:rPr>
+              <a:t>endif</a:t>
+            </a:r>
             <a:endParaRPr lang="fr-FR" sz="1200" dirty="0" smtClean="0">
               <a:solidFill>
-                <a:srgbClr val="FF0000"/>
+                <a:schemeClr val="accent3">
+                  <a:lumMod val="75000"/>
+                </a:schemeClr>
               </a:solidFill>
             </a:endParaRPr>
-          </a:p>
-          <a:p>
-            <a:r>
-              <a:rPr lang="fr-FR" sz="1200" dirty="0" smtClean="0">
-                <a:solidFill>
-                  <a:srgbClr val="FF0000"/>
-                </a:solidFill>
-              </a:rPr>
-              <a:t>  SUSPENSION_MAIN.F</a:t>
-            </a:r>
-          </a:p>
-          <a:p>
-            <a:endParaRPr lang="fr-FR" sz="1200" dirty="0" smtClean="0">
-              <a:solidFill>
-                <a:srgbClr val="FF0000"/>
-              </a:solidFill>
-            </a:endParaRPr>
-          </a:p>
-          <a:p>
-            <a:r>
-              <a:rPr lang="fr-FR" sz="1200" dirty="0" smtClean="0"/>
-              <a:t>  </a:t>
-            </a:r>
-            <a:r>
-              <a:rPr lang="fr-FR" sz="1200" strike="sngStrike" dirty="0" smtClean="0"/>
-              <a:t>LAYER.F </a:t>
-            </a:r>
-            <a:r>
-              <a:rPr lang="fr-FR" sz="1200" strike="sngStrike" dirty="0"/>
-              <a:t>or CVSP_MAIN.F</a:t>
-            </a:r>
           </a:p>
           <a:p>
             <a:r>
@@ -6071,30 +6268,13 @@
             </a:endParaRPr>
           </a:p>
           <a:p>
-            <a:endParaRPr lang="fr-FR" sz="1200" dirty="0">
-              <a:solidFill>
-                <a:schemeClr val="accent3">
-                  <a:lumMod val="75000"/>
-                </a:schemeClr>
-              </a:solidFill>
-            </a:endParaRPr>
-          </a:p>
-          <a:p>
-            <a:r>
-              <a:rPr lang="fr-FR" sz="1200" b="1" dirty="0"/>
+            <a:endParaRPr lang="fr-FR" sz="1200" b="1" dirty="0" smtClean="0"/>
+          </a:p>
+          <a:p>
+            <a:r>
+              <a:rPr lang="fr-FR" sz="1200" b="1" dirty="0" smtClean="0"/>
               <a:t>ENDIF</a:t>
             </a:r>
-          </a:p>
-          <a:p>
-            <a:endParaRPr lang="fr-FR" sz="1200" dirty="0" smtClean="0"/>
-          </a:p>
-          <a:p>
-            <a:endParaRPr lang="fr-FR" sz="1200" dirty="0" smtClean="0"/>
-          </a:p>
-          <a:p>
-            <a:endParaRPr lang="fr-FR" sz="1200" dirty="0"/>
-          </a:p>
-          <a:p>
             <a:endParaRPr lang="fr-FR" sz="1200" dirty="0" smtClean="0"/>
           </a:p>
           <a:p>
@@ -6115,7 +6295,11 @@
           <a:p>
             <a:r>
               <a:rPr lang="fr-FR" sz="1200" strike="sngStrike" dirty="0"/>
-              <a:t>LAYER.F or CVSP_MAIN.F</a:t>
+              <a:t>LAYER.F or </a:t>
+            </a:r>
+            <a:r>
+              <a:rPr lang="fr-FR" sz="1200" strike="sngStrike" dirty="0" smtClean="0"/>
+              <a:t>CVSP_MAIN.F</a:t>
             </a:r>
           </a:p>
           <a:p>
@@ -6140,7 +6324,7 @@
               <a:t>  </a:t>
             </a:r>
             <a:r>
-              <a:rPr lang="fr-FR" sz="2400" dirty="0">
+              <a:rPr lang="fr-FR" sz="2400" dirty="0" smtClean="0">
                 <a:solidFill>
                   <a:schemeClr val="accent3">
                     <a:lumMod val="75000"/>
@@ -6150,18 +6334,9 @@
               <a:t> </a:t>
             </a:r>
             <a:r>
-              <a:rPr lang="fr-FR" sz="800" i="1" dirty="0"/>
+              <a:rPr lang="fr-FR" sz="800" i="1" dirty="0" smtClean="0"/>
               <a:t>(R.WALTHER + J. FONTAINE) </a:t>
             </a:r>
-            <a:endParaRPr lang="fr-FR" sz="800" dirty="0">
-              <a:solidFill>
-                <a:schemeClr val="accent3">
-                  <a:lumMod val="75000"/>
-                </a:schemeClr>
-              </a:solidFill>
-            </a:endParaRPr>
-          </a:p>
-          <a:p>
             <a:endParaRPr lang="fr-FR" sz="1200" strike="sngStrike" dirty="0" smtClean="0"/>
           </a:p>
           <a:p>
@@ -6375,15 +6550,6 @@
               <a:rPr lang="fr-FR" sz="800" i="1" dirty="0"/>
               <a:t>(R.WALTHER + J. FONTAINE) </a:t>
             </a:r>
-            <a:endParaRPr lang="fr-FR" sz="800" dirty="0">
-              <a:solidFill>
-                <a:schemeClr val="accent3">
-                  <a:lumMod val="75000"/>
-                </a:schemeClr>
-              </a:solidFill>
-            </a:endParaRPr>
-          </a:p>
-          <a:p>
             <a:endParaRPr lang="fr-FR" sz="1200" dirty="0" smtClean="0"/>
           </a:p>
           <a:p>
@@ -6391,9 +6557,6 @@
               <a:rPr lang="fr-FR" sz="1200" dirty="0" err="1" smtClean="0"/>
               <a:t>Endif</a:t>
             </a:r>
-            <a:endParaRPr lang="fr-FR" sz="1200" dirty="0" smtClean="0"/>
-          </a:p>
-          <a:p>
             <a:endParaRPr lang="fr-FR" sz="1200" dirty="0" smtClean="0"/>
           </a:p>
           <a:p>
@@ -6671,7 +6834,7 @@
           </a:p>
           <a:p>
             <a:r>
-              <a:rPr lang="fr-FR" sz="1000" smtClean="0">
+              <a:rPr lang="fr-FR" sz="1000" dirty="0" smtClean="0">
                 <a:solidFill>
                   <a:schemeClr val="accent3">
                     <a:lumMod val="75000"/>
@@ -6890,7 +7053,7 @@
         </p:nvCxnSpPr>
         <p:spPr>
           <a:xfrm>
-            <a:off x="2160240" y="877162"/>
+            <a:off x="2195736" y="548680"/>
             <a:ext cx="1403648" cy="0"/>
           </a:xfrm>
           <a:prstGeom prst="straightConnector1">
@@ -9083,6 +9246,6192 @@
 </p:sld>
 </file>
 
+<file path=ppt/slides/slide14.xml><?xml version="1.0" encoding="utf-8"?>
+<p:sld xmlns:a="http://schemas.openxmlformats.org/drawingml/2006/main" xmlns:r="http://schemas.openxmlformats.org/officeDocument/2006/relationships" xmlns:p="http://schemas.openxmlformats.org/presentationml/2006/main">
+  <p:cSld>
+    <p:spTree>
+      <p:nvGrpSpPr>
+        <p:cNvPr id="1" name=""/>
+        <p:cNvGrpSpPr/>
+        <p:nvPr/>
+      </p:nvGrpSpPr>
+      <p:grpSpPr>
+        <a:xfrm>
+          <a:off x="0" y="0"/>
+          <a:ext cx="0" cy="0"/>
+          <a:chOff x="0" y="0"/>
+          <a:chExt cx="0" cy="0"/>
+        </a:xfrm>
+      </p:grpSpPr>
+      <p:sp>
+        <p:nvSpPr>
+          <p:cNvPr id="4" name="Titre 1"/>
+          <p:cNvSpPr txBox="1">
+            <a:spLocks/>
+          </p:cNvSpPr>
+          <p:nvPr/>
+        </p:nvSpPr>
+        <p:spPr>
+          <a:xfrm>
+            <a:off x="2051720" y="192675"/>
+            <a:ext cx="4474840" cy="778098"/>
+          </a:xfrm>
+          <a:prstGeom prst="rect">
+            <a:avLst/>
+          </a:prstGeom>
+        </p:spPr>
+        <p:txBody>
+          <a:bodyPr vert="horz" lIns="91440" tIns="45720" rIns="91440" bIns="45720" rtlCol="0" anchor="ctr">
+            <a:normAutofit fontScale="62500" lnSpcReduction="20000"/>
+          </a:bodyPr>
+          <a:lstStyle>
+            <a:lvl1pPr algn="ctr" defTabSz="914400" rtl="0" eaLnBrk="1" latinLnBrk="0" hangingPunct="1">
+              <a:spcBef>
+                <a:spcPct val="0"/>
+              </a:spcBef>
+              <a:buNone/>
+              <a:defRPr sz="4400" kern="1200">
+                <a:solidFill>
+                  <a:schemeClr val="tx1"/>
+                </a:solidFill>
+                <a:latin typeface="+mj-lt"/>
+                <a:ea typeface="+mj-ea"/>
+                <a:cs typeface="+mj-cs"/>
+              </a:defRPr>
+            </a:lvl1pPr>
+          </a:lstStyle>
+          <a:p>
+            <a:r>
+              <a:rPr lang="fr-FR" b="1" dirty="0" smtClean="0"/>
+              <a:t>OLD INITIALIZATION (</a:t>
+            </a:r>
+            <a:r>
+              <a:rPr lang="fr-FR" b="1" dirty="0" err="1" smtClean="0"/>
+              <a:t>init_sediment</a:t>
+            </a:r>
+            <a:r>
+              <a:rPr lang="fr-FR" b="1" dirty="0" smtClean="0"/>
+              <a:t>)</a:t>
+            </a:r>
+            <a:endParaRPr lang="fr-FR" b="1" dirty="0"/>
+          </a:p>
+        </p:txBody>
+      </p:sp>
+      <p:sp>
+        <p:nvSpPr>
+          <p:cNvPr id="5" name="Espace réservé du contenu 2"/>
+          <p:cNvSpPr txBox="1">
+            <a:spLocks/>
+          </p:cNvSpPr>
+          <p:nvPr/>
+        </p:nvSpPr>
+        <p:spPr>
+          <a:xfrm>
+            <a:off x="611560" y="1196752"/>
+            <a:ext cx="2304256" cy="432048"/>
+          </a:xfrm>
+          <a:prstGeom prst="rect">
+            <a:avLst/>
+          </a:prstGeom>
+          <a:ln>
+            <a:solidFill>
+              <a:schemeClr val="tx1"/>
+            </a:solidFill>
+          </a:ln>
+          <a:effectLst>
+            <a:softEdge rad="0"/>
+          </a:effectLst>
+        </p:spPr>
+        <p:txBody>
+          <a:bodyPr vert="horz" lIns="91440" tIns="45720" rIns="91440" bIns="45720" rtlCol="0">
+            <a:normAutofit fontScale="70000" lnSpcReduction="20000"/>
+          </a:bodyPr>
+          <a:lstStyle>
+            <a:lvl1pPr marL="342900" indent="-342900" algn="l" defTabSz="914400" rtl="0" eaLnBrk="1" latinLnBrk="0" hangingPunct="1">
+              <a:spcBef>
+                <a:spcPct val="20000"/>
+              </a:spcBef>
+              <a:buFont typeface="Arial" pitchFamily="34" charset="0"/>
+              <a:buChar char="•"/>
+              <a:defRPr sz="3200" kern="1200">
+                <a:solidFill>
+                  <a:schemeClr val="tx1"/>
+                </a:solidFill>
+                <a:latin typeface="+mn-lt"/>
+                <a:ea typeface="+mn-ea"/>
+                <a:cs typeface="+mn-cs"/>
+              </a:defRPr>
+            </a:lvl1pPr>
+            <a:lvl2pPr marL="742950" indent="-285750" algn="l" defTabSz="914400" rtl="0" eaLnBrk="1" latinLnBrk="0" hangingPunct="1">
+              <a:spcBef>
+                <a:spcPct val="20000"/>
+              </a:spcBef>
+              <a:buFont typeface="Arial" pitchFamily="34" charset="0"/>
+              <a:buChar char="–"/>
+              <a:defRPr sz="2800" kern="1200">
+                <a:solidFill>
+                  <a:schemeClr val="tx1"/>
+                </a:solidFill>
+                <a:latin typeface="+mn-lt"/>
+                <a:ea typeface="+mn-ea"/>
+                <a:cs typeface="+mn-cs"/>
+              </a:defRPr>
+            </a:lvl2pPr>
+            <a:lvl3pPr marL="1143000" indent="-228600" algn="l" defTabSz="914400" rtl="0" eaLnBrk="1" latinLnBrk="0" hangingPunct="1">
+              <a:spcBef>
+                <a:spcPct val="20000"/>
+              </a:spcBef>
+              <a:buFont typeface="Arial" pitchFamily="34" charset="0"/>
+              <a:buChar char="•"/>
+              <a:defRPr sz="2400" kern="1200">
+                <a:solidFill>
+                  <a:schemeClr val="tx1"/>
+                </a:solidFill>
+                <a:latin typeface="+mn-lt"/>
+                <a:ea typeface="+mn-ea"/>
+                <a:cs typeface="+mn-cs"/>
+              </a:defRPr>
+            </a:lvl3pPr>
+            <a:lvl4pPr marL="1600200" indent="-228600" algn="l" defTabSz="914400" rtl="0" eaLnBrk="1" latinLnBrk="0" hangingPunct="1">
+              <a:spcBef>
+                <a:spcPct val="20000"/>
+              </a:spcBef>
+              <a:buFont typeface="Arial" pitchFamily="34" charset="0"/>
+              <a:buChar char="–"/>
+              <a:defRPr sz="2000" kern="1200">
+                <a:solidFill>
+                  <a:schemeClr val="tx1"/>
+                </a:solidFill>
+                <a:latin typeface="+mn-lt"/>
+                <a:ea typeface="+mn-ea"/>
+                <a:cs typeface="+mn-cs"/>
+              </a:defRPr>
+            </a:lvl4pPr>
+            <a:lvl5pPr marL="2057400" indent="-228600" algn="l" defTabSz="914400" rtl="0" eaLnBrk="1" latinLnBrk="0" hangingPunct="1">
+              <a:spcBef>
+                <a:spcPct val="20000"/>
+              </a:spcBef>
+              <a:buFont typeface="Arial" pitchFamily="34" charset="0"/>
+              <a:buChar char="»"/>
+              <a:defRPr sz="2000" kern="1200">
+                <a:solidFill>
+                  <a:schemeClr val="tx1"/>
+                </a:solidFill>
+                <a:latin typeface="+mn-lt"/>
+                <a:ea typeface="+mn-ea"/>
+                <a:cs typeface="+mn-cs"/>
+              </a:defRPr>
+            </a:lvl5pPr>
+            <a:lvl6pPr marL="2514600" indent="-228600" algn="l" defTabSz="914400" rtl="0" eaLnBrk="1" latinLnBrk="0" hangingPunct="1">
+              <a:spcBef>
+                <a:spcPct val="20000"/>
+              </a:spcBef>
+              <a:buFont typeface="Arial" pitchFamily="34" charset="0"/>
+              <a:buChar char="•"/>
+              <a:defRPr sz="2000" kern="1200">
+                <a:solidFill>
+                  <a:schemeClr val="tx1"/>
+                </a:solidFill>
+                <a:latin typeface="+mn-lt"/>
+                <a:ea typeface="+mn-ea"/>
+                <a:cs typeface="+mn-cs"/>
+              </a:defRPr>
+            </a:lvl6pPr>
+            <a:lvl7pPr marL="2971800" indent="-228600" algn="l" defTabSz="914400" rtl="0" eaLnBrk="1" latinLnBrk="0" hangingPunct="1">
+              <a:spcBef>
+                <a:spcPct val="20000"/>
+              </a:spcBef>
+              <a:buFont typeface="Arial" pitchFamily="34" charset="0"/>
+              <a:buChar char="•"/>
+              <a:defRPr sz="2000" kern="1200">
+                <a:solidFill>
+                  <a:schemeClr val="tx1"/>
+                </a:solidFill>
+                <a:latin typeface="+mn-lt"/>
+                <a:ea typeface="+mn-ea"/>
+                <a:cs typeface="+mn-cs"/>
+              </a:defRPr>
+            </a:lvl7pPr>
+            <a:lvl8pPr marL="3429000" indent="-228600" algn="l" defTabSz="914400" rtl="0" eaLnBrk="1" latinLnBrk="0" hangingPunct="1">
+              <a:spcBef>
+                <a:spcPct val="20000"/>
+              </a:spcBef>
+              <a:buFont typeface="Arial" pitchFamily="34" charset="0"/>
+              <a:buChar char="•"/>
+              <a:defRPr sz="2000" kern="1200">
+                <a:solidFill>
+                  <a:schemeClr val="tx1"/>
+                </a:solidFill>
+                <a:latin typeface="+mn-lt"/>
+                <a:ea typeface="+mn-ea"/>
+                <a:cs typeface="+mn-cs"/>
+              </a:defRPr>
+            </a:lvl8pPr>
+            <a:lvl9pPr marL="3886200" indent="-228600" algn="l" defTabSz="914400" rtl="0" eaLnBrk="1" latinLnBrk="0" hangingPunct="1">
+              <a:spcBef>
+                <a:spcPct val="20000"/>
+              </a:spcBef>
+              <a:buFont typeface="Arial" pitchFamily="34" charset="0"/>
+              <a:buChar char="•"/>
+              <a:defRPr sz="2000" kern="1200">
+                <a:solidFill>
+                  <a:schemeClr val="tx1"/>
+                </a:solidFill>
+                <a:latin typeface="+mn-lt"/>
+                <a:ea typeface="+mn-ea"/>
+                <a:cs typeface="+mn-cs"/>
+              </a:defRPr>
+            </a:lvl9pPr>
+          </a:lstStyle>
+          <a:p>
+            <a:pPr marL="57150" indent="0">
+              <a:buNone/>
+            </a:pPr>
+            <a:r>
+              <a:rPr lang="fr-FR" dirty="0" smtClean="0">
+                <a:ea typeface="Cambria Math" panose="02040503050406030204" pitchFamily="18" charset="0"/>
+              </a:rPr>
+              <a:t>1. </a:t>
+            </a:r>
+            <a:r>
+              <a:rPr lang="fr-FR" dirty="0" smtClean="0">
+                <a:solidFill>
+                  <a:srgbClr val="7030A0"/>
+                </a:solidFill>
+                <a:ea typeface="Cambria Math" panose="02040503050406030204" pitchFamily="18" charset="0"/>
+              </a:rPr>
+              <a:t>ELAY</a:t>
+            </a:r>
+            <a:r>
+              <a:rPr lang="fr-FR" dirty="0" smtClean="0">
+                <a:ea typeface="Cambria Math" panose="02040503050406030204" pitchFamily="18" charset="0"/>
+              </a:rPr>
+              <a:t> = </a:t>
+            </a:r>
+            <a:r>
+              <a:rPr lang="fr-FR" dirty="0" smtClean="0">
+                <a:solidFill>
+                  <a:srgbClr val="7030A0"/>
+                </a:solidFill>
+                <a:ea typeface="Cambria Math" panose="02040503050406030204" pitchFamily="18" charset="0"/>
+              </a:rPr>
+              <a:t>ZF</a:t>
+            </a:r>
+            <a:r>
+              <a:rPr lang="fr-FR" dirty="0" smtClean="0">
+                <a:ea typeface="Cambria Math" panose="02040503050406030204" pitchFamily="18" charset="0"/>
+              </a:rPr>
+              <a:t> - </a:t>
+            </a:r>
+            <a:r>
+              <a:rPr lang="fr-FR" dirty="0" smtClean="0">
+                <a:solidFill>
+                  <a:srgbClr val="7030A0"/>
+                </a:solidFill>
+                <a:ea typeface="Cambria Math" panose="02040503050406030204" pitchFamily="18" charset="0"/>
+              </a:rPr>
+              <a:t>ZR</a:t>
+            </a:r>
+            <a:r>
+              <a:rPr lang="fr-FR" dirty="0" smtClean="0">
+                <a:ea typeface="Cambria Math" panose="02040503050406030204" pitchFamily="18" charset="0"/>
+              </a:rPr>
+              <a:t> </a:t>
+            </a:r>
+          </a:p>
+          <a:p>
+            <a:pPr marL="457200" lvl="1" indent="0">
+              <a:buNone/>
+            </a:pPr>
+            <a:endParaRPr lang="fr-FR" dirty="0" smtClean="0"/>
+          </a:p>
+        </p:txBody>
+      </p:sp>
+      <p:sp>
+        <p:nvSpPr>
+          <p:cNvPr id="6" name="Espace réservé du contenu 2"/>
+          <p:cNvSpPr txBox="1">
+            <a:spLocks/>
+          </p:cNvSpPr>
+          <p:nvPr/>
+        </p:nvSpPr>
+        <p:spPr>
+          <a:xfrm>
+            <a:off x="611560" y="3284984"/>
+            <a:ext cx="1728192" cy="432048"/>
+          </a:xfrm>
+          <a:prstGeom prst="rect">
+            <a:avLst/>
+          </a:prstGeom>
+          <a:ln>
+            <a:solidFill>
+              <a:schemeClr val="tx1"/>
+            </a:solidFill>
+          </a:ln>
+          <a:effectLst>
+            <a:softEdge rad="0"/>
+          </a:effectLst>
+        </p:spPr>
+        <p:txBody>
+          <a:bodyPr vert="horz" lIns="91440" tIns="45720" rIns="91440" bIns="45720" rtlCol="0">
+            <a:normAutofit fontScale="85000" lnSpcReduction="20000"/>
+          </a:bodyPr>
+          <a:lstStyle>
+            <a:lvl1pPr marL="342900" indent="-342900" algn="l" defTabSz="914400" rtl="0" eaLnBrk="1" latinLnBrk="0" hangingPunct="1">
+              <a:spcBef>
+                <a:spcPct val="20000"/>
+              </a:spcBef>
+              <a:buFont typeface="Arial" pitchFamily="34" charset="0"/>
+              <a:buChar char="•"/>
+              <a:defRPr sz="3200" kern="1200">
+                <a:solidFill>
+                  <a:schemeClr val="tx1"/>
+                </a:solidFill>
+                <a:latin typeface="+mn-lt"/>
+                <a:ea typeface="+mn-ea"/>
+                <a:cs typeface="+mn-cs"/>
+              </a:defRPr>
+            </a:lvl1pPr>
+            <a:lvl2pPr marL="742950" indent="-285750" algn="l" defTabSz="914400" rtl="0" eaLnBrk="1" latinLnBrk="0" hangingPunct="1">
+              <a:spcBef>
+                <a:spcPct val="20000"/>
+              </a:spcBef>
+              <a:buFont typeface="Arial" pitchFamily="34" charset="0"/>
+              <a:buChar char="–"/>
+              <a:defRPr sz="2800" kern="1200">
+                <a:solidFill>
+                  <a:schemeClr val="tx1"/>
+                </a:solidFill>
+                <a:latin typeface="+mn-lt"/>
+                <a:ea typeface="+mn-ea"/>
+                <a:cs typeface="+mn-cs"/>
+              </a:defRPr>
+            </a:lvl2pPr>
+            <a:lvl3pPr marL="1143000" indent="-228600" algn="l" defTabSz="914400" rtl="0" eaLnBrk="1" latinLnBrk="0" hangingPunct="1">
+              <a:spcBef>
+                <a:spcPct val="20000"/>
+              </a:spcBef>
+              <a:buFont typeface="Arial" pitchFamily="34" charset="0"/>
+              <a:buChar char="•"/>
+              <a:defRPr sz="2400" kern="1200">
+                <a:solidFill>
+                  <a:schemeClr val="tx1"/>
+                </a:solidFill>
+                <a:latin typeface="+mn-lt"/>
+                <a:ea typeface="+mn-ea"/>
+                <a:cs typeface="+mn-cs"/>
+              </a:defRPr>
+            </a:lvl3pPr>
+            <a:lvl4pPr marL="1600200" indent="-228600" algn="l" defTabSz="914400" rtl="0" eaLnBrk="1" latinLnBrk="0" hangingPunct="1">
+              <a:spcBef>
+                <a:spcPct val="20000"/>
+              </a:spcBef>
+              <a:buFont typeface="Arial" pitchFamily="34" charset="0"/>
+              <a:buChar char="–"/>
+              <a:defRPr sz="2000" kern="1200">
+                <a:solidFill>
+                  <a:schemeClr val="tx1"/>
+                </a:solidFill>
+                <a:latin typeface="+mn-lt"/>
+                <a:ea typeface="+mn-ea"/>
+                <a:cs typeface="+mn-cs"/>
+              </a:defRPr>
+            </a:lvl4pPr>
+            <a:lvl5pPr marL="2057400" indent="-228600" algn="l" defTabSz="914400" rtl="0" eaLnBrk="1" latinLnBrk="0" hangingPunct="1">
+              <a:spcBef>
+                <a:spcPct val="20000"/>
+              </a:spcBef>
+              <a:buFont typeface="Arial" pitchFamily="34" charset="0"/>
+              <a:buChar char="»"/>
+              <a:defRPr sz="2000" kern="1200">
+                <a:solidFill>
+                  <a:schemeClr val="tx1"/>
+                </a:solidFill>
+                <a:latin typeface="+mn-lt"/>
+                <a:ea typeface="+mn-ea"/>
+                <a:cs typeface="+mn-cs"/>
+              </a:defRPr>
+            </a:lvl5pPr>
+            <a:lvl6pPr marL="2514600" indent="-228600" algn="l" defTabSz="914400" rtl="0" eaLnBrk="1" latinLnBrk="0" hangingPunct="1">
+              <a:spcBef>
+                <a:spcPct val="20000"/>
+              </a:spcBef>
+              <a:buFont typeface="Arial" pitchFamily="34" charset="0"/>
+              <a:buChar char="•"/>
+              <a:defRPr sz="2000" kern="1200">
+                <a:solidFill>
+                  <a:schemeClr val="tx1"/>
+                </a:solidFill>
+                <a:latin typeface="+mn-lt"/>
+                <a:ea typeface="+mn-ea"/>
+                <a:cs typeface="+mn-cs"/>
+              </a:defRPr>
+            </a:lvl6pPr>
+            <a:lvl7pPr marL="2971800" indent="-228600" algn="l" defTabSz="914400" rtl="0" eaLnBrk="1" latinLnBrk="0" hangingPunct="1">
+              <a:spcBef>
+                <a:spcPct val="20000"/>
+              </a:spcBef>
+              <a:buFont typeface="Arial" pitchFamily="34" charset="0"/>
+              <a:buChar char="•"/>
+              <a:defRPr sz="2000" kern="1200">
+                <a:solidFill>
+                  <a:schemeClr val="tx1"/>
+                </a:solidFill>
+                <a:latin typeface="+mn-lt"/>
+                <a:ea typeface="+mn-ea"/>
+                <a:cs typeface="+mn-cs"/>
+              </a:defRPr>
+            </a:lvl7pPr>
+            <a:lvl8pPr marL="3429000" indent="-228600" algn="l" defTabSz="914400" rtl="0" eaLnBrk="1" latinLnBrk="0" hangingPunct="1">
+              <a:spcBef>
+                <a:spcPct val="20000"/>
+              </a:spcBef>
+              <a:buFont typeface="Arial" pitchFamily="34" charset="0"/>
+              <a:buChar char="•"/>
+              <a:defRPr sz="2000" kern="1200">
+                <a:solidFill>
+                  <a:schemeClr val="tx1"/>
+                </a:solidFill>
+                <a:latin typeface="+mn-lt"/>
+                <a:ea typeface="+mn-ea"/>
+                <a:cs typeface="+mn-cs"/>
+              </a:defRPr>
+            </a:lvl8pPr>
+            <a:lvl9pPr marL="3886200" indent="-228600" algn="l" defTabSz="914400" rtl="0" eaLnBrk="1" latinLnBrk="0" hangingPunct="1">
+              <a:spcBef>
+                <a:spcPct val="20000"/>
+              </a:spcBef>
+              <a:buFont typeface="Arial" pitchFamily="34" charset="0"/>
+              <a:buChar char="•"/>
+              <a:defRPr sz="2000" kern="1200">
+                <a:solidFill>
+                  <a:schemeClr val="tx1"/>
+                </a:solidFill>
+                <a:latin typeface="+mn-lt"/>
+                <a:ea typeface="+mn-ea"/>
+                <a:cs typeface="+mn-cs"/>
+              </a:defRPr>
+            </a:lvl9pPr>
+          </a:lstStyle>
+          <a:p>
+            <a:pPr marL="57150" indent="0">
+              <a:buNone/>
+            </a:pPr>
+            <a:r>
+              <a:rPr lang="fr-FR" dirty="0" smtClean="0">
+                <a:ea typeface="Cambria Math" panose="02040503050406030204" pitchFamily="18" charset="0"/>
+              </a:rPr>
+              <a:t>2. </a:t>
+            </a:r>
+            <a:r>
+              <a:rPr lang="fr-FR" dirty="0" smtClean="0">
+                <a:solidFill>
+                  <a:srgbClr val="7030A0"/>
+                </a:solidFill>
+                <a:ea typeface="Cambria Math" panose="02040503050406030204" pitchFamily="18" charset="0"/>
+              </a:rPr>
+              <a:t>NSICLA</a:t>
+            </a:r>
+            <a:r>
+              <a:rPr lang="fr-FR" dirty="0" smtClean="0">
+                <a:ea typeface="Cambria Math" panose="02040503050406030204" pitchFamily="18" charset="0"/>
+              </a:rPr>
+              <a:t> </a:t>
+            </a:r>
+          </a:p>
+          <a:p>
+            <a:pPr marL="457200" lvl="1" indent="0">
+              <a:buNone/>
+            </a:pPr>
+            <a:endParaRPr lang="fr-FR" dirty="0" smtClean="0"/>
+          </a:p>
+        </p:txBody>
+      </p:sp>
+      <p:sp>
+        <p:nvSpPr>
+          <p:cNvPr id="7" name="Espace réservé du contenu 2"/>
+          <p:cNvSpPr txBox="1">
+            <a:spLocks/>
+          </p:cNvSpPr>
+          <p:nvPr/>
+        </p:nvSpPr>
+        <p:spPr>
+          <a:xfrm>
+            <a:off x="2915815" y="2240868"/>
+            <a:ext cx="621069" cy="540060"/>
+          </a:xfrm>
+          <a:prstGeom prst="rect">
+            <a:avLst/>
+          </a:prstGeom>
+          <a:ln>
+            <a:solidFill>
+              <a:schemeClr val="tx1"/>
+            </a:solidFill>
+          </a:ln>
+          <a:effectLst>
+            <a:softEdge rad="0"/>
+          </a:effectLst>
+        </p:spPr>
+        <p:txBody>
+          <a:bodyPr vert="horz" lIns="91440" tIns="45720" rIns="91440" bIns="45720" rtlCol="0">
+            <a:normAutofit fontScale="85000" lnSpcReduction="10000"/>
+          </a:bodyPr>
+          <a:lstStyle>
+            <a:lvl1pPr marL="342900" indent="-342900" algn="l" defTabSz="914400" rtl="0" eaLnBrk="1" latinLnBrk="0" hangingPunct="1">
+              <a:spcBef>
+                <a:spcPct val="20000"/>
+              </a:spcBef>
+              <a:buFont typeface="Arial" pitchFamily="34" charset="0"/>
+              <a:buChar char="•"/>
+              <a:defRPr sz="3200" kern="1200">
+                <a:solidFill>
+                  <a:schemeClr val="tx1"/>
+                </a:solidFill>
+                <a:latin typeface="+mn-lt"/>
+                <a:ea typeface="+mn-ea"/>
+                <a:cs typeface="+mn-cs"/>
+              </a:defRPr>
+            </a:lvl1pPr>
+            <a:lvl2pPr marL="742950" indent="-285750" algn="l" defTabSz="914400" rtl="0" eaLnBrk="1" latinLnBrk="0" hangingPunct="1">
+              <a:spcBef>
+                <a:spcPct val="20000"/>
+              </a:spcBef>
+              <a:buFont typeface="Arial" pitchFamily="34" charset="0"/>
+              <a:buChar char="–"/>
+              <a:defRPr sz="2800" kern="1200">
+                <a:solidFill>
+                  <a:schemeClr val="tx1"/>
+                </a:solidFill>
+                <a:latin typeface="+mn-lt"/>
+                <a:ea typeface="+mn-ea"/>
+                <a:cs typeface="+mn-cs"/>
+              </a:defRPr>
+            </a:lvl2pPr>
+            <a:lvl3pPr marL="1143000" indent="-228600" algn="l" defTabSz="914400" rtl="0" eaLnBrk="1" latinLnBrk="0" hangingPunct="1">
+              <a:spcBef>
+                <a:spcPct val="20000"/>
+              </a:spcBef>
+              <a:buFont typeface="Arial" pitchFamily="34" charset="0"/>
+              <a:buChar char="•"/>
+              <a:defRPr sz="2400" kern="1200">
+                <a:solidFill>
+                  <a:schemeClr val="tx1"/>
+                </a:solidFill>
+                <a:latin typeface="+mn-lt"/>
+                <a:ea typeface="+mn-ea"/>
+                <a:cs typeface="+mn-cs"/>
+              </a:defRPr>
+            </a:lvl3pPr>
+            <a:lvl4pPr marL="1600200" indent="-228600" algn="l" defTabSz="914400" rtl="0" eaLnBrk="1" latinLnBrk="0" hangingPunct="1">
+              <a:spcBef>
+                <a:spcPct val="20000"/>
+              </a:spcBef>
+              <a:buFont typeface="Arial" pitchFamily="34" charset="0"/>
+              <a:buChar char="–"/>
+              <a:defRPr sz="2000" kern="1200">
+                <a:solidFill>
+                  <a:schemeClr val="tx1"/>
+                </a:solidFill>
+                <a:latin typeface="+mn-lt"/>
+                <a:ea typeface="+mn-ea"/>
+                <a:cs typeface="+mn-cs"/>
+              </a:defRPr>
+            </a:lvl4pPr>
+            <a:lvl5pPr marL="2057400" indent="-228600" algn="l" defTabSz="914400" rtl="0" eaLnBrk="1" latinLnBrk="0" hangingPunct="1">
+              <a:spcBef>
+                <a:spcPct val="20000"/>
+              </a:spcBef>
+              <a:buFont typeface="Arial" pitchFamily="34" charset="0"/>
+              <a:buChar char="»"/>
+              <a:defRPr sz="2000" kern="1200">
+                <a:solidFill>
+                  <a:schemeClr val="tx1"/>
+                </a:solidFill>
+                <a:latin typeface="+mn-lt"/>
+                <a:ea typeface="+mn-ea"/>
+                <a:cs typeface="+mn-cs"/>
+              </a:defRPr>
+            </a:lvl5pPr>
+            <a:lvl6pPr marL="2514600" indent="-228600" algn="l" defTabSz="914400" rtl="0" eaLnBrk="1" latinLnBrk="0" hangingPunct="1">
+              <a:spcBef>
+                <a:spcPct val="20000"/>
+              </a:spcBef>
+              <a:buFont typeface="Arial" pitchFamily="34" charset="0"/>
+              <a:buChar char="•"/>
+              <a:defRPr sz="2000" kern="1200">
+                <a:solidFill>
+                  <a:schemeClr val="tx1"/>
+                </a:solidFill>
+                <a:latin typeface="+mn-lt"/>
+                <a:ea typeface="+mn-ea"/>
+                <a:cs typeface="+mn-cs"/>
+              </a:defRPr>
+            </a:lvl6pPr>
+            <a:lvl7pPr marL="2971800" indent="-228600" algn="l" defTabSz="914400" rtl="0" eaLnBrk="1" latinLnBrk="0" hangingPunct="1">
+              <a:spcBef>
+                <a:spcPct val="20000"/>
+              </a:spcBef>
+              <a:buFont typeface="Arial" pitchFamily="34" charset="0"/>
+              <a:buChar char="•"/>
+              <a:defRPr sz="2000" kern="1200">
+                <a:solidFill>
+                  <a:schemeClr val="tx1"/>
+                </a:solidFill>
+                <a:latin typeface="+mn-lt"/>
+                <a:ea typeface="+mn-ea"/>
+                <a:cs typeface="+mn-cs"/>
+              </a:defRPr>
+            </a:lvl7pPr>
+            <a:lvl8pPr marL="3429000" indent="-228600" algn="l" defTabSz="914400" rtl="0" eaLnBrk="1" latinLnBrk="0" hangingPunct="1">
+              <a:spcBef>
+                <a:spcPct val="20000"/>
+              </a:spcBef>
+              <a:buFont typeface="Arial" pitchFamily="34" charset="0"/>
+              <a:buChar char="•"/>
+              <a:defRPr sz="2000" kern="1200">
+                <a:solidFill>
+                  <a:schemeClr val="tx1"/>
+                </a:solidFill>
+                <a:latin typeface="+mn-lt"/>
+                <a:ea typeface="+mn-ea"/>
+                <a:cs typeface="+mn-cs"/>
+              </a:defRPr>
+            </a:lvl8pPr>
+            <a:lvl9pPr marL="3886200" indent="-228600" algn="l" defTabSz="914400" rtl="0" eaLnBrk="1" latinLnBrk="0" hangingPunct="1">
+              <a:spcBef>
+                <a:spcPct val="20000"/>
+              </a:spcBef>
+              <a:buFont typeface="Arial" pitchFamily="34" charset="0"/>
+              <a:buChar char="•"/>
+              <a:defRPr sz="2000" kern="1200">
+                <a:solidFill>
+                  <a:schemeClr val="tx1"/>
+                </a:solidFill>
+                <a:latin typeface="+mn-lt"/>
+                <a:ea typeface="+mn-ea"/>
+                <a:cs typeface="+mn-cs"/>
+              </a:defRPr>
+            </a:lvl9pPr>
+          </a:lstStyle>
+          <a:p>
+            <a:pPr marL="57150" indent="0">
+              <a:buNone/>
+            </a:pPr>
+            <a:r>
+              <a:rPr lang="fr-FR" dirty="0" smtClean="0">
+                <a:ea typeface="Cambria Math" panose="02040503050406030204" pitchFamily="18" charset="0"/>
+              </a:rPr>
+              <a:t>=1 </a:t>
+            </a:r>
+          </a:p>
+          <a:p>
+            <a:pPr marL="457200" lvl="1" indent="0">
+              <a:buNone/>
+            </a:pPr>
+            <a:endParaRPr lang="fr-FR" dirty="0" smtClean="0"/>
+          </a:p>
+        </p:txBody>
+      </p:sp>
+      <p:cxnSp>
+        <p:nvCxnSpPr>
+          <p:cNvPr id="9" name="Connecteur droit avec flèche 8"/>
+          <p:cNvCxnSpPr/>
+          <p:nvPr/>
+        </p:nvCxnSpPr>
+        <p:spPr>
+          <a:xfrm>
+            <a:off x="1547664" y="1772816"/>
+            <a:ext cx="0" cy="1368152"/>
+          </a:xfrm>
+          <a:prstGeom prst="straightConnector1">
+            <a:avLst/>
+          </a:prstGeom>
+          <a:ln w="15875">
+            <a:solidFill>
+              <a:schemeClr val="tx1"/>
+            </a:solidFill>
+            <a:tailEnd type="triangle"/>
+          </a:ln>
+        </p:spPr>
+        <p:style>
+          <a:lnRef idx="1">
+            <a:schemeClr val="accent1"/>
+          </a:lnRef>
+          <a:fillRef idx="0">
+            <a:schemeClr val="accent1"/>
+          </a:fillRef>
+          <a:effectRef idx="0">
+            <a:schemeClr val="accent1"/>
+          </a:effectRef>
+          <a:fontRef idx="minor">
+            <a:schemeClr val="tx1"/>
+          </a:fontRef>
+        </p:style>
+      </p:cxnSp>
+      <p:cxnSp>
+        <p:nvCxnSpPr>
+          <p:cNvPr id="10" name="Connecteur droit avec flèche 9"/>
+          <p:cNvCxnSpPr/>
+          <p:nvPr/>
+        </p:nvCxnSpPr>
+        <p:spPr>
+          <a:xfrm flipV="1">
+            <a:off x="2447764" y="2780928"/>
+            <a:ext cx="540060" cy="720080"/>
+          </a:xfrm>
+          <a:prstGeom prst="straightConnector1">
+            <a:avLst/>
+          </a:prstGeom>
+          <a:ln w="15875">
+            <a:solidFill>
+              <a:schemeClr val="tx1"/>
+            </a:solidFill>
+            <a:tailEnd type="triangle"/>
+          </a:ln>
+        </p:spPr>
+        <p:style>
+          <a:lnRef idx="1">
+            <a:schemeClr val="accent1"/>
+          </a:lnRef>
+          <a:fillRef idx="0">
+            <a:schemeClr val="accent1"/>
+          </a:fillRef>
+          <a:effectRef idx="0">
+            <a:schemeClr val="accent1"/>
+          </a:effectRef>
+          <a:fontRef idx="minor">
+            <a:schemeClr val="tx1"/>
+          </a:fontRef>
+        </p:style>
+      </p:cxnSp>
+      <p:cxnSp>
+        <p:nvCxnSpPr>
+          <p:cNvPr id="13" name="Connecteur droit avec flèche 12"/>
+          <p:cNvCxnSpPr/>
+          <p:nvPr/>
+        </p:nvCxnSpPr>
+        <p:spPr>
+          <a:xfrm>
+            <a:off x="2447763" y="3501008"/>
+            <a:ext cx="540061" cy="720080"/>
+          </a:xfrm>
+          <a:prstGeom prst="straightConnector1">
+            <a:avLst/>
+          </a:prstGeom>
+          <a:ln w="15875">
+            <a:solidFill>
+              <a:schemeClr val="tx1"/>
+            </a:solidFill>
+            <a:tailEnd type="triangle"/>
+          </a:ln>
+        </p:spPr>
+        <p:style>
+          <a:lnRef idx="1">
+            <a:schemeClr val="accent1"/>
+          </a:lnRef>
+          <a:fillRef idx="0">
+            <a:schemeClr val="accent1"/>
+          </a:fillRef>
+          <a:effectRef idx="0">
+            <a:schemeClr val="accent1"/>
+          </a:effectRef>
+          <a:fontRef idx="minor">
+            <a:schemeClr val="tx1"/>
+          </a:fontRef>
+        </p:style>
+      </p:cxnSp>
+      <p:sp>
+        <p:nvSpPr>
+          <p:cNvPr id="17" name="Espace réservé du contenu 2"/>
+          <p:cNvSpPr txBox="1">
+            <a:spLocks/>
+          </p:cNvSpPr>
+          <p:nvPr/>
+        </p:nvSpPr>
+        <p:spPr>
+          <a:xfrm>
+            <a:off x="3011813" y="4005064"/>
+            <a:ext cx="696091" cy="432048"/>
+          </a:xfrm>
+          <a:prstGeom prst="rect">
+            <a:avLst/>
+          </a:prstGeom>
+          <a:ln>
+            <a:solidFill>
+              <a:schemeClr val="tx1"/>
+            </a:solidFill>
+          </a:ln>
+          <a:effectLst>
+            <a:softEdge rad="0"/>
+          </a:effectLst>
+        </p:spPr>
+        <p:txBody>
+          <a:bodyPr vert="horz" lIns="91440" tIns="45720" rIns="91440" bIns="45720" rtlCol="0">
+            <a:normAutofit fontScale="85000" lnSpcReduction="20000"/>
+          </a:bodyPr>
+          <a:lstStyle>
+            <a:lvl1pPr marL="342900" indent="-342900" algn="l" defTabSz="914400" rtl="0" eaLnBrk="1" latinLnBrk="0" hangingPunct="1">
+              <a:spcBef>
+                <a:spcPct val="20000"/>
+              </a:spcBef>
+              <a:buFont typeface="Arial" pitchFamily="34" charset="0"/>
+              <a:buChar char="•"/>
+              <a:defRPr sz="3200" kern="1200">
+                <a:solidFill>
+                  <a:schemeClr val="tx1"/>
+                </a:solidFill>
+                <a:latin typeface="+mn-lt"/>
+                <a:ea typeface="+mn-ea"/>
+                <a:cs typeface="+mn-cs"/>
+              </a:defRPr>
+            </a:lvl1pPr>
+            <a:lvl2pPr marL="742950" indent="-285750" algn="l" defTabSz="914400" rtl="0" eaLnBrk="1" latinLnBrk="0" hangingPunct="1">
+              <a:spcBef>
+                <a:spcPct val="20000"/>
+              </a:spcBef>
+              <a:buFont typeface="Arial" pitchFamily="34" charset="0"/>
+              <a:buChar char="–"/>
+              <a:defRPr sz="2800" kern="1200">
+                <a:solidFill>
+                  <a:schemeClr val="tx1"/>
+                </a:solidFill>
+                <a:latin typeface="+mn-lt"/>
+                <a:ea typeface="+mn-ea"/>
+                <a:cs typeface="+mn-cs"/>
+              </a:defRPr>
+            </a:lvl2pPr>
+            <a:lvl3pPr marL="1143000" indent="-228600" algn="l" defTabSz="914400" rtl="0" eaLnBrk="1" latinLnBrk="0" hangingPunct="1">
+              <a:spcBef>
+                <a:spcPct val="20000"/>
+              </a:spcBef>
+              <a:buFont typeface="Arial" pitchFamily="34" charset="0"/>
+              <a:buChar char="•"/>
+              <a:defRPr sz="2400" kern="1200">
+                <a:solidFill>
+                  <a:schemeClr val="tx1"/>
+                </a:solidFill>
+                <a:latin typeface="+mn-lt"/>
+                <a:ea typeface="+mn-ea"/>
+                <a:cs typeface="+mn-cs"/>
+              </a:defRPr>
+            </a:lvl3pPr>
+            <a:lvl4pPr marL="1600200" indent="-228600" algn="l" defTabSz="914400" rtl="0" eaLnBrk="1" latinLnBrk="0" hangingPunct="1">
+              <a:spcBef>
+                <a:spcPct val="20000"/>
+              </a:spcBef>
+              <a:buFont typeface="Arial" pitchFamily="34" charset="0"/>
+              <a:buChar char="–"/>
+              <a:defRPr sz="2000" kern="1200">
+                <a:solidFill>
+                  <a:schemeClr val="tx1"/>
+                </a:solidFill>
+                <a:latin typeface="+mn-lt"/>
+                <a:ea typeface="+mn-ea"/>
+                <a:cs typeface="+mn-cs"/>
+              </a:defRPr>
+            </a:lvl4pPr>
+            <a:lvl5pPr marL="2057400" indent="-228600" algn="l" defTabSz="914400" rtl="0" eaLnBrk="1" latinLnBrk="0" hangingPunct="1">
+              <a:spcBef>
+                <a:spcPct val="20000"/>
+              </a:spcBef>
+              <a:buFont typeface="Arial" pitchFamily="34" charset="0"/>
+              <a:buChar char="»"/>
+              <a:defRPr sz="2000" kern="1200">
+                <a:solidFill>
+                  <a:schemeClr val="tx1"/>
+                </a:solidFill>
+                <a:latin typeface="+mn-lt"/>
+                <a:ea typeface="+mn-ea"/>
+                <a:cs typeface="+mn-cs"/>
+              </a:defRPr>
+            </a:lvl5pPr>
+            <a:lvl6pPr marL="2514600" indent="-228600" algn="l" defTabSz="914400" rtl="0" eaLnBrk="1" latinLnBrk="0" hangingPunct="1">
+              <a:spcBef>
+                <a:spcPct val="20000"/>
+              </a:spcBef>
+              <a:buFont typeface="Arial" pitchFamily="34" charset="0"/>
+              <a:buChar char="•"/>
+              <a:defRPr sz="2000" kern="1200">
+                <a:solidFill>
+                  <a:schemeClr val="tx1"/>
+                </a:solidFill>
+                <a:latin typeface="+mn-lt"/>
+                <a:ea typeface="+mn-ea"/>
+                <a:cs typeface="+mn-cs"/>
+              </a:defRPr>
+            </a:lvl6pPr>
+            <a:lvl7pPr marL="2971800" indent="-228600" algn="l" defTabSz="914400" rtl="0" eaLnBrk="1" latinLnBrk="0" hangingPunct="1">
+              <a:spcBef>
+                <a:spcPct val="20000"/>
+              </a:spcBef>
+              <a:buFont typeface="Arial" pitchFamily="34" charset="0"/>
+              <a:buChar char="•"/>
+              <a:defRPr sz="2000" kern="1200">
+                <a:solidFill>
+                  <a:schemeClr val="tx1"/>
+                </a:solidFill>
+                <a:latin typeface="+mn-lt"/>
+                <a:ea typeface="+mn-ea"/>
+                <a:cs typeface="+mn-cs"/>
+              </a:defRPr>
+            </a:lvl7pPr>
+            <a:lvl8pPr marL="3429000" indent="-228600" algn="l" defTabSz="914400" rtl="0" eaLnBrk="1" latinLnBrk="0" hangingPunct="1">
+              <a:spcBef>
+                <a:spcPct val="20000"/>
+              </a:spcBef>
+              <a:buFont typeface="Arial" pitchFamily="34" charset="0"/>
+              <a:buChar char="•"/>
+              <a:defRPr sz="2000" kern="1200">
+                <a:solidFill>
+                  <a:schemeClr val="tx1"/>
+                </a:solidFill>
+                <a:latin typeface="+mn-lt"/>
+                <a:ea typeface="+mn-ea"/>
+                <a:cs typeface="+mn-cs"/>
+              </a:defRPr>
+            </a:lvl8pPr>
+            <a:lvl9pPr marL="3886200" indent="-228600" algn="l" defTabSz="914400" rtl="0" eaLnBrk="1" latinLnBrk="0" hangingPunct="1">
+              <a:spcBef>
+                <a:spcPct val="20000"/>
+              </a:spcBef>
+              <a:buFont typeface="Arial" pitchFamily="34" charset="0"/>
+              <a:buChar char="•"/>
+              <a:defRPr sz="2000" kern="1200">
+                <a:solidFill>
+                  <a:schemeClr val="tx1"/>
+                </a:solidFill>
+                <a:latin typeface="+mn-lt"/>
+                <a:ea typeface="+mn-ea"/>
+                <a:cs typeface="+mn-cs"/>
+              </a:defRPr>
+            </a:lvl9pPr>
+          </a:lstStyle>
+          <a:p>
+            <a:pPr marL="57150" indent="0">
+              <a:buNone/>
+            </a:pPr>
+            <a:r>
+              <a:rPr lang="fr-FR" dirty="0" smtClean="0">
+                <a:ea typeface="Cambria Math" panose="02040503050406030204" pitchFamily="18" charset="0"/>
+              </a:rPr>
+              <a:t>&gt;1 </a:t>
+            </a:r>
+          </a:p>
+          <a:p>
+            <a:pPr marL="457200" lvl="1" indent="0">
+              <a:buNone/>
+            </a:pPr>
+            <a:endParaRPr lang="fr-FR" dirty="0" smtClean="0"/>
+          </a:p>
+        </p:txBody>
+      </p:sp>
+      <p:cxnSp>
+        <p:nvCxnSpPr>
+          <p:cNvPr id="18" name="Connecteur droit avec flèche 17"/>
+          <p:cNvCxnSpPr/>
+          <p:nvPr/>
+        </p:nvCxnSpPr>
+        <p:spPr>
+          <a:xfrm>
+            <a:off x="1527083" y="3933056"/>
+            <a:ext cx="20581" cy="936104"/>
+          </a:xfrm>
+          <a:prstGeom prst="straightConnector1">
+            <a:avLst/>
+          </a:prstGeom>
+          <a:ln w="15875">
+            <a:solidFill>
+              <a:schemeClr val="tx1"/>
+            </a:solidFill>
+            <a:tailEnd type="triangle"/>
+          </a:ln>
+        </p:spPr>
+        <p:style>
+          <a:lnRef idx="1">
+            <a:schemeClr val="accent1"/>
+          </a:lnRef>
+          <a:fillRef idx="0">
+            <a:schemeClr val="accent1"/>
+          </a:fillRef>
+          <a:effectRef idx="0">
+            <a:schemeClr val="accent1"/>
+          </a:effectRef>
+          <a:fontRef idx="minor">
+            <a:schemeClr val="tx1"/>
+          </a:fontRef>
+        </p:style>
+      </p:cxnSp>
+      <p:sp>
+        <p:nvSpPr>
+          <p:cNvPr id="19" name="Espace réservé du contenu 2"/>
+          <p:cNvSpPr txBox="1">
+            <a:spLocks/>
+          </p:cNvSpPr>
+          <p:nvPr/>
+        </p:nvSpPr>
+        <p:spPr>
+          <a:xfrm>
+            <a:off x="658602" y="4927476"/>
+            <a:ext cx="2489966" cy="815250"/>
+          </a:xfrm>
+          <a:prstGeom prst="rect">
+            <a:avLst/>
+          </a:prstGeom>
+          <a:ln>
+            <a:solidFill>
+              <a:schemeClr val="tx1"/>
+            </a:solidFill>
+          </a:ln>
+          <a:effectLst>
+            <a:softEdge rad="0"/>
+          </a:effectLst>
+        </p:spPr>
+        <p:txBody>
+          <a:bodyPr vert="horz" lIns="91440" tIns="45720" rIns="91440" bIns="45720" rtlCol="0">
+            <a:normAutofit fontScale="47500" lnSpcReduction="20000"/>
+          </a:bodyPr>
+          <a:lstStyle>
+            <a:lvl1pPr marL="342900" indent="-342900" algn="l" defTabSz="914400" rtl="0" eaLnBrk="1" latinLnBrk="0" hangingPunct="1">
+              <a:spcBef>
+                <a:spcPct val="20000"/>
+              </a:spcBef>
+              <a:buFont typeface="Arial" pitchFamily="34" charset="0"/>
+              <a:buChar char="•"/>
+              <a:defRPr sz="3200" kern="1200">
+                <a:solidFill>
+                  <a:schemeClr val="tx1"/>
+                </a:solidFill>
+                <a:latin typeface="+mn-lt"/>
+                <a:ea typeface="+mn-ea"/>
+                <a:cs typeface="+mn-cs"/>
+              </a:defRPr>
+            </a:lvl1pPr>
+            <a:lvl2pPr marL="742950" indent="-285750" algn="l" defTabSz="914400" rtl="0" eaLnBrk="1" latinLnBrk="0" hangingPunct="1">
+              <a:spcBef>
+                <a:spcPct val="20000"/>
+              </a:spcBef>
+              <a:buFont typeface="Arial" pitchFamily="34" charset="0"/>
+              <a:buChar char="–"/>
+              <a:defRPr sz="2800" kern="1200">
+                <a:solidFill>
+                  <a:schemeClr val="tx1"/>
+                </a:solidFill>
+                <a:latin typeface="+mn-lt"/>
+                <a:ea typeface="+mn-ea"/>
+                <a:cs typeface="+mn-cs"/>
+              </a:defRPr>
+            </a:lvl2pPr>
+            <a:lvl3pPr marL="1143000" indent="-228600" algn="l" defTabSz="914400" rtl="0" eaLnBrk="1" latinLnBrk="0" hangingPunct="1">
+              <a:spcBef>
+                <a:spcPct val="20000"/>
+              </a:spcBef>
+              <a:buFont typeface="Arial" pitchFamily="34" charset="0"/>
+              <a:buChar char="•"/>
+              <a:defRPr sz="2400" kern="1200">
+                <a:solidFill>
+                  <a:schemeClr val="tx1"/>
+                </a:solidFill>
+                <a:latin typeface="+mn-lt"/>
+                <a:ea typeface="+mn-ea"/>
+                <a:cs typeface="+mn-cs"/>
+              </a:defRPr>
+            </a:lvl3pPr>
+            <a:lvl4pPr marL="1600200" indent="-228600" algn="l" defTabSz="914400" rtl="0" eaLnBrk="1" latinLnBrk="0" hangingPunct="1">
+              <a:spcBef>
+                <a:spcPct val="20000"/>
+              </a:spcBef>
+              <a:buFont typeface="Arial" pitchFamily="34" charset="0"/>
+              <a:buChar char="–"/>
+              <a:defRPr sz="2000" kern="1200">
+                <a:solidFill>
+                  <a:schemeClr val="tx1"/>
+                </a:solidFill>
+                <a:latin typeface="+mn-lt"/>
+                <a:ea typeface="+mn-ea"/>
+                <a:cs typeface="+mn-cs"/>
+              </a:defRPr>
+            </a:lvl4pPr>
+            <a:lvl5pPr marL="2057400" indent="-228600" algn="l" defTabSz="914400" rtl="0" eaLnBrk="1" latinLnBrk="0" hangingPunct="1">
+              <a:spcBef>
+                <a:spcPct val="20000"/>
+              </a:spcBef>
+              <a:buFont typeface="Arial" pitchFamily="34" charset="0"/>
+              <a:buChar char="»"/>
+              <a:defRPr sz="2000" kern="1200">
+                <a:solidFill>
+                  <a:schemeClr val="tx1"/>
+                </a:solidFill>
+                <a:latin typeface="+mn-lt"/>
+                <a:ea typeface="+mn-ea"/>
+                <a:cs typeface="+mn-cs"/>
+              </a:defRPr>
+            </a:lvl5pPr>
+            <a:lvl6pPr marL="2514600" indent="-228600" algn="l" defTabSz="914400" rtl="0" eaLnBrk="1" latinLnBrk="0" hangingPunct="1">
+              <a:spcBef>
+                <a:spcPct val="20000"/>
+              </a:spcBef>
+              <a:buFont typeface="Arial" pitchFamily="34" charset="0"/>
+              <a:buChar char="•"/>
+              <a:defRPr sz="2000" kern="1200">
+                <a:solidFill>
+                  <a:schemeClr val="tx1"/>
+                </a:solidFill>
+                <a:latin typeface="+mn-lt"/>
+                <a:ea typeface="+mn-ea"/>
+                <a:cs typeface="+mn-cs"/>
+              </a:defRPr>
+            </a:lvl6pPr>
+            <a:lvl7pPr marL="2971800" indent="-228600" algn="l" defTabSz="914400" rtl="0" eaLnBrk="1" latinLnBrk="0" hangingPunct="1">
+              <a:spcBef>
+                <a:spcPct val="20000"/>
+              </a:spcBef>
+              <a:buFont typeface="Arial" pitchFamily="34" charset="0"/>
+              <a:buChar char="•"/>
+              <a:defRPr sz="2000" kern="1200">
+                <a:solidFill>
+                  <a:schemeClr val="tx1"/>
+                </a:solidFill>
+                <a:latin typeface="+mn-lt"/>
+                <a:ea typeface="+mn-ea"/>
+                <a:cs typeface="+mn-cs"/>
+              </a:defRPr>
+            </a:lvl7pPr>
+            <a:lvl8pPr marL="3429000" indent="-228600" algn="l" defTabSz="914400" rtl="0" eaLnBrk="1" latinLnBrk="0" hangingPunct="1">
+              <a:spcBef>
+                <a:spcPct val="20000"/>
+              </a:spcBef>
+              <a:buFont typeface="Arial" pitchFamily="34" charset="0"/>
+              <a:buChar char="•"/>
+              <a:defRPr sz="2000" kern="1200">
+                <a:solidFill>
+                  <a:schemeClr val="tx1"/>
+                </a:solidFill>
+                <a:latin typeface="+mn-lt"/>
+                <a:ea typeface="+mn-ea"/>
+                <a:cs typeface="+mn-cs"/>
+              </a:defRPr>
+            </a:lvl8pPr>
+            <a:lvl9pPr marL="3886200" indent="-228600" algn="l" defTabSz="914400" rtl="0" eaLnBrk="1" latinLnBrk="0" hangingPunct="1">
+              <a:spcBef>
+                <a:spcPct val="20000"/>
+              </a:spcBef>
+              <a:buFont typeface="Arial" pitchFamily="34" charset="0"/>
+              <a:buChar char="•"/>
+              <a:defRPr sz="2000" kern="1200">
+                <a:solidFill>
+                  <a:schemeClr val="tx1"/>
+                </a:solidFill>
+                <a:latin typeface="+mn-lt"/>
+                <a:ea typeface="+mn-ea"/>
+                <a:cs typeface="+mn-cs"/>
+              </a:defRPr>
+            </a:lvl9pPr>
+          </a:lstStyle>
+          <a:p>
+            <a:pPr marL="57150" indent="0">
+              <a:buNone/>
+            </a:pPr>
+            <a:r>
+              <a:rPr lang="fr-FR" dirty="0" smtClean="0">
+                <a:ea typeface="Cambria Math" panose="02040503050406030204" pitchFamily="18" charset="0"/>
+              </a:rPr>
+              <a:t>3. Computation of </a:t>
+            </a:r>
+          </a:p>
+          <a:p>
+            <a:pPr marL="514350" indent="-457200">
+              <a:buFontTx/>
+              <a:buChar char="-"/>
+            </a:pPr>
+            <a:r>
+              <a:rPr lang="fr-FR" dirty="0" smtClean="0">
+                <a:ea typeface="Cambria Math" panose="02040503050406030204" pitchFamily="18" charset="0"/>
+              </a:rPr>
+              <a:t>SETTLING VELOCITIES</a:t>
+            </a:r>
+          </a:p>
+          <a:p>
+            <a:pPr marL="514350" indent="-457200">
+              <a:buFontTx/>
+              <a:buChar char="-"/>
+            </a:pPr>
+            <a:r>
+              <a:rPr lang="fr-FR" dirty="0" smtClean="0">
+                <a:ea typeface="Cambria Math" panose="02040503050406030204" pitchFamily="18" charset="0"/>
+              </a:rPr>
+              <a:t>SHIELDS PARAMETER</a:t>
+            </a:r>
+          </a:p>
+        </p:txBody>
+      </p:sp>
+      <p:cxnSp>
+        <p:nvCxnSpPr>
+          <p:cNvPr id="21" name="Connecteur droit avec flèche 20"/>
+          <p:cNvCxnSpPr/>
+          <p:nvPr/>
+        </p:nvCxnSpPr>
+        <p:spPr>
+          <a:xfrm>
+            <a:off x="1530623" y="5910120"/>
+            <a:ext cx="1" cy="299133"/>
+          </a:xfrm>
+          <a:prstGeom prst="straightConnector1">
+            <a:avLst/>
+          </a:prstGeom>
+          <a:ln w="15875">
+            <a:solidFill>
+              <a:schemeClr val="tx1"/>
+            </a:solidFill>
+            <a:tailEnd type="triangle"/>
+          </a:ln>
+        </p:spPr>
+        <p:style>
+          <a:lnRef idx="1">
+            <a:schemeClr val="accent1"/>
+          </a:lnRef>
+          <a:fillRef idx="0">
+            <a:schemeClr val="accent1"/>
+          </a:fillRef>
+          <a:effectRef idx="0">
+            <a:schemeClr val="accent1"/>
+          </a:effectRef>
+          <a:fontRef idx="minor">
+            <a:schemeClr val="tx1"/>
+          </a:fontRef>
+        </p:style>
+      </p:cxnSp>
+      <p:sp>
+        <p:nvSpPr>
+          <p:cNvPr id="24" name="Espace réservé du contenu 2"/>
+          <p:cNvSpPr txBox="1">
+            <a:spLocks/>
+          </p:cNvSpPr>
+          <p:nvPr/>
+        </p:nvSpPr>
+        <p:spPr>
+          <a:xfrm>
+            <a:off x="642651" y="6318790"/>
+            <a:ext cx="5298278" cy="432048"/>
+          </a:xfrm>
+          <a:prstGeom prst="rect">
+            <a:avLst/>
+          </a:prstGeom>
+          <a:ln>
+            <a:solidFill>
+              <a:schemeClr val="tx1"/>
+            </a:solidFill>
+          </a:ln>
+          <a:effectLst>
+            <a:softEdge rad="0"/>
+          </a:effectLst>
+        </p:spPr>
+        <p:txBody>
+          <a:bodyPr vert="horz" lIns="91440" tIns="45720" rIns="91440" bIns="45720" rtlCol="0">
+            <a:normAutofit fontScale="70000" lnSpcReduction="20000"/>
+          </a:bodyPr>
+          <a:lstStyle>
+            <a:lvl1pPr marL="342900" indent="-342900" algn="l" defTabSz="914400" rtl="0" eaLnBrk="1" latinLnBrk="0" hangingPunct="1">
+              <a:spcBef>
+                <a:spcPct val="20000"/>
+              </a:spcBef>
+              <a:buFont typeface="Arial" pitchFamily="34" charset="0"/>
+              <a:buChar char="•"/>
+              <a:defRPr sz="3200" kern="1200">
+                <a:solidFill>
+                  <a:schemeClr val="tx1"/>
+                </a:solidFill>
+                <a:latin typeface="+mn-lt"/>
+                <a:ea typeface="+mn-ea"/>
+                <a:cs typeface="+mn-cs"/>
+              </a:defRPr>
+            </a:lvl1pPr>
+            <a:lvl2pPr marL="742950" indent="-285750" algn="l" defTabSz="914400" rtl="0" eaLnBrk="1" latinLnBrk="0" hangingPunct="1">
+              <a:spcBef>
+                <a:spcPct val="20000"/>
+              </a:spcBef>
+              <a:buFont typeface="Arial" pitchFamily="34" charset="0"/>
+              <a:buChar char="–"/>
+              <a:defRPr sz="2800" kern="1200">
+                <a:solidFill>
+                  <a:schemeClr val="tx1"/>
+                </a:solidFill>
+                <a:latin typeface="+mn-lt"/>
+                <a:ea typeface="+mn-ea"/>
+                <a:cs typeface="+mn-cs"/>
+              </a:defRPr>
+            </a:lvl2pPr>
+            <a:lvl3pPr marL="1143000" indent="-228600" algn="l" defTabSz="914400" rtl="0" eaLnBrk="1" latinLnBrk="0" hangingPunct="1">
+              <a:spcBef>
+                <a:spcPct val="20000"/>
+              </a:spcBef>
+              <a:buFont typeface="Arial" pitchFamily="34" charset="0"/>
+              <a:buChar char="•"/>
+              <a:defRPr sz="2400" kern="1200">
+                <a:solidFill>
+                  <a:schemeClr val="tx1"/>
+                </a:solidFill>
+                <a:latin typeface="+mn-lt"/>
+                <a:ea typeface="+mn-ea"/>
+                <a:cs typeface="+mn-cs"/>
+              </a:defRPr>
+            </a:lvl3pPr>
+            <a:lvl4pPr marL="1600200" indent="-228600" algn="l" defTabSz="914400" rtl="0" eaLnBrk="1" latinLnBrk="0" hangingPunct="1">
+              <a:spcBef>
+                <a:spcPct val="20000"/>
+              </a:spcBef>
+              <a:buFont typeface="Arial" pitchFamily="34" charset="0"/>
+              <a:buChar char="–"/>
+              <a:defRPr sz="2000" kern="1200">
+                <a:solidFill>
+                  <a:schemeClr val="tx1"/>
+                </a:solidFill>
+                <a:latin typeface="+mn-lt"/>
+                <a:ea typeface="+mn-ea"/>
+                <a:cs typeface="+mn-cs"/>
+              </a:defRPr>
+            </a:lvl4pPr>
+            <a:lvl5pPr marL="2057400" indent="-228600" algn="l" defTabSz="914400" rtl="0" eaLnBrk="1" latinLnBrk="0" hangingPunct="1">
+              <a:spcBef>
+                <a:spcPct val="20000"/>
+              </a:spcBef>
+              <a:buFont typeface="Arial" pitchFamily="34" charset="0"/>
+              <a:buChar char="»"/>
+              <a:defRPr sz="2000" kern="1200">
+                <a:solidFill>
+                  <a:schemeClr val="tx1"/>
+                </a:solidFill>
+                <a:latin typeface="+mn-lt"/>
+                <a:ea typeface="+mn-ea"/>
+                <a:cs typeface="+mn-cs"/>
+              </a:defRPr>
+            </a:lvl5pPr>
+            <a:lvl6pPr marL="2514600" indent="-228600" algn="l" defTabSz="914400" rtl="0" eaLnBrk="1" latinLnBrk="0" hangingPunct="1">
+              <a:spcBef>
+                <a:spcPct val="20000"/>
+              </a:spcBef>
+              <a:buFont typeface="Arial" pitchFamily="34" charset="0"/>
+              <a:buChar char="•"/>
+              <a:defRPr sz="2000" kern="1200">
+                <a:solidFill>
+                  <a:schemeClr val="tx1"/>
+                </a:solidFill>
+                <a:latin typeface="+mn-lt"/>
+                <a:ea typeface="+mn-ea"/>
+                <a:cs typeface="+mn-cs"/>
+              </a:defRPr>
+            </a:lvl6pPr>
+            <a:lvl7pPr marL="2971800" indent="-228600" algn="l" defTabSz="914400" rtl="0" eaLnBrk="1" latinLnBrk="0" hangingPunct="1">
+              <a:spcBef>
+                <a:spcPct val="20000"/>
+              </a:spcBef>
+              <a:buFont typeface="Arial" pitchFamily="34" charset="0"/>
+              <a:buChar char="•"/>
+              <a:defRPr sz="2000" kern="1200">
+                <a:solidFill>
+                  <a:schemeClr val="tx1"/>
+                </a:solidFill>
+                <a:latin typeface="+mn-lt"/>
+                <a:ea typeface="+mn-ea"/>
+                <a:cs typeface="+mn-cs"/>
+              </a:defRPr>
+            </a:lvl7pPr>
+            <a:lvl8pPr marL="3429000" indent="-228600" algn="l" defTabSz="914400" rtl="0" eaLnBrk="1" latinLnBrk="0" hangingPunct="1">
+              <a:spcBef>
+                <a:spcPct val="20000"/>
+              </a:spcBef>
+              <a:buFont typeface="Arial" pitchFamily="34" charset="0"/>
+              <a:buChar char="•"/>
+              <a:defRPr sz="2000" kern="1200">
+                <a:solidFill>
+                  <a:schemeClr val="tx1"/>
+                </a:solidFill>
+                <a:latin typeface="+mn-lt"/>
+                <a:ea typeface="+mn-ea"/>
+                <a:cs typeface="+mn-cs"/>
+              </a:defRPr>
+            </a:lvl8pPr>
+            <a:lvl9pPr marL="3886200" indent="-228600" algn="l" defTabSz="914400" rtl="0" eaLnBrk="1" latinLnBrk="0" hangingPunct="1">
+              <a:spcBef>
+                <a:spcPct val="20000"/>
+              </a:spcBef>
+              <a:buFont typeface="Arial" pitchFamily="34" charset="0"/>
+              <a:buChar char="•"/>
+              <a:defRPr sz="2000" kern="1200">
+                <a:solidFill>
+                  <a:schemeClr val="tx1"/>
+                </a:solidFill>
+                <a:latin typeface="+mn-lt"/>
+                <a:ea typeface="+mn-ea"/>
+                <a:cs typeface="+mn-cs"/>
+              </a:defRPr>
+            </a:lvl9pPr>
+          </a:lstStyle>
+          <a:p>
+            <a:pPr marL="57150" indent="0">
+              <a:buNone/>
+            </a:pPr>
+            <a:r>
+              <a:rPr lang="fr-FR" dirty="0">
+                <a:ea typeface="Cambria Math" panose="02040503050406030204" pitchFamily="18" charset="0"/>
+              </a:rPr>
+              <a:t>4</a:t>
+            </a:r>
+            <a:r>
+              <a:rPr lang="fr-FR" dirty="0" smtClean="0">
+                <a:ea typeface="Cambria Math" panose="02040503050406030204" pitchFamily="18" charset="0"/>
+              </a:rPr>
+              <a:t>. If mixte </a:t>
+            </a:r>
+            <a:r>
+              <a:rPr lang="fr-FR" dirty="0" err="1" smtClean="0">
+                <a:ea typeface="Cambria Math" panose="02040503050406030204" pitchFamily="18" charset="0"/>
+              </a:rPr>
+              <a:t>then</a:t>
+            </a:r>
+            <a:r>
+              <a:rPr lang="fr-FR" dirty="0" smtClean="0">
+                <a:ea typeface="Cambria Math" panose="02040503050406030204" pitchFamily="18" charset="0"/>
+              </a:rPr>
+              <a:t> </a:t>
+            </a:r>
+            <a:r>
+              <a:rPr lang="fr-FR" dirty="0" err="1" smtClean="0">
+                <a:ea typeface="Cambria Math" panose="02040503050406030204" pitchFamily="18" charset="0"/>
+              </a:rPr>
+              <a:t>definition</a:t>
+            </a:r>
+            <a:r>
+              <a:rPr lang="fr-FR" dirty="0" smtClean="0">
+                <a:ea typeface="Cambria Math" panose="02040503050406030204" pitchFamily="18" charset="0"/>
+              </a:rPr>
+              <a:t> of </a:t>
+            </a:r>
+            <a:r>
+              <a:rPr lang="fr-FR" dirty="0" smtClean="0">
+                <a:solidFill>
+                  <a:srgbClr val="7030A0"/>
+                </a:solidFill>
+                <a:ea typeface="Cambria Math" panose="02040503050406030204" pitchFamily="18" charset="0"/>
+              </a:rPr>
+              <a:t>TOCE_SABLE</a:t>
+            </a:r>
+            <a:r>
+              <a:rPr lang="fr-FR" dirty="0" smtClean="0">
+                <a:ea typeface="Cambria Math" panose="02040503050406030204" pitchFamily="18" charset="0"/>
+              </a:rPr>
+              <a:t> </a:t>
+            </a:r>
+          </a:p>
+          <a:p>
+            <a:pPr marL="457200" lvl="1" indent="0">
+              <a:buNone/>
+            </a:pPr>
+            <a:endParaRPr lang="fr-FR" dirty="0" smtClean="0"/>
+          </a:p>
+        </p:txBody>
+      </p:sp>
+      <p:sp>
+        <p:nvSpPr>
+          <p:cNvPr id="25" name="Espace réservé du contenu 2"/>
+          <p:cNvSpPr txBox="1">
+            <a:spLocks/>
+          </p:cNvSpPr>
+          <p:nvPr/>
+        </p:nvSpPr>
+        <p:spPr>
+          <a:xfrm>
+            <a:off x="4559193" y="1988840"/>
+            <a:ext cx="4176464" cy="1044116"/>
+          </a:xfrm>
+          <a:prstGeom prst="rect">
+            <a:avLst/>
+          </a:prstGeom>
+          <a:ln>
+            <a:solidFill>
+              <a:schemeClr val="tx1"/>
+            </a:solidFill>
+          </a:ln>
+          <a:effectLst>
+            <a:softEdge rad="0"/>
+          </a:effectLst>
+        </p:spPr>
+        <p:txBody>
+          <a:bodyPr vert="horz" lIns="91440" tIns="45720" rIns="91440" bIns="45720" rtlCol="0">
+            <a:normAutofit fontScale="70000" lnSpcReduction="20000"/>
+          </a:bodyPr>
+          <a:lstStyle>
+            <a:lvl1pPr marL="342900" indent="-342900" algn="l" defTabSz="914400" rtl="0" eaLnBrk="1" latinLnBrk="0" hangingPunct="1">
+              <a:spcBef>
+                <a:spcPct val="20000"/>
+              </a:spcBef>
+              <a:buFont typeface="Arial" pitchFamily="34" charset="0"/>
+              <a:buChar char="•"/>
+              <a:defRPr sz="3200" kern="1200">
+                <a:solidFill>
+                  <a:schemeClr val="tx1"/>
+                </a:solidFill>
+                <a:latin typeface="+mn-lt"/>
+                <a:ea typeface="+mn-ea"/>
+                <a:cs typeface="+mn-cs"/>
+              </a:defRPr>
+            </a:lvl1pPr>
+            <a:lvl2pPr marL="742950" indent="-285750" algn="l" defTabSz="914400" rtl="0" eaLnBrk="1" latinLnBrk="0" hangingPunct="1">
+              <a:spcBef>
+                <a:spcPct val="20000"/>
+              </a:spcBef>
+              <a:buFont typeface="Arial" pitchFamily="34" charset="0"/>
+              <a:buChar char="–"/>
+              <a:defRPr sz="2800" kern="1200">
+                <a:solidFill>
+                  <a:schemeClr val="tx1"/>
+                </a:solidFill>
+                <a:latin typeface="+mn-lt"/>
+                <a:ea typeface="+mn-ea"/>
+                <a:cs typeface="+mn-cs"/>
+              </a:defRPr>
+            </a:lvl2pPr>
+            <a:lvl3pPr marL="1143000" indent="-228600" algn="l" defTabSz="914400" rtl="0" eaLnBrk="1" latinLnBrk="0" hangingPunct="1">
+              <a:spcBef>
+                <a:spcPct val="20000"/>
+              </a:spcBef>
+              <a:buFont typeface="Arial" pitchFamily="34" charset="0"/>
+              <a:buChar char="•"/>
+              <a:defRPr sz="2400" kern="1200">
+                <a:solidFill>
+                  <a:schemeClr val="tx1"/>
+                </a:solidFill>
+                <a:latin typeface="+mn-lt"/>
+                <a:ea typeface="+mn-ea"/>
+                <a:cs typeface="+mn-cs"/>
+              </a:defRPr>
+            </a:lvl3pPr>
+            <a:lvl4pPr marL="1600200" indent="-228600" algn="l" defTabSz="914400" rtl="0" eaLnBrk="1" latinLnBrk="0" hangingPunct="1">
+              <a:spcBef>
+                <a:spcPct val="20000"/>
+              </a:spcBef>
+              <a:buFont typeface="Arial" pitchFamily="34" charset="0"/>
+              <a:buChar char="–"/>
+              <a:defRPr sz="2000" kern="1200">
+                <a:solidFill>
+                  <a:schemeClr val="tx1"/>
+                </a:solidFill>
+                <a:latin typeface="+mn-lt"/>
+                <a:ea typeface="+mn-ea"/>
+                <a:cs typeface="+mn-cs"/>
+              </a:defRPr>
+            </a:lvl4pPr>
+            <a:lvl5pPr marL="2057400" indent="-228600" algn="l" defTabSz="914400" rtl="0" eaLnBrk="1" latinLnBrk="0" hangingPunct="1">
+              <a:spcBef>
+                <a:spcPct val="20000"/>
+              </a:spcBef>
+              <a:buFont typeface="Arial" pitchFamily="34" charset="0"/>
+              <a:buChar char="»"/>
+              <a:defRPr sz="2000" kern="1200">
+                <a:solidFill>
+                  <a:schemeClr val="tx1"/>
+                </a:solidFill>
+                <a:latin typeface="+mn-lt"/>
+                <a:ea typeface="+mn-ea"/>
+                <a:cs typeface="+mn-cs"/>
+              </a:defRPr>
+            </a:lvl5pPr>
+            <a:lvl6pPr marL="2514600" indent="-228600" algn="l" defTabSz="914400" rtl="0" eaLnBrk="1" latinLnBrk="0" hangingPunct="1">
+              <a:spcBef>
+                <a:spcPct val="20000"/>
+              </a:spcBef>
+              <a:buFont typeface="Arial" pitchFamily="34" charset="0"/>
+              <a:buChar char="•"/>
+              <a:defRPr sz="2000" kern="1200">
+                <a:solidFill>
+                  <a:schemeClr val="tx1"/>
+                </a:solidFill>
+                <a:latin typeface="+mn-lt"/>
+                <a:ea typeface="+mn-ea"/>
+                <a:cs typeface="+mn-cs"/>
+              </a:defRPr>
+            </a:lvl6pPr>
+            <a:lvl7pPr marL="2971800" indent="-228600" algn="l" defTabSz="914400" rtl="0" eaLnBrk="1" latinLnBrk="0" hangingPunct="1">
+              <a:spcBef>
+                <a:spcPct val="20000"/>
+              </a:spcBef>
+              <a:buFont typeface="Arial" pitchFamily="34" charset="0"/>
+              <a:buChar char="•"/>
+              <a:defRPr sz="2000" kern="1200">
+                <a:solidFill>
+                  <a:schemeClr val="tx1"/>
+                </a:solidFill>
+                <a:latin typeface="+mn-lt"/>
+                <a:ea typeface="+mn-ea"/>
+                <a:cs typeface="+mn-cs"/>
+              </a:defRPr>
+            </a:lvl7pPr>
+            <a:lvl8pPr marL="3429000" indent="-228600" algn="l" defTabSz="914400" rtl="0" eaLnBrk="1" latinLnBrk="0" hangingPunct="1">
+              <a:spcBef>
+                <a:spcPct val="20000"/>
+              </a:spcBef>
+              <a:buFont typeface="Arial" pitchFamily="34" charset="0"/>
+              <a:buChar char="•"/>
+              <a:defRPr sz="2000" kern="1200">
+                <a:solidFill>
+                  <a:schemeClr val="tx1"/>
+                </a:solidFill>
+                <a:latin typeface="+mn-lt"/>
+                <a:ea typeface="+mn-ea"/>
+                <a:cs typeface="+mn-cs"/>
+              </a:defRPr>
+            </a:lvl8pPr>
+            <a:lvl9pPr marL="3886200" indent="-228600" algn="l" defTabSz="914400" rtl="0" eaLnBrk="1" latinLnBrk="0" hangingPunct="1">
+              <a:spcBef>
+                <a:spcPct val="20000"/>
+              </a:spcBef>
+              <a:buFont typeface="Arial" pitchFamily="34" charset="0"/>
+              <a:buChar char="•"/>
+              <a:defRPr sz="2000" kern="1200">
+                <a:solidFill>
+                  <a:schemeClr val="tx1"/>
+                </a:solidFill>
+                <a:latin typeface="+mn-lt"/>
+                <a:ea typeface="+mn-ea"/>
+                <a:cs typeface="+mn-cs"/>
+              </a:defRPr>
+            </a:lvl9pPr>
+          </a:lstStyle>
+          <a:p>
+            <a:pPr marL="571500" indent="-514350">
+              <a:buAutoNum type="arabicPeriod"/>
+            </a:pPr>
+            <a:r>
+              <a:rPr lang="fr-FR" dirty="0" err="1" smtClean="0">
+                <a:ea typeface="Cambria Math" panose="02040503050406030204" pitchFamily="18" charset="0"/>
+              </a:rPr>
+              <a:t>Volumetric</a:t>
+            </a:r>
+            <a:r>
+              <a:rPr lang="fr-FR" dirty="0" smtClean="0">
+                <a:ea typeface="Cambria Math" panose="02040503050406030204" pitchFamily="18" charset="0"/>
+              </a:rPr>
+              <a:t> ratio = 1</a:t>
+            </a:r>
+          </a:p>
+          <a:p>
+            <a:pPr marL="571500" indent="-514350">
+              <a:buAutoNum type="arabicPeriod"/>
+            </a:pPr>
+            <a:r>
+              <a:rPr lang="fr-FR" dirty="0" err="1" smtClean="0">
+                <a:ea typeface="Cambria Math" panose="02040503050406030204" pitchFamily="18" charset="0"/>
+              </a:rPr>
+              <a:t>Mean</a:t>
+            </a:r>
+            <a:r>
+              <a:rPr lang="fr-FR" dirty="0" smtClean="0">
+                <a:ea typeface="Cambria Math" panose="02040503050406030204" pitchFamily="18" charset="0"/>
+              </a:rPr>
+              <a:t> </a:t>
+            </a:r>
+            <a:r>
+              <a:rPr lang="fr-FR" dirty="0" err="1" smtClean="0">
+                <a:ea typeface="Cambria Math" panose="02040503050406030204" pitchFamily="18" charset="0"/>
+              </a:rPr>
+              <a:t>diameter</a:t>
+            </a:r>
+            <a:r>
+              <a:rPr lang="fr-FR" dirty="0" smtClean="0">
+                <a:ea typeface="Cambria Math" panose="02040503050406030204" pitchFamily="18" charset="0"/>
+              </a:rPr>
+              <a:t> = FDM(1)</a:t>
+            </a:r>
+          </a:p>
+          <a:p>
+            <a:pPr marL="571500" indent="-514350">
+              <a:buAutoNum type="arabicPeriod"/>
+            </a:pPr>
+            <a:r>
+              <a:rPr lang="fr-FR" dirty="0" smtClean="0">
+                <a:ea typeface="Cambria Math" panose="02040503050406030204" pitchFamily="18" charset="0"/>
+              </a:rPr>
+              <a:t>If MUD </a:t>
+            </a:r>
+            <a:r>
+              <a:rPr lang="fr-FR" dirty="0" smtClean="0">
+                <a:ea typeface="Cambria Math" panose="02040503050406030204" pitchFamily="18" charset="0"/>
+                <a:sym typeface="Wingdings" panose="05000000000000000000" pitchFamily="2" charset="2"/>
+              </a:rPr>
+              <a:t> </a:t>
+            </a:r>
+            <a:r>
+              <a:rPr lang="fr-FR" i="1" dirty="0" err="1" smtClean="0">
+                <a:ea typeface="Cambria Math" panose="02040503050406030204" pitchFamily="18" charset="0"/>
+                <a:sym typeface="Wingdings" panose="05000000000000000000" pitchFamily="2" charset="2"/>
+              </a:rPr>
+              <a:t>init_mixte</a:t>
+            </a:r>
+            <a:endParaRPr lang="fr-FR" i="1" dirty="0" smtClean="0">
+              <a:ea typeface="Cambria Math" panose="02040503050406030204" pitchFamily="18" charset="0"/>
+            </a:endParaRPr>
+          </a:p>
+          <a:p>
+            <a:pPr marL="457200" lvl="1" indent="0">
+              <a:buNone/>
+            </a:pPr>
+            <a:endParaRPr lang="fr-FR" dirty="0" smtClean="0"/>
+          </a:p>
+        </p:txBody>
+      </p:sp>
+      <p:cxnSp>
+        <p:nvCxnSpPr>
+          <p:cNvPr id="26" name="Connecteur droit avec flèche 25"/>
+          <p:cNvCxnSpPr/>
+          <p:nvPr/>
+        </p:nvCxnSpPr>
+        <p:spPr>
+          <a:xfrm>
+            <a:off x="3602489" y="2497427"/>
+            <a:ext cx="891099" cy="13471"/>
+          </a:xfrm>
+          <a:prstGeom prst="straightConnector1">
+            <a:avLst/>
+          </a:prstGeom>
+          <a:ln w="15875">
+            <a:solidFill>
+              <a:schemeClr val="tx1"/>
+            </a:solidFill>
+            <a:tailEnd type="triangle"/>
+          </a:ln>
+        </p:spPr>
+        <p:style>
+          <a:lnRef idx="1">
+            <a:schemeClr val="accent1"/>
+          </a:lnRef>
+          <a:fillRef idx="0">
+            <a:schemeClr val="accent1"/>
+          </a:fillRef>
+          <a:effectRef idx="0">
+            <a:schemeClr val="accent1"/>
+          </a:effectRef>
+          <a:fontRef idx="minor">
+            <a:schemeClr val="tx1"/>
+          </a:fontRef>
+        </p:style>
+      </p:cxnSp>
+      <p:sp>
+        <p:nvSpPr>
+          <p:cNvPr id="28" name="Espace réservé du contenu 2"/>
+          <p:cNvSpPr txBox="1">
+            <a:spLocks/>
+          </p:cNvSpPr>
+          <p:nvPr/>
+        </p:nvSpPr>
+        <p:spPr>
+          <a:xfrm>
+            <a:off x="4674192" y="3433726"/>
+            <a:ext cx="4176464" cy="1566355"/>
+          </a:xfrm>
+          <a:prstGeom prst="rect">
+            <a:avLst/>
+          </a:prstGeom>
+          <a:ln>
+            <a:solidFill>
+              <a:schemeClr val="tx1"/>
+            </a:solidFill>
+          </a:ln>
+          <a:effectLst>
+            <a:softEdge rad="0"/>
+          </a:effectLst>
+        </p:spPr>
+        <p:txBody>
+          <a:bodyPr vert="horz" lIns="91440" tIns="45720" rIns="91440" bIns="45720" rtlCol="0">
+            <a:normAutofit fontScale="55000" lnSpcReduction="20000"/>
+          </a:bodyPr>
+          <a:lstStyle>
+            <a:lvl1pPr marL="342900" indent="-342900" algn="l" defTabSz="914400" rtl="0" eaLnBrk="1" latinLnBrk="0" hangingPunct="1">
+              <a:spcBef>
+                <a:spcPct val="20000"/>
+              </a:spcBef>
+              <a:buFont typeface="Arial" pitchFamily="34" charset="0"/>
+              <a:buChar char="•"/>
+              <a:defRPr sz="3200" kern="1200">
+                <a:solidFill>
+                  <a:schemeClr val="tx1"/>
+                </a:solidFill>
+                <a:latin typeface="+mn-lt"/>
+                <a:ea typeface="+mn-ea"/>
+                <a:cs typeface="+mn-cs"/>
+              </a:defRPr>
+            </a:lvl1pPr>
+            <a:lvl2pPr marL="742950" indent="-285750" algn="l" defTabSz="914400" rtl="0" eaLnBrk="1" latinLnBrk="0" hangingPunct="1">
+              <a:spcBef>
+                <a:spcPct val="20000"/>
+              </a:spcBef>
+              <a:buFont typeface="Arial" pitchFamily="34" charset="0"/>
+              <a:buChar char="–"/>
+              <a:defRPr sz="2800" kern="1200">
+                <a:solidFill>
+                  <a:schemeClr val="tx1"/>
+                </a:solidFill>
+                <a:latin typeface="+mn-lt"/>
+                <a:ea typeface="+mn-ea"/>
+                <a:cs typeface="+mn-cs"/>
+              </a:defRPr>
+            </a:lvl2pPr>
+            <a:lvl3pPr marL="1143000" indent="-228600" algn="l" defTabSz="914400" rtl="0" eaLnBrk="1" latinLnBrk="0" hangingPunct="1">
+              <a:spcBef>
+                <a:spcPct val="20000"/>
+              </a:spcBef>
+              <a:buFont typeface="Arial" pitchFamily="34" charset="0"/>
+              <a:buChar char="•"/>
+              <a:defRPr sz="2400" kern="1200">
+                <a:solidFill>
+                  <a:schemeClr val="tx1"/>
+                </a:solidFill>
+                <a:latin typeface="+mn-lt"/>
+                <a:ea typeface="+mn-ea"/>
+                <a:cs typeface="+mn-cs"/>
+              </a:defRPr>
+            </a:lvl3pPr>
+            <a:lvl4pPr marL="1600200" indent="-228600" algn="l" defTabSz="914400" rtl="0" eaLnBrk="1" latinLnBrk="0" hangingPunct="1">
+              <a:spcBef>
+                <a:spcPct val="20000"/>
+              </a:spcBef>
+              <a:buFont typeface="Arial" pitchFamily="34" charset="0"/>
+              <a:buChar char="–"/>
+              <a:defRPr sz="2000" kern="1200">
+                <a:solidFill>
+                  <a:schemeClr val="tx1"/>
+                </a:solidFill>
+                <a:latin typeface="+mn-lt"/>
+                <a:ea typeface="+mn-ea"/>
+                <a:cs typeface="+mn-cs"/>
+              </a:defRPr>
+            </a:lvl4pPr>
+            <a:lvl5pPr marL="2057400" indent="-228600" algn="l" defTabSz="914400" rtl="0" eaLnBrk="1" latinLnBrk="0" hangingPunct="1">
+              <a:spcBef>
+                <a:spcPct val="20000"/>
+              </a:spcBef>
+              <a:buFont typeface="Arial" pitchFamily="34" charset="0"/>
+              <a:buChar char="»"/>
+              <a:defRPr sz="2000" kern="1200">
+                <a:solidFill>
+                  <a:schemeClr val="tx1"/>
+                </a:solidFill>
+                <a:latin typeface="+mn-lt"/>
+                <a:ea typeface="+mn-ea"/>
+                <a:cs typeface="+mn-cs"/>
+              </a:defRPr>
+            </a:lvl5pPr>
+            <a:lvl6pPr marL="2514600" indent="-228600" algn="l" defTabSz="914400" rtl="0" eaLnBrk="1" latinLnBrk="0" hangingPunct="1">
+              <a:spcBef>
+                <a:spcPct val="20000"/>
+              </a:spcBef>
+              <a:buFont typeface="Arial" pitchFamily="34" charset="0"/>
+              <a:buChar char="•"/>
+              <a:defRPr sz="2000" kern="1200">
+                <a:solidFill>
+                  <a:schemeClr val="tx1"/>
+                </a:solidFill>
+                <a:latin typeface="+mn-lt"/>
+                <a:ea typeface="+mn-ea"/>
+                <a:cs typeface="+mn-cs"/>
+              </a:defRPr>
+            </a:lvl6pPr>
+            <a:lvl7pPr marL="2971800" indent="-228600" algn="l" defTabSz="914400" rtl="0" eaLnBrk="1" latinLnBrk="0" hangingPunct="1">
+              <a:spcBef>
+                <a:spcPct val="20000"/>
+              </a:spcBef>
+              <a:buFont typeface="Arial" pitchFamily="34" charset="0"/>
+              <a:buChar char="•"/>
+              <a:defRPr sz="2000" kern="1200">
+                <a:solidFill>
+                  <a:schemeClr val="tx1"/>
+                </a:solidFill>
+                <a:latin typeface="+mn-lt"/>
+                <a:ea typeface="+mn-ea"/>
+                <a:cs typeface="+mn-cs"/>
+              </a:defRPr>
+            </a:lvl7pPr>
+            <a:lvl8pPr marL="3429000" indent="-228600" algn="l" defTabSz="914400" rtl="0" eaLnBrk="1" latinLnBrk="0" hangingPunct="1">
+              <a:spcBef>
+                <a:spcPct val="20000"/>
+              </a:spcBef>
+              <a:buFont typeface="Arial" pitchFamily="34" charset="0"/>
+              <a:buChar char="•"/>
+              <a:defRPr sz="2000" kern="1200">
+                <a:solidFill>
+                  <a:schemeClr val="tx1"/>
+                </a:solidFill>
+                <a:latin typeface="+mn-lt"/>
+                <a:ea typeface="+mn-ea"/>
+                <a:cs typeface="+mn-cs"/>
+              </a:defRPr>
+            </a:lvl8pPr>
+            <a:lvl9pPr marL="3886200" indent="-228600" algn="l" defTabSz="914400" rtl="0" eaLnBrk="1" latinLnBrk="0" hangingPunct="1">
+              <a:spcBef>
+                <a:spcPct val="20000"/>
+              </a:spcBef>
+              <a:buFont typeface="Arial" pitchFamily="34" charset="0"/>
+              <a:buChar char="•"/>
+              <a:defRPr sz="2000" kern="1200">
+                <a:solidFill>
+                  <a:schemeClr val="tx1"/>
+                </a:solidFill>
+                <a:latin typeface="+mn-lt"/>
+                <a:ea typeface="+mn-ea"/>
+                <a:cs typeface="+mn-cs"/>
+              </a:defRPr>
+            </a:lvl9pPr>
+          </a:lstStyle>
+          <a:p>
+            <a:pPr marL="457200" lvl="1" indent="0">
+              <a:buNone/>
+            </a:pPr>
+            <a:r>
+              <a:rPr lang="fr-FR" dirty="0"/>
+              <a:t>A. Not mixte</a:t>
+            </a:r>
+          </a:p>
+          <a:p>
+            <a:pPr marL="857250" lvl="2" indent="0">
+              <a:buNone/>
+            </a:pPr>
+            <a:r>
+              <a:rPr lang="fr-FR" dirty="0"/>
+              <a:t>1) </a:t>
+            </a:r>
+            <a:r>
+              <a:rPr lang="fr-FR" i="1" dirty="0" err="1"/>
+              <a:t>init_avai</a:t>
+            </a:r>
+            <a:endParaRPr lang="fr-FR" i="1" dirty="0"/>
+          </a:p>
+          <a:p>
+            <a:pPr marL="857250" lvl="2" indent="0">
+              <a:buNone/>
+            </a:pPr>
+            <a:r>
+              <a:rPr lang="fr-FR" dirty="0"/>
+              <a:t>2) </a:t>
+            </a:r>
+            <a:r>
+              <a:rPr lang="fr-FR" dirty="0" err="1"/>
+              <a:t>Mean</a:t>
+            </a:r>
+            <a:r>
+              <a:rPr lang="fr-FR" dirty="0"/>
+              <a:t> </a:t>
+            </a:r>
+            <a:r>
+              <a:rPr lang="fr-FR" dirty="0" err="1"/>
+              <a:t>diameter</a:t>
+            </a:r>
+            <a:r>
+              <a:rPr lang="fr-FR" dirty="0"/>
+              <a:t> for active layer and </a:t>
+            </a:r>
+            <a:r>
+              <a:rPr lang="fr-FR" dirty="0" err="1"/>
+              <a:t>under</a:t>
+            </a:r>
+            <a:r>
+              <a:rPr lang="fr-FR" dirty="0"/>
+              <a:t>-layer </a:t>
+            </a:r>
+          </a:p>
+          <a:p>
+            <a:pPr marL="457200" lvl="1" indent="0">
+              <a:buNone/>
+            </a:pPr>
+            <a:r>
+              <a:rPr lang="fr-FR" dirty="0"/>
+              <a:t>B. Mixte</a:t>
+            </a:r>
+          </a:p>
+          <a:p>
+            <a:pPr marL="857250" lvl="2" indent="0">
+              <a:buNone/>
+            </a:pPr>
+            <a:r>
+              <a:rPr lang="fr-FR" dirty="0"/>
+              <a:t>1) </a:t>
+            </a:r>
+            <a:r>
+              <a:rPr lang="fr-FR" i="1" dirty="0" err="1"/>
+              <a:t>init_mixte</a:t>
+            </a:r>
+            <a:endParaRPr lang="fr-FR" i="1" dirty="0"/>
+          </a:p>
+          <a:p>
+            <a:pPr marL="857250" lvl="2" indent="0">
+              <a:buNone/>
+            </a:pPr>
+            <a:r>
+              <a:rPr lang="fr-FR" dirty="0"/>
+              <a:t>2) </a:t>
+            </a:r>
+            <a:r>
+              <a:rPr lang="fr-FR" dirty="0" err="1"/>
+              <a:t>Mean</a:t>
+            </a:r>
+            <a:r>
+              <a:rPr lang="fr-FR" dirty="0"/>
+              <a:t> </a:t>
+            </a:r>
+            <a:r>
+              <a:rPr lang="fr-FR" dirty="0" err="1"/>
+              <a:t>diameter</a:t>
+            </a:r>
+            <a:r>
+              <a:rPr lang="fr-FR" dirty="0"/>
+              <a:t> of the active layer</a:t>
+            </a:r>
+          </a:p>
+        </p:txBody>
+      </p:sp>
+      <p:cxnSp>
+        <p:nvCxnSpPr>
+          <p:cNvPr id="30" name="Connecteur droit avec flèche 29"/>
+          <p:cNvCxnSpPr/>
+          <p:nvPr/>
+        </p:nvCxnSpPr>
+        <p:spPr>
+          <a:xfrm>
+            <a:off x="3731893" y="4203433"/>
+            <a:ext cx="891099" cy="13471"/>
+          </a:xfrm>
+          <a:prstGeom prst="straightConnector1">
+            <a:avLst/>
+          </a:prstGeom>
+          <a:ln w="15875">
+            <a:solidFill>
+              <a:schemeClr val="tx1"/>
+            </a:solidFill>
+            <a:tailEnd type="triangle"/>
+          </a:ln>
+        </p:spPr>
+        <p:style>
+          <a:lnRef idx="1">
+            <a:schemeClr val="accent1"/>
+          </a:lnRef>
+          <a:fillRef idx="0">
+            <a:schemeClr val="accent1"/>
+          </a:fillRef>
+          <a:effectRef idx="0">
+            <a:schemeClr val="accent1"/>
+          </a:effectRef>
+          <a:fontRef idx="minor">
+            <a:schemeClr val="tx1"/>
+          </a:fontRef>
+        </p:style>
+      </p:cxnSp>
+    </p:spTree>
+    <p:extLst>
+      <p:ext uri="{BB962C8B-B14F-4D97-AF65-F5344CB8AC3E}">
+        <p14:creationId xmlns:p14="http://schemas.microsoft.com/office/powerpoint/2010/main" val="4144451578"/>
+      </p:ext>
+    </p:extLst>
+  </p:cSld>
+  <p:clrMapOvr>
+    <a:masterClrMapping/>
+  </p:clrMapOvr>
+</p:sld>
+</file>
+
+<file path=ppt/slides/slide15.xml><?xml version="1.0" encoding="utf-8"?>
+<p:sld xmlns:a="http://schemas.openxmlformats.org/drawingml/2006/main" xmlns:r="http://schemas.openxmlformats.org/officeDocument/2006/relationships" xmlns:p="http://schemas.openxmlformats.org/presentationml/2006/main">
+  <p:cSld>
+    <p:spTree>
+      <p:nvGrpSpPr>
+        <p:cNvPr id="1" name=""/>
+        <p:cNvGrpSpPr/>
+        <p:nvPr/>
+      </p:nvGrpSpPr>
+      <p:grpSpPr>
+        <a:xfrm>
+          <a:off x="0" y="0"/>
+          <a:ext cx="0" cy="0"/>
+          <a:chOff x="0" y="0"/>
+          <a:chExt cx="0" cy="0"/>
+        </a:xfrm>
+      </p:grpSpPr>
+      <p:sp>
+        <p:nvSpPr>
+          <p:cNvPr id="4" name="Titre 1"/>
+          <p:cNvSpPr txBox="1">
+            <a:spLocks/>
+          </p:cNvSpPr>
+          <p:nvPr/>
+        </p:nvSpPr>
+        <p:spPr>
+          <a:xfrm>
+            <a:off x="2051720" y="192675"/>
+            <a:ext cx="4474840" cy="778098"/>
+          </a:xfrm>
+          <a:prstGeom prst="rect">
+            <a:avLst/>
+          </a:prstGeom>
+        </p:spPr>
+        <p:txBody>
+          <a:bodyPr vert="horz" lIns="91440" tIns="45720" rIns="91440" bIns="45720" rtlCol="0" anchor="ctr">
+            <a:normAutofit/>
+          </a:bodyPr>
+          <a:lstStyle>
+            <a:lvl1pPr algn="ctr" defTabSz="914400" rtl="0" eaLnBrk="1" latinLnBrk="0" hangingPunct="1">
+              <a:spcBef>
+                <a:spcPct val="0"/>
+              </a:spcBef>
+              <a:buNone/>
+              <a:defRPr sz="4400" kern="1200">
+                <a:solidFill>
+                  <a:schemeClr val="tx1"/>
+                </a:solidFill>
+                <a:latin typeface="+mj-lt"/>
+                <a:ea typeface="+mj-ea"/>
+                <a:cs typeface="+mj-cs"/>
+              </a:defRPr>
+            </a:lvl1pPr>
+          </a:lstStyle>
+          <a:p>
+            <a:r>
+              <a:rPr lang="fr-FR" b="1" dirty="0" smtClean="0"/>
+              <a:t>INIT_MIXTE</a:t>
+            </a:r>
+            <a:endParaRPr lang="fr-FR" b="1" dirty="0"/>
+          </a:p>
+        </p:txBody>
+      </p:sp>
+      <p:sp>
+        <p:nvSpPr>
+          <p:cNvPr id="5" name="Espace réservé du contenu 2"/>
+          <p:cNvSpPr txBox="1">
+            <a:spLocks/>
+          </p:cNvSpPr>
+          <p:nvPr/>
+        </p:nvSpPr>
+        <p:spPr>
+          <a:xfrm>
+            <a:off x="593452" y="1131193"/>
+            <a:ext cx="2322364" cy="509380"/>
+          </a:xfrm>
+          <a:prstGeom prst="rect">
+            <a:avLst/>
+          </a:prstGeom>
+          <a:ln>
+            <a:solidFill>
+              <a:schemeClr val="tx1"/>
+            </a:solidFill>
+          </a:ln>
+          <a:effectLst>
+            <a:softEdge rad="0"/>
+          </a:effectLst>
+        </p:spPr>
+        <p:txBody>
+          <a:bodyPr vert="horz" lIns="91440" tIns="45720" rIns="91440" bIns="45720" rtlCol="0">
+            <a:normAutofit fontScale="62500" lnSpcReduction="20000"/>
+          </a:bodyPr>
+          <a:lstStyle>
+            <a:lvl1pPr marL="342900" indent="-342900" algn="l" defTabSz="914400" rtl="0" eaLnBrk="1" latinLnBrk="0" hangingPunct="1">
+              <a:spcBef>
+                <a:spcPct val="20000"/>
+              </a:spcBef>
+              <a:buFont typeface="Arial" pitchFamily="34" charset="0"/>
+              <a:buChar char="•"/>
+              <a:defRPr sz="3200" kern="1200">
+                <a:solidFill>
+                  <a:schemeClr val="tx1"/>
+                </a:solidFill>
+                <a:latin typeface="+mn-lt"/>
+                <a:ea typeface="+mn-ea"/>
+                <a:cs typeface="+mn-cs"/>
+              </a:defRPr>
+            </a:lvl1pPr>
+            <a:lvl2pPr marL="742950" indent="-285750" algn="l" defTabSz="914400" rtl="0" eaLnBrk="1" latinLnBrk="0" hangingPunct="1">
+              <a:spcBef>
+                <a:spcPct val="20000"/>
+              </a:spcBef>
+              <a:buFont typeface="Arial" pitchFamily="34" charset="0"/>
+              <a:buChar char="–"/>
+              <a:defRPr sz="2800" kern="1200">
+                <a:solidFill>
+                  <a:schemeClr val="tx1"/>
+                </a:solidFill>
+                <a:latin typeface="+mn-lt"/>
+                <a:ea typeface="+mn-ea"/>
+                <a:cs typeface="+mn-cs"/>
+              </a:defRPr>
+            </a:lvl2pPr>
+            <a:lvl3pPr marL="1143000" indent="-228600" algn="l" defTabSz="914400" rtl="0" eaLnBrk="1" latinLnBrk="0" hangingPunct="1">
+              <a:spcBef>
+                <a:spcPct val="20000"/>
+              </a:spcBef>
+              <a:buFont typeface="Arial" pitchFamily="34" charset="0"/>
+              <a:buChar char="•"/>
+              <a:defRPr sz="2400" kern="1200">
+                <a:solidFill>
+                  <a:schemeClr val="tx1"/>
+                </a:solidFill>
+                <a:latin typeface="+mn-lt"/>
+                <a:ea typeface="+mn-ea"/>
+                <a:cs typeface="+mn-cs"/>
+              </a:defRPr>
+            </a:lvl3pPr>
+            <a:lvl4pPr marL="1600200" indent="-228600" algn="l" defTabSz="914400" rtl="0" eaLnBrk="1" latinLnBrk="0" hangingPunct="1">
+              <a:spcBef>
+                <a:spcPct val="20000"/>
+              </a:spcBef>
+              <a:buFont typeface="Arial" pitchFamily="34" charset="0"/>
+              <a:buChar char="–"/>
+              <a:defRPr sz="2000" kern="1200">
+                <a:solidFill>
+                  <a:schemeClr val="tx1"/>
+                </a:solidFill>
+                <a:latin typeface="+mn-lt"/>
+                <a:ea typeface="+mn-ea"/>
+                <a:cs typeface="+mn-cs"/>
+              </a:defRPr>
+            </a:lvl4pPr>
+            <a:lvl5pPr marL="2057400" indent="-228600" algn="l" defTabSz="914400" rtl="0" eaLnBrk="1" latinLnBrk="0" hangingPunct="1">
+              <a:spcBef>
+                <a:spcPct val="20000"/>
+              </a:spcBef>
+              <a:buFont typeface="Arial" pitchFamily="34" charset="0"/>
+              <a:buChar char="»"/>
+              <a:defRPr sz="2000" kern="1200">
+                <a:solidFill>
+                  <a:schemeClr val="tx1"/>
+                </a:solidFill>
+                <a:latin typeface="+mn-lt"/>
+                <a:ea typeface="+mn-ea"/>
+                <a:cs typeface="+mn-cs"/>
+              </a:defRPr>
+            </a:lvl5pPr>
+            <a:lvl6pPr marL="2514600" indent="-228600" algn="l" defTabSz="914400" rtl="0" eaLnBrk="1" latinLnBrk="0" hangingPunct="1">
+              <a:spcBef>
+                <a:spcPct val="20000"/>
+              </a:spcBef>
+              <a:buFont typeface="Arial" pitchFamily="34" charset="0"/>
+              <a:buChar char="•"/>
+              <a:defRPr sz="2000" kern="1200">
+                <a:solidFill>
+                  <a:schemeClr val="tx1"/>
+                </a:solidFill>
+                <a:latin typeface="+mn-lt"/>
+                <a:ea typeface="+mn-ea"/>
+                <a:cs typeface="+mn-cs"/>
+              </a:defRPr>
+            </a:lvl6pPr>
+            <a:lvl7pPr marL="2971800" indent="-228600" algn="l" defTabSz="914400" rtl="0" eaLnBrk="1" latinLnBrk="0" hangingPunct="1">
+              <a:spcBef>
+                <a:spcPct val="20000"/>
+              </a:spcBef>
+              <a:buFont typeface="Arial" pitchFamily="34" charset="0"/>
+              <a:buChar char="•"/>
+              <a:defRPr sz="2000" kern="1200">
+                <a:solidFill>
+                  <a:schemeClr val="tx1"/>
+                </a:solidFill>
+                <a:latin typeface="+mn-lt"/>
+                <a:ea typeface="+mn-ea"/>
+                <a:cs typeface="+mn-cs"/>
+              </a:defRPr>
+            </a:lvl7pPr>
+            <a:lvl8pPr marL="3429000" indent="-228600" algn="l" defTabSz="914400" rtl="0" eaLnBrk="1" latinLnBrk="0" hangingPunct="1">
+              <a:spcBef>
+                <a:spcPct val="20000"/>
+              </a:spcBef>
+              <a:buFont typeface="Arial" pitchFamily="34" charset="0"/>
+              <a:buChar char="•"/>
+              <a:defRPr sz="2000" kern="1200">
+                <a:solidFill>
+                  <a:schemeClr val="tx1"/>
+                </a:solidFill>
+                <a:latin typeface="+mn-lt"/>
+                <a:ea typeface="+mn-ea"/>
+                <a:cs typeface="+mn-cs"/>
+              </a:defRPr>
+            </a:lvl8pPr>
+            <a:lvl9pPr marL="3886200" indent="-228600" algn="l" defTabSz="914400" rtl="0" eaLnBrk="1" latinLnBrk="0" hangingPunct="1">
+              <a:spcBef>
+                <a:spcPct val="20000"/>
+              </a:spcBef>
+              <a:buFont typeface="Arial" pitchFamily="34" charset="0"/>
+              <a:buChar char="•"/>
+              <a:defRPr sz="2000" kern="1200">
+                <a:solidFill>
+                  <a:schemeClr val="tx1"/>
+                </a:solidFill>
+                <a:latin typeface="+mn-lt"/>
+                <a:ea typeface="+mn-ea"/>
+                <a:cs typeface="+mn-cs"/>
+              </a:defRPr>
+            </a:lvl9pPr>
+          </a:lstStyle>
+          <a:p>
+            <a:pPr marL="57150" indent="0">
+              <a:buNone/>
+            </a:pPr>
+            <a:r>
+              <a:rPr lang="fr-FR" dirty="0" smtClean="0">
+                <a:ea typeface="Cambria Math" panose="02040503050406030204" pitchFamily="18" charset="0"/>
+              </a:rPr>
+              <a:t>1. </a:t>
+            </a:r>
+            <a:r>
+              <a:rPr lang="fr-FR" i="1" dirty="0" err="1" smtClean="0">
+                <a:ea typeface="Cambria Math" panose="02040503050406030204" pitchFamily="18" charset="0"/>
+              </a:rPr>
+              <a:t>Init_compo_coh</a:t>
+            </a:r>
+            <a:endParaRPr lang="fr-FR" i="1" dirty="0" smtClean="0">
+              <a:ea typeface="Cambria Math" panose="02040503050406030204" pitchFamily="18" charset="0"/>
+            </a:endParaRPr>
+          </a:p>
+          <a:p>
+            <a:pPr marL="457200" lvl="1" indent="0">
+              <a:buNone/>
+            </a:pPr>
+            <a:endParaRPr lang="fr-FR" dirty="0" smtClean="0"/>
+          </a:p>
+        </p:txBody>
+      </p:sp>
+      <p:sp>
+        <p:nvSpPr>
+          <p:cNvPr id="6" name="Espace réservé du contenu 2"/>
+          <p:cNvSpPr txBox="1">
+            <a:spLocks/>
+          </p:cNvSpPr>
+          <p:nvPr/>
+        </p:nvSpPr>
+        <p:spPr>
+          <a:xfrm>
+            <a:off x="593452" y="2262731"/>
+            <a:ext cx="5933108" cy="674059"/>
+          </a:xfrm>
+          <a:prstGeom prst="rect">
+            <a:avLst/>
+          </a:prstGeom>
+          <a:ln>
+            <a:solidFill>
+              <a:schemeClr val="tx1"/>
+            </a:solidFill>
+          </a:ln>
+          <a:effectLst>
+            <a:softEdge rad="0"/>
+          </a:effectLst>
+        </p:spPr>
+        <p:txBody>
+          <a:bodyPr vert="horz" lIns="91440" tIns="45720" rIns="91440" bIns="45720" rtlCol="0">
+            <a:normAutofit fontScale="62500" lnSpcReduction="20000"/>
+          </a:bodyPr>
+          <a:lstStyle>
+            <a:lvl1pPr marL="342900" indent="-342900" algn="l" defTabSz="914400" rtl="0" eaLnBrk="1" latinLnBrk="0" hangingPunct="1">
+              <a:spcBef>
+                <a:spcPct val="20000"/>
+              </a:spcBef>
+              <a:buFont typeface="Arial" pitchFamily="34" charset="0"/>
+              <a:buChar char="•"/>
+              <a:defRPr sz="3200" kern="1200">
+                <a:solidFill>
+                  <a:schemeClr val="tx1"/>
+                </a:solidFill>
+                <a:latin typeface="+mn-lt"/>
+                <a:ea typeface="+mn-ea"/>
+                <a:cs typeface="+mn-cs"/>
+              </a:defRPr>
+            </a:lvl1pPr>
+            <a:lvl2pPr marL="742950" indent="-285750" algn="l" defTabSz="914400" rtl="0" eaLnBrk="1" latinLnBrk="0" hangingPunct="1">
+              <a:spcBef>
+                <a:spcPct val="20000"/>
+              </a:spcBef>
+              <a:buFont typeface="Arial" pitchFamily="34" charset="0"/>
+              <a:buChar char="–"/>
+              <a:defRPr sz="2800" kern="1200">
+                <a:solidFill>
+                  <a:schemeClr val="tx1"/>
+                </a:solidFill>
+                <a:latin typeface="+mn-lt"/>
+                <a:ea typeface="+mn-ea"/>
+                <a:cs typeface="+mn-cs"/>
+              </a:defRPr>
+            </a:lvl2pPr>
+            <a:lvl3pPr marL="1143000" indent="-228600" algn="l" defTabSz="914400" rtl="0" eaLnBrk="1" latinLnBrk="0" hangingPunct="1">
+              <a:spcBef>
+                <a:spcPct val="20000"/>
+              </a:spcBef>
+              <a:buFont typeface="Arial" pitchFamily="34" charset="0"/>
+              <a:buChar char="•"/>
+              <a:defRPr sz="2400" kern="1200">
+                <a:solidFill>
+                  <a:schemeClr val="tx1"/>
+                </a:solidFill>
+                <a:latin typeface="+mn-lt"/>
+                <a:ea typeface="+mn-ea"/>
+                <a:cs typeface="+mn-cs"/>
+              </a:defRPr>
+            </a:lvl3pPr>
+            <a:lvl4pPr marL="1600200" indent="-228600" algn="l" defTabSz="914400" rtl="0" eaLnBrk="1" latinLnBrk="0" hangingPunct="1">
+              <a:spcBef>
+                <a:spcPct val="20000"/>
+              </a:spcBef>
+              <a:buFont typeface="Arial" pitchFamily="34" charset="0"/>
+              <a:buChar char="–"/>
+              <a:defRPr sz="2000" kern="1200">
+                <a:solidFill>
+                  <a:schemeClr val="tx1"/>
+                </a:solidFill>
+                <a:latin typeface="+mn-lt"/>
+                <a:ea typeface="+mn-ea"/>
+                <a:cs typeface="+mn-cs"/>
+              </a:defRPr>
+            </a:lvl4pPr>
+            <a:lvl5pPr marL="2057400" indent="-228600" algn="l" defTabSz="914400" rtl="0" eaLnBrk="1" latinLnBrk="0" hangingPunct="1">
+              <a:spcBef>
+                <a:spcPct val="20000"/>
+              </a:spcBef>
+              <a:buFont typeface="Arial" pitchFamily="34" charset="0"/>
+              <a:buChar char="»"/>
+              <a:defRPr sz="2000" kern="1200">
+                <a:solidFill>
+                  <a:schemeClr val="tx1"/>
+                </a:solidFill>
+                <a:latin typeface="+mn-lt"/>
+                <a:ea typeface="+mn-ea"/>
+                <a:cs typeface="+mn-cs"/>
+              </a:defRPr>
+            </a:lvl5pPr>
+            <a:lvl6pPr marL="2514600" indent="-228600" algn="l" defTabSz="914400" rtl="0" eaLnBrk="1" latinLnBrk="0" hangingPunct="1">
+              <a:spcBef>
+                <a:spcPct val="20000"/>
+              </a:spcBef>
+              <a:buFont typeface="Arial" pitchFamily="34" charset="0"/>
+              <a:buChar char="•"/>
+              <a:defRPr sz="2000" kern="1200">
+                <a:solidFill>
+                  <a:schemeClr val="tx1"/>
+                </a:solidFill>
+                <a:latin typeface="+mn-lt"/>
+                <a:ea typeface="+mn-ea"/>
+                <a:cs typeface="+mn-cs"/>
+              </a:defRPr>
+            </a:lvl6pPr>
+            <a:lvl7pPr marL="2971800" indent="-228600" algn="l" defTabSz="914400" rtl="0" eaLnBrk="1" latinLnBrk="0" hangingPunct="1">
+              <a:spcBef>
+                <a:spcPct val="20000"/>
+              </a:spcBef>
+              <a:buFont typeface="Arial" pitchFamily="34" charset="0"/>
+              <a:buChar char="•"/>
+              <a:defRPr sz="2000" kern="1200">
+                <a:solidFill>
+                  <a:schemeClr val="tx1"/>
+                </a:solidFill>
+                <a:latin typeface="+mn-lt"/>
+                <a:ea typeface="+mn-ea"/>
+                <a:cs typeface="+mn-cs"/>
+              </a:defRPr>
+            </a:lvl7pPr>
+            <a:lvl8pPr marL="3429000" indent="-228600" algn="l" defTabSz="914400" rtl="0" eaLnBrk="1" latinLnBrk="0" hangingPunct="1">
+              <a:spcBef>
+                <a:spcPct val="20000"/>
+              </a:spcBef>
+              <a:buFont typeface="Arial" pitchFamily="34" charset="0"/>
+              <a:buChar char="•"/>
+              <a:defRPr sz="2000" kern="1200">
+                <a:solidFill>
+                  <a:schemeClr val="tx1"/>
+                </a:solidFill>
+                <a:latin typeface="+mn-lt"/>
+                <a:ea typeface="+mn-ea"/>
+                <a:cs typeface="+mn-cs"/>
+              </a:defRPr>
+            </a:lvl8pPr>
+            <a:lvl9pPr marL="3886200" indent="-228600" algn="l" defTabSz="914400" rtl="0" eaLnBrk="1" latinLnBrk="0" hangingPunct="1">
+              <a:spcBef>
+                <a:spcPct val="20000"/>
+              </a:spcBef>
+              <a:buFont typeface="Arial" pitchFamily="34" charset="0"/>
+              <a:buChar char="•"/>
+              <a:defRPr sz="2000" kern="1200">
+                <a:solidFill>
+                  <a:schemeClr val="tx1"/>
+                </a:solidFill>
+                <a:latin typeface="+mn-lt"/>
+                <a:ea typeface="+mn-ea"/>
+                <a:cs typeface="+mn-cs"/>
+              </a:defRPr>
+            </a:lvl9pPr>
+          </a:lstStyle>
+          <a:p>
+            <a:pPr marL="57150" indent="0">
+              <a:buNone/>
+            </a:pPr>
+            <a:r>
+              <a:rPr lang="fr-FR" sz="3600" dirty="0" smtClean="0">
+                <a:ea typeface="Cambria Math" panose="02040503050406030204" pitchFamily="18" charset="0"/>
+              </a:rPr>
+              <a:t>2. </a:t>
+            </a:r>
+            <a:r>
+              <a:rPr lang="fr-FR" sz="3600" dirty="0" err="1" smtClean="0">
+                <a:ea typeface="Cambria Math" panose="02040503050406030204" pitchFamily="18" charset="0"/>
+              </a:rPr>
+              <a:t>Re</a:t>
+            </a:r>
+            <a:r>
+              <a:rPr lang="fr-FR" sz="3600" dirty="0" smtClean="0">
+                <a:ea typeface="Cambria Math" panose="02040503050406030204" pitchFamily="18" charset="0"/>
+              </a:rPr>
+              <a:t>-computation of </a:t>
+            </a:r>
+            <a:r>
+              <a:rPr lang="fr-FR" sz="3600" dirty="0" err="1" smtClean="0">
+                <a:ea typeface="Cambria Math" panose="02040503050406030204" pitchFamily="18" charset="0"/>
+              </a:rPr>
+              <a:t>thickness</a:t>
+            </a:r>
+            <a:r>
+              <a:rPr lang="fr-FR" sz="3600" dirty="0" smtClean="0">
+                <a:ea typeface="Cambria Math" panose="02040503050406030204" pitchFamily="18" charset="0"/>
+              </a:rPr>
+              <a:t> in </a:t>
+            </a:r>
+            <a:r>
+              <a:rPr lang="fr-FR" sz="3600" dirty="0" err="1" smtClean="0">
+                <a:ea typeface="Cambria Math" panose="02040503050406030204" pitchFamily="18" charset="0"/>
+              </a:rPr>
+              <a:t>order</a:t>
+            </a:r>
+            <a:r>
+              <a:rPr lang="fr-FR" sz="3600" dirty="0" smtClean="0">
+                <a:ea typeface="Cambria Math" panose="02040503050406030204" pitchFamily="18" charset="0"/>
+              </a:rPr>
+              <a:t> to have </a:t>
+            </a:r>
+            <a:r>
+              <a:rPr lang="fr-FR" sz="3600" dirty="0" smtClean="0">
+                <a:solidFill>
+                  <a:srgbClr val="7030A0"/>
+                </a:solidFill>
+                <a:ea typeface="Cambria Math" panose="02040503050406030204" pitchFamily="18" charset="0"/>
+              </a:rPr>
+              <a:t>ES </a:t>
+            </a:r>
+            <a:r>
+              <a:rPr lang="fr-FR" sz="3600" dirty="0" smtClean="0">
+                <a:ea typeface="Cambria Math" panose="02040503050406030204" pitchFamily="18" charset="0"/>
+              </a:rPr>
+              <a:t>= </a:t>
+            </a:r>
+            <a:r>
+              <a:rPr lang="fr-FR" sz="3600" dirty="0" smtClean="0">
+                <a:solidFill>
+                  <a:srgbClr val="7030A0"/>
+                </a:solidFill>
+                <a:ea typeface="Cambria Math" panose="02040503050406030204" pitchFamily="18" charset="0"/>
+              </a:rPr>
+              <a:t>ZF </a:t>
+            </a:r>
+            <a:r>
+              <a:rPr lang="fr-FR" sz="3600" dirty="0" smtClean="0">
+                <a:ea typeface="Cambria Math" panose="02040503050406030204" pitchFamily="18" charset="0"/>
+              </a:rPr>
+              <a:t>- </a:t>
+            </a:r>
+            <a:r>
+              <a:rPr lang="fr-FR" sz="3600" dirty="0" smtClean="0">
+                <a:solidFill>
+                  <a:srgbClr val="7030A0"/>
+                </a:solidFill>
+                <a:ea typeface="Cambria Math" panose="02040503050406030204" pitchFamily="18" charset="0"/>
+              </a:rPr>
+              <a:t>ZR</a:t>
+            </a:r>
+            <a:r>
+              <a:rPr lang="fr-FR" sz="3600" dirty="0" smtClean="0">
+                <a:ea typeface="Cambria Math" panose="02040503050406030204" pitchFamily="18" charset="0"/>
+              </a:rPr>
+              <a:t> </a:t>
+            </a:r>
+          </a:p>
+          <a:p>
+            <a:pPr marL="457200" lvl="1" indent="0">
+              <a:buNone/>
+            </a:pPr>
+            <a:endParaRPr lang="fr-FR" dirty="0" smtClean="0"/>
+          </a:p>
+        </p:txBody>
+      </p:sp>
+      <p:cxnSp>
+        <p:nvCxnSpPr>
+          <p:cNvPr id="9" name="Connecteur droit avec flèche 8"/>
+          <p:cNvCxnSpPr/>
+          <p:nvPr/>
+        </p:nvCxnSpPr>
+        <p:spPr>
+          <a:xfrm>
+            <a:off x="1547664" y="1628800"/>
+            <a:ext cx="0" cy="504056"/>
+          </a:xfrm>
+          <a:prstGeom prst="straightConnector1">
+            <a:avLst/>
+          </a:prstGeom>
+          <a:ln w="15875">
+            <a:solidFill>
+              <a:schemeClr val="tx1"/>
+            </a:solidFill>
+            <a:tailEnd type="triangle"/>
+          </a:ln>
+        </p:spPr>
+        <p:style>
+          <a:lnRef idx="1">
+            <a:schemeClr val="accent1"/>
+          </a:lnRef>
+          <a:fillRef idx="0">
+            <a:schemeClr val="accent1"/>
+          </a:fillRef>
+          <a:effectRef idx="0">
+            <a:schemeClr val="accent1"/>
+          </a:effectRef>
+          <a:fontRef idx="minor">
+            <a:schemeClr val="tx1"/>
+          </a:fontRef>
+        </p:style>
+      </p:cxnSp>
+      <p:cxnSp>
+        <p:nvCxnSpPr>
+          <p:cNvPr id="18" name="Connecteur droit avec flèche 17"/>
+          <p:cNvCxnSpPr/>
+          <p:nvPr/>
+        </p:nvCxnSpPr>
+        <p:spPr>
+          <a:xfrm>
+            <a:off x="1547664" y="3079173"/>
+            <a:ext cx="0" cy="489478"/>
+          </a:xfrm>
+          <a:prstGeom prst="straightConnector1">
+            <a:avLst/>
+          </a:prstGeom>
+          <a:ln w="15875">
+            <a:solidFill>
+              <a:schemeClr val="tx1"/>
+            </a:solidFill>
+            <a:tailEnd type="triangle"/>
+          </a:ln>
+        </p:spPr>
+        <p:style>
+          <a:lnRef idx="1">
+            <a:schemeClr val="accent1"/>
+          </a:lnRef>
+          <a:fillRef idx="0">
+            <a:schemeClr val="accent1"/>
+          </a:fillRef>
+          <a:effectRef idx="0">
+            <a:schemeClr val="accent1"/>
+          </a:effectRef>
+          <a:fontRef idx="minor">
+            <a:schemeClr val="tx1"/>
+          </a:fontRef>
+        </p:style>
+      </p:cxnSp>
+      <p:sp>
+        <p:nvSpPr>
+          <p:cNvPr id="19" name="Espace réservé du contenu 2"/>
+          <p:cNvSpPr txBox="1">
+            <a:spLocks/>
+          </p:cNvSpPr>
+          <p:nvPr/>
+        </p:nvSpPr>
+        <p:spPr>
+          <a:xfrm>
+            <a:off x="606712" y="3610467"/>
+            <a:ext cx="4901392" cy="394598"/>
+          </a:xfrm>
+          <a:prstGeom prst="rect">
+            <a:avLst/>
+          </a:prstGeom>
+          <a:ln>
+            <a:solidFill>
+              <a:schemeClr val="tx1"/>
+            </a:solidFill>
+          </a:ln>
+          <a:effectLst>
+            <a:softEdge rad="0"/>
+          </a:effectLst>
+        </p:spPr>
+        <p:txBody>
+          <a:bodyPr vert="horz" lIns="91440" tIns="45720" rIns="91440" bIns="45720" rtlCol="0">
+            <a:normAutofit fontScale="70000" lnSpcReduction="20000"/>
+          </a:bodyPr>
+          <a:lstStyle>
+            <a:lvl1pPr marL="342900" indent="-342900" algn="l" defTabSz="914400" rtl="0" eaLnBrk="1" latinLnBrk="0" hangingPunct="1">
+              <a:spcBef>
+                <a:spcPct val="20000"/>
+              </a:spcBef>
+              <a:buFont typeface="Arial" pitchFamily="34" charset="0"/>
+              <a:buChar char="•"/>
+              <a:defRPr sz="3200" kern="1200">
+                <a:solidFill>
+                  <a:schemeClr val="tx1"/>
+                </a:solidFill>
+                <a:latin typeface="+mn-lt"/>
+                <a:ea typeface="+mn-ea"/>
+                <a:cs typeface="+mn-cs"/>
+              </a:defRPr>
+            </a:lvl1pPr>
+            <a:lvl2pPr marL="742950" indent="-285750" algn="l" defTabSz="914400" rtl="0" eaLnBrk="1" latinLnBrk="0" hangingPunct="1">
+              <a:spcBef>
+                <a:spcPct val="20000"/>
+              </a:spcBef>
+              <a:buFont typeface="Arial" pitchFamily="34" charset="0"/>
+              <a:buChar char="–"/>
+              <a:defRPr sz="2800" kern="1200">
+                <a:solidFill>
+                  <a:schemeClr val="tx1"/>
+                </a:solidFill>
+                <a:latin typeface="+mn-lt"/>
+                <a:ea typeface="+mn-ea"/>
+                <a:cs typeface="+mn-cs"/>
+              </a:defRPr>
+            </a:lvl2pPr>
+            <a:lvl3pPr marL="1143000" indent="-228600" algn="l" defTabSz="914400" rtl="0" eaLnBrk="1" latinLnBrk="0" hangingPunct="1">
+              <a:spcBef>
+                <a:spcPct val="20000"/>
+              </a:spcBef>
+              <a:buFont typeface="Arial" pitchFamily="34" charset="0"/>
+              <a:buChar char="•"/>
+              <a:defRPr sz="2400" kern="1200">
+                <a:solidFill>
+                  <a:schemeClr val="tx1"/>
+                </a:solidFill>
+                <a:latin typeface="+mn-lt"/>
+                <a:ea typeface="+mn-ea"/>
+                <a:cs typeface="+mn-cs"/>
+              </a:defRPr>
+            </a:lvl3pPr>
+            <a:lvl4pPr marL="1600200" indent="-228600" algn="l" defTabSz="914400" rtl="0" eaLnBrk="1" latinLnBrk="0" hangingPunct="1">
+              <a:spcBef>
+                <a:spcPct val="20000"/>
+              </a:spcBef>
+              <a:buFont typeface="Arial" pitchFamily="34" charset="0"/>
+              <a:buChar char="–"/>
+              <a:defRPr sz="2000" kern="1200">
+                <a:solidFill>
+                  <a:schemeClr val="tx1"/>
+                </a:solidFill>
+                <a:latin typeface="+mn-lt"/>
+                <a:ea typeface="+mn-ea"/>
+                <a:cs typeface="+mn-cs"/>
+              </a:defRPr>
+            </a:lvl4pPr>
+            <a:lvl5pPr marL="2057400" indent="-228600" algn="l" defTabSz="914400" rtl="0" eaLnBrk="1" latinLnBrk="0" hangingPunct="1">
+              <a:spcBef>
+                <a:spcPct val="20000"/>
+              </a:spcBef>
+              <a:buFont typeface="Arial" pitchFamily="34" charset="0"/>
+              <a:buChar char="»"/>
+              <a:defRPr sz="2000" kern="1200">
+                <a:solidFill>
+                  <a:schemeClr val="tx1"/>
+                </a:solidFill>
+                <a:latin typeface="+mn-lt"/>
+                <a:ea typeface="+mn-ea"/>
+                <a:cs typeface="+mn-cs"/>
+              </a:defRPr>
+            </a:lvl5pPr>
+            <a:lvl6pPr marL="2514600" indent="-228600" algn="l" defTabSz="914400" rtl="0" eaLnBrk="1" latinLnBrk="0" hangingPunct="1">
+              <a:spcBef>
+                <a:spcPct val="20000"/>
+              </a:spcBef>
+              <a:buFont typeface="Arial" pitchFamily="34" charset="0"/>
+              <a:buChar char="•"/>
+              <a:defRPr sz="2000" kern="1200">
+                <a:solidFill>
+                  <a:schemeClr val="tx1"/>
+                </a:solidFill>
+                <a:latin typeface="+mn-lt"/>
+                <a:ea typeface="+mn-ea"/>
+                <a:cs typeface="+mn-cs"/>
+              </a:defRPr>
+            </a:lvl6pPr>
+            <a:lvl7pPr marL="2971800" indent="-228600" algn="l" defTabSz="914400" rtl="0" eaLnBrk="1" latinLnBrk="0" hangingPunct="1">
+              <a:spcBef>
+                <a:spcPct val="20000"/>
+              </a:spcBef>
+              <a:buFont typeface="Arial" pitchFamily="34" charset="0"/>
+              <a:buChar char="•"/>
+              <a:defRPr sz="2000" kern="1200">
+                <a:solidFill>
+                  <a:schemeClr val="tx1"/>
+                </a:solidFill>
+                <a:latin typeface="+mn-lt"/>
+                <a:ea typeface="+mn-ea"/>
+                <a:cs typeface="+mn-cs"/>
+              </a:defRPr>
+            </a:lvl7pPr>
+            <a:lvl8pPr marL="3429000" indent="-228600" algn="l" defTabSz="914400" rtl="0" eaLnBrk="1" latinLnBrk="0" hangingPunct="1">
+              <a:spcBef>
+                <a:spcPct val="20000"/>
+              </a:spcBef>
+              <a:buFont typeface="Arial" pitchFamily="34" charset="0"/>
+              <a:buChar char="•"/>
+              <a:defRPr sz="2000" kern="1200">
+                <a:solidFill>
+                  <a:schemeClr val="tx1"/>
+                </a:solidFill>
+                <a:latin typeface="+mn-lt"/>
+                <a:ea typeface="+mn-ea"/>
+                <a:cs typeface="+mn-cs"/>
+              </a:defRPr>
+            </a:lvl8pPr>
+            <a:lvl9pPr marL="3886200" indent="-228600" algn="l" defTabSz="914400" rtl="0" eaLnBrk="1" latinLnBrk="0" hangingPunct="1">
+              <a:spcBef>
+                <a:spcPct val="20000"/>
+              </a:spcBef>
+              <a:buFont typeface="Arial" pitchFamily="34" charset="0"/>
+              <a:buChar char="•"/>
+              <a:defRPr sz="2000" kern="1200">
+                <a:solidFill>
+                  <a:schemeClr val="tx1"/>
+                </a:solidFill>
+                <a:latin typeface="+mn-lt"/>
+                <a:ea typeface="+mn-ea"/>
+                <a:cs typeface="+mn-cs"/>
+              </a:defRPr>
+            </a:lvl9pPr>
+          </a:lstStyle>
+          <a:p>
+            <a:pPr marL="57150" indent="0">
+              <a:buNone/>
+            </a:pPr>
+            <a:r>
+              <a:rPr lang="fr-FR" dirty="0" smtClean="0">
+                <a:ea typeface="Cambria Math" panose="02040503050406030204" pitchFamily="18" charset="0"/>
+              </a:rPr>
+              <a:t>3. Check </a:t>
+            </a:r>
+            <a:r>
+              <a:rPr lang="fr-FR" dirty="0" err="1" smtClean="0">
+                <a:ea typeface="Cambria Math" panose="02040503050406030204" pitchFamily="18" charset="0"/>
+              </a:rPr>
+              <a:t>sum</a:t>
+            </a:r>
+            <a:r>
+              <a:rPr lang="fr-FR" dirty="0" smtClean="0">
+                <a:ea typeface="Cambria Math" panose="02040503050406030204" pitchFamily="18" charset="0"/>
+              </a:rPr>
+              <a:t> </a:t>
+            </a:r>
+            <a:r>
+              <a:rPr lang="fr-FR" dirty="0" smtClean="0">
+                <a:solidFill>
+                  <a:srgbClr val="7030A0"/>
+                </a:solidFill>
+                <a:ea typeface="Cambria Math" panose="02040503050406030204" pitchFamily="18" charset="0"/>
+              </a:rPr>
+              <a:t>ELAY</a:t>
+            </a:r>
+            <a:r>
+              <a:rPr lang="fr-FR" dirty="0" smtClean="0">
+                <a:ea typeface="Cambria Math" panose="02040503050406030204" pitchFamily="18" charset="0"/>
+              </a:rPr>
+              <a:t>= </a:t>
+            </a:r>
+            <a:r>
+              <a:rPr lang="fr-FR" dirty="0" smtClean="0">
+                <a:solidFill>
+                  <a:srgbClr val="7030A0"/>
+                </a:solidFill>
+                <a:ea typeface="Cambria Math" panose="02040503050406030204" pitchFamily="18" charset="0"/>
+              </a:rPr>
+              <a:t>ZF</a:t>
+            </a:r>
+            <a:r>
+              <a:rPr lang="fr-FR" dirty="0" smtClean="0">
+                <a:ea typeface="Cambria Math" panose="02040503050406030204" pitchFamily="18" charset="0"/>
+              </a:rPr>
+              <a:t>-</a:t>
+            </a:r>
+            <a:r>
+              <a:rPr lang="fr-FR" dirty="0" smtClean="0">
+                <a:solidFill>
+                  <a:srgbClr val="7030A0"/>
+                </a:solidFill>
+                <a:ea typeface="Cambria Math" panose="02040503050406030204" pitchFamily="18" charset="0"/>
+              </a:rPr>
+              <a:t>ZR</a:t>
+            </a:r>
+            <a:r>
+              <a:rPr lang="fr-FR" dirty="0" smtClean="0">
+                <a:ea typeface="Cambria Math" panose="02040503050406030204" pitchFamily="18" charset="0"/>
+              </a:rPr>
+              <a:t> = </a:t>
+            </a:r>
+            <a:r>
+              <a:rPr lang="fr-FR" dirty="0" err="1" smtClean="0">
+                <a:ea typeface="Cambria Math" panose="02040503050406030204" pitchFamily="18" charset="0"/>
+              </a:rPr>
+              <a:t>sum</a:t>
+            </a:r>
+            <a:r>
+              <a:rPr lang="fr-FR" dirty="0" smtClean="0">
+                <a:ea typeface="Cambria Math" panose="02040503050406030204" pitchFamily="18" charset="0"/>
+              </a:rPr>
+              <a:t>(</a:t>
+            </a:r>
+            <a:r>
+              <a:rPr lang="fr-FR" dirty="0" smtClean="0">
+                <a:solidFill>
+                  <a:srgbClr val="7030A0"/>
+                </a:solidFill>
+                <a:ea typeface="Cambria Math" panose="02040503050406030204" pitchFamily="18" charset="0"/>
+              </a:rPr>
+              <a:t>ES</a:t>
+            </a:r>
+            <a:r>
+              <a:rPr lang="fr-FR" dirty="0" smtClean="0">
+                <a:ea typeface="Cambria Math" panose="02040503050406030204" pitchFamily="18" charset="0"/>
+              </a:rPr>
+              <a:t>)</a:t>
+            </a:r>
+          </a:p>
+        </p:txBody>
+      </p:sp>
+      <p:cxnSp>
+        <p:nvCxnSpPr>
+          <p:cNvPr id="21" name="Connecteur droit avec flèche 20"/>
+          <p:cNvCxnSpPr/>
+          <p:nvPr/>
+        </p:nvCxnSpPr>
+        <p:spPr>
+          <a:xfrm flipH="1">
+            <a:off x="1547664" y="4147448"/>
+            <a:ext cx="3999" cy="450086"/>
+          </a:xfrm>
+          <a:prstGeom prst="straightConnector1">
+            <a:avLst/>
+          </a:prstGeom>
+          <a:ln w="15875">
+            <a:solidFill>
+              <a:schemeClr val="tx1"/>
+            </a:solidFill>
+            <a:tailEnd type="triangle"/>
+          </a:ln>
+        </p:spPr>
+        <p:style>
+          <a:lnRef idx="1">
+            <a:schemeClr val="accent1"/>
+          </a:lnRef>
+          <a:fillRef idx="0">
+            <a:schemeClr val="accent1"/>
+          </a:fillRef>
+          <a:effectRef idx="0">
+            <a:schemeClr val="accent1"/>
+          </a:effectRef>
+          <a:fontRef idx="minor">
+            <a:schemeClr val="tx1"/>
+          </a:fontRef>
+        </p:style>
+      </p:cxnSp>
+      <p:sp>
+        <p:nvSpPr>
+          <p:cNvPr id="24" name="Espace réservé du contenu 2"/>
+          <p:cNvSpPr txBox="1">
+            <a:spLocks/>
+          </p:cNvSpPr>
+          <p:nvPr/>
+        </p:nvSpPr>
+        <p:spPr>
+          <a:xfrm>
+            <a:off x="593452" y="4627223"/>
+            <a:ext cx="5298278" cy="432048"/>
+          </a:xfrm>
+          <a:prstGeom prst="rect">
+            <a:avLst/>
+          </a:prstGeom>
+          <a:ln>
+            <a:solidFill>
+              <a:schemeClr val="tx1"/>
+            </a:solidFill>
+          </a:ln>
+          <a:effectLst>
+            <a:softEdge rad="0"/>
+          </a:effectLst>
+        </p:spPr>
+        <p:txBody>
+          <a:bodyPr vert="horz" lIns="91440" tIns="45720" rIns="91440" bIns="45720" rtlCol="0">
+            <a:normAutofit fontScale="77500" lnSpcReduction="20000"/>
+          </a:bodyPr>
+          <a:lstStyle>
+            <a:lvl1pPr marL="342900" indent="-342900" algn="l" defTabSz="914400" rtl="0" eaLnBrk="1" latinLnBrk="0" hangingPunct="1">
+              <a:spcBef>
+                <a:spcPct val="20000"/>
+              </a:spcBef>
+              <a:buFont typeface="Arial" pitchFamily="34" charset="0"/>
+              <a:buChar char="•"/>
+              <a:defRPr sz="3200" kern="1200">
+                <a:solidFill>
+                  <a:schemeClr val="tx1"/>
+                </a:solidFill>
+                <a:latin typeface="+mn-lt"/>
+                <a:ea typeface="+mn-ea"/>
+                <a:cs typeface="+mn-cs"/>
+              </a:defRPr>
+            </a:lvl1pPr>
+            <a:lvl2pPr marL="742950" indent="-285750" algn="l" defTabSz="914400" rtl="0" eaLnBrk="1" latinLnBrk="0" hangingPunct="1">
+              <a:spcBef>
+                <a:spcPct val="20000"/>
+              </a:spcBef>
+              <a:buFont typeface="Arial" pitchFamily="34" charset="0"/>
+              <a:buChar char="–"/>
+              <a:defRPr sz="2800" kern="1200">
+                <a:solidFill>
+                  <a:schemeClr val="tx1"/>
+                </a:solidFill>
+                <a:latin typeface="+mn-lt"/>
+                <a:ea typeface="+mn-ea"/>
+                <a:cs typeface="+mn-cs"/>
+              </a:defRPr>
+            </a:lvl2pPr>
+            <a:lvl3pPr marL="1143000" indent="-228600" algn="l" defTabSz="914400" rtl="0" eaLnBrk="1" latinLnBrk="0" hangingPunct="1">
+              <a:spcBef>
+                <a:spcPct val="20000"/>
+              </a:spcBef>
+              <a:buFont typeface="Arial" pitchFamily="34" charset="0"/>
+              <a:buChar char="•"/>
+              <a:defRPr sz="2400" kern="1200">
+                <a:solidFill>
+                  <a:schemeClr val="tx1"/>
+                </a:solidFill>
+                <a:latin typeface="+mn-lt"/>
+                <a:ea typeface="+mn-ea"/>
+                <a:cs typeface="+mn-cs"/>
+              </a:defRPr>
+            </a:lvl3pPr>
+            <a:lvl4pPr marL="1600200" indent="-228600" algn="l" defTabSz="914400" rtl="0" eaLnBrk="1" latinLnBrk="0" hangingPunct="1">
+              <a:spcBef>
+                <a:spcPct val="20000"/>
+              </a:spcBef>
+              <a:buFont typeface="Arial" pitchFamily="34" charset="0"/>
+              <a:buChar char="–"/>
+              <a:defRPr sz="2000" kern="1200">
+                <a:solidFill>
+                  <a:schemeClr val="tx1"/>
+                </a:solidFill>
+                <a:latin typeface="+mn-lt"/>
+                <a:ea typeface="+mn-ea"/>
+                <a:cs typeface="+mn-cs"/>
+              </a:defRPr>
+            </a:lvl4pPr>
+            <a:lvl5pPr marL="2057400" indent="-228600" algn="l" defTabSz="914400" rtl="0" eaLnBrk="1" latinLnBrk="0" hangingPunct="1">
+              <a:spcBef>
+                <a:spcPct val="20000"/>
+              </a:spcBef>
+              <a:buFont typeface="Arial" pitchFamily="34" charset="0"/>
+              <a:buChar char="»"/>
+              <a:defRPr sz="2000" kern="1200">
+                <a:solidFill>
+                  <a:schemeClr val="tx1"/>
+                </a:solidFill>
+                <a:latin typeface="+mn-lt"/>
+                <a:ea typeface="+mn-ea"/>
+                <a:cs typeface="+mn-cs"/>
+              </a:defRPr>
+            </a:lvl5pPr>
+            <a:lvl6pPr marL="2514600" indent="-228600" algn="l" defTabSz="914400" rtl="0" eaLnBrk="1" latinLnBrk="0" hangingPunct="1">
+              <a:spcBef>
+                <a:spcPct val="20000"/>
+              </a:spcBef>
+              <a:buFont typeface="Arial" pitchFamily="34" charset="0"/>
+              <a:buChar char="•"/>
+              <a:defRPr sz="2000" kern="1200">
+                <a:solidFill>
+                  <a:schemeClr val="tx1"/>
+                </a:solidFill>
+                <a:latin typeface="+mn-lt"/>
+                <a:ea typeface="+mn-ea"/>
+                <a:cs typeface="+mn-cs"/>
+              </a:defRPr>
+            </a:lvl6pPr>
+            <a:lvl7pPr marL="2971800" indent="-228600" algn="l" defTabSz="914400" rtl="0" eaLnBrk="1" latinLnBrk="0" hangingPunct="1">
+              <a:spcBef>
+                <a:spcPct val="20000"/>
+              </a:spcBef>
+              <a:buFont typeface="Arial" pitchFamily="34" charset="0"/>
+              <a:buChar char="•"/>
+              <a:defRPr sz="2000" kern="1200">
+                <a:solidFill>
+                  <a:schemeClr val="tx1"/>
+                </a:solidFill>
+                <a:latin typeface="+mn-lt"/>
+                <a:ea typeface="+mn-ea"/>
+                <a:cs typeface="+mn-cs"/>
+              </a:defRPr>
+            </a:lvl7pPr>
+            <a:lvl8pPr marL="3429000" indent="-228600" algn="l" defTabSz="914400" rtl="0" eaLnBrk="1" latinLnBrk="0" hangingPunct="1">
+              <a:spcBef>
+                <a:spcPct val="20000"/>
+              </a:spcBef>
+              <a:buFont typeface="Arial" pitchFamily="34" charset="0"/>
+              <a:buChar char="•"/>
+              <a:defRPr sz="2000" kern="1200">
+                <a:solidFill>
+                  <a:schemeClr val="tx1"/>
+                </a:solidFill>
+                <a:latin typeface="+mn-lt"/>
+                <a:ea typeface="+mn-ea"/>
+                <a:cs typeface="+mn-cs"/>
+              </a:defRPr>
+            </a:lvl8pPr>
+            <a:lvl9pPr marL="3886200" indent="-228600" algn="l" defTabSz="914400" rtl="0" eaLnBrk="1" latinLnBrk="0" hangingPunct="1">
+              <a:spcBef>
+                <a:spcPct val="20000"/>
+              </a:spcBef>
+              <a:buFont typeface="Arial" pitchFamily="34" charset="0"/>
+              <a:buChar char="•"/>
+              <a:defRPr sz="2000" kern="1200">
+                <a:solidFill>
+                  <a:schemeClr val="tx1"/>
+                </a:solidFill>
+                <a:latin typeface="+mn-lt"/>
+                <a:ea typeface="+mn-ea"/>
+                <a:cs typeface="+mn-cs"/>
+              </a:defRPr>
+            </a:lvl9pPr>
+          </a:lstStyle>
+          <a:p>
+            <a:pPr marL="57150" indent="0">
+              <a:buNone/>
+            </a:pPr>
+            <a:r>
+              <a:rPr lang="fr-FR" dirty="0">
+                <a:ea typeface="Cambria Math" panose="02040503050406030204" pitchFamily="18" charset="0"/>
+              </a:rPr>
+              <a:t>4</a:t>
+            </a:r>
+            <a:r>
+              <a:rPr lang="fr-FR" dirty="0" smtClean="0">
+                <a:ea typeface="Cambria Math" panose="02040503050406030204" pitchFamily="18" charset="0"/>
+              </a:rPr>
+              <a:t>. Mass computation : </a:t>
+            </a:r>
+            <a:r>
+              <a:rPr lang="fr-FR" dirty="0" err="1" smtClean="0">
+                <a:ea typeface="Cambria Math" panose="02040503050406030204" pitchFamily="18" charset="0"/>
+              </a:rPr>
+              <a:t>sand</a:t>
+            </a:r>
+            <a:r>
+              <a:rPr lang="fr-FR" dirty="0" smtClean="0">
+                <a:ea typeface="Cambria Math" panose="02040503050406030204" pitchFamily="18" charset="0"/>
+              </a:rPr>
+              <a:t> and </a:t>
+            </a:r>
+            <a:r>
+              <a:rPr lang="fr-FR" dirty="0" err="1" smtClean="0">
+                <a:ea typeface="Cambria Math" panose="02040503050406030204" pitchFamily="18" charset="0"/>
+              </a:rPr>
+              <a:t>mud</a:t>
+            </a:r>
+            <a:endParaRPr lang="fr-FR" dirty="0" smtClean="0">
+              <a:ea typeface="Cambria Math" panose="02040503050406030204" pitchFamily="18" charset="0"/>
+            </a:endParaRPr>
+          </a:p>
+          <a:p>
+            <a:pPr marL="457200" lvl="1" indent="0">
+              <a:buNone/>
+            </a:pPr>
+            <a:endParaRPr lang="fr-FR" dirty="0" smtClean="0"/>
+          </a:p>
+        </p:txBody>
+      </p:sp>
+      <p:sp>
+        <p:nvSpPr>
+          <p:cNvPr id="20" name="Espace réservé du contenu 2"/>
+          <p:cNvSpPr txBox="1">
+            <a:spLocks/>
+          </p:cNvSpPr>
+          <p:nvPr/>
+        </p:nvSpPr>
+        <p:spPr>
+          <a:xfrm>
+            <a:off x="5965569" y="374100"/>
+            <a:ext cx="3108561" cy="415247"/>
+          </a:xfrm>
+          <a:prstGeom prst="rect">
+            <a:avLst/>
+          </a:prstGeom>
+        </p:spPr>
+        <p:txBody>
+          <a:bodyPr vert="horz" lIns="91440" tIns="45720" rIns="91440" bIns="45720" rtlCol="0">
+            <a:normAutofit fontScale="40000" lnSpcReduction="20000"/>
+          </a:bodyPr>
+          <a:lstStyle>
+            <a:lvl1pPr marL="342900" indent="-342900" algn="l" defTabSz="914400" rtl="0" eaLnBrk="1" latinLnBrk="0" hangingPunct="1">
+              <a:spcBef>
+                <a:spcPct val="20000"/>
+              </a:spcBef>
+              <a:buFont typeface="Arial" pitchFamily="34" charset="0"/>
+              <a:buChar char="•"/>
+              <a:defRPr sz="3200" kern="1200">
+                <a:solidFill>
+                  <a:schemeClr val="tx1"/>
+                </a:solidFill>
+                <a:latin typeface="+mn-lt"/>
+                <a:ea typeface="+mn-ea"/>
+                <a:cs typeface="+mn-cs"/>
+              </a:defRPr>
+            </a:lvl1pPr>
+            <a:lvl2pPr marL="742950" indent="-285750" algn="l" defTabSz="914400" rtl="0" eaLnBrk="1" latinLnBrk="0" hangingPunct="1">
+              <a:spcBef>
+                <a:spcPct val="20000"/>
+              </a:spcBef>
+              <a:buFont typeface="Arial" pitchFamily="34" charset="0"/>
+              <a:buChar char="–"/>
+              <a:defRPr sz="2800" kern="1200">
+                <a:solidFill>
+                  <a:schemeClr val="tx1"/>
+                </a:solidFill>
+                <a:latin typeface="+mn-lt"/>
+                <a:ea typeface="+mn-ea"/>
+                <a:cs typeface="+mn-cs"/>
+              </a:defRPr>
+            </a:lvl2pPr>
+            <a:lvl3pPr marL="1143000" indent="-228600" algn="l" defTabSz="914400" rtl="0" eaLnBrk="1" latinLnBrk="0" hangingPunct="1">
+              <a:spcBef>
+                <a:spcPct val="20000"/>
+              </a:spcBef>
+              <a:buFont typeface="Arial" pitchFamily="34" charset="0"/>
+              <a:buChar char="•"/>
+              <a:defRPr sz="2400" kern="1200">
+                <a:solidFill>
+                  <a:schemeClr val="tx1"/>
+                </a:solidFill>
+                <a:latin typeface="+mn-lt"/>
+                <a:ea typeface="+mn-ea"/>
+                <a:cs typeface="+mn-cs"/>
+              </a:defRPr>
+            </a:lvl3pPr>
+            <a:lvl4pPr marL="1600200" indent="-228600" algn="l" defTabSz="914400" rtl="0" eaLnBrk="1" latinLnBrk="0" hangingPunct="1">
+              <a:spcBef>
+                <a:spcPct val="20000"/>
+              </a:spcBef>
+              <a:buFont typeface="Arial" pitchFamily="34" charset="0"/>
+              <a:buChar char="–"/>
+              <a:defRPr sz="2000" kern="1200">
+                <a:solidFill>
+                  <a:schemeClr val="tx1"/>
+                </a:solidFill>
+                <a:latin typeface="+mn-lt"/>
+                <a:ea typeface="+mn-ea"/>
+                <a:cs typeface="+mn-cs"/>
+              </a:defRPr>
+            </a:lvl4pPr>
+            <a:lvl5pPr marL="2057400" indent="-228600" algn="l" defTabSz="914400" rtl="0" eaLnBrk="1" latinLnBrk="0" hangingPunct="1">
+              <a:spcBef>
+                <a:spcPct val="20000"/>
+              </a:spcBef>
+              <a:buFont typeface="Arial" pitchFamily="34" charset="0"/>
+              <a:buChar char="»"/>
+              <a:defRPr sz="2000" kern="1200">
+                <a:solidFill>
+                  <a:schemeClr val="tx1"/>
+                </a:solidFill>
+                <a:latin typeface="+mn-lt"/>
+                <a:ea typeface="+mn-ea"/>
+                <a:cs typeface="+mn-cs"/>
+              </a:defRPr>
+            </a:lvl5pPr>
+            <a:lvl6pPr marL="2514600" indent="-228600" algn="l" defTabSz="914400" rtl="0" eaLnBrk="1" latinLnBrk="0" hangingPunct="1">
+              <a:spcBef>
+                <a:spcPct val="20000"/>
+              </a:spcBef>
+              <a:buFont typeface="Arial" pitchFamily="34" charset="0"/>
+              <a:buChar char="•"/>
+              <a:defRPr sz="2000" kern="1200">
+                <a:solidFill>
+                  <a:schemeClr val="tx1"/>
+                </a:solidFill>
+                <a:latin typeface="+mn-lt"/>
+                <a:ea typeface="+mn-ea"/>
+                <a:cs typeface="+mn-cs"/>
+              </a:defRPr>
+            </a:lvl6pPr>
+            <a:lvl7pPr marL="2971800" indent="-228600" algn="l" defTabSz="914400" rtl="0" eaLnBrk="1" latinLnBrk="0" hangingPunct="1">
+              <a:spcBef>
+                <a:spcPct val="20000"/>
+              </a:spcBef>
+              <a:buFont typeface="Arial" pitchFamily="34" charset="0"/>
+              <a:buChar char="•"/>
+              <a:defRPr sz="2000" kern="1200">
+                <a:solidFill>
+                  <a:schemeClr val="tx1"/>
+                </a:solidFill>
+                <a:latin typeface="+mn-lt"/>
+                <a:ea typeface="+mn-ea"/>
+                <a:cs typeface="+mn-cs"/>
+              </a:defRPr>
+            </a:lvl7pPr>
+            <a:lvl8pPr marL="3429000" indent="-228600" algn="l" defTabSz="914400" rtl="0" eaLnBrk="1" latinLnBrk="0" hangingPunct="1">
+              <a:spcBef>
+                <a:spcPct val="20000"/>
+              </a:spcBef>
+              <a:buFont typeface="Arial" pitchFamily="34" charset="0"/>
+              <a:buChar char="•"/>
+              <a:defRPr sz="2000" kern="1200">
+                <a:solidFill>
+                  <a:schemeClr val="tx1"/>
+                </a:solidFill>
+                <a:latin typeface="+mn-lt"/>
+                <a:ea typeface="+mn-ea"/>
+                <a:cs typeface="+mn-cs"/>
+              </a:defRPr>
+            </a:lvl8pPr>
+            <a:lvl9pPr marL="3886200" indent="-228600" algn="l" defTabSz="914400" rtl="0" eaLnBrk="1" latinLnBrk="0" hangingPunct="1">
+              <a:spcBef>
+                <a:spcPct val="20000"/>
+              </a:spcBef>
+              <a:buFont typeface="Arial" pitchFamily="34" charset="0"/>
+              <a:buChar char="•"/>
+              <a:defRPr sz="2000" kern="1200">
+                <a:solidFill>
+                  <a:schemeClr val="tx1"/>
+                </a:solidFill>
+                <a:latin typeface="+mn-lt"/>
+                <a:ea typeface="+mn-ea"/>
+                <a:cs typeface="+mn-cs"/>
+              </a:defRPr>
+            </a:lvl9pPr>
+          </a:lstStyle>
+          <a:p>
+            <a:pPr marL="57150" indent="0">
+              <a:buNone/>
+            </a:pPr>
+            <a:r>
+              <a:rPr lang="fr-FR" dirty="0" smtClean="0">
+                <a:ea typeface="Cambria Math" panose="02040503050406030204" pitchFamily="18" charset="0"/>
+              </a:rPr>
+              <a:t>* </a:t>
+            </a:r>
+            <a:r>
+              <a:rPr lang="fr-FR" dirty="0" err="1" smtClean="0">
+                <a:ea typeface="Cambria Math" panose="02040503050406030204" pitchFamily="18" charset="0"/>
+              </a:rPr>
+              <a:t>Only</a:t>
+            </a:r>
+            <a:r>
+              <a:rPr lang="fr-FR" dirty="0" smtClean="0">
+                <a:ea typeface="Cambria Math" panose="02040503050406030204" pitchFamily="18" charset="0"/>
+              </a:rPr>
+              <a:t> case not computation </a:t>
+            </a:r>
+            <a:r>
+              <a:rPr lang="fr-FR" dirty="0" err="1" smtClean="0">
+                <a:ea typeface="Cambria Math" panose="02040503050406030204" pitchFamily="18" charset="0"/>
+              </a:rPr>
+              <a:t>continued</a:t>
+            </a:r>
+            <a:r>
+              <a:rPr lang="fr-FR" dirty="0" smtClean="0">
+                <a:ea typeface="Cambria Math" panose="02040503050406030204" pitchFamily="18" charset="0"/>
+              </a:rPr>
+              <a:t> </a:t>
+            </a:r>
+          </a:p>
+          <a:p>
+            <a:pPr marL="457200" lvl="1" indent="0">
+              <a:buNone/>
+            </a:pPr>
+            <a:endParaRPr lang="fr-FR" dirty="0" smtClean="0"/>
+          </a:p>
+        </p:txBody>
+      </p:sp>
+      <p:cxnSp>
+        <p:nvCxnSpPr>
+          <p:cNvPr id="29" name="Connecteur droit avec flèche 28"/>
+          <p:cNvCxnSpPr/>
+          <p:nvPr/>
+        </p:nvCxnSpPr>
+        <p:spPr>
+          <a:xfrm flipH="1">
+            <a:off x="1547664" y="5107063"/>
+            <a:ext cx="3999" cy="450086"/>
+          </a:xfrm>
+          <a:prstGeom prst="straightConnector1">
+            <a:avLst/>
+          </a:prstGeom>
+          <a:ln w="15875">
+            <a:solidFill>
+              <a:schemeClr val="tx1"/>
+            </a:solidFill>
+            <a:tailEnd type="triangle"/>
+          </a:ln>
+        </p:spPr>
+        <p:style>
+          <a:lnRef idx="1">
+            <a:schemeClr val="accent1"/>
+          </a:lnRef>
+          <a:fillRef idx="0">
+            <a:schemeClr val="accent1"/>
+          </a:fillRef>
+          <a:effectRef idx="0">
+            <a:schemeClr val="accent1"/>
+          </a:effectRef>
+          <a:fontRef idx="minor">
+            <a:schemeClr val="tx1"/>
+          </a:fontRef>
+        </p:style>
+      </p:cxnSp>
+      <p:sp>
+        <p:nvSpPr>
+          <p:cNvPr id="31" name="Espace réservé du contenu 2"/>
+          <p:cNvSpPr txBox="1">
+            <a:spLocks/>
+          </p:cNvSpPr>
+          <p:nvPr/>
+        </p:nvSpPr>
+        <p:spPr>
+          <a:xfrm>
+            <a:off x="593452" y="5586838"/>
+            <a:ext cx="5298278" cy="432048"/>
+          </a:xfrm>
+          <a:prstGeom prst="rect">
+            <a:avLst/>
+          </a:prstGeom>
+          <a:ln>
+            <a:solidFill>
+              <a:schemeClr val="tx1"/>
+            </a:solidFill>
+          </a:ln>
+          <a:effectLst>
+            <a:softEdge rad="0"/>
+          </a:effectLst>
+        </p:spPr>
+        <p:txBody>
+          <a:bodyPr vert="horz" lIns="91440" tIns="45720" rIns="91440" bIns="45720" rtlCol="0">
+            <a:normAutofit fontScale="85000" lnSpcReduction="20000"/>
+          </a:bodyPr>
+          <a:lstStyle>
+            <a:lvl1pPr marL="342900" indent="-342900" algn="l" defTabSz="914400" rtl="0" eaLnBrk="1" latinLnBrk="0" hangingPunct="1">
+              <a:spcBef>
+                <a:spcPct val="20000"/>
+              </a:spcBef>
+              <a:buFont typeface="Arial" pitchFamily="34" charset="0"/>
+              <a:buChar char="•"/>
+              <a:defRPr sz="3200" kern="1200">
+                <a:solidFill>
+                  <a:schemeClr val="tx1"/>
+                </a:solidFill>
+                <a:latin typeface="+mn-lt"/>
+                <a:ea typeface="+mn-ea"/>
+                <a:cs typeface="+mn-cs"/>
+              </a:defRPr>
+            </a:lvl1pPr>
+            <a:lvl2pPr marL="742950" indent="-285750" algn="l" defTabSz="914400" rtl="0" eaLnBrk="1" latinLnBrk="0" hangingPunct="1">
+              <a:spcBef>
+                <a:spcPct val="20000"/>
+              </a:spcBef>
+              <a:buFont typeface="Arial" pitchFamily="34" charset="0"/>
+              <a:buChar char="–"/>
+              <a:defRPr sz="2800" kern="1200">
+                <a:solidFill>
+                  <a:schemeClr val="tx1"/>
+                </a:solidFill>
+                <a:latin typeface="+mn-lt"/>
+                <a:ea typeface="+mn-ea"/>
+                <a:cs typeface="+mn-cs"/>
+              </a:defRPr>
+            </a:lvl2pPr>
+            <a:lvl3pPr marL="1143000" indent="-228600" algn="l" defTabSz="914400" rtl="0" eaLnBrk="1" latinLnBrk="0" hangingPunct="1">
+              <a:spcBef>
+                <a:spcPct val="20000"/>
+              </a:spcBef>
+              <a:buFont typeface="Arial" pitchFamily="34" charset="0"/>
+              <a:buChar char="•"/>
+              <a:defRPr sz="2400" kern="1200">
+                <a:solidFill>
+                  <a:schemeClr val="tx1"/>
+                </a:solidFill>
+                <a:latin typeface="+mn-lt"/>
+                <a:ea typeface="+mn-ea"/>
+                <a:cs typeface="+mn-cs"/>
+              </a:defRPr>
+            </a:lvl3pPr>
+            <a:lvl4pPr marL="1600200" indent="-228600" algn="l" defTabSz="914400" rtl="0" eaLnBrk="1" latinLnBrk="0" hangingPunct="1">
+              <a:spcBef>
+                <a:spcPct val="20000"/>
+              </a:spcBef>
+              <a:buFont typeface="Arial" pitchFamily="34" charset="0"/>
+              <a:buChar char="–"/>
+              <a:defRPr sz="2000" kern="1200">
+                <a:solidFill>
+                  <a:schemeClr val="tx1"/>
+                </a:solidFill>
+                <a:latin typeface="+mn-lt"/>
+                <a:ea typeface="+mn-ea"/>
+                <a:cs typeface="+mn-cs"/>
+              </a:defRPr>
+            </a:lvl4pPr>
+            <a:lvl5pPr marL="2057400" indent="-228600" algn="l" defTabSz="914400" rtl="0" eaLnBrk="1" latinLnBrk="0" hangingPunct="1">
+              <a:spcBef>
+                <a:spcPct val="20000"/>
+              </a:spcBef>
+              <a:buFont typeface="Arial" pitchFamily="34" charset="0"/>
+              <a:buChar char="»"/>
+              <a:defRPr sz="2000" kern="1200">
+                <a:solidFill>
+                  <a:schemeClr val="tx1"/>
+                </a:solidFill>
+                <a:latin typeface="+mn-lt"/>
+                <a:ea typeface="+mn-ea"/>
+                <a:cs typeface="+mn-cs"/>
+              </a:defRPr>
+            </a:lvl5pPr>
+            <a:lvl6pPr marL="2514600" indent="-228600" algn="l" defTabSz="914400" rtl="0" eaLnBrk="1" latinLnBrk="0" hangingPunct="1">
+              <a:spcBef>
+                <a:spcPct val="20000"/>
+              </a:spcBef>
+              <a:buFont typeface="Arial" pitchFamily="34" charset="0"/>
+              <a:buChar char="•"/>
+              <a:defRPr sz="2000" kern="1200">
+                <a:solidFill>
+                  <a:schemeClr val="tx1"/>
+                </a:solidFill>
+                <a:latin typeface="+mn-lt"/>
+                <a:ea typeface="+mn-ea"/>
+                <a:cs typeface="+mn-cs"/>
+              </a:defRPr>
+            </a:lvl6pPr>
+            <a:lvl7pPr marL="2971800" indent="-228600" algn="l" defTabSz="914400" rtl="0" eaLnBrk="1" latinLnBrk="0" hangingPunct="1">
+              <a:spcBef>
+                <a:spcPct val="20000"/>
+              </a:spcBef>
+              <a:buFont typeface="Arial" pitchFamily="34" charset="0"/>
+              <a:buChar char="•"/>
+              <a:defRPr sz="2000" kern="1200">
+                <a:solidFill>
+                  <a:schemeClr val="tx1"/>
+                </a:solidFill>
+                <a:latin typeface="+mn-lt"/>
+                <a:ea typeface="+mn-ea"/>
+                <a:cs typeface="+mn-cs"/>
+              </a:defRPr>
+            </a:lvl7pPr>
+            <a:lvl8pPr marL="3429000" indent="-228600" algn="l" defTabSz="914400" rtl="0" eaLnBrk="1" latinLnBrk="0" hangingPunct="1">
+              <a:spcBef>
+                <a:spcPct val="20000"/>
+              </a:spcBef>
+              <a:buFont typeface="Arial" pitchFamily="34" charset="0"/>
+              <a:buChar char="•"/>
+              <a:defRPr sz="2000" kern="1200">
+                <a:solidFill>
+                  <a:schemeClr val="tx1"/>
+                </a:solidFill>
+                <a:latin typeface="+mn-lt"/>
+                <a:ea typeface="+mn-ea"/>
+                <a:cs typeface="+mn-cs"/>
+              </a:defRPr>
+            </a:lvl8pPr>
+            <a:lvl9pPr marL="3886200" indent="-228600" algn="l" defTabSz="914400" rtl="0" eaLnBrk="1" latinLnBrk="0" hangingPunct="1">
+              <a:spcBef>
+                <a:spcPct val="20000"/>
+              </a:spcBef>
+              <a:buFont typeface="Arial" pitchFamily="34" charset="0"/>
+              <a:buChar char="•"/>
+              <a:defRPr sz="2000" kern="1200">
+                <a:solidFill>
+                  <a:schemeClr val="tx1"/>
+                </a:solidFill>
+                <a:latin typeface="+mn-lt"/>
+                <a:ea typeface="+mn-ea"/>
+                <a:cs typeface="+mn-cs"/>
+              </a:defRPr>
+            </a:lvl9pPr>
+          </a:lstStyle>
+          <a:p>
+            <a:pPr marL="57150" indent="0">
+              <a:buNone/>
+            </a:pPr>
+            <a:r>
+              <a:rPr lang="fr-FR" dirty="0">
+                <a:ea typeface="Cambria Math" panose="02040503050406030204" pitchFamily="18" charset="0"/>
+              </a:rPr>
+              <a:t>4</a:t>
+            </a:r>
+            <a:r>
+              <a:rPr lang="fr-FR" dirty="0" smtClean="0">
+                <a:ea typeface="Cambria Math" panose="02040503050406030204" pitchFamily="18" charset="0"/>
+              </a:rPr>
+              <a:t>. Mass balance</a:t>
+            </a:r>
+          </a:p>
+          <a:p>
+            <a:pPr marL="457200" lvl="1" indent="0">
+              <a:buNone/>
+            </a:pPr>
+            <a:endParaRPr lang="fr-FR" dirty="0" smtClean="0"/>
+          </a:p>
+        </p:txBody>
+      </p:sp>
+      <p:cxnSp>
+        <p:nvCxnSpPr>
+          <p:cNvPr id="32" name="Connecteur droit avec flèche 31"/>
+          <p:cNvCxnSpPr/>
+          <p:nvPr/>
+        </p:nvCxnSpPr>
+        <p:spPr>
+          <a:xfrm flipV="1">
+            <a:off x="3026443" y="1399513"/>
+            <a:ext cx="465437" cy="256"/>
+          </a:xfrm>
+          <a:prstGeom prst="straightConnector1">
+            <a:avLst/>
+          </a:prstGeom>
+          <a:ln w="15875">
+            <a:solidFill>
+              <a:schemeClr val="tx1"/>
+            </a:solidFill>
+            <a:tailEnd type="triangle"/>
+          </a:ln>
+        </p:spPr>
+        <p:style>
+          <a:lnRef idx="1">
+            <a:schemeClr val="accent1"/>
+          </a:lnRef>
+          <a:fillRef idx="0">
+            <a:schemeClr val="accent1"/>
+          </a:fillRef>
+          <a:effectRef idx="0">
+            <a:schemeClr val="accent1"/>
+          </a:effectRef>
+          <a:fontRef idx="minor">
+            <a:schemeClr val="tx1"/>
+          </a:fontRef>
+        </p:style>
+      </p:cxnSp>
+      <p:sp>
+        <p:nvSpPr>
+          <p:cNvPr id="33" name="Espace réservé du contenu 2"/>
+          <p:cNvSpPr txBox="1">
+            <a:spLocks/>
+          </p:cNvSpPr>
+          <p:nvPr/>
+        </p:nvSpPr>
+        <p:spPr>
+          <a:xfrm>
+            <a:off x="3602506" y="1131192"/>
+            <a:ext cx="5217965" cy="603971"/>
+          </a:xfrm>
+          <a:prstGeom prst="rect">
+            <a:avLst/>
+          </a:prstGeom>
+          <a:ln>
+            <a:solidFill>
+              <a:schemeClr val="tx1"/>
+            </a:solidFill>
+          </a:ln>
+          <a:effectLst>
+            <a:softEdge rad="0"/>
+          </a:effectLst>
+        </p:spPr>
+        <p:txBody>
+          <a:bodyPr vert="horz" lIns="91440" tIns="45720" rIns="91440" bIns="45720" rtlCol="0">
+            <a:normAutofit fontScale="70000" lnSpcReduction="20000"/>
+          </a:bodyPr>
+          <a:lstStyle>
+            <a:lvl1pPr marL="342900" indent="-342900" algn="l" defTabSz="914400" rtl="0" eaLnBrk="1" latinLnBrk="0" hangingPunct="1">
+              <a:spcBef>
+                <a:spcPct val="20000"/>
+              </a:spcBef>
+              <a:buFont typeface="Arial" pitchFamily="34" charset="0"/>
+              <a:buChar char="•"/>
+              <a:defRPr sz="3200" kern="1200">
+                <a:solidFill>
+                  <a:schemeClr val="tx1"/>
+                </a:solidFill>
+                <a:latin typeface="+mn-lt"/>
+                <a:ea typeface="+mn-ea"/>
+                <a:cs typeface="+mn-cs"/>
+              </a:defRPr>
+            </a:lvl1pPr>
+            <a:lvl2pPr marL="742950" indent="-285750" algn="l" defTabSz="914400" rtl="0" eaLnBrk="1" latinLnBrk="0" hangingPunct="1">
+              <a:spcBef>
+                <a:spcPct val="20000"/>
+              </a:spcBef>
+              <a:buFont typeface="Arial" pitchFamily="34" charset="0"/>
+              <a:buChar char="–"/>
+              <a:defRPr sz="2800" kern="1200">
+                <a:solidFill>
+                  <a:schemeClr val="tx1"/>
+                </a:solidFill>
+                <a:latin typeface="+mn-lt"/>
+                <a:ea typeface="+mn-ea"/>
+                <a:cs typeface="+mn-cs"/>
+              </a:defRPr>
+            </a:lvl2pPr>
+            <a:lvl3pPr marL="1143000" indent="-228600" algn="l" defTabSz="914400" rtl="0" eaLnBrk="1" latinLnBrk="0" hangingPunct="1">
+              <a:spcBef>
+                <a:spcPct val="20000"/>
+              </a:spcBef>
+              <a:buFont typeface="Arial" pitchFamily="34" charset="0"/>
+              <a:buChar char="•"/>
+              <a:defRPr sz="2400" kern="1200">
+                <a:solidFill>
+                  <a:schemeClr val="tx1"/>
+                </a:solidFill>
+                <a:latin typeface="+mn-lt"/>
+                <a:ea typeface="+mn-ea"/>
+                <a:cs typeface="+mn-cs"/>
+              </a:defRPr>
+            </a:lvl3pPr>
+            <a:lvl4pPr marL="1600200" indent="-228600" algn="l" defTabSz="914400" rtl="0" eaLnBrk="1" latinLnBrk="0" hangingPunct="1">
+              <a:spcBef>
+                <a:spcPct val="20000"/>
+              </a:spcBef>
+              <a:buFont typeface="Arial" pitchFamily="34" charset="0"/>
+              <a:buChar char="–"/>
+              <a:defRPr sz="2000" kern="1200">
+                <a:solidFill>
+                  <a:schemeClr val="tx1"/>
+                </a:solidFill>
+                <a:latin typeface="+mn-lt"/>
+                <a:ea typeface="+mn-ea"/>
+                <a:cs typeface="+mn-cs"/>
+              </a:defRPr>
+            </a:lvl4pPr>
+            <a:lvl5pPr marL="2057400" indent="-228600" algn="l" defTabSz="914400" rtl="0" eaLnBrk="1" latinLnBrk="0" hangingPunct="1">
+              <a:spcBef>
+                <a:spcPct val="20000"/>
+              </a:spcBef>
+              <a:buFont typeface="Arial" pitchFamily="34" charset="0"/>
+              <a:buChar char="»"/>
+              <a:defRPr sz="2000" kern="1200">
+                <a:solidFill>
+                  <a:schemeClr val="tx1"/>
+                </a:solidFill>
+                <a:latin typeface="+mn-lt"/>
+                <a:ea typeface="+mn-ea"/>
+                <a:cs typeface="+mn-cs"/>
+              </a:defRPr>
+            </a:lvl5pPr>
+            <a:lvl6pPr marL="2514600" indent="-228600" algn="l" defTabSz="914400" rtl="0" eaLnBrk="1" latinLnBrk="0" hangingPunct="1">
+              <a:spcBef>
+                <a:spcPct val="20000"/>
+              </a:spcBef>
+              <a:buFont typeface="Arial" pitchFamily="34" charset="0"/>
+              <a:buChar char="•"/>
+              <a:defRPr sz="2000" kern="1200">
+                <a:solidFill>
+                  <a:schemeClr val="tx1"/>
+                </a:solidFill>
+                <a:latin typeface="+mn-lt"/>
+                <a:ea typeface="+mn-ea"/>
+                <a:cs typeface="+mn-cs"/>
+              </a:defRPr>
+            </a:lvl6pPr>
+            <a:lvl7pPr marL="2971800" indent="-228600" algn="l" defTabSz="914400" rtl="0" eaLnBrk="1" latinLnBrk="0" hangingPunct="1">
+              <a:spcBef>
+                <a:spcPct val="20000"/>
+              </a:spcBef>
+              <a:buFont typeface="Arial" pitchFamily="34" charset="0"/>
+              <a:buChar char="•"/>
+              <a:defRPr sz="2000" kern="1200">
+                <a:solidFill>
+                  <a:schemeClr val="tx1"/>
+                </a:solidFill>
+                <a:latin typeface="+mn-lt"/>
+                <a:ea typeface="+mn-ea"/>
+                <a:cs typeface="+mn-cs"/>
+              </a:defRPr>
+            </a:lvl7pPr>
+            <a:lvl8pPr marL="3429000" indent="-228600" algn="l" defTabSz="914400" rtl="0" eaLnBrk="1" latinLnBrk="0" hangingPunct="1">
+              <a:spcBef>
+                <a:spcPct val="20000"/>
+              </a:spcBef>
+              <a:buFont typeface="Arial" pitchFamily="34" charset="0"/>
+              <a:buChar char="•"/>
+              <a:defRPr sz="2000" kern="1200">
+                <a:solidFill>
+                  <a:schemeClr val="tx1"/>
+                </a:solidFill>
+                <a:latin typeface="+mn-lt"/>
+                <a:ea typeface="+mn-ea"/>
+                <a:cs typeface="+mn-cs"/>
+              </a:defRPr>
+            </a:lvl8pPr>
+            <a:lvl9pPr marL="3886200" indent="-228600" algn="l" defTabSz="914400" rtl="0" eaLnBrk="1" latinLnBrk="0" hangingPunct="1">
+              <a:spcBef>
+                <a:spcPct val="20000"/>
+              </a:spcBef>
+              <a:buFont typeface="Arial" pitchFamily="34" charset="0"/>
+              <a:buChar char="•"/>
+              <a:defRPr sz="2000" kern="1200">
+                <a:solidFill>
+                  <a:schemeClr val="tx1"/>
+                </a:solidFill>
+                <a:latin typeface="+mn-lt"/>
+                <a:ea typeface="+mn-ea"/>
+                <a:cs typeface="+mn-cs"/>
+              </a:defRPr>
+            </a:lvl9pPr>
+          </a:lstStyle>
+          <a:p>
+            <a:pPr marL="457200" lvl="1" indent="0">
+              <a:buNone/>
+            </a:pPr>
+            <a:r>
+              <a:rPr lang="fr-FR" sz="2000" dirty="0" err="1" smtClean="0"/>
+              <a:t>Initialization</a:t>
+            </a:r>
+            <a:r>
+              <a:rPr lang="fr-FR" sz="2000" dirty="0" smtClean="0"/>
+              <a:t> of layer </a:t>
+            </a:r>
+            <a:r>
+              <a:rPr lang="fr-FR" sz="2000" dirty="0" err="1" smtClean="0"/>
+              <a:t>thickness</a:t>
+            </a:r>
+            <a:r>
+              <a:rPr lang="fr-FR" sz="2000" dirty="0" smtClean="0"/>
+              <a:t>, concentration and volume fraction (</a:t>
+            </a:r>
+            <a:r>
+              <a:rPr lang="fr-FR" sz="2000" dirty="0" smtClean="0">
+                <a:solidFill>
+                  <a:srgbClr val="7030A0"/>
+                </a:solidFill>
+                <a:ea typeface="Cambria Math" panose="02040503050406030204" pitchFamily="18" charset="0"/>
+              </a:rPr>
+              <a:t>ES</a:t>
+            </a:r>
+            <a:r>
+              <a:rPr lang="fr-FR" sz="2000" dirty="0" smtClean="0"/>
+              <a:t> , </a:t>
+            </a:r>
+            <a:r>
+              <a:rPr lang="fr-FR" sz="2000" dirty="0" smtClean="0">
+                <a:solidFill>
+                  <a:srgbClr val="7030A0"/>
+                </a:solidFill>
+                <a:ea typeface="Cambria Math" panose="02040503050406030204" pitchFamily="18" charset="0"/>
+              </a:rPr>
+              <a:t>EPAI_VASE</a:t>
+            </a:r>
+            <a:r>
+              <a:rPr lang="fr-FR" sz="2000" dirty="0" smtClean="0"/>
+              <a:t> , </a:t>
+            </a:r>
+            <a:r>
+              <a:rPr lang="fr-FR" sz="2000" dirty="0" smtClean="0">
+                <a:solidFill>
+                  <a:srgbClr val="7030A0"/>
+                </a:solidFill>
+                <a:ea typeface="Cambria Math" panose="02040503050406030204" pitchFamily="18" charset="0"/>
+              </a:rPr>
+              <a:t>EPAI_SABLE</a:t>
+            </a:r>
+            <a:r>
+              <a:rPr lang="fr-FR" sz="2000" dirty="0" smtClean="0"/>
+              <a:t> </a:t>
+            </a:r>
+            <a:r>
+              <a:rPr lang="fr-FR" sz="2000" dirty="0"/>
+              <a:t>,</a:t>
+            </a:r>
+            <a:r>
+              <a:rPr lang="fr-FR" sz="2000" dirty="0" smtClean="0">
+                <a:solidFill>
+                  <a:srgbClr val="7030A0"/>
+                </a:solidFill>
+                <a:ea typeface="Cambria Math" panose="02040503050406030204" pitchFamily="18" charset="0"/>
+              </a:rPr>
+              <a:t> </a:t>
+            </a:r>
+            <a:r>
+              <a:rPr lang="fr-FR" sz="2000" dirty="0">
+                <a:solidFill>
+                  <a:srgbClr val="7030A0"/>
+                </a:solidFill>
+                <a:ea typeface="Cambria Math" panose="02040503050406030204" pitchFamily="18" charset="0"/>
+              </a:rPr>
+              <a:t>ES</a:t>
+            </a:r>
+            <a:r>
+              <a:rPr lang="fr-FR" sz="2000" dirty="0"/>
+              <a:t> ,</a:t>
+            </a:r>
+            <a:r>
+              <a:rPr lang="fr-FR" sz="2000" dirty="0" smtClean="0">
+                <a:solidFill>
+                  <a:srgbClr val="7030A0"/>
+                </a:solidFill>
+                <a:ea typeface="Cambria Math" panose="02040503050406030204" pitchFamily="18" charset="0"/>
+              </a:rPr>
+              <a:t> CONC</a:t>
+            </a:r>
+            <a:r>
+              <a:rPr lang="fr-FR" sz="2000" dirty="0"/>
+              <a:t> ,</a:t>
+            </a:r>
+            <a:r>
+              <a:rPr lang="fr-FR" sz="2000" dirty="0" smtClean="0">
+                <a:solidFill>
+                  <a:srgbClr val="7030A0"/>
+                </a:solidFill>
+                <a:ea typeface="Cambria Math" panose="02040503050406030204" pitchFamily="18" charset="0"/>
+              </a:rPr>
+              <a:t> AVAIL</a:t>
+            </a:r>
+            <a:r>
+              <a:rPr lang="fr-FR" sz="2000" dirty="0"/>
+              <a:t> </a:t>
+            </a:r>
+            <a:r>
+              <a:rPr lang="fr-FR" sz="2000" dirty="0" smtClean="0"/>
+              <a:t>)</a:t>
+            </a:r>
+          </a:p>
+        </p:txBody>
+      </p:sp>
+    </p:spTree>
+    <p:extLst>
+      <p:ext uri="{BB962C8B-B14F-4D97-AF65-F5344CB8AC3E}">
+        <p14:creationId xmlns:p14="http://schemas.microsoft.com/office/powerpoint/2010/main" val="232112431"/>
+      </p:ext>
+    </p:extLst>
+  </p:cSld>
+  <p:clrMapOvr>
+    <a:masterClrMapping/>
+  </p:clrMapOvr>
+</p:sld>
+</file>
+
+<file path=ppt/slides/slide16.xml><?xml version="1.0" encoding="utf-8"?>
+<p:sld xmlns:a="http://schemas.openxmlformats.org/drawingml/2006/main" xmlns:r="http://schemas.openxmlformats.org/officeDocument/2006/relationships" xmlns:p="http://schemas.openxmlformats.org/presentationml/2006/main">
+  <p:cSld>
+    <p:spTree>
+      <p:nvGrpSpPr>
+        <p:cNvPr id="1" name=""/>
+        <p:cNvGrpSpPr/>
+        <p:nvPr/>
+      </p:nvGrpSpPr>
+      <p:grpSpPr>
+        <a:xfrm>
+          <a:off x="0" y="0"/>
+          <a:ext cx="0" cy="0"/>
+          <a:chOff x="0" y="0"/>
+          <a:chExt cx="0" cy="0"/>
+        </a:xfrm>
+      </p:grpSpPr>
+      <p:sp>
+        <p:nvSpPr>
+          <p:cNvPr id="4" name="Titre 1"/>
+          <p:cNvSpPr txBox="1">
+            <a:spLocks/>
+          </p:cNvSpPr>
+          <p:nvPr/>
+        </p:nvSpPr>
+        <p:spPr>
+          <a:xfrm>
+            <a:off x="2051720" y="192675"/>
+            <a:ext cx="4474840" cy="778098"/>
+          </a:xfrm>
+          <a:prstGeom prst="rect">
+            <a:avLst/>
+          </a:prstGeom>
+        </p:spPr>
+        <p:txBody>
+          <a:bodyPr vert="horz" lIns="91440" tIns="45720" rIns="91440" bIns="45720" rtlCol="0" anchor="ctr">
+            <a:normAutofit/>
+          </a:bodyPr>
+          <a:lstStyle>
+            <a:lvl1pPr algn="ctr" defTabSz="914400" rtl="0" eaLnBrk="1" latinLnBrk="0" hangingPunct="1">
+              <a:spcBef>
+                <a:spcPct val="0"/>
+              </a:spcBef>
+              <a:buNone/>
+              <a:defRPr sz="4400" kern="1200">
+                <a:solidFill>
+                  <a:schemeClr val="tx1"/>
+                </a:solidFill>
+                <a:latin typeface="+mj-lt"/>
+                <a:ea typeface="+mj-ea"/>
+                <a:cs typeface="+mj-cs"/>
+              </a:defRPr>
+            </a:lvl1pPr>
+          </a:lstStyle>
+          <a:p>
+            <a:r>
+              <a:rPr lang="fr-FR" b="1" dirty="0" smtClean="0"/>
+              <a:t>INIT_AVAI</a:t>
+            </a:r>
+            <a:endParaRPr lang="fr-FR" b="1" dirty="0"/>
+          </a:p>
+        </p:txBody>
+      </p:sp>
+      <p:sp>
+        <p:nvSpPr>
+          <p:cNvPr id="20" name="Espace réservé du contenu 2"/>
+          <p:cNvSpPr txBox="1">
+            <a:spLocks/>
+          </p:cNvSpPr>
+          <p:nvPr/>
+        </p:nvSpPr>
+        <p:spPr>
+          <a:xfrm>
+            <a:off x="571669" y="1072443"/>
+            <a:ext cx="2322364" cy="509380"/>
+          </a:xfrm>
+          <a:prstGeom prst="rect">
+            <a:avLst/>
+          </a:prstGeom>
+          <a:ln>
+            <a:solidFill>
+              <a:schemeClr val="tx1"/>
+            </a:solidFill>
+          </a:ln>
+          <a:effectLst>
+            <a:softEdge rad="0"/>
+          </a:effectLst>
+        </p:spPr>
+        <p:txBody>
+          <a:bodyPr vert="horz" lIns="91440" tIns="45720" rIns="91440" bIns="45720" rtlCol="0">
+            <a:normAutofit fontScale="85000" lnSpcReduction="10000"/>
+          </a:bodyPr>
+          <a:lstStyle>
+            <a:lvl1pPr marL="342900" indent="-342900" algn="l" defTabSz="914400" rtl="0" eaLnBrk="1" latinLnBrk="0" hangingPunct="1">
+              <a:spcBef>
+                <a:spcPct val="20000"/>
+              </a:spcBef>
+              <a:buFont typeface="Arial" pitchFamily="34" charset="0"/>
+              <a:buChar char="•"/>
+              <a:defRPr sz="3200" kern="1200">
+                <a:solidFill>
+                  <a:schemeClr val="tx1"/>
+                </a:solidFill>
+                <a:latin typeface="+mn-lt"/>
+                <a:ea typeface="+mn-ea"/>
+                <a:cs typeface="+mn-cs"/>
+              </a:defRPr>
+            </a:lvl1pPr>
+            <a:lvl2pPr marL="742950" indent="-285750" algn="l" defTabSz="914400" rtl="0" eaLnBrk="1" latinLnBrk="0" hangingPunct="1">
+              <a:spcBef>
+                <a:spcPct val="20000"/>
+              </a:spcBef>
+              <a:buFont typeface="Arial" pitchFamily="34" charset="0"/>
+              <a:buChar char="–"/>
+              <a:defRPr sz="2800" kern="1200">
+                <a:solidFill>
+                  <a:schemeClr val="tx1"/>
+                </a:solidFill>
+                <a:latin typeface="+mn-lt"/>
+                <a:ea typeface="+mn-ea"/>
+                <a:cs typeface="+mn-cs"/>
+              </a:defRPr>
+            </a:lvl2pPr>
+            <a:lvl3pPr marL="1143000" indent="-228600" algn="l" defTabSz="914400" rtl="0" eaLnBrk="1" latinLnBrk="0" hangingPunct="1">
+              <a:spcBef>
+                <a:spcPct val="20000"/>
+              </a:spcBef>
+              <a:buFont typeface="Arial" pitchFamily="34" charset="0"/>
+              <a:buChar char="•"/>
+              <a:defRPr sz="2400" kern="1200">
+                <a:solidFill>
+                  <a:schemeClr val="tx1"/>
+                </a:solidFill>
+                <a:latin typeface="+mn-lt"/>
+                <a:ea typeface="+mn-ea"/>
+                <a:cs typeface="+mn-cs"/>
+              </a:defRPr>
+            </a:lvl3pPr>
+            <a:lvl4pPr marL="1600200" indent="-228600" algn="l" defTabSz="914400" rtl="0" eaLnBrk="1" latinLnBrk="0" hangingPunct="1">
+              <a:spcBef>
+                <a:spcPct val="20000"/>
+              </a:spcBef>
+              <a:buFont typeface="Arial" pitchFamily="34" charset="0"/>
+              <a:buChar char="–"/>
+              <a:defRPr sz="2000" kern="1200">
+                <a:solidFill>
+                  <a:schemeClr val="tx1"/>
+                </a:solidFill>
+                <a:latin typeface="+mn-lt"/>
+                <a:ea typeface="+mn-ea"/>
+                <a:cs typeface="+mn-cs"/>
+              </a:defRPr>
+            </a:lvl4pPr>
+            <a:lvl5pPr marL="2057400" indent="-228600" algn="l" defTabSz="914400" rtl="0" eaLnBrk="1" latinLnBrk="0" hangingPunct="1">
+              <a:spcBef>
+                <a:spcPct val="20000"/>
+              </a:spcBef>
+              <a:buFont typeface="Arial" pitchFamily="34" charset="0"/>
+              <a:buChar char="»"/>
+              <a:defRPr sz="2000" kern="1200">
+                <a:solidFill>
+                  <a:schemeClr val="tx1"/>
+                </a:solidFill>
+                <a:latin typeface="+mn-lt"/>
+                <a:ea typeface="+mn-ea"/>
+                <a:cs typeface="+mn-cs"/>
+              </a:defRPr>
+            </a:lvl5pPr>
+            <a:lvl6pPr marL="2514600" indent="-228600" algn="l" defTabSz="914400" rtl="0" eaLnBrk="1" latinLnBrk="0" hangingPunct="1">
+              <a:spcBef>
+                <a:spcPct val="20000"/>
+              </a:spcBef>
+              <a:buFont typeface="Arial" pitchFamily="34" charset="0"/>
+              <a:buChar char="•"/>
+              <a:defRPr sz="2000" kern="1200">
+                <a:solidFill>
+                  <a:schemeClr val="tx1"/>
+                </a:solidFill>
+                <a:latin typeface="+mn-lt"/>
+                <a:ea typeface="+mn-ea"/>
+                <a:cs typeface="+mn-cs"/>
+              </a:defRPr>
+            </a:lvl6pPr>
+            <a:lvl7pPr marL="2971800" indent="-228600" algn="l" defTabSz="914400" rtl="0" eaLnBrk="1" latinLnBrk="0" hangingPunct="1">
+              <a:spcBef>
+                <a:spcPct val="20000"/>
+              </a:spcBef>
+              <a:buFont typeface="Arial" pitchFamily="34" charset="0"/>
+              <a:buChar char="•"/>
+              <a:defRPr sz="2000" kern="1200">
+                <a:solidFill>
+                  <a:schemeClr val="tx1"/>
+                </a:solidFill>
+                <a:latin typeface="+mn-lt"/>
+                <a:ea typeface="+mn-ea"/>
+                <a:cs typeface="+mn-cs"/>
+              </a:defRPr>
+            </a:lvl7pPr>
+            <a:lvl8pPr marL="3429000" indent="-228600" algn="l" defTabSz="914400" rtl="0" eaLnBrk="1" latinLnBrk="0" hangingPunct="1">
+              <a:spcBef>
+                <a:spcPct val="20000"/>
+              </a:spcBef>
+              <a:buFont typeface="Arial" pitchFamily="34" charset="0"/>
+              <a:buChar char="•"/>
+              <a:defRPr sz="2000" kern="1200">
+                <a:solidFill>
+                  <a:schemeClr val="tx1"/>
+                </a:solidFill>
+                <a:latin typeface="+mn-lt"/>
+                <a:ea typeface="+mn-ea"/>
+                <a:cs typeface="+mn-cs"/>
+              </a:defRPr>
+            </a:lvl8pPr>
+            <a:lvl9pPr marL="3886200" indent="-228600" algn="l" defTabSz="914400" rtl="0" eaLnBrk="1" latinLnBrk="0" hangingPunct="1">
+              <a:spcBef>
+                <a:spcPct val="20000"/>
+              </a:spcBef>
+              <a:buFont typeface="Arial" pitchFamily="34" charset="0"/>
+              <a:buChar char="•"/>
+              <a:defRPr sz="2000" kern="1200">
+                <a:solidFill>
+                  <a:schemeClr val="tx1"/>
+                </a:solidFill>
+                <a:latin typeface="+mn-lt"/>
+                <a:ea typeface="+mn-ea"/>
+                <a:cs typeface="+mn-cs"/>
+              </a:defRPr>
+            </a:lvl9pPr>
+          </a:lstStyle>
+          <a:p>
+            <a:pPr marL="57150" indent="0">
+              <a:buNone/>
+            </a:pPr>
+            <a:r>
+              <a:rPr lang="fr-FR" dirty="0" smtClean="0">
+                <a:ea typeface="Cambria Math" panose="02040503050406030204" pitchFamily="18" charset="0"/>
+              </a:rPr>
+              <a:t>1. </a:t>
+            </a:r>
+            <a:r>
+              <a:rPr lang="fr-FR" i="1" dirty="0" err="1" smtClean="0">
+                <a:ea typeface="Cambria Math" panose="02040503050406030204" pitchFamily="18" charset="0"/>
+              </a:rPr>
+              <a:t>Init_compo</a:t>
+            </a:r>
+            <a:endParaRPr lang="fr-FR" i="1" dirty="0" smtClean="0">
+              <a:ea typeface="Cambria Math" panose="02040503050406030204" pitchFamily="18" charset="0"/>
+            </a:endParaRPr>
+          </a:p>
+          <a:p>
+            <a:pPr marL="457200" lvl="1" indent="0">
+              <a:buNone/>
+            </a:pPr>
+            <a:endParaRPr lang="fr-FR" dirty="0" smtClean="0"/>
+          </a:p>
+        </p:txBody>
+      </p:sp>
+      <p:sp>
+        <p:nvSpPr>
+          <p:cNvPr id="22" name="Espace réservé du contenu 2"/>
+          <p:cNvSpPr txBox="1">
+            <a:spLocks/>
+          </p:cNvSpPr>
+          <p:nvPr/>
+        </p:nvSpPr>
+        <p:spPr>
+          <a:xfrm>
+            <a:off x="560440" y="2221176"/>
+            <a:ext cx="4901392" cy="394598"/>
+          </a:xfrm>
+          <a:prstGeom prst="rect">
+            <a:avLst/>
+          </a:prstGeom>
+          <a:ln>
+            <a:solidFill>
+              <a:schemeClr val="tx1"/>
+            </a:solidFill>
+          </a:ln>
+          <a:effectLst>
+            <a:softEdge rad="0"/>
+          </a:effectLst>
+        </p:spPr>
+        <p:txBody>
+          <a:bodyPr vert="horz" lIns="91440" tIns="45720" rIns="91440" bIns="45720" rtlCol="0">
+            <a:normAutofit fontScale="70000" lnSpcReduction="20000"/>
+          </a:bodyPr>
+          <a:lstStyle>
+            <a:lvl1pPr marL="342900" indent="-342900" algn="l" defTabSz="914400" rtl="0" eaLnBrk="1" latinLnBrk="0" hangingPunct="1">
+              <a:spcBef>
+                <a:spcPct val="20000"/>
+              </a:spcBef>
+              <a:buFont typeface="Arial" pitchFamily="34" charset="0"/>
+              <a:buChar char="•"/>
+              <a:defRPr sz="3200" kern="1200">
+                <a:solidFill>
+                  <a:schemeClr val="tx1"/>
+                </a:solidFill>
+                <a:latin typeface="+mn-lt"/>
+                <a:ea typeface="+mn-ea"/>
+                <a:cs typeface="+mn-cs"/>
+              </a:defRPr>
+            </a:lvl1pPr>
+            <a:lvl2pPr marL="742950" indent="-285750" algn="l" defTabSz="914400" rtl="0" eaLnBrk="1" latinLnBrk="0" hangingPunct="1">
+              <a:spcBef>
+                <a:spcPct val="20000"/>
+              </a:spcBef>
+              <a:buFont typeface="Arial" pitchFamily="34" charset="0"/>
+              <a:buChar char="–"/>
+              <a:defRPr sz="2800" kern="1200">
+                <a:solidFill>
+                  <a:schemeClr val="tx1"/>
+                </a:solidFill>
+                <a:latin typeface="+mn-lt"/>
+                <a:ea typeface="+mn-ea"/>
+                <a:cs typeface="+mn-cs"/>
+              </a:defRPr>
+            </a:lvl2pPr>
+            <a:lvl3pPr marL="1143000" indent="-228600" algn="l" defTabSz="914400" rtl="0" eaLnBrk="1" latinLnBrk="0" hangingPunct="1">
+              <a:spcBef>
+                <a:spcPct val="20000"/>
+              </a:spcBef>
+              <a:buFont typeface="Arial" pitchFamily="34" charset="0"/>
+              <a:buChar char="•"/>
+              <a:defRPr sz="2400" kern="1200">
+                <a:solidFill>
+                  <a:schemeClr val="tx1"/>
+                </a:solidFill>
+                <a:latin typeface="+mn-lt"/>
+                <a:ea typeface="+mn-ea"/>
+                <a:cs typeface="+mn-cs"/>
+              </a:defRPr>
+            </a:lvl3pPr>
+            <a:lvl4pPr marL="1600200" indent="-228600" algn="l" defTabSz="914400" rtl="0" eaLnBrk="1" latinLnBrk="0" hangingPunct="1">
+              <a:spcBef>
+                <a:spcPct val="20000"/>
+              </a:spcBef>
+              <a:buFont typeface="Arial" pitchFamily="34" charset="0"/>
+              <a:buChar char="–"/>
+              <a:defRPr sz="2000" kern="1200">
+                <a:solidFill>
+                  <a:schemeClr val="tx1"/>
+                </a:solidFill>
+                <a:latin typeface="+mn-lt"/>
+                <a:ea typeface="+mn-ea"/>
+                <a:cs typeface="+mn-cs"/>
+              </a:defRPr>
+            </a:lvl4pPr>
+            <a:lvl5pPr marL="2057400" indent="-228600" algn="l" defTabSz="914400" rtl="0" eaLnBrk="1" latinLnBrk="0" hangingPunct="1">
+              <a:spcBef>
+                <a:spcPct val="20000"/>
+              </a:spcBef>
+              <a:buFont typeface="Arial" pitchFamily="34" charset="0"/>
+              <a:buChar char="»"/>
+              <a:defRPr sz="2000" kern="1200">
+                <a:solidFill>
+                  <a:schemeClr val="tx1"/>
+                </a:solidFill>
+                <a:latin typeface="+mn-lt"/>
+                <a:ea typeface="+mn-ea"/>
+                <a:cs typeface="+mn-cs"/>
+              </a:defRPr>
+            </a:lvl5pPr>
+            <a:lvl6pPr marL="2514600" indent="-228600" algn="l" defTabSz="914400" rtl="0" eaLnBrk="1" latinLnBrk="0" hangingPunct="1">
+              <a:spcBef>
+                <a:spcPct val="20000"/>
+              </a:spcBef>
+              <a:buFont typeface="Arial" pitchFamily="34" charset="0"/>
+              <a:buChar char="•"/>
+              <a:defRPr sz="2000" kern="1200">
+                <a:solidFill>
+                  <a:schemeClr val="tx1"/>
+                </a:solidFill>
+                <a:latin typeface="+mn-lt"/>
+                <a:ea typeface="+mn-ea"/>
+                <a:cs typeface="+mn-cs"/>
+              </a:defRPr>
+            </a:lvl6pPr>
+            <a:lvl7pPr marL="2971800" indent="-228600" algn="l" defTabSz="914400" rtl="0" eaLnBrk="1" latinLnBrk="0" hangingPunct="1">
+              <a:spcBef>
+                <a:spcPct val="20000"/>
+              </a:spcBef>
+              <a:buFont typeface="Arial" pitchFamily="34" charset="0"/>
+              <a:buChar char="•"/>
+              <a:defRPr sz="2000" kern="1200">
+                <a:solidFill>
+                  <a:schemeClr val="tx1"/>
+                </a:solidFill>
+                <a:latin typeface="+mn-lt"/>
+                <a:ea typeface="+mn-ea"/>
+                <a:cs typeface="+mn-cs"/>
+              </a:defRPr>
+            </a:lvl7pPr>
+            <a:lvl8pPr marL="3429000" indent="-228600" algn="l" defTabSz="914400" rtl="0" eaLnBrk="1" latinLnBrk="0" hangingPunct="1">
+              <a:spcBef>
+                <a:spcPct val="20000"/>
+              </a:spcBef>
+              <a:buFont typeface="Arial" pitchFamily="34" charset="0"/>
+              <a:buChar char="•"/>
+              <a:defRPr sz="2000" kern="1200">
+                <a:solidFill>
+                  <a:schemeClr val="tx1"/>
+                </a:solidFill>
+                <a:latin typeface="+mn-lt"/>
+                <a:ea typeface="+mn-ea"/>
+                <a:cs typeface="+mn-cs"/>
+              </a:defRPr>
+            </a:lvl8pPr>
+            <a:lvl9pPr marL="3886200" indent="-228600" algn="l" defTabSz="914400" rtl="0" eaLnBrk="1" latinLnBrk="0" hangingPunct="1">
+              <a:spcBef>
+                <a:spcPct val="20000"/>
+              </a:spcBef>
+              <a:buFont typeface="Arial" pitchFamily="34" charset="0"/>
+              <a:buChar char="•"/>
+              <a:defRPr sz="2000" kern="1200">
+                <a:solidFill>
+                  <a:schemeClr val="tx1"/>
+                </a:solidFill>
+                <a:latin typeface="+mn-lt"/>
+                <a:ea typeface="+mn-ea"/>
+                <a:cs typeface="+mn-cs"/>
+              </a:defRPr>
+            </a:lvl9pPr>
+          </a:lstStyle>
+          <a:p>
+            <a:pPr marL="57150" indent="0">
+              <a:buNone/>
+            </a:pPr>
+            <a:r>
+              <a:rPr lang="fr-FR" dirty="0">
+                <a:ea typeface="Cambria Math" panose="02040503050406030204" pitchFamily="18" charset="0"/>
+              </a:rPr>
+              <a:t>2</a:t>
+            </a:r>
+            <a:r>
+              <a:rPr lang="fr-FR" dirty="0" smtClean="0">
+                <a:ea typeface="Cambria Math" panose="02040503050406030204" pitchFamily="18" charset="0"/>
+              </a:rPr>
+              <a:t>. Check </a:t>
+            </a:r>
+            <a:r>
+              <a:rPr lang="fr-FR" dirty="0" err="1" smtClean="0">
+                <a:ea typeface="Cambria Math" panose="02040503050406030204" pitchFamily="18" charset="0"/>
+              </a:rPr>
+              <a:t>sum</a:t>
+            </a:r>
+            <a:r>
+              <a:rPr lang="fr-FR" dirty="0" smtClean="0">
+                <a:ea typeface="Cambria Math" panose="02040503050406030204" pitchFamily="18" charset="0"/>
+              </a:rPr>
+              <a:t>(</a:t>
+            </a:r>
+            <a:r>
+              <a:rPr lang="fr-FR" dirty="0" smtClean="0">
+                <a:solidFill>
+                  <a:srgbClr val="7030A0"/>
+                </a:solidFill>
+                <a:ea typeface="Cambria Math" panose="02040503050406030204" pitchFamily="18" charset="0"/>
+              </a:rPr>
+              <a:t>ES</a:t>
+            </a:r>
+            <a:r>
+              <a:rPr lang="fr-FR" dirty="0" smtClean="0">
+                <a:ea typeface="Cambria Math" panose="02040503050406030204" pitchFamily="18" charset="0"/>
+              </a:rPr>
+              <a:t>).LE. </a:t>
+            </a:r>
+            <a:r>
+              <a:rPr lang="fr-FR" dirty="0" smtClean="0">
+                <a:solidFill>
+                  <a:srgbClr val="7030A0"/>
+                </a:solidFill>
+                <a:ea typeface="Cambria Math" panose="02040503050406030204" pitchFamily="18" charset="0"/>
+              </a:rPr>
+              <a:t>ZF </a:t>
+            </a:r>
+            <a:r>
+              <a:rPr lang="fr-FR" dirty="0" smtClean="0">
+                <a:ea typeface="Cambria Math" panose="02040503050406030204" pitchFamily="18" charset="0"/>
+              </a:rPr>
+              <a:t>- </a:t>
+            </a:r>
+            <a:r>
+              <a:rPr lang="fr-FR" dirty="0" smtClean="0">
+                <a:solidFill>
+                  <a:srgbClr val="7030A0"/>
+                </a:solidFill>
+                <a:ea typeface="Cambria Math" panose="02040503050406030204" pitchFamily="18" charset="0"/>
+              </a:rPr>
+              <a:t>ZR</a:t>
+            </a:r>
+            <a:r>
+              <a:rPr lang="fr-FR" dirty="0" smtClean="0">
+                <a:ea typeface="Cambria Math" panose="02040503050406030204" pitchFamily="18" charset="0"/>
+              </a:rPr>
+              <a:t> </a:t>
+            </a:r>
+          </a:p>
+        </p:txBody>
+      </p:sp>
+      <p:cxnSp>
+        <p:nvCxnSpPr>
+          <p:cNvPr id="23" name="Connecteur droit avec flèche 22"/>
+          <p:cNvCxnSpPr/>
+          <p:nvPr/>
+        </p:nvCxnSpPr>
+        <p:spPr>
+          <a:xfrm>
+            <a:off x="1546747" y="1700808"/>
+            <a:ext cx="0" cy="489478"/>
+          </a:xfrm>
+          <a:prstGeom prst="straightConnector1">
+            <a:avLst/>
+          </a:prstGeom>
+          <a:ln w="15875">
+            <a:solidFill>
+              <a:schemeClr val="tx1"/>
+            </a:solidFill>
+            <a:tailEnd type="triangle"/>
+          </a:ln>
+        </p:spPr>
+        <p:style>
+          <a:lnRef idx="1">
+            <a:schemeClr val="accent1"/>
+          </a:lnRef>
+          <a:fillRef idx="0">
+            <a:schemeClr val="accent1"/>
+          </a:fillRef>
+          <a:effectRef idx="0">
+            <a:schemeClr val="accent1"/>
+          </a:effectRef>
+          <a:fontRef idx="minor">
+            <a:schemeClr val="tx1"/>
+          </a:fontRef>
+        </p:style>
+      </p:cxnSp>
+      <p:cxnSp>
+        <p:nvCxnSpPr>
+          <p:cNvPr id="27" name="Connecteur droit avec flèche 26"/>
+          <p:cNvCxnSpPr/>
+          <p:nvPr/>
+        </p:nvCxnSpPr>
+        <p:spPr>
+          <a:xfrm>
+            <a:off x="1546747" y="2708920"/>
+            <a:ext cx="0" cy="489478"/>
+          </a:xfrm>
+          <a:prstGeom prst="straightConnector1">
+            <a:avLst/>
+          </a:prstGeom>
+          <a:ln w="15875">
+            <a:solidFill>
+              <a:schemeClr val="tx1"/>
+            </a:solidFill>
+            <a:tailEnd type="triangle"/>
+          </a:ln>
+        </p:spPr>
+        <p:style>
+          <a:lnRef idx="1">
+            <a:schemeClr val="accent1"/>
+          </a:lnRef>
+          <a:fillRef idx="0">
+            <a:schemeClr val="accent1"/>
+          </a:fillRef>
+          <a:effectRef idx="0">
+            <a:schemeClr val="accent1"/>
+          </a:effectRef>
+          <a:fontRef idx="minor">
+            <a:schemeClr val="tx1"/>
+          </a:fontRef>
+        </p:style>
+      </p:cxnSp>
+      <p:sp>
+        <p:nvSpPr>
+          <p:cNvPr id="29" name="Espace réservé du contenu 2"/>
+          <p:cNvSpPr txBox="1">
+            <a:spLocks/>
+          </p:cNvSpPr>
+          <p:nvPr/>
+        </p:nvSpPr>
+        <p:spPr>
+          <a:xfrm>
+            <a:off x="555862" y="3262250"/>
+            <a:ext cx="5519781" cy="394598"/>
+          </a:xfrm>
+          <a:prstGeom prst="rect">
+            <a:avLst/>
+          </a:prstGeom>
+          <a:ln>
+            <a:solidFill>
+              <a:schemeClr val="tx1"/>
+            </a:solidFill>
+          </a:ln>
+          <a:effectLst>
+            <a:softEdge rad="0"/>
+          </a:effectLst>
+        </p:spPr>
+        <p:txBody>
+          <a:bodyPr vert="horz" lIns="91440" tIns="45720" rIns="91440" bIns="45720" rtlCol="0">
+            <a:normAutofit fontScale="70000" lnSpcReduction="20000"/>
+          </a:bodyPr>
+          <a:lstStyle>
+            <a:lvl1pPr marL="342900" indent="-342900" algn="l" defTabSz="914400" rtl="0" eaLnBrk="1" latinLnBrk="0" hangingPunct="1">
+              <a:spcBef>
+                <a:spcPct val="20000"/>
+              </a:spcBef>
+              <a:buFont typeface="Arial" pitchFamily="34" charset="0"/>
+              <a:buChar char="•"/>
+              <a:defRPr sz="3200" kern="1200">
+                <a:solidFill>
+                  <a:schemeClr val="tx1"/>
+                </a:solidFill>
+                <a:latin typeface="+mn-lt"/>
+                <a:ea typeface="+mn-ea"/>
+                <a:cs typeface="+mn-cs"/>
+              </a:defRPr>
+            </a:lvl1pPr>
+            <a:lvl2pPr marL="742950" indent="-285750" algn="l" defTabSz="914400" rtl="0" eaLnBrk="1" latinLnBrk="0" hangingPunct="1">
+              <a:spcBef>
+                <a:spcPct val="20000"/>
+              </a:spcBef>
+              <a:buFont typeface="Arial" pitchFamily="34" charset="0"/>
+              <a:buChar char="–"/>
+              <a:defRPr sz="2800" kern="1200">
+                <a:solidFill>
+                  <a:schemeClr val="tx1"/>
+                </a:solidFill>
+                <a:latin typeface="+mn-lt"/>
+                <a:ea typeface="+mn-ea"/>
+                <a:cs typeface="+mn-cs"/>
+              </a:defRPr>
+            </a:lvl2pPr>
+            <a:lvl3pPr marL="1143000" indent="-228600" algn="l" defTabSz="914400" rtl="0" eaLnBrk="1" latinLnBrk="0" hangingPunct="1">
+              <a:spcBef>
+                <a:spcPct val="20000"/>
+              </a:spcBef>
+              <a:buFont typeface="Arial" pitchFamily="34" charset="0"/>
+              <a:buChar char="•"/>
+              <a:defRPr sz="2400" kern="1200">
+                <a:solidFill>
+                  <a:schemeClr val="tx1"/>
+                </a:solidFill>
+                <a:latin typeface="+mn-lt"/>
+                <a:ea typeface="+mn-ea"/>
+                <a:cs typeface="+mn-cs"/>
+              </a:defRPr>
+            </a:lvl3pPr>
+            <a:lvl4pPr marL="1600200" indent="-228600" algn="l" defTabSz="914400" rtl="0" eaLnBrk="1" latinLnBrk="0" hangingPunct="1">
+              <a:spcBef>
+                <a:spcPct val="20000"/>
+              </a:spcBef>
+              <a:buFont typeface="Arial" pitchFamily="34" charset="0"/>
+              <a:buChar char="–"/>
+              <a:defRPr sz="2000" kern="1200">
+                <a:solidFill>
+                  <a:schemeClr val="tx1"/>
+                </a:solidFill>
+                <a:latin typeface="+mn-lt"/>
+                <a:ea typeface="+mn-ea"/>
+                <a:cs typeface="+mn-cs"/>
+              </a:defRPr>
+            </a:lvl4pPr>
+            <a:lvl5pPr marL="2057400" indent="-228600" algn="l" defTabSz="914400" rtl="0" eaLnBrk="1" latinLnBrk="0" hangingPunct="1">
+              <a:spcBef>
+                <a:spcPct val="20000"/>
+              </a:spcBef>
+              <a:buFont typeface="Arial" pitchFamily="34" charset="0"/>
+              <a:buChar char="»"/>
+              <a:defRPr sz="2000" kern="1200">
+                <a:solidFill>
+                  <a:schemeClr val="tx1"/>
+                </a:solidFill>
+                <a:latin typeface="+mn-lt"/>
+                <a:ea typeface="+mn-ea"/>
+                <a:cs typeface="+mn-cs"/>
+              </a:defRPr>
+            </a:lvl5pPr>
+            <a:lvl6pPr marL="2514600" indent="-228600" algn="l" defTabSz="914400" rtl="0" eaLnBrk="1" latinLnBrk="0" hangingPunct="1">
+              <a:spcBef>
+                <a:spcPct val="20000"/>
+              </a:spcBef>
+              <a:buFont typeface="Arial" pitchFamily="34" charset="0"/>
+              <a:buChar char="•"/>
+              <a:defRPr sz="2000" kern="1200">
+                <a:solidFill>
+                  <a:schemeClr val="tx1"/>
+                </a:solidFill>
+                <a:latin typeface="+mn-lt"/>
+                <a:ea typeface="+mn-ea"/>
+                <a:cs typeface="+mn-cs"/>
+              </a:defRPr>
+            </a:lvl6pPr>
+            <a:lvl7pPr marL="2971800" indent="-228600" algn="l" defTabSz="914400" rtl="0" eaLnBrk="1" latinLnBrk="0" hangingPunct="1">
+              <a:spcBef>
+                <a:spcPct val="20000"/>
+              </a:spcBef>
+              <a:buFont typeface="Arial" pitchFamily="34" charset="0"/>
+              <a:buChar char="•"/>
+              <a:defRPr sz="2000" kern="1200">
+                <a:solidFill>
+                  <a:schemeClr val="tx1"/>
+                </a:solidFill>
+                <a:latin typeface="+mn-lt"/>
+                <a:ea typeface="+mn-ea"/>
+                <a:cs typeface="+mn-cs"/>
+              </a:defRPr>
+            </a:lvl7pPr>
+            <a:lvl8pPr marL="3429000" indent="-228600" algn="l" defTabSz="914400" rtl="0" eaLnBrk="1" latinLnBrk="0" hangingPunct="1">
+              <a:spcBef>
+                <a:spcPct val="20000"/>
+              </a:spcBef>
+              <a:buFont typeface="Arial" pitchFamily="34" charset="0"/>
+              <a:buChar char="•"/>
+              <a:defRPr sz="2000" kern="1200">
+                <a:solidFill>
+                  <a:schemeClr val="tx1"/>
+                </a:solidFill>
+                <a:latin typeface="+mn-lt"/>
+                <a:ea typeface="+mn-ea"/>
+                <a:cs typeface="+mn-cs"/>
+              </a:defRPr>
+            </a:lvl8pPr>
+            <a:lvl9pPr marL="3886200" indent="-228600" algn="l" defTabSz="914400" rtl="0" eaLnBrk="1" latinLnBrk="0" hangingPunct="1">
+              <a:spcBef>
+                <a:spcPct val="20000"/>
+              </a:spcBef>
+              <a:buFont typeface="Arial" pitchFamily="34" charset="0"/>
+              <a:buChar char="•"/>
+              <a:defRPr sz="2000" kern="1200">
+                <a:solidFill>
+                  <a:schemeClr val="tx1"/>
+                </a:solidFill>
+                <a:latin typeface="+mn-lt"/>
+                <a:ea typeface="+mn-ea"/>
+                <a:cs typeface="+mn-cs"/>
+              </a:defRPr>
+            </a:lvl9pPr>
+          </a:lstStyle>
+          <a:p>
+            <a:pPr marL="57150" indent="0">
+              <a:buNone/>
+            </a:pPr>
+            <a:r>
+              <a:rPr lang="fr-FR" dirty="0" smtClean="0">
+                <a:ea typeface="Cambria Math" panose="02040503050406030204" pitchFamily="18" charset="0"/>
+              </a:rPr>
+              <a:t>3. </a:t>
+            </a:r>
+            <a:r>
+              <a:rPr lang="fr-FR" dirty="0" err="1" smtClean="0">
+                <a:ea typeface="Cambria Math" panose="02040503050406030204" pitchFamily="18" charset="0"/>
+              </a:rPr>
+              <a:t>Thickness</a:t>
+            </a:r>
+            <a:r>
+              <a:rPr lang="fr-FR" dirty="0" smtClean="0">
+                <a:ea typeface="Cambria Math" panose="02040503050406030204" pitchFamily="18" charset="0"/>
+              </a:rPr>
+              <a:t> of </a:t>
+            </a:r>
+            <a:r>
+              <a:rPr lang="fr-FR" dirty="0" err="1" smtClean="0">
+                <a:ea typeface="Cambria Math" panose="02040503050406030204" pitchFamily="18" charset="0"/>
+              </a:rPr>
+              <a:t>supplementary</a:t>
+            </a:r>
+            <a:r>
+              <a:rPr lang="fr-FR" dirty="0" smtClean="0">
+                <a:ea typeface="Cambria Math" panose="02040503050406030204" pitchFamily="18" charset="0"/>
+              </a:rPr>
+              <a:t> </a:t>
+            </a:r>
+            <a:r>
+              <a:rPr lang="fr-FR" dirty="0" err="1" smtClean="0">
+                <a:ea typeface="Cambria Math" panose="02040503050406030204" pitchFamily="18" charset="0"/>
+              </a:rPr>
+              <a:t>layers</a:t>
+            </a:r>
+            <a:r>
+              <a:rPr lang="fr-FR" dirty="0" smtClean="0">
+                <a:ea typeface="Cambria Math" panose="02040503050406030204" pitchFamily="18" charset="0"/>
+              </a:rPr>
+              <a:t> set to 0</a:t>
+            </a:r>
+          </a:p>
+        </p:txBody>
+      </p:sp>
+      <p:cxnSp>
+        <p:nvCxnSpPr>
+          <p:cNvPr id="33" name="Connecteur droit avec flèche 32"/>
+          <p:cNvCxnSpPr/>
+          <p:nvPr/>
+        </p:nvCxnSpPr>
+        <p:spPr>
+          <a:xfrm>
+            <a:off x="1546747" y="3789040"/>
+            <a:ext cx="0" cy="489478"/>
+          </a:xfrm>
+          <a:prstGeom prst="straightConnector1">
+            <a:avLst/>
+          </a:prstGeom>
+          <a:ln w="15875">
+            <a:solidFill>
+              <a:schemeClr val="tx1"/>
+            </a:solidFill>
+            <a:tailEnd type="triangle"/>
+          </a:ln>
+        </p:spPr>
+        <p:style>
+          <a:lnRef idx="1">
+            <a:schemeClr val="accent1"/>
+          </a:lnRef>
+          <a:fillRef idx="0">
+            <a:schemeClr val="accent1"/>
+          </a:fillRef>
+          <a:effectRef idx="0">
+            <a:schemeClr val="accent1"/>
+          </a:effectRef>
+          <a:fontRef idx="minor">
+            <a:schemeClr val="tx1"/>
+          </a:fontRef>
+        </p:style>
+      </p:cxnSp>
+      <p:sp>
+        <p:nvSpPr>
+          <p:cNvPr id="34" name="Espace réservé du contenu 2"/>
+          <p:cNvSpPr txBox="1">
+            <a:spLocks/>
+          </p:cNvSpPr>
+          <p:nvPr/>
+        </p:nvSpPr>
+        <p:spPr>
+          <a:xfrm>
+            <a:off x="555862" y="4353901"/>
+            <a:ext cx="5519781" cy="394598"/>
+          </a:xfrm>
+          <a:prstGeom prst="rect">
+            <a:avLst/>
+          </a:prstGeom>
+          <a:ln>
+            <a:solidFill>
+              <a:schemeClr val="tx1"/>
+            </a:solidFill>
+          </a:ln>
+          <a:effectLst>
+            <a:softEdge rad="0"/>
+          </a:effectLst>
+        </p:spPr>
+        <p:txBody>
+          <a:bodyPr vert="horz" lIns="91440" tIns="45720" rIns="91440" bIns="45720" rtlCol="0">
+            <a:normAutofit fontScale="70000" lnSpcReduction="20000"/>
+          </a:bodyPr>
+          <a:lstStyle>
+            <a:lvl1pPr marL="342900" indent="-342900" algn="l" defTabSz="914400" rtl="0" eaLnBrk="1" latinLnBrk="0" hangingPunct="1">
+              <a:spcBef>
+                <a:spcPct val="20000"/>
+              </a:spcBef>
+              <a:buFont typeface="Arial" pitchFamily="34" charset="0"/>
+              <a:buChar char="•"/>
+              <a:defRPr sz="3200" kern="1200">
+                <a:solidFill>
+                  <a:schemeClr val="tx1"/>
+                </a:solidFill>
+                <a:latin typeface="+mn-lt"/>
+                <a:ea typeface="+mn-ea"/>
+                <a:cs typeface="+mn-cs"/>
+              </a:defRPr>
+            </a:lvl1pPr>
+            <a:lvl2pPr marL="742950" indent="-285750" algn="l" defTabSz="914400" rtl="0" eaLnBrk="1" latinLnBrk="0" hangingPunct="1">
+              <a:spcBef>
+                <a:spcPct val="20000"/>
+              </a:spcBef>
+              <a:buFont typeface="Arial" pitchFamily="34" charset="0"/>
+              <a:buChar char="–"/>
+              <a:defRPr sz="2800" kern="1200">
+                <a:solidFill>
+                  <a:schemeClr val="tx1"/>
+                </a:solidFill>
+                <a:latin typeface="+mn-lt"/>
+                <a:ea typeface="+mn-ea"/>
+                <a:cs typeface="+mn-cs"/>
+              </a:defRPr>
+            </a:lvl2pPr>
+            <a:lvl3pPr marL="1143000" indent="-228600" algn="l" defTabSz="914400" rtl="0" eaLnBrk="1" latinLnBrk="0" hangingPunct="1">
+              <a:spcBef>
+                <a:spcPct val="20000"/>
+              </a:spcBef>
+              <a:buFont typeface="Arial" pitchFamily="34" charset="0"/>
+              <a:buChar char="•"/>
+              <a:defRPr sz="2400" kern="1200">
+                <a:solidFill>
+                  <a:schemeClr val="tx1"/>
+                </a:solidFill>
+                <a:latin typeface="+mn-lt"/>
+                <a:ea typeface="+mn-ea"/>
+                <a:cs typeface="+mn-cs"/>
+              </a:defRPr>
+            </a:lvl3pPr>
+            <a:lvl4pPr marL="1600200" indent="-228600" algn="l" defTabSz="914400" rtl="0" eaLnBrk="1" latinLnBrk="0" hangingPunct="1">
+              <a:spcBef>
+                <a:spcPct val="20000"/>
+              </a:spcBef>
+              <a:buFont typeface="Arial" pitchFamily="34" charset="0"/>
+              <a:buChar char="–"/>
+              <a:defRPr sz="2000" kern="1200">
+                <a:solidFill>
+                  <a:schemeClr val="tx1"/>
+                </a:solidFill>
+                <a:latin typeface="+mn-lt"/>
+                <a:ea typeface="+mn-ea"/>
+                <a:cs typeface="+mn-cs"/>
+              </a:defRPr>
+            </a:lvl4pPr>
+            <a:lvl5pPr marL="2057400" indent="-228600" algn="l" defTabSz="914400" rtl="0" eaLnBrk="1" latinLnBrk="0" hangingPunct="1">
+              <a:spcBef>
+                <a:spcPct val="20000"/>
+              </a:spcBef>
+              <a:buFont typeface="Arial" pitchFamily="34" charset="0"/>
+              <a:buChar char="»"/>
+              <a:defRPr sz="2000" kern="1200">
+                <a:solidFill>
+                  <a:schemeClr val="tx1"/>
+                </a:solidFill>
+                <a:latin typeface="+mn-lt"/>
+                <a:ea typeface="+mn-ea"/>
+                <a:cs typeface="+mn-cs"/>
+              </a:defRPr>
+            </a:lvl5pPr>
+            <a:lvl6pPr marL="2514600" indent="-228600" algn="l" defTabSz="914400" rtl="0" eaLnBrk="1" latinLnBrk="0" hangingPunct="1">
+              <a:spcBef>
+                <a:spcPct val="20000"/>
+              </a:spcBef>
+              <a:buFont typeface="Arial" pitchFamily="34" charset="0"/>
+              <a:buChar char="•"/>
+              <a:defRPr sz="2000" kern="1200">
+                <a:solidFill>
+                  <a:schemeClr val="tx1"/>
+                </a:solidFill>
+                <a:latin typeface="+mn-lt"/>
+                <a:ea typeface="+mn-ea"/>
+                <a:cs typeface="+mn-cs"/>
+              </a:defRPr>
+            </a:lvl6pPr>
+            <a:lvl7pPr marL="2971800" indent="-228600" algn="l" defTabSz="914400" rtl="0" eaLnBrk="1" latinLnBrk="0" hangingPunct="1">
+              <a:spcBef>
+                <a:spcPct val="20000"/>
+              </a:spcBef>
+              <a:buFont typeface="Arial" pitchFamily="34" charset="0"/>
+              <a:buChar char="•"/>
+              <a:defRPr sz="2000" kern="1200">
+                <a:solidFill>
+                  <a:schemeClr val="tx1"/>
+                </a:solidFill>
+                <a:latin typeface="+mn-lt"/>
+                <a:ea typeface="+mn-ea"/>
+                <a:cs typeface="+mn-cs"/>
+              </a:defRPr>
+            </a:lvl7pPr>
+            <a:lvl8pPr marL="3429000" indent="-228600" algn="l" defTabSz="914400" rtl="0" eaLnBrk="1" latinLnBrk="0" hangingPunct="1">
+              <a:spcBef>
+                <a:spcPct val="20000"/>
+              </a:spcBef>
+              <a:buFont typeface="Arial" pitchFamily="34" charset="0"/>
+              <a:buChar char="•"/>
+              <a:defRPr sz="2000" kern="1200">
+                <a:solidFill>
+                  <a:schemeClr val="tx1"/>
+                </a:solidFill>
+                <a:latin typeface="+mn-lt"/>
+                <a:ea typeface="+mn-ea"/>
+                <a:cs typeface="+mn-cs"/>
+              </a:defRPr>
+            </a:lvl8pPr>
+            <a:lvl9pPr marL="3886200" indent="-228600" algn="l" defTabSz="914400" rtl="0" eaLnBrk="1" latinLnBrk="0" hangingPunct="1">
+              <a:spcBef>
+                <a:spcPct val="20000"/>
+              </a:spcBef>
+              <a:buFont typeface="Arial" pitchFamily="34" charset="0"/>
+              <a:buChar char="•"/>
+              <a:defRPr sz="2000" kern="1200">
+                <a:solidFill>
+                  <a:schemeClr val="tx1"/>
+                </a:solidFill>
+                <a:latin typeface="+mn-lt"/>
+                <a:ea typeface="+mn-ea"/>
+                <a:cs typeface="+mn-cs"/>
+              </a:defRPr>
+            </a:lvl9pPr>
+          </a:lstStyle>
+          <a:p>
+            <a:pPr marL="57150" indent="0">
+              <a:buNone/>
+            </a:pPr>
+            <a:r>
+              <a:rPr lang="fr-FR" dirty="0" smtClean="0">
+                <a:ea typeface="Cambria Math" panose="02040503050406030204" pitchFamily="18" charset="0"/>
+              </a:rPr>
+              <a:t>4. Last layer </a:t>
+            </a:r>
+            <a:r>
+              <a:rPr lang="fr-FR" dirty="0" err="1" smtClean="0">
+                <a:ea typeface="Cambria Math" panose="02040503050406030204" pitchFamily="18" charset="0"/>
+              </a:rPr>
+              <a:t>thickness</a:t>
+            </a:r>
+            <a:r>
+              <a:rPr lang="fr-FR" dirty="0" smtClean="0">
+                <a:ea typeface="Cambria Math" panose="02040503050406030204" pitchFamily="18" charset="0"/>
+              </a:rPr>
+              <a:t> </a:t>
+            </a:r>
+            <a:r>
+              <a:rPr lang="fr-FR" dirty="0" err="1" smtClean="0">
+                <a:ea typeface="Cambria Math" panose="02040503050406030204" pitchFamily="18" charset="0"/>
+              </a:rPr>
+              <a:t>enlarged</a:t>
+            </a:r>
+            <a:r>
+              <a:rPr lang="fr-FR" dirty="0" smtClean="0">
+                <a:ea typeface="Cambria Math" panose="02040503050406030204" pitchFamily="18" charset="0"/>
+              </a:rPr>
+              <a:t> if </a:t>
+            </a:r>
+            <a:r>
+              <a:rPr lang="fr-FR" dirty="0" err="1" smtClean="0">
+                <a:ea typeface="Cambria Math" panose="02040503050406030204" pitchFamily="18" charset="0"/>
+              </a:rPr>
+              <a:t>necessary</a:t>
+            </a:r>
+            <a:r>
+              <a:rPr lang="fr-FR" dirty="0" smtClean="0">
+                <a:ea typeface="Cambria Math" panose="02040503050406030204" pitchFamily="18" charset="0"/>
+              </a:rPr>
+              <a:t> </a:t>
+            </a:r>
+          </a:p>
+        </p:txBody>
+      </p:sp>
+      <p:cxnSp>
+        <p:nvCxnSpPr>
+          <p:cNvPr id="35" name="Connecteur droit avec flèche 34"/>
+          <p:cNvCxnSpPr/>
+          <p:nvPr/>
+        </p:nvCxnSpPr>
+        <p:spPr>
+          <a:xfrm>
+            <a:off x="1546747" y="4869160"/>
+            <a:ext cx="0" cy="489478"/>
+          </a:xfrm>
+          <a:prstGeom prst="straightConnector1">
+            <a:avLst/>
+          </a:prstGeom>
+          <a:ln w="15875">
+            <a:solidFill>
+              <a:schemeClr val="tx1"/>
+            </a:solidFill>
+            <a:tailEnd type="triangle"/>
+          </a:ln>
+        </p:spPr>
+        <p:style>
+          <a:lnRef idx="1">
+            <a:schemeClr val="accent1"/>
+          </a:lnRef>
+          <a:fillRef idx="0">
+            <a:schemeClr val="accent1"/>
+          </a:fillRef>
+          <a:effectRef idx="0">
+            <a:schemeClr val="accent1"/>
+          </a:effectRef>
+          <a:fontRef idx="minor">
+            <a:schemeClr val="tx1"/>
+          </a:fontRef>
+        </p:style>
+      </p:cxnSp>
+      <p:sp>
+        <p:nvSpPr>
+          <p:cNvPr id="36" name="Espace réservé du contenu 2"/>
+          <p:cNvSpPr txBox="1">
+            <a:spLocks/>
+          </p:cNvSpPr>
+          <p:nvPr/>
+        </p:nvSpPr>
+        <p:spPr>
+          <a:xfrm>
+            <a:off x="539522" y="6272909"/>
+            <a:ext cx="5777254" cy="507582"/>
+          </a:xfrm>
+          <a:prstGeom prst="rect">
+            <a:avLst/>
+          </a:prstGeom>
+          <a:ln>
+            <a:solidFill>
+              <a:schemeClr val="tx1"/>
+            </a:solidFill>
+          </a:ln>
+          <a:effectLst>
+            <a:softEdge rad="0"/>
+          </a:effectLst>
+        </p:spPr>
+        <p:txBody>
+          <a:bodyPr vert="horz" lIns="91440" tIns="45720" rIns="91440" bIns="45720" rtlCol="0">
+            <a:normAutofit fontScale="55000" lnSpcReduction="20000"/>
+          </a:bodyPr>
+          <a:lstStyle>
+            <a:lvl1pPr marL="342900" indent="-342900" algn="l" defTabSz="914400" rtl="0" eaLnBrk="1" latinLnBrk="0" hangingPunct="1">
+              <a:spcBef>
+                <a:spcPct val="20000"/>
+              </a:spcBef>
+              <a:buFont typeface="Arial" pitchFamily="34" charset="0"/>
+              <a:buChar char="•"/>
+              <a:defRPr sz="3200" kern="1200">
+                <a:solidFill>
+                  <a:schemeClr val="tx1"/>
+                </a:solidFill>
+                <a:latin typeface="+mn-lt"/>
+                <a:ea typeface="+mn-ea"/>
+                <a:cs typeface="+mn-cs"/>
+              </a:defRPr>
+            </a:lvl1pPr>
+            <a:lvl2pPr marL="742950" indent="-285750" algn="l" defTabSz="914400" rtl="0" eaLnBrk="1" latinLnBrk="0" hangingPunct="1">
+              <a:spcBef>
+                <a:spcPct val="20000"/>
+              </a:spcBef>
+              <a:buFont typeface="Arial" pitchFamily="34" charset="0"/>
+              <a:buChar char="–"/>
+              <a:defRPr sz="2800" kern="1200">
+                <a:solidFill>
+                  <a:schemeClr val="tx1"/>
+                </a:solidFill>
+                <a:latin typeface="+mn-lt"/>
+                <a:ea typeface="+mn-ea"/>
+                <a:cs typeface="+mn-cs"/>
+              </a:defRPr>
+            </a:lvl2pPr>
+            <a:lvl3pPr marL="1143000" indent="-228600" algn="l" defTabSz="914400" rtl="0" eaLnBrk="1" latinLnBrk="0" hangingPunct="1">
+              <a:spcBef>
+                <a:spcPct val="20000"/>
+              </a:spcBef>
+              <a:buFont typeface="Arial" pitchFamily="34" charset="0"/>
+              <a:buChar char="•"/>
+              <a:defRPr sz="2400" kern="1200">
+                <a:solidFill>
+                  <a:schemeClr val="tx1"/>
+                </a:solidFill>
+                <a:latin typeface="+mn-lt"/>
+                <a:ea typeface="+mn-ea"/>
+                <a:cs typeface="+mn-cs"/>
+              </a:defRPr>
+            </a:lvl3pPr>
+            <a:lvl4pPr marL="1600200" indent="-228600" algn="l" defTabSz="914400" rtl="0" eaLnBrk="1" latinLnBrk="0" hangingPunct="1">
+              <a:spcBef>
+                <a:spcPct val="20000"/>
+              </a:spcBef>
+              <a:buFont typeface="Arial" pitchFamily="34" charset="0"/>
+              <a:buChar char="–"/>
+              <a:defRPr sz="2000" kern="1200">
+                <a:solidFill>
+                  <a:schemeClr val="tx1"/>
+                </a:solidFill>
+                <a:latin typeface="+mn-lt"/>
+                <a:ea typeface="+mn-ea"/>
+                <a:cs typeface="+mn-cs"/>
+              </a:defRPr>
+            </a:lvl4pPr>
+            <a:lvl5pPr marL="2057400" indent="-228600" algn="l" defTabSz="914400" rtl="0" eaLnBrk="1" latinLnBrk="0" hangingPunct="1">
+              <a:spcBef>
+                <a:spcPct val="20000"/>
+              </a:spcBef>
+              <a:buFont typeface="Arial" pitchFamily="34" charset="0"/>
+              <a:buChar char="»"/>
+              <a:defRPr sz="2000" kern="1200">
+                <a:solidFill>
+                  <a:schemeClr val="tx1"/>
+                </a:solidFill>
+                <a:latin typeface="+mn-lt"/>
+                <a:ea typeface="+mn-ea"/>
+                <a:cs typeface="+mn-cs"/>
+              </a:defRPr>
+            </a:lvl5pPr>
+            <a:lvl6pPr marL="2514600" indent="-228600" algn="l" defTabSz="914400" rtl="0" eaLnBrk="1" latinLnBrk="0" hangingPunct="1">
+              <a:spcBef>
+                <a:spcPct val="20000"/>
+              </a:spcBef>
+              <a:buFont typeface="Arial" pitchFamily="34" charset="0"/>
+              <a:buChar char="•"/>
+              <a:defRPr sz="2000" kern="1200">
+                <a:solidFill>
+                  <a:schemeClr val="tx1"/>
+                </a:solidFill>
+                <a:latin typeface="+mn-lt"/>
+                <a:ea typeface="+mn-ea"/>
+                <a:cs typeface="+mn-cs"/>
+              </a:defRPr>
+            </a:lvl6pPr>
+            <a:lvl7pPr marL="2971800" indent="-228600" algn="l" defTabSz="914400" rtl="0" eaLnBrk="1" latinLnBrk="0" hangingPunct="1">
+              <a:spcBef>
+                <a:spcPct val="20000"/>
+              </a:spcBef>
+              <a:buFont typeface="Arial" pitchFamily="34" charset="0"/>
+              <a:buChar char="•"/>
+              <a:defRPr sz="2000" kern="1200">
+                <a:solidFill>
+                  <a:schemeClr val="tx1"/>
+                </a:solidFill>
+                <a:latin typeface="+mn-lt"/>
+                <a:ea typeface="+mn-ea"/>
+                <a:cs typeface="+mn-cs"/>
+              </a:defRPr>
+            </a:lvl7pPr>
+            <a:lvl8pPr marL="3429000" indent="-228600" algn="l" defTabSz="914400" rtl="0" eaLnBrk="1" latinLnBrk="0" hangingPunct="1">
+              <a:spcBef>
+                <a:spcPct val="20000"/>
+              </a:spcBef>
+              <a:buFont typeface="Arial" pitchFamily="34" charset="0"/>
+              <a:buChar char="•"/>
+              <a:defRPr sz="2000" kern="1200">
+                <a:solidFill>
+                  <a:schemeClr val="tx1"/>
+                </a:solidFill>
+                <a:latin typeface="+mn-lt"/>
+                <a:ea typeface="+mn-ea"/>
+                <a:cs typeface="+mn-cs"/>
+              </a:defRPr>
+            </a:lvl8pPr>
+            <a:lvl9pPr marL="3886200" indent="-228600" algn="l" defTabSz="914400" rtl="0" eaLnBrk="1" latinLnBrk="0" hangingPunct="1">
+              <a:spcBef>
+                <a:spcPct val="20000"/>
+              </a:spcBef>
+              <a:buFont typeface="Arial" pitchFamily="34" charset="0"/>
+              <a:buChar char="•"/>
+              <a:defRPr sz="2000" kern="1200">
+                <a:solidFill>
+                  <a:schemeClr val="tx1"/>
+                </a:solidFill>
+                <a:latin typeface="+mn-lt"/>
+                <a:ea typeface="+mn-ea"/>
+                <a:cs typeface="+mn-cs"/>
+              </a:defRPr>
+            </a:lvl9pPr>
+          </a:lstStyle>
+          <a:p>
+            <a:pPr marL="57150" indent="0">
+              <a:buNone/>
+            </a:pPr>
+            <a:r>
+              <a:rPr lang="fr-FR" dirty="0" smtClean="0">
+                <a:ea typeface="Cambria Math" panose="02040503050406030204" pitchFamily="18" charset="0"/>
+              </a:rPr>
+              <a:t>6. Computation of total volume of </a:t>
+            </a:r>
+            <a:r>
+              <a:rPr lang="fr-FR" dirty="0" err="1" smtClean="0">
+                <a:ea typeface="Cambria Math" panose="02040503050406030204" pitchFamily="18" charset="0"/>
+              </a:rPr>
+              <a:t>sediment</a:t>
+            </a:r>
+            <a:r>
+              <a:rPr lang="fr-FR" dirty="0" smtClean="0">
+                <a:ea typeface="Cambria Math" panose="02040503050406030204" pitchFamily="18" charset="0"/>
+              </a:rPr>
+              <a:t> in </a:t>
+            </a:r>
+            <a:r>
+              <a:rPr lang="fr-FR" dirty="0" err="1" smtClean="0">
+                <a:ea typeface="Cambria Math" panose="02040503050406030204" pitchFamily="18" charset="0"/>
+              </a:rPr>
+              <a:t>each</a:t>
+            </a:r>
+            <a:r>
+              <a:rPr lang="fr-FR" dirty="0" smtClean="0">
+                <a:ea typeface="Cambria Math" panose="02040503050406030204" pitchFamily="18" charset="0"/>
+              </a:rPr>
+              <a:t> class</a:t>
+            </a:r>
+          </a:p>
+        </p:txBody>
+      </p:sp>
+      <p:cxnSp>
+        <p:nvCxnSpPr>
+          <p:cNvPr id="37" name="Connecteur droit avec flèche 36"/>
+          <p:cNvCxnSpPr/>
+          <p:nvPr/>
+        </p:nvCxnSpPr>
+        <p:spPr>
+          <a:xfrm>
+            <a:off x="1539997" y="5783431"/>
+            <a:ext cx="0" cy="489478"/>
+          </a:xfrm>
+          <a:prstGeom prst="straightConnector1">
+            <a:avLst/>
+          </a:prstGeom>
+          <a:ln w="15875">
+            <a:solidFill>
+              <a:schemeClr val="tx1"/>
+            </a:solidFill>
+            <a:tailEnd type="triangle"/>
+          </a:ln>
+        </p:spPr>
+        <p:style>
+          <a:lnRef idx="1">
+            <a:schemeClr val="accent1"/>
+          </a:lnRef>
+          <a:fillRef idx="0">
+            <a:schemeClr val="accent1"/>
+          </a:fillRef>
+          <a:effectRef idx="0">
+            <a:schemeClr val="accent1"/>
+          </a:effectRef>
+          <a:fontRef idx="minor">
+            <a:schemeClr val="tx1"/>
+          </a:fontRef>
+        </p:style>
+      </p:cxnSp>
+      <p:sp>
+        <p:nvSpPr>
+          <p:cNvPr id="38" name="Espace réservé du contenu 2"/>
+          <p:cNvSpPr txBox="1">
+            <a:spLocks/>
+          </p:cNvSpPr>
+          <p:nvPr/>
+        </p:nvSpPr>
+        <p:spPr>
+          <a:xfrm>
+            <a:off x="548497" y="5358638"/>
+            <a:ext cx="5175631" cy="394598"/>
+          </a:xfrm>
+          <a:prstGeom prst="rect">
+            <a:avLst/>
+          </a:prstGeom>
+          <a:ln>
+            <a:solidFill>
+              <a:schemeClr val="tx1"/>
+            </a:solidFill>
+          </a:ln>
+          <a:effectLst>
+            <a:softEdge rad="0"/>
+          </a:effectLst>
+        </p:spPr>
+        <p:txBody>
+          <a:bodyPr vert="horz" lIns="91440" tIns="45720" rIns="91440" bIns="45720" rtlCol="0">
+            <a:normAutofit fontScale="70000" lnSpcReduction="20000"/>
+          </a:bodyPr>
+          <a:lstStyle>
+            <a:lvl1pPr marL="342900" indent="-342900" algn="l" defTabSz="914400" rtl="0" eaLnBrk="1" latinLnBrk="0" hangingPunct="1">
+              <a:spcBef>
+                <a:spcPct val="20000"/>
+              </a:spcBef>
+              <a:buFont typeface="Arial" pitchFamily="34" charset="0"/>
+              <a:buChar char="•"/>
+              <a:defRPr sz="3200" kern="1200">
+                <a:solidFill>
+                  <a:schemeClr val="tx1"/>
+                </a:solidFill>
+                <a:latin typeface="+mn-lt"/>
+                <a:ea typeface="+mn-ea"/>
+                <a:cs typeface="+mn-cs"/>
+              </a:defRPr>
+            </a:lvl1pPr>
+            <a:lvl2pPr marL="742950" indent="-285750" algn="l" defTabSz="914400" rtl="0" eaLnBrk="1" latinLnBrk="0" hangingPunct="1">
+              <a:spcBef>
+                <a:spcPct val="20000"/>
+              </a:spcBef>
+              <a:buFont typeface="Arial" pitchFamily="34" charset="0"/>
+              <a:buChar char="–"/>
+              <a:defRPr sz="2800" kern="1200">
+                <a:solidFill>
+                  <a:schemeClr val="tx1"/>
+                </a:solidFill>
+                <a:latin typeface="+mn-lt"/>
+                <a:ea typeface="+mn-ea"/>
+                <a:cs typeface="+mn-cs"/>
+              </a:defRPr>
+            </a:lvl2pPr>
+            <a:lvl3pPr marL="1143000" indent="-228600" algn="l" defTabSz="914400" rtl="0" eaLnBrk="1" latinLnBrk="0" hangingPunct="1">
+              <a:spcBef>
+                <a:spcPct val="20000"/>
+              </a:spcBef>
+              <a:buFont typeface="Arial" pitchFamily="34" charset="0"/>
+              <a:buChar char="•"/>
+              <a:defRPr sz="2400" kern="1200">
+                <a:solidFill>
+                  <a:schemeClr val="tx1"/>
+                </a:solidFill>
+                <a:latin typeface="+mn-lt"/>
+                <a:ea typeface="+mn-ea"/>
+                <a:cs typeface="+mn-cs"/>
+              </a:defRPr>
+            </a:lvl3pPr>
+            <a:lvl4pPr marL="1600200" indent="-228600" algn="l" defTabSz="914400" rtl="0" eaLnBrk="1" latinLnBrk="0" hangingPunct="1">
+              <a:spcBef>
+                <a:spcPct val="20000"/>
+              </a:spcBef>
+              <a:buFont typeface="Arial" pitchFamily="34" charset="0"/>
+              <a:buChar char="–"/>
+              <a:defRPr sz="2000" kern="1200">
+                <a:solidFill>
+                  <a:schemeClr val="tx1"/>
+                </a:solidFill>
+                <a:latin typeface="+mn-lt"/>
+                <a:ea typeface="+mn-ea"/>
+                <a:cs typeface="+mn-cs"/>
+              </a:defRPr>
+            </a:lvl4pPr>
+            <a:lvl5pPr marL="2057400" indent="-228600" algn="l" defTabSz="914400" rtl="0" eaLnBrk="1" latinLnBrk="0" hangingPunct="1">
+              <a:spcBef>
+                <a:spcPct val="20000"/>
+              </a:spcBef>
+              <a:buFont typeface="Arial" pitchFamily="34" charset="0"/>
+              <a:buChar char="»"/>
+              <a:defRPr sz="2000" kern="1200">
+                <a:solidFill>
+                  <a:schemeClr val="tx1"/>
+                </a:solidFill>
+                <a:latin typeface="+mn-lt"/>
+                <a:ea typeface="+mn-ea"/>
+                <a:cs typeface="+mn-cs"/>
+              </a:defRPr>
+            </a:lvl5pPr>
+            <a:lvl6pPr marL="2514600" indent="-228600" algn="l" defTabSz="914400" rtl="0" eaLnBrk="1" latinLnBrk="0" hangingPunct="1">
+              <a:spcBef>
+                <a:spcPct val="20000"/>
+              </a:spcBef>
+              <a:buFont typeface="Arial" pitchFamily="34" charset="0"/>
+              <a:buChar char="•"/>
+              <a:defRPr sz="2000" kern="1200">
+                <a:solidFill>
+                  <a:schemeClr val="tx1"/>
+                </a:solidFill>
+                <a:latin typeface="+mn-lt"/>
+                <a:ea typeface="+mn-ea"/>
+                <a:cs typeface="+mn-cs"/>
+              </a:defRPr>
+            </a:lvl6pPr>
+            <a:lvl7pPr marL="2971800" indent="-228600" algn="l" defTabSz="914400" rtl="0" eaLnBrk="1" latinLnBrk="0" hangingPunct="1">
+              <a:spcBef>
+                <a:spcPct val="20000"/>
+              </a:spcBef>
+              <a:buFont typeface="Arial" pitchFamily="34" charset="0"/>
+              <a:buChar char="•"/>
+              <a:defRPr sz="2000" kern="1200">
+                <a:solidFill>
+                  <a:schemeClr val="tx1"/>
+                </a:solidFill>
+                <a:latin typeface="+mn-lt"/>
+                <a:ea typeface="+mn-ea"/>
+                <a:cs typeface="+mn-cs"/>
+              </a:defRPr>
+            </a:lvl7pPr>
+            <a:lvl8pPr marL="3429000" indent="-228600" algn="l" defTabSz="914400" rtl="0" eaLnBrk="1" latinLnBrk="0" hangingPunct="1">
+              <a:spcBef>
+                <a:spcPct val="20000"/>
+              </a:spcBef>
+              <a:buFont typeface="Arial" pitchFamily="34" charset="0"/>
+              <a:buChar char="•"/>
+              <a:defRPr sz="2000" kern="1200">
+                <a:solidFill>
+                  <a:schemeClr val="tx1"/>
+                </a:solidFill>
+                <a:latin typeface="+mn-lt"/>
+                <a:ea typeface="+mn-ea"/>
+                <a:cs typeface="+mn-cs"/>
+              </a:defRPr>
+            </a:lvl8pPr>
+            <a:lvl9pPr marL="3886200" indent="-228600" algn="l" defTabSz="914400" rtl="0" eaLnBrk="1" latinLnBrk="0" hangingPunct="1">
+              <a:spcBef>
+                <a:spcPct val="20000"/>
+              </a:spcBef>
+              <a:buFont typeface="Arial" pitchFamily="34" charset="0"/>
+              <a:buChar char="•"/>
+              <a:defRPr sz="2000" kern="1200">
+                <a:solidFill>
+                  <a:schemeClr val="tx1"/>
+                </a:solidFill>
+                <a:latin typeface="+mn-lt"/>
+                <a:ea typeface="+mn-ea"/>
+                <a:cs typeface="+mn-cs"/>
+              </a:defRPr>
+            </a:lvl9pPr>
+          </a:lstStyle>
+          <a:p>
+            <a:pPr marL="57150" indent="0">
+              <a:buNone/>
+            </a:pPr>
+            <a:r>
+              <a:rPr lang="fr-FR" dirty="0" smtClean="0">
+                <a:ea typeface="Cambria Math" panose="02040503050406030204" pitchFamily="18" charset="0"/>
+              </a:rPr>
+              <a:t>5. </a:t>
+            </a:r>
+            <a:r>
+              <a:rPr lang="fr-FR" dirty="0" err="1" smtClean="0">
+                <a:ea typeface="Cambria Math" panose="02040503050406030204" pitchFamily="18" charset="0"/>
+              </a:rPr>
+              <a:t>Definition</a:t>
+            </a:r>
+            <a:r>
+              <a:rPr lang="fr-FR" dirty="0" smtClean="0">
+                <a:ea typeface="Cambria Math" panose="02040503050406030204" pitchFamily="18" charset="0"/>
+              </a:rPr>
+              <a:t> of active layer and substratum</a:t>
+            </a:r>
+          </a:p>
+        </p:txBody>
+      </p:sp>
+      <p:sp>
+        <p:nvSpPr>
+          <p:cNvPr id="39" name="Espace réservé du contenu 2"/>
+          <p:cNvSpPr txBox="1">
+            <a:spLocks/>
+          </p:cNvSpPr>
+          <p:nvPr/>
+        </p:nvSpPr>
+        <p:spPr>
+          <a:xfrm>
+            <a:off x="6579264" y="4748499"/>
+            <a:ext cx="2534422" cy="1739395"/>
+          </a:xfrm>
+          <a:prstGeom prst="rect">
+            <a:avLst/>
+          </a:prstGeom>
+          <a:ln>
+            <a:solidFill>
+              <a:schemeClr val="tx1"/>
+            </a:solidFill>
+          </a:ln>
+          <a:effectLst>
+            <a:softEdge rad="0"/>
+          </a:effectLst>
+        </p:spPr>
+        <p:txBody>
+          <a:bodyPr vert="horz" lIns="91440" tIns="45720" rIns="91440" bIns="45720" rtlCol="0">
+            <a:normAutofit/>
+          </a:bodyPr>
+          <a:lstStyle>
+            <a:lvl1pPr marL="342900" indent="-342900" algn="l" defTabSz="914400" rtl="0" eaLnBrk="1" latinLnBrk="0" hangingPunct="1">
+              <a:spcBef>
+                <a:spcPct val="20000"/>
+              </a:spcBef>
+              <a:buFont typeface="Arial" pitchFamily="34" charset="0"/>
+              <a:buChar char="•"/>
+              <a:defRPr sz="3200" kern="1200">
+                <a:solidFill>
+                  <a:schemeClr val="tx1"/>
+                </a:solidFill>
+                <a:latin typeface="+mn-lt"/>
+                <a:ea typeface="+mn-ea"/>
+                <a:cs typeface="+mn-cs"/>
+              </a:defRPr>
+            </a:lvl1pPr>
+            <a:lvl2pPr marL="742950" indent="-285750" algn="l" defTabSz="914400" rtl="0" eaLnBrk="1" latinLnBrk="0" hangingPunct="1">
+              <a:spcBef>
+                <a:spcPct val="20000"/>
+              </a:spcBef>
+              <a:buFont typeface="Arial" pitchFamily="34" charset="0"/>
+              <a:buChar char="–"/>
+              <a:defRPr sz="2800" kern="1200">
+                <a:solidFill>
+                  <a:schemeClr val="tx1"/>
+                </a:solidFill>
+                <a:latin typeface="+mn-lt"/>
+                <a:ea typeface="+mn-ea"/>
+                <a:cs typeface="+mn-cs"/>
+              </a:defRPr>
+            </a:lvl2pPr>
+            <a:lvl3pPr marL="1143000" indent="-228600" algn="l" defTabSz="914400" rtl="0" eaLnBrk="1" latinLnBrk="0" hangingPunct="1">
+              <a:spcBef>
+                <a:spcPct val="20000"/>
+              </a:spcBef>
+              <a:buFont typeface="Arial" pitchFamily="34" charset="0"/>
+              <a:buChar char="•"/>
+              <a:defRPr sz="2400" kern="1200">
+                <a:solidFill>
+                  <a:schemeClr val="tx1"/>
+                </a:solidFill>
+                <a:latin typeface="+mn-lt"/>
+                <a:ea typeface="+mn-ea"/>
+                <a:cs typeface="+mn-cs"/>
+              </a:defRPr>
+            </a:lvl3pPr>
+            <a:lvl4pPr marL="1600200" indent="-228600" algn="l" defTabSz="914400" rtl="0" eaLnBrk="1" latinLnBrk="0" hangingPunct="1">
+              <a:spcBef>
+                <a:spcPct val="20000"/>
+              </a:spcBef>
+              <a:buFont typeface="Arial" pitchFamily="34" charset="0"/>
+              <a:buChar char="–"/>
+              <a:defRPr sz="2000" kern="1200">
+                <a:solidFill>
+                  <a:schemeClr val="tx1"/>
+                </a:solidFill>
+                <a:latin typeface="+mn-lt"/>
+                <a:ea typeface="+mn-ea"/>
+                <a:cs typeface="+mn-cs"/>
+              </a:defRPr>
+            </a:lvl4pPr>
+            <a:lvl5pPr marL="2057400" indent="-228600" algn="l" defTabSz="914400" rtl="0" eaLnBrk="1" latinLnBrk="0" hangingPunct="1">
+              <a:spcBef>
+                <a:spcPct val="20000"/>
+              </a:spcBef>
+              <a:buFont typeface="Arial" pitchFamily="34" charset="0"/>
+              <a:buChar char="»"/>
+              <a:defRPr sz="2000" kern="1200">
+                <a:solidFill>
+                  <a:schemeClr val="tx1"/>
+                </a:solidFill>
+                <a:latin typeface="+mn-lt"/>
+                <a:ea typeface="+mn-ea"/>
+                <a:cs typeface="+mn-cs"/>
+              </a:defRPr>
+            </a:lvl5pPr>
+            <a:lvl6pPr marL="2514600" indent="-228600" algn="l" defTabSz="914400" rtl="0" eaLnBrk="1" latinLnBrk="0" hangingPunct="1">
+              <a:spcBef>
+                <a:spcPct val="20000"/>
+              </a:spcBef>
+              <a:buFont typeface="Arial" pitchFamily="34" charset="0"/>
+              <a:buChar char="•"/>
+              <a:defRPr sz="2000" kern="1200">
+                <a:solidFill>
+                  <a:schemeClr val="tx1"/>
+                </a:solidFill>
+                <a:latin typeface="+mn-lt"/>
+                <a:ea typeface="+mn-ea"/>
+                <a:cs typeface="+mn-cs"/>
+              </a:defRPr>
+            </a:lvl6pPr>
+            <a:lvl7pPr marL="2971800" indent="-228600" algn="l" defTabSz="914400" rtl="0" eaLnBrk="1" latinLnBrk="0" hangingPunct="1">
+              <a:spcBef>
+                <a:spcPct val="20000"/>
+              </a:spcBef>
+              <a:buFont typeface="Arial" pitchFamily="34" charset="0"/>
+              <a:buChar char="•"/>
+              <a:defRPr sz="2000" kern="1200">
+                <a:solidFill>
+                  <a:schemeClr val="tx1"/>
+                </a:solidFill>
+                <a:latin typeface="+mn-lt"/>
+                <a:ea typeface="+mn-ea"/>
+                <a:cs typeface="+mn-cs"/>
+              </a:defRPr>
+            </a:lvl7pPr>
+            <a:lvl8pPr marL="3429000" indent="-228600" algn="l" defTabSz="914400" rtl="0" eaLnBrk="1" latinLnBrk="0" hangingPunct="1">
+              <a:spcBef>
+                <a:spcPct val="20000"/>
+              </a:spcBef>
+              <a:buFont typeface="Arial" pitchFamily="34" charset="0"/>
+              <a:buChar char="•"/>
+              <a:defRPr sz="2000" kern="1200">
+                <a:solidFill>
+                  <a:schemeClr val="tx1"/>
+                </a:solidFill>
+                <a:latin typeface="+mn-lt"/>
+                <a:ea typeface="+mn-ea"/>
+                <a:cs typeface="+mn-cs"/>
+              </a:defRPr>
+            </a:lvl8pPr>
+            <a:lvl9pPr marL="3886200" indent="-228600" algn="l" defTabSz="914400" rtl="0" eaLnBrk="1" latinLnBrk="0" hangingPunct="1">
+              <a:spcBef>
+                <a:spcPct val="20000"/>
+              </a:spcBef>
+              <a:buFont typeface="Arial" pitchFamily="34" charset="0"/>
+              <a:buChar char="•"/>
+              <a:defRPr sz="2000" kern="1200">
+                <a:solidFill>
+                  <a:schemeClr val="tx1"/>
+                </a:solidFill>
+                <a:latin typeface="+mn-lt"/>
+                <a:ea typeface="+mn-ea"/>
+                <a:cs typeface="+mn-cs"/>
+              </a:defRPr>
+            </a:lvl9pPr>
+          </a:lstStyle>
+          <a:p>
+            <a:pPr marL="228600" indent="-171450">
+              <a:buFontTx/>
+              <a:buChar char="-"/>
+            </a:pPr>
+            <a:r>
+              <a:rPr lang="fr-FR" sz="1200" dirty="0" smtClean="0">
+                <a:ea typeface="Cambria Math" panose="02040503050406030204" pitchFamily="18" charset="0"/>
+              </a:rPr>
+              <a:t>1st layer must </a:t>
+            </a:r>
+            <a:r>
+              <a:rPr lang="fr-FR" sz="1200" dirty="0" err="1" smtClean="0">
+                <a:ea typeface="Cambria Math" panose="02040503050406030204" pitchFamily="18" charset="0"/>
+              </a:rPr>
+              <a:t>be</a:t>
+            </a:r>
+            <a:r>
+              <a:rPr lang="fr-FR" sz="1200" dirty="0" smtClean="0">
+                <a:ea typeface="Cambria Math" panose="02040503050406030204" pitchFamily="18" charset="0"/>
+              </a:rPr>
+              <a:t> </a:t>
+            </a:r>
+            <a:r>
+              <a:rPr lang="fr-FR" sz="1200" dirty="0" err="1" smtClean="0">
+                <a:ea typeface="Cambria Math" panose="02040503050406030204" pitchFamily="18" charset="0"/>
+              </a:rPr>
+              <a:t>larger</a:t>
+            </a:r>
+            <a:r>
+              <a:rPr lang="fr-FR" sz="1200" dirty="0" smtClean="0">
+                <a:ea typeface="Cambria Math" panose="02040503050406030204" pitchFamily="18" charset="0"/>
+              </a:rPr>
+              <a:t> </a:t>
+            </a:r>
+            <a:r>
+              <a:rPr lang="fr-FR" sz="1200" dirty="0" err="1" smtClean="0">
+                <a:ea typeface="Cambria Math" panose="02040503050406030204" pitchFamily="18" charset="0"/>
+              </a:rPr>
+              <a:t>than</a:t>
+            </a:r>
+            <a:r>
+              <a:rPr lang="fr-FR" sz="1200" dirty="0" smtClean="0">
+                <a:ea typeface="Cambria Math" panose="02040503050406030204" pitchFamily="18" charset="0"/>
+              </a:rPr>
+              <a:t> active layer </a:t>
+            </a:r>
+          </a:p>
+          <a:p>
+            <a:pPr marL="457200" lvl="1" indent="0">
+              <a:buNone/>
+            </a:pPr>
+            <a:r>
+              <a:rPr lang="fr-FR" sz="800" dirty="0" smtClean="0">
+                <a:ea typeface="Cambria Math" panose="02040503050406030204" pitchFamily="18" charset="0"/>
+              </a:rPr>
+              <a:t>ES(1)&gt;ELAY0</a:t>
+            </a:r>
+          </a:p>
+          <a:p>
+            <a:pPr marL="228600" indent="-171450">
+              <a:buFontTx/>
+              <a:buChar char="-"/>
+            </a:pPr>
+            <a:r>
+              <a:rPr lang="fr-FR" sz="1200" dirty="0" smtClean="0">
+                <a:ea typeface="Cambria Math" panose="02040503050406030204" pitchFamily="18" charset="0"/>
+              </a:rPr>
+              <a:t>1st layer </a:t>
+            </a:r>
+            <a:r>
+              <a:rPr lang="fr-FR" sz="1200" dirty="0" err="1" smtClean="0">
+                <a:ea typeface="Cambria Math" panose="02040503050406030204" pitchFamily="18" charset="0"/>
+              </a:rPr>
+              <a:t>divided</a:t>
+            </a:r>
+            <a:r>
+              <a:rPr lang="fr-FR" sz="1200" dirty="0" smtClean="0">
+                <a:ea typeface="Cambria Math" panose="02040503050406030204" pitchFamily="18" charset="0"/>
+              </a:rPr>
+              <a:t> </a:t>
+            </a:r>
+            <a:r>
+              <a:rPr lang="fr-FR" sz="1200" dirty="0" err="1" smtClean="0">
+                <a:ea typeface="Cambria Math" panose="02040503050406030204" pitchFamily="18" charset="0"/>
+              </a:rPr>
+              <a:t>between</a:t>
+            </a:r>
+            <a:r>
+              <a:rPr lang="fr-FR" sz="1200" dirty="0" smtClean="0">
+                <a:ea typeface="Cambria Math" panose="02040503050406030204" pitchFamily="18" charset="0"/>
+              </a:rPr>
+              <a:t> active layer and substratum; volume fraction are </a:t>
+            </a:r>
+            <a:r>
+              <a:rPr lang="fr-FR" sz="1200" dirty="0" err="1" smtClean="0">
+                <a:ea typeface="Cambria Math" panose="02040503050406030204" pitchFamily="18" charset="0"/>
+              </a:rPr>
+              <a:t>consequently</a:t>
+            </a:r>
+            <a:r>
+              <a:rPr lang="fr-FR" sz="1200" dirty="0" smtClean="0">
+                <a:ea typeface="Cambria Math" panose="02040503050406030204" pitchFamily="18" charset="0"/>
+              </a:rPr>
+              <a:t> </a:t>
+            </a:r>
+            <a:r>
+              <a:rPr lang="fr-FR" sz="1200" dirty="0" err="1" smtClean="0">
+                <a:ea typeface="Cambria Math" panose="02040503050406030204" pitchFamily="18" charset="0"/>
+              </a:rPr>
+              <a:t>defined</a:t>
+            </a:r>
+            <a:r>
+              <a:rPr lang="fr-FR" sz="1200" dirty="0" smtClean="0">
+                <a:ea typeface="Cambria Math" panose="02040503050406030204" pitchFamily="18" charset="0"/>
+              </a:rPr>
+              <a:t>  : </a:t>
+            </a:r>
+            <a:r>
+              <a:rPr lang="fr-FR" sz="1200" dirty="0" smtClean="0">
+                <a:solidFill>
+                  <a:srgbClr val="7030A0"/>
+                </a:solidFill>
+                <a:ea typeface="Cambria Math" panose="02040503050406030204" pitchFamily="18" charset="0"/>
+              </a:rPr>
+              <a:t>ES</a:t>
+            </a:r>
+            <a:r>
+              <a:rPr lang="fr-FR" sz="1200" dirty="0" smtClean="0">
+                <a:ea typeface="Cambria Math" panose="02040503050406030204" pitchFamily="18" charset="0"/>
+              </a:rPr>
+              <a:t>, </a:t>
+            </a:r>
+            <a:r>
+              <a:rPr lang="fr-FR" sz="1200" dirty="0" smtClean="0">
+                <a:solidFill>
+                  <a:srgbClr val="7030A0"/>
+                </a:solidFill>
+                <a:ea typeface="Cambria Math" panose="02040503050406030204" pitchFamily="18" charset="0"/>
+              </a:rPr>
+              <a:t>NLAYER</a:t>
+            </a:r>
+            <a:r>
+              <a:rPr lang="fr-FR" sz="1200" dirty="0" smtClean="0">
+                <a:ea typeface="Cambria Math" panose="02040503050406030204" pitchFamily="18" charset="0"/>
+              </a:rPr>
+              <a:t>, </a:t>
+            </a:r>
+            <a:r>
+              <a:rPr lang="fr-FR" sz="1200" dirty="0" smtClean="0">
+                <a:solidFill>
+                  <a:srgbClr val="7030A0"/>
+                </a:solidFill>
+                <a:ea typeface="Cambria Math" panose="02040503050406030204" pitchFamily="18" charset="0"/>
+              </a:rPr>
+              <a:t>ELAY0</a:t>
+            </a:r>
+            <a:r>
+              <a:rPr lang="fr-FR" sz="1200" dirty="0" smtClean="0">
+                <a:ea typeface="Cambria Math" panose="02040503050406030204" pitchFamily="18" charset="0"/>
+              </a:rPr>
+              <a:t>, </a:t>
+            </a:r>
+            <a:r>
+              <a:rPr lang="fr-FR" sz="1200" dirty="0" smtClean="0">
+                <a:solidFill>
+                  <a:srgbClr val="7030A0"/>
+                </a:solidFill>
+                <a:ea typeface="Cambria Math" panose="02040503050406030204" pitchFamily="18" charset="0"/>
+              </a:rPr>
+              <a:t>AVAIL</a:t>
+            </a:r>
+            <a:r>
+              <a:rPr lang="fr-FR" sz="1200" dirty="0" smtClean="0">
+                <a:ea typeface="Cambria Math" panose="02040503050406030204" pitchFamily="18" charset="0"/>
+              </a:rPr>
+              <a:t>,</a:t>
+            </a:r>
+            <a:r>
+              <a:rPr lang="fr-FR" sz="1200" dirty="0" smtClean="0">
+                <a:solidFill>
+                  <a:srgbClr val="7030A0"/>
+                </a:solidFill>
+                <a:ea typeface="Cambria Math" panose="02040503050406030204" pitchFamily="18" charset="0"/>
+              </a:rPr>
+              <a:t>ELAY</a:t>
+            </a:r>
+            <a:r>
+              <a:rPr lang="fr-FR" sz="1200" dirty="0" smtClean="0">
+                <a:ea typeface="Cambria Math" panose="02040503050406030204" pitchFamily="18" charset="0"/>
+              </a:rPr>
+              <a:t>, </a:t>
+            </a:r>
+            <a:r>
+              <a:rPr lang="fr-FR" sz="1200" dirty="0" smtClean="0">
+                <a:solidFill>
+                  <a:srgbClr val="7030A0"/>
+                </a:solidFill>
+                <a:ea typeface="Cambria Math" panose="02040503050406030204" pitchFamily="18" charset="0"/>
+              </a:rPr>
+              <a:t>ESTRAT</a:t>
+            </a:r>
+            <a:endParaRPr lang="fr-FR" sz="800" dirty="0" smtClean="0">
+              <a:solidFill>
+                <a:srgbClr val="7030A0"/>
+              </a:solidFill>
+              <a:ea typeface="Cambria Math" panose="02040503050406030204" pitchFamily="18" charset="0"/>
+            </a:endParaRPr>
+          </a:p>
+          <a:p>
+            <a:pPr marL="57150" indent="0">
+              <a:buNone/>
+            </a:pPr>
+            <a:endParaRPr lang="fr-FR" sz="1200" dirty="0" smtClean="0">
+              <a:ea typeface="Cambria Math" panose="02040503050406030204" pitchFamily="18" charset="0"/>
+            </a:endParaRPr>
+          </a:p>
+        </p:txBody>
+      </p:sp>
+      <p:cxnSp>
+        <p:nvCxnSpPr>
+          <p:cNvPr id="40" name="Connecteur droit avec flèche 39"/>
+          <p:cNvCxnSpPr/>
+          <p:nvPr/>
+        </p:nvCxnSpPr>
+        <p:spPr>
+          <a:xfrm>
+            <a:off x="5804168" y="5555937"/>
+            <a:ext cx="722392" cy="0"/>
+          </a:xfrm>
+          <a:prstGeom prst="straightConnector1">
+            <a:avLst/>
+          </a:prstGeom>
+          <a:ln w="15875">
+            <a:solidFill>
+              <a:schemeClr val="tx1"/>
+            </a:solidFill>
+            <a:tailEnd type="triangle"/>
+          </a:ln>
+        </p:spPr>
+        <p:style>
+          <a:lnRef idx="1">
+            <a:schemeClr val="accent1"/>
+          </a:lnRef>
+          <a:fillRef idx="0">
+            <a:schemeClr val="accent1"/>
+          </a:fillRef>
+          <a:effectRef idx="0">
+            <a:schemeClr val="accent1"/>
+          </a:effectRef>
+          <a:fontRef idx="minor">
+            <a:schemeClr val="tx1"/>
+          </a:fontRef>
+        </p:style>
+      </p:cxnSp>
+      <p:sp>
+        <p:nvSpPr>
+          <p:cNvPr id="16" name="Espace réservé du contenu 2"/>
+          <p:cNvSpPr txBox="1">
+            <a:spLocks/>
+          </p:cNvSpPr>
+          <p:nvPr/>
+        </p:nvSpPr>
+        <p:spPr>
+          <a:xfrm>
+            <a:off x="6306046" y="938493"/>
+            <a:ext cx="2442417" cy="1556690"/>
+          </a:xfrm>
+          <a:prstGeom prst="rect">
+            <a:avLst/>
+          </a:prstGeom>
+          <a:ln>
+            <a:solidFill>
+              <a:schemeClr val="tx1"/>
+            </a:solidFill>
+          </a:ln>
+          <a:effectLst>
+            <a:softEdge rad="0"/>
+          </a:effectLst>
+        </p:spPr>
+        <p:txBody>
+          <a:bodyPr vert="horz" lIns="91440" tIns="45720" rIns="91440" bIns="45720" rtlCol="0">
+            <a:normAutofit fontScale="70000" lnSpcReduction="20000"/>
+          </a:bodyPr>
+          <a:lstStyle>
+            <a:lvl1pPr marL="342900" indent="-342900" algn="l" defTabSz="914400" rtl="0" eaLnBrk="1" latinLnBrk="0" hangingPunct="1">
+              <a:spcBef>
+                <a:spcPct val="20000"/>
+              </a:spcBef>
+              <a:buFont typeface="Arial" pitchFamily="34" charset="0"/>
+              <a:buChar char="•"/>
+              <a:defRPr sz="3200" kern="1200">
+                <a:solidFill>
+                  <a:schemeClr val="tx1"/>
+                </a:solidFill>
+                <a:latin typeface="+mn-lt"/>
+                <a:ea typeface="+mn-ea"/>
+                <a:cs typeface="+mn-cs"/>
+              </a:defRPr>
+            </a:lvl1pPr>
+            <a:lvl2pPr marL="742950" indent="-285750" algn="l" defTabSz="914400" rtl="0" eaLnBrk="1" latinLnBrk="0" hangingPunct="1">
+              <a:spcBef>
+                <a:spcPct val="20000"/>
+              </a:spcBef>
+              <a:buFont typeface="Arial" pitchFamily="34" charset="0"/>
+              <a:buChar char="–"/>
+              <a:defRPr sz="2800" kern="1200">
+                <a:solidFill>
+                  <a:schemeClr val="tx1"/>
+                </a:solidFill>
+                <a:latin typeface="+mn-lt"/>
+                <a:ea typeface="+mn-ea"/>
+                <a:cs typeface="+mn-cs"/>
+              </a:defRPr>
+            </a:lvl2pPr>
+            <a:lvl3pPr marL="1143000" indent="-228600" algn="l" defTabSz="914400" rtl="0" eaLnBrk="1" latinLnBrk="0" hangingPunct="1">
+              <a:spcBef>
+                <a:spcPct val="20000"/>
+              </a:spcBef>
+              <a:buFont typeface="Arial" pitchFamily="34" charset="0"/>
+              <a:buChar char="•"/>
+              <a:defRPr sz="2400" kern="1200">
+                <a:solidFill>
+                  <a:schemeClr val="tx1"/>
+                </a:solidFill>
+                <a:latin typeface="+mn-lt"/>
+                <a:ea typeface="+mn-ea"/>
+                <a:cs typeface="+mn-cs"/>
+              </a:defRPr>
+            </a:lvl3pPr>
+            <a:lvl4pPr marL="1600200" indent="-228600" algn="l" defTabSz="914400" rtl="0" eaLnBrk="1" latinLnBrk="0" hangingPunct="1">
+              <a:spcBef>
+                <a:spcPct val="20000"/>
+              </a:spcBef>
+              <a:buFont typeface="Arial" pitchFamily="34" charset="0"/>
+              <a:buChar char="–"/>
+              <a:defRPr sz="2000" kern="1200">
+                <a:solidFill>
+                  <a:schemeClr val="tx1"/>
+                </a:solidFill>
+                <a:latin typeface="+mn-lt"/>
+                <a:ea typeface="+mn-ea"/>
+                <a:cs typeface="+mn-cs"/>
+              </a:defRPr>
+            </a:lvl4pPr>
+            <a:lvl5pPr marL="2057400" indent="-228600" algn="l" defTabSz="914400" rtl="0" eaLnBrk="1" latinLnBrk="0" hangingPunct="1">
+              <a:spcBef>
+                <a:spcPct val="20000"/>
+              </a:spcBef>
+              <a:buFont typeface="Arial" pitchFamily="34" charset="0"/>
+              <a:buChar char="»"/>
+              <a:defRPr sz="2000" kern="1200">
+                <a:solidFill>
+                  <a:schemeClr val="tx1"/>
+                </a:solidFill>
+                <a:latin typeface="+mn-lt"/>
+                <a:ea typeface="+mn-ea"/>
+                <a:cs typeface="+mn-cs"/>
+              </a:defRPr>
+            </a:lvl5pPr>
+            <a:lvl6pPr marL="2514600" indent="-228600" algn="l" defTabSz="914400" rtl="0" eaLnBrk="1" latinLnBrk="0" hangingPunct="1">
+              <a:spcBef>
+                <a:spcPct val="20000"/>
+              </a:spcBef>
+              <a:buFont typeface="Arial" pitchFamily="34" charset="0"/>
+              <a:buChar char="•"/>
+              <a:defRPr sz="2000" kern="1200">
+                <a:solidFill>
+                  <a:schemeClr val="tx1"/>
+                </a:solidFill>
+                <a:latin typeface="+mn-lt"/>
+                <a:ea typeface="+mn-ea"/>
+                <a:cs typeface="+mn-cs"/>
+              </a:defRPr>
+            </a:lvl6pPr>
+            <a:lvl7pPr marL="2971800" indent="-228600" algn="l" defTabSz="914400" rtl="0" eaLnBrk="1" latinLnBrk="0" hangingPunct="1">
+              <a:spcBef>
+                <a:spcPct val="20000"/>
+              </a:spcBef>
+              <a:buFont typeface="Arial" pitchFamily="34" charset="0"/>
+              <a:buChar char="•"/>
+              <a:defRPr sz="2000" kern="1200">
+                <a:solidFill>
+                  <a:schemeClr val="tx1"/>
+                </a:solidFill>
+                <a:latin typeface="+mn-lt"/>
+                <a:ea typeface="+mn-ea"/>
+                <a:cs typeface="+mn-cs"/>
+              </a:defRPr>
+            </a:lvl7pPr>
+            <a:lvl8pPr marL="3429000" indent="-228600" algn="l" defTabSz="914400" rtl="0" eaLnBrk="1" latinLnBrk="0" hangingPunct="1">
+              <a:spcBef>
+                <a:spcPct val="20000"/>
+              </a:spcBef>
+              <a:buFont typeface="Arial" pitchFamily="34" charset="0"/>
+              <a:buChar char="•"/>
+              <a:defRPr sz="2000" kern="1200">
+                <a:solidFill>
+                  <a:schemeClr val="tx1"/>
+                </a:solidFill>
+                <a:latin typeface="+mn-lt"/>
+                <a:ea typeface="+mn-ea"/>
+                <a:cs typeface="+mn-cs"/>
+              </a:defRPr>
+            </a:lvl8pPr>
+            <a:lvl9pPr marL="3886200" indent="-228600" algn="l" defTabSz="914400" rtl="0" eaLnBrk="1" latinLnBrk="0" hangingPunct="1">
+              <a:spcBef>
+                <a:spcPct val="20000"/>
+              </a:spcBef>
+              <a:buFont typeface="Arial" pitchFamily="34" charset="0"/>
+              <a:buChar char="•"/>
+              <a:defRPr sz="2000" kern="1200">
+                <a:solidFill>
+                  <a:schemeClr val="tx1"/>
+                </a:solidFill>
+                <a:latin typeface="+mn-lt"/>
+                <a:ea typeface="+mn-ea"/>
+                <a:cs typeface="+mn-cs"/>
+              </a:defRPr>
+            </a:lvl9pPr>
+          </a:lstStyle>
+          <a:p>
+            <a:pPr marL="57150" indent="0">
+              <a:buNone/>
+            </a:pPr>
+            <a:r>
+              <a:rPr lang="fr-FR" dirty="0" err="1" smtClean="0">
+                <a:solidFill>
+                  <a:srgbClr val="FF0000"/>
+                </a:solidFill>
+                <a:ea typeface="Cambria Math" panose="02040503050406030204" pitchFamily="18" charset="0"/>
+              </a:rPr>
+              <a:t>what’s</a:t>
+            </a:r>
+            <a:r>
+              <a:rPr lang="fr-FR" dirty="0" smtClean="0">
+                <a:solidFill>
+                  <a:srgbClr val="FF0000"/>
+                </a:solidFill>
+                <a:ea typeface="Cambria Math" panose="02040503050406030204" pitchFamily="18" charset="0"/>
+              </a:rPr>
+              <a:t> the </a:t>
+            </a:r>
+            <a:r>
+              <a:rPr lang="fr-FR" dirty="0" err="1" smtClean="0">
+                <a:solidFill>
+                  <a:srgbClr val="FF0000"/>
+                </a:solidFill>
+                <a:ea typeface="Cambria Math" panose="02040503050406030204" pitchFamily="18" charset="0"/>
+              </a:rPr>
+              <a:t>difference</a:t>
+            </a:r>
+            <a:r>
+              <a:rPr lang="fr-FR" dirty="0" smtClean="0">
+                <a:solidFill>
+                  <a:srgbClr val="FF0000"/>
+                </a:solidFill>
+                <a:ea typeface="Cambria Math" panose="02040503050406030204" pitchFamily="18" charset="0"/>
+              </a:rPr>
+              <a:t> </a:t>
+            </a:r>
+            <a:r>
+              <a:rPr lang="fr-FR" dirty="0" err="1" smtClean="0">
+                <a:solidFill>
+                  <a:srgbClr val="FF0000"/>
+                </a:solidFill>
+                <a:ea typeface="Cambria Math" panose="02040503050406030204" pitchFamily="18" charset="0"/>
+              </a:rPr>
+              <a:t>between</a:t>
+            </a:r>
+            <a:r>
+              <a:rPr lang="fr-FR" dirty="0" smtClean="0">
+                <a:solidFill>
+                  <a:srgbClr val="FF0000"/>
+                </a:solidFill>
+                <a:ea typeface="Cambria Math" panose="02040503050406030204" pitchFamily="18" charset="0"/>
+              </a:rPr>
+              <a:t> </a:t>
+            </a:r>
+            <a:r>
+              <a:rPr lang="fr-FR" dirty="0" err="1" smtClean="0">
+                <a:solidFill>
+                  <a:srgbClr val="FF0000"/>
+                </a:solidFill>
+                <a:ea typeface="Cambria Math" panose="02040503050406030204" pitchFamily="18" charset="0"/>
+              </a:rPr>
+              <a:t>ncouche</a:t>
+            </a:r>
+            <a:r>
+              <a:rPr lang="fr-FR" dirty="0" smtClean="0">
+                <a:solidFill>
+                  <a:srgbClr val="FF0000"/>
+                </a:solidFill>
+                <a:ea typeface="Cambria Math" panose="02040503050406030204" pitchFamily="18" charset="0"/>
+              </a:rPr>
+              <a:t> in </a:t>
+            </a:r>
+            <a:r>
+              <a:rPr lang="fr-FR" dirty="0" err="1" smtClean="0">
+                <a:solidFill>
+                  <a:srgbClr val="FF0000"/>
+                </a:solidFill>
+                <a:ea typeface="Cambria Math" panose="02040503050406030204" pitchFamily="18" charset="0"/>
+              </a:rPr>
+              <a:t>init_compo</a:t>
+            </a:r>
+            <a:r>
+              <a:rPr lang="fr-FR" dirty="0" smtClean="0">
+                <a:solidFill>
+                  <a:srgbClr val="FF0000"/>
+                </a:solidFill>
+                <a:ea typeface="Cambria Math" panose="02040503050406030204" pitchFamily="18" charset="0"/>
+              </a:rPr>
+              <a:t> and </a:t>
+            </a:r>
+            <a:r>
+              <a:rPr lang="fr-FR" dirty="0" err="1" smtClean="0">
+                <a:solidFill>
+                  <a:srgbClr val="FF0000"/>
+                </a:solidFill>
+                <a:ea typeface="Cambria Math" panose="02040503050406030204" pitchFamily="18" charset="0"/>
+              </a:rPr>
+              <a:t>nomblay</a:t>
+            </a:r>
+            <a:r>
+              <a:rPr lang="fr-FR" dirty="0" smtClean="0">
+                <a:solidFill>
+                  <a:srgbClr val="FF0000"/>
+                </a:solidFill>
+                <a:ea typeface="Cambria Math" panose="02040503050406030204" pitchFamily="18" charset="0"/>
+              </a:rPr>
+              <a:t>?</a:t>
+            </a:r>
+            <a:endParaRPr lang="fr-FR" i="1" dirty="0" smtClean="0">
+              <a:solidFill>
+                <a:srgbClr val="FF0000"/>
+              </a:solidFill>
+              <a:ea typeface="Cambria Math" panose="02040503050406030204" pitchFamily="18" charset="0"/>
+            </a:endParaRPr>
+          </a:p>
+          <a:p>
+            <a:pPr marL="457200" lvl="1" indent="0">
+              <a:buNone/>
+            </a:pPr>
+            <a:endParaRPr lang="fr-FR" dirty="0" smtClean="0"/>
+          </a:p>
+        </p:txBody>
+      </p:sp>
+    </p:spTree>
+    <p:extLst>
+      <p:ext uri="{BB962C8B-B14F-4D97-AF65-F5344CB8AC3E}">
+        <p14:creationId xmlns:p14="http://schemas.microsoft.com/office/powerpoint/2010/main" val="216849110"/>
+      </p:ext>
+    </p:extLst>
+  </p:cSld>
+  <p:clrMapOvr>
+    <a:masterClrMapping/>
+  </p:clrMapOvr>
+</p:sld>
+</file>
+
 <file path=ppt/slides/slide2.xml><?xml version="1.0" encoding="utf-8"?>
 <p:sld xmlns:a="http://schemas.openxmlformats.org/drawingml/2006/main" xmlns:r="http://schemas.openxmlformats.org/officeDocument/2006/relationships" xmlns:p="http://schemas.openxmlformats.org/presentationml/2006/main">
   <p:cSld>

--- a/documentation/sisyphe/convergence_sed.pptx
+++ b/documentation/sisyphe/convergence_sed.pptx
@@ -319,7 +319,7 @@
           <a:p>
             <a:fld id="{AA309A6D-C09C-4548-B29A-6CF363A7E532}" type="datetimeFigureOut">
               <a:rPr lang="fr-FR" smtClean="0"/>
-              <a:t>09/01/2018</a:t>
+              <a:t>15/02/2018</a:t>
             </a:fld>
             <a:endParaRPr lang="fr-BE"/>
           </a:p>
@@ -484,7 +484,7 @@
           <a:p>
             <a:fld id="{AA309A6D-C09C-4548-B29A-6CF363A7E532}" type="datetimeFigureOut">
               <a:rPr lang="fr-FR" smtClean="0"/>
-              <a:t>09/01/2018</a:t>
+              <a:t>15/02/2018</a:t>
             </a:fld>
             <a:endParaRPr lang="fr-BE"/>
           </a:p>
@@ -659,7 +659,7 @@
           <a:p>
             <a:fld id="{AA309A6D-C09C-4548-B29A-6CF363A7E532}" type="datetimeFigureOut">
               <a:rPr lang="fr-FR" smtClean="0"/>
-              <a:t>09/01/2018</a:t>
+              <a:t>15/02/2018</a:t>
             </a:fld>
             <a:endParaRPr lang="fr-BE"/>
           </a:p>
@@ -824,7 +824,7 @@
           <a:p>
             <a:fld id="{AA309A6D-C09C-4548-B29A-6CF363A7E532}" type="datetimeFigureOut">
               <a:rPr lang="fr-FR" smtClean="0"/>
-              <a:t>09/01/2018</a:t>
+              <a:t>15/02/2018</a:t>
             </a:fld>
             <a:endParaRPr lang="fr-BE"/>
           </a:p>
@@ -1065,7 +1065,7 @@
           <a:p>
             <a:fld id="{AA309A6D-C09C-4548-B29A-6CF363A7E532}" type="datetimeFigureOut">
               <a:rPr lang="fr-FR" smtClean="0"/>
-              <a:t>09/01/2018</a:t>
+              <a:t>15/02/2018</a:t>
             </a:fld>
             <a:endParaRPr lang="fr-BE"/>
           </a:p>
@@ -1348,7 +1348,7 @@
           <a:p>
             <a:fld id="{AA309A6D-C09C-4548-B29A-6CF363A7E532}" type="datetimeFigureOut">
               <a:rPr lang="fr-FR" smtClean="0"/>
-              <a:t>09/01/2018</a:t>
+              <a:t>15/02/2018</a:t>
             </a:fld>
             <a:endParaRPr lang="fr-BE"/>
           </a:p>
@@ -1765,7 +1765,7 @@
           <a:p>
             <a:fld id="{AA309A6D-C09C-4548-B29A-6CF363A7E532}" type="datetimeFigureOut">
               <a:rPr lang="fr-FR" smtClean="0"/>
-              <a:t>09/01/2018</a:t>
+              <a:t>15/02/2018</a:t>
             </a:fld>
             <a:endParaRPr lang="fr-BE"/>
           </a:p>
@@ -1878,7 +1878,7 @@
           <a:p>
             <a:fld id="{AA309A6D-C09C-4548-B29A-6CF363A7E532}" type="datetimeFigureOut">
               <a:rPr lang="fr-FR" smtClean="0"/>
-              <a:t>09/01/2018</a:t>
+              <a:t>15/02/2018</a:t>
             </a:fld>
             <a:endParaRPr lang="fr-BE"/>
           </a:p>
@@ -1968,7 +1968,7 @@
           <a:p>
             <a:fld id="{AA309A6D-C09C-4548-B29A-6CF363A7E532}" type="datetimeFigureOut">
               <a:rPr lang="fr-FR" smtClean="0"/>
-              <a:t>09/01/2018</a:t>
+              <a:t>15/02/2018</a:t>
             </a:fld>
             <a:endParaRPr lang="fr-BE"/>
           </a:p>
@@ -2240,7 +2240,7 @@
           <a:p>
             <a:fld id="{AA309A6D-C09C-4548-B29A-6CF363A7E532}" type="datetimeFigureOut">
               <a:rPr lang="fr-FR" smtClean="0"/>
-              <a:t>09/01/2018</a:t>
+              <a:t>15/02/2018</a:t>
             </a:fld>
             <a:endParaRPr lang="fr-BE"/>
           </a:p>
@@ -2488,7 +2488,7 @@
           <a:p>
             <a:fld id="{AA309A6D-C09C-4548-B29A-6CF363A7E532}" type="datetimeFigureOut">
               <a:rPr lang="fr-FR" smtClean="0"/>
-              <a:t>09/01/2018</a:t>
+              <a:t>15/02/2018</a:t>
             </a:fld>
             <a:endParaRPr lang="fr-BE"/>
           </a:p>
@@ -2696,7 +2696,7 @@
           <a:p>
             <a:fld id="{AA309A6D-C09C-4548-B29A-6CF363A7E532}" type="datetimeFigureOut">
               <a:rPr lang="fr-FR" smtClean="0"/>
-              <a:t>09/01/2018</a:t>
+              <a:t>15/02/2018</a:t>
             </a:fld>
             <a:endParaRPr lang="fr-BE"/>
           </a:p>
@@ -3347,12 +3347,20 @@
               <a:t>BED LOAD FOR </a:t>
             </a:r>
             <a:r>
-              <a:rPr lang="fr-FR" sz="1300" dirty="0">
+              <a:rPr lang="fr-FR" sz="1300">
                 <a:solidFill>
                   <a:schemeClr val="accent3"/>
                 </a:solidFill>
               </a:rPr>
-              <a:t>ALL SAND </a:t>
+              <a:t>ALL </a:t>
+            </a:r>
+            <a:r>
+              <a:rPr lang="fr-FR" sz="1300" smtClean="0">
+                <a:solidFill>
+                  <a:schemeClr val="accent3"/>
+                </a:solidFill>
+              </a:rPr>
+              <a:t>SANDS </a:t>
             </a:r>
             <a:r>
               <a:rPr lang="fr-FR" sz="1300" dirty="0">
